--- a/IDEAS FOR PROBLEM STATEMENT.2.pptx
+++ b/IDEAS FOR PROBLEM STATEMENT.2.pptx
@@ -4,8 +4,12 @@
   <p:sldMasterIdLst>
     <p:sldMasterId id="2147483648" r:id="rId1"/>
   </p:sldMasterIdLst>
+  <p:notesMasterIdLst>
+    <p:notesMasterId r:id="rId5"/>
+  </p:notesMasterIdLst>
   <p:sldIdLst>
     <p:sldId id="256" r:id="rId3"/>
+    <p:sldId id="257" r:id="rId4"/>
   </p:sldIdLst>
   <p:sldSz cx="12192000" cy="6858000"/>
   <p:notesSz cx="6858000" cy="9144000"/>
@@ -105,6 +109,353 @@
     </a:lvl9pPr>
   </p:defaultTextStyle>
 </p:presentation>
+</file>
+
+<file path=ppt/notesMasters/notesMaster1.xml><?xml version="1.0" encoding="utf-8"?>
+<p:notesMaster xmlns:a="http://schemas.openxmlformats.org/drawingml/2006/main" xmlns:r="http://schemas.openxmlformats.org/officeDocument/2006/relationships" xmlns:p="http://schemas.openxmlformats.org/presentationml/2006/main">
+  <p:cSld>
+    <p:bg>
+      <p:bgRef idx="1001">
+        <a:schemeClr val="bg1"/>
+      </p:bgRef>
+    </p:bg>
+    <p:spTree>
+      <p:nvGrpSpPr>
+        <p:cNvPr id="1" name=""/>
+        <p:cNvGrpSpPr/>
+        <p:nvPr/>
+      </p:nvGrpSpPr>
+      <p:grpSpPr>
+        <a:xfrm>
+          <a:off x="0" y="0"/>
+          <a:ext cx="0" cy="0"/>
+          <a:chOff x="0" y="0"/>
+          <a:chExt cx="0" cy="0"/>
+        </a:xfrm>
+      </p:grpSpPr>
+      <p:sp>
+        <p:nvSpPr>
+          <p:cNvPr id="2" name="Header Placeholder 1"/>
+          <p:cNvSpPr>
+            <a:spLocks noGrp="1"/>
+          </p:cNvSpPr>
+          <p:nvPr>
+            <p:ph type="hdr" sz="quarter"/>
+          </p:nvPr>
+        </p:nvSpPr>
+        <p:spPr>
+          <a:xfrm>
+            <a:off x="0" y="0"/>
+            <a:ext cx="2971800" cy="458788"/>
+          </a:xfrm>
+          <a:prstGeom prst="rect">
+            <a:avLst/>
+          </a:prstGeom>
+        </p:spPr>
+        <p:txBody>
+          <a:bodyPr vert="horz" lIns="91440" tIns="45720" rIns="91440" bIns="45720" rtlCol="0"/>
+          <a:lstStyle>
+            <a:lvl1pPr algn="l">
+              <a:defRPr sz="1200"/>
+            </a:lvl1pPr>
+          </a:lstStyle>
+          <a:p>
+            <a:endParaRPr lang="en-US"/>
+          </a:p>
+        </p:txBody>
+      </p:sp>
+      <p:sp>
+        <p:nvSpPr>
+          <p:cNvPr id="3" name="Date Placeholder 2"/>
+          <p:cNvSpPr>
+            <a:spLocks noGrp="1"/>
+          </p:cNvSpPr>
+          <p:nvPr>
+            <p:ph type="dt" idx="1"/>
+          </p:nvPr>
+        </p:nvSpPr>
+        <p:spPr>
+          <a:xfrm>
+            <a:off x="3884613" y="0"/>
+            <a:ext cx="2971800" cy="458788"/>
+          </a:xfrm>
+          <a:prstGeom prst="rect">
+            <a:avLst/>
+          </a:prstGeom>
+        </p:spPr>
+        <p:txBody>
+          <a:bodyPr vert="horz" lIns="91440" tIns="45720" rIns="91440" bIns="45720" rtlCol="0"/>
+          <a:lstStyle>
+            <a:lvl1pPr algn="r">
+              <a:defRPr sz="1200"/>
+            </a:lvl1pPr>
+          </a:lstStyle>
+          <a:p>
+            <a:fld id="{3EFD42F7-718C-4B98-AAEC-167E6DDD60A7}" type="datetimeFigureOut">
+              <a:rPr lang="en-US" smtClean="0"/>
+            </a:fld>
+            <a:endParaRPr lang="en-US"/>
+          </a:p>
+        </p:txBody>
+      </p:sp>
+      <p:sp>
+        <p:nvSpPr>
+          <p:cNvPr id="4" name="Slide Image Placeholder 3"/>
+          <p:cNvSpPr>
+            <a:spLocks noGrp="1" noRot="1" noChangeAspect="1"/>
+          </p:cNvSpPr>
+          <p:nvPr>
+            <p:ph type="sldImg" idx="2"/>
+          </p:nvPr>
+        </p:nvSpPr>
+        <p:spPr>
+          <a:xfrm>
+            <a:off x="685800" y="1143000"/>
+            <a:ext cx="5486400" cy="3086100"/>
+          </a:xfrm>
+          <a:prstGeom prst="rect">
+            <a:avLst/>
+          </a:prstGeom>
+          <a:noFill/>
+          <a:ln w="12700">
+            <a:solidFill>
+              <a:prstClr val="black"/>
+            </a:solidFill>
+          </a:ln>
+        </p:spPr>
+        <p:txBody>
+          <a:bodyPr vert="horz" lIns="91440" tIns="45720" rIns="91440" bIns="45720" rtlCol="0" anchor="ctr"/>
+          <a:lstStyle/>
+          <a:p>
+            <a:endParaRPr lang="en-US"/>
+          </a:p>
+        </p:txBody>
+      </p:sp>
+      <p:sp>
+        <p:nvSpPr>
+          <p:cNvPr id="5" name="Notes Placeholder 4"/>
+          <p:cNvSpPr>
+            <a:spLocks noGrp="1"/>
+          </p:cNvSpPr>
+          <p:nvPr>
+            <p:ph type="body" sz="quarter" idx="3"/>
+          </p:nvPr>
+        </p:nvSpPr>
+        <p:spPr>
+          <a:xfrm>
+            <a:off x="685800" y="4400550"/>
+            <a:ext cx="5486400" cy="3600450"/>
+          </a:xfrm>
+          <a:prstGeom prst="rect">
+            <a:avLst/>
+          </a:prstGeom>
+        </p:spPr>
+        <p:txBody>
+          <a:bodyPr vert="horz" lIns="91440" tIns="45720" rIns="91440" bIns="45720" rtlCol="0"/>
+          <a:lstStyle/>
+          <a:p>
+            <a:pPr lvl="0"/>
+            <a:r>
+              <a:rPr lang="en-US" smtClean="0"/>
+              <a:t>Click to edit Master text styles</a:t>
+            </a:r>
+            <a:endParaRPr lang="en-US" smtClean="0"/>
+          </a:p>
+          <a:p>
+            <a:pPr lvl="1"/>
+            <a:r>
+              <a:rPr lang="en-US" smtClean="0"/>
+              <a:t>Second level</a:t>
+            </a:r>
+            <a:endParaRPr lang="en-US" smtClean="0"/>
+          </a:p>
+          <a:p>
+            <a:pPr lvl="2"/>
+            <a:r>
+              <a:rPr lang="en-US" smtClean="0"/>
+              <a:t>Third level</a:t>
+            </a:r>
+            <a:endParaRPr lang="en-US" smtClean="0"/>
+          </a:p>
+          <a:p>
+            <a:pPr lvl="3"/>
+            <a:r>
+              <a:rPr lang="en-US" smtClean="0"/>
+              <a:t>Fourth level</a:t>
+            </a:r>
+            <a:endParaRPr lang="en-US" smtClean="0"/>
+          </a:p>
+          <a:p>
+            <a:pPr lvl="4"/>
+            <a:r>
+              <a:rPr lang="en-US" smtClean="0"/>
+              <a:t>Fifth level</a:t>
+            </a:r>
+            <a:endParaRPr lang="en-US"/>
+          </a:p>
+        </p:txBody>
+      </p:sp>
+      <p:sp>
+        <p:nvSpPr>
+          <p:cNvPr id="6" name="Footer Placeholder 5"/>
+          <p:cNvSpPr>
+            <a:spLocks noGrp="1"/>
+          </p:cNvSpPr>
+          <p:nvPr>
+            <p:ph type="ftr" sz="quarter" idx="4"/>
+          </p:nvPr>
+        </p:nvSpPr>
+        <p:spPr>
+          <a:xfrm>
+            <a:off x="0" y="8685213"/>
+            <a:ext cx="2971800" cy="458787"/>
+          </a:xfrm>
+          <a:prstGeom prst="rect">
+            <a:avLst/>
+          </a:prstGeom>
+        </p:spPr>
+        <p:txBody>
+          <a:bodyPr vert="horz" lIns="91440" tIns="45720" rIns="91440" bIns="45720" rtlCol="0" anchor="b"/>
+          <a:lstStyle>
+            <a:lvl1pPr algn="l">
+              <a:defRPr sz="1200"/>
+            </a:lvl1pPr>
+          </a:lstStyle>
+          <a:p>
+            <a:endParaRPr lang="en-US"/>
+          </a:p>
+        </p:txBody>
+      </p:sp>
+      <p:sp>
+        <p:nvSpPr>
+          <p:cNvPr id="7" name="Slide Number Placeholder 6"/>
+          <p:cNvSpPr>
+            <a:spLocks noGrp="1"/>
+          </p:cNvSpPr>
+          <p:nvPr>
+            <p:ph type="sldNum" sz="quarter" idx="5"/>
+          </p:nvPr>
+        </p:nvSpPr>
+        <p:spPr>
+          <a:xfrm>
+            <a:off x="3884613" y="8685213"/>
+            <a:ext cx="2971800" cy="458787"/>
+          </a:xfrm>
+          <a:prstGeom prst="rect">
+            <a:avLst/>
+          </a:prstGeom>
+        </p:spPr>
+        <p:txBody>
+          <a:bodyPr vert="horz" lIns="91440" tIns="45720" rIns="91440" bIns="45720" rtlCol="0" anchor="b"/>
+          <a:lstStyle>
+            <a:lvl1pPr algn="r">
+              <a:defRPr sz="1200"/>
+            </a:lvl1pPr>
+          </a:lstStyle>
+          <a:p>
+            <a:fld id="{21B2AA4F-B828-4D7C-AFD3-893933DAFCB4}" type="slidenum">
+              <a:rPr lang="en-US" smtClean="0"/>
+            </a:fld>
+            <a:endParaRPr lang="en-US"/>
+          </a:p>
+        </p:txBody>
+      </p:sp>
+    </p:spTree>
+  </p:cSld>
+  <p:clrMap bg1="lt1" tx1="dk1" bg2="lt2" tx2="dk2" accent1="accent1" accent2="accent2" accent3="accent3" accent4="accent4" accent5="accent5" accent6="accent6" hlink="hlink" folHlink="folHlink"/>
+  <p:notesStyle>
+    <a:lvl1pPr marL="0" algn="l" defTabSz="914400" rtl="0" eaLnBrk="1" latinLnBrk="0" hangingPunct="1">
+      <a:defRPr sz="1200" kern="1200">
+        <a:solidFill>
+          <a:schemeClr val="tx1"/>
+        </a:solidFill>
+        <a:latin typeface="+mn-lt"/>
+        <a:ea typeface="+mn-ea"/>
+        <a:cs typeface="+mn-cs"/>
+      </a:defRPr>
+    </a:lvl1pPr>
+    <a:lvl2pPr marL="457200" algn="l" defTabSz="914400" rtl="0" eaLnBrk="1" latinLnBrk="0" hangingPunct="1">
+      <a:defRPr sz="1200" kern="1200">
+        <a:solidFill>
+          <a:schemeClr val="tx1"/>
+        </a:solidFill>
+        <a:latin typeface="+mn-lt"/>
+        <a:ea typeface="+mn-ea"/>
+        <a:cs typeface="+mn-cs"/>
+      </a:defRPr>
+    </a:lvl2pPr>
+    <a:lvl3pPr marL="914400" algn="l" defTabSz="914400" rtl="0" eaLnBrk="1" latinLnBrk="0" hangingPunct="1">
+      <a:defRPr sz="1200" kern="1200">
+        <a:solidFill>
+          <a:schemeClr val="tx1"/>
+        </a:solidFill>
+        <a:latin typeface="+mn-lt"/>
+        <a:ea typeface="+mn-ea"/>
+        <a:cs typeface="+mn-cs"/>
+      </a:defRPr>
+    </a:lvl3pPr>
+    <a:lvl4pPr marL="1371600" algn="l" defTabSz="914400" rtl="0" eaLnBrk="1" latinLnBrk="0" hangingPunct="1">
+      <a:defRPr sz="1200" kern="1200">
+        <a:solidFill>
+          <a:schemeClr val="tx1"/>
+        </a:solidFill>
+        <a:latin typeface="+mn-lt"/>
+        <a:ea typeface="+mn-ea"/>
+        <a:cs typeface="+mn-cs"/>
+      </a:defRPr>
+    </a:lvl4pPr>
+    <a:lvl5pPr marL="1828800" algn="l" defTabSz="914400" rtl="0" eaLnBrk="1" latinLnBrk="0" hangingPunct="1">
+      <a:defRPr sz="1200" kern="1200">
+        <a:solidFill>
+          <a:schemeClr val="tx1"/>
+        </a:solidFill>
+        <a:latin typeface="+mn-lt"/>
+        <a:ea typeface="+mn-ea"/>
+        <a:cs typeface="+mn-cs"/>
+      </a:defRPr>
+    </a:lvl5pPr>
+    <a:lvl6pPr marL="2286000" algn="l" defTabSz="914400" rtl="0" eaLnBrk="1" latinLnBrk="0" hangingPunct="1">
+      <a:defRPr sz="1200" kern="1200">
+        <a:solidFill>
+          <a:schemeClr val="tx1"/>
+        </a:solidFill>
+        <a:latin typeface="+mn-lt"/>
+        <a:ea typeface="+mn-ea"/>
+        <a:cs typeface="+mn-cs"/>
+      </a:defRPr>
+    </a:lvl6pPr>
+    <a:lvl7pPr marL="2743200" algn="l" defTabSz="914400" rtl="0" eaLnBrk="1" latinLnBrk="0" hangingPunct="1">
+      <a:defRPr sz="1200" kern="1200">
+        <a:solidFill>
+          <a:schemeClr val="tx1"/>
+        </a:solidFill>
+        <a:latin typeface="+mn-lt"/>
+        <a:ea typeface="+mn-ea"/>
+        <a:cs typeface="+mn-cs"/>
+      </a:defRPr>
+    </a:lvl7pPr>
+    <a:lvl8pPr marL="3200400" algn="l" defTabSz="914400" rtl="0" eaLnBrk="1" latinLnBrk="0" hangingPunct="1">
+      <a:defRPr sz="1200" kern="1200">
+        <a:solidFill>
+          <a:schemeClr val="tx1"/>
+        </a:solidFill>
+        <a:latin typeface="+mn-lt"/>
+        <a:ea typeface="+mn-ea"/>
+        <a:cs typeface="+mn-cs"/>
+      </a:defRPr>
+    </a:lvl8pPr>
+    <a:lvl9pPr marL="3657600" algn="l" defTabSz="914400" rtl="0" eaLnBrk="1" latinLnBrk="0" hangingPunct="1">
+      <a:defRPr sz="1200" kern="1200">
+        <a:solidFill>
+          <a:schemeClr val="tx1"/>
+        </a:solidFill>
+        <a:latin typeface="+mn-lt"/>
+        <a:ea typeface="+mn-ea"/>
+        <a:cs typeface="+mn-cs"/>
+      </a:defRPr>
+    </a:lvl9pPr>
+  </p:notesStyle>
+</p:notesMaster>
 </file>
 
 <file path=ppt/slideLayouts/slideLayout1.xml><?xml version="1.0" encoding="utf-8"?>
@@ -3257,30 +3608,282 @@
           </a:p>
         </p:txBody>
       </p:sp>
-      <p:sp>
-        <p:nvSpPr>
-          <p:cNvPr id="3" name="Subtitle 2"/>
-          <p:cNvSpPr>
-            <a:spLocks noGrp="1"/>
-          </p:cNvSpPr>
-          <p:nvPr>
-            <p:ph type="subTitle" idx="1"/>
-          </p:nvPr>
-        </p:nvSpPr>
-        <p:spPr/>
-        <p:txBody>
-          <a:bodyPr/>
-          <a:lstStyle/>
-          <a:p>
-            <a:endParaRPr lang="en-US"/>
-          </a:p>
-        </p:txBody>
-      </p:sp>
     </p:spTree>
   </p:cSld>
   <p:clrMapOvr>
     <a:masterClrMapping/>
   </p:clrMapOvr>
+</p:sld>
+</file>
+
+<file path=ppt/slides/slide2.xml><?xml version="1.0" encoding="utf-8"?>
+<p:sld xmlns:a="http://schemas.openxmlformats.org/drawingml/2006/main" xmlns:r="http://schemas.openxmlformats.org/officeDocument/2006/relationships" xmlns:p="http://schemas.openxmlformats.org/presentationml/2006/main">
+  <p:cSld>
+    <p:spTree>
+      <p:nvGrpSpPr>
+        <p:cNvPr id="1" name=""/>
+        <p:cNvGrpSpPr/>
+        <p:nvPr/>
+      </p:nvGrpSpPr>
+      <p:grpSpPr/>
+      <p:sp>
+        <p:nvSpPr>
+          <p:cNvPr id="3" name="Content Placeholder 2"/>
+          <p:cNvSpPr>
+            <a:spLocks noGrp="1"/>
+          </p:cNvSpPr>
+          <p:nvPr>
+            <p:ph idx="1"/>
+          </p:nvPr>
+        </p:nvSpPr>
+        <p:spPr>
+          <a:xfrm>
+            <a:off x="609600" y="836295"/>
+            <a:ext cx="10972800" cy="5291455"/>
+          </a:xfrm>
+        </p:spPr>
+        <p:txBody>
+          <a:bodyPr/>
+          <a:p>
+            <a:pPr marL="457200" indent="-457200">
+              <a:buAutoNum type="arabicPeriod"/>
+            </a:pPr>
+            <a:r>
+              <a:rPr lang="en-US" sz="2000" b="1"/>
+              <a:t> Autocomplete Feature</a:t>
+            </a:r>
+            <a:endParaRPr lang="en-US" sz="2000" b="1"/>
+          </a:p>
+          <a:p>
+            <a:pPr marL="457200" lvl="1" indent="0">
+              <a:buNone/>
+            </a:pPr>
+            <a:r>
+              <a:rPr lang="en-US" sz="1090">
+                <a:sym typeface="+mn-ea"/>
+              </a:rPr>
+              <a:t>   Incomplete terms entered by the user are compared to a dictionary to suggest possible options of words</a:t>
+            </a:r>
+            <a:endParaRPr lang="en-US" sz="1090">
+              <a:sym typeface="+mn-ea"/>
+            </a:endParaRPr>
+          </a:p>
+          <a:p>
+            <a:pPr marL="914400" lvl="2" indent="0">
+              <a:buNone/>
+            </a:pPr>
+            <a:r>
+              <a:rPr lang="en-US" sz="1050" b="1">
+                <a:sym typeface="+mn-ea"/>
+              </a:rPr>
+              <a:t>	</a:t>
+            </a:r>
+            <a:r>
+              <a:rPr lang="en-US" sz="1050" b="1">
+                <a:ln/>
+                <a:solidFill>
+                  <a:schemeClr val="accent1"/>
+                </a:solidFill>
+                <a:effectLst>
+                  <a:outerShdw blurRad="38100" dist="25400" dir="5400000" algn="ctr" rotWithShape="0">
+                    <a:srgbClr val="6E747A">
+                      <a:alpha val="43000"/>
+                    </a:srgbClr>
+                  </a:outerShdw>
+                </a:effectLst>
+                <a:sym typeface="+mn-ea"/>
+              </a:rPr>
+              <a:t>https://www.upgrad.com/blog/natural-language-processing-nlp-projects-ideas-topics-for-beginners/</a:t>
+            </a:r>
+            <a:endParaRPr lang="en-US" sz="1050" b="1">
+              <a:ln/>
+              <a:solidFill>
+                <a:schemeClr val="accent1"/>
+              </a:solidFill>
+              <a:effectLst>
+                <a:outerShdw blurRad="38100" dist="25400" dir="5400000" algn="ctr" rotWithShape="0">
+                  <a:srgbClr val="6E747A">
+                    <a:alpha val="43000"/>
+                  </a:srgbClr>
+                </a:outerShdw>
+              </a:effectLst>
+              <a:sym typeface="+mn-ea"/>
+            </a:endParaRPr>
+          </a:p>
+          <a:p>
+            <a:pPr marL="457200" indent="-457200">
+              <a:buAutoNum type="arabicPeriod"/>
+            </a:pPr>
+            <a:r>
+              <a:rPr lang="en-US" sz="1750" b="1"/>
+              <a:t> Music Genre Classification with Deep Learning</a:t>
+            </a:r>
+            <a:endParaRPr lang="en-US" sz="1750" b="1"/>
+          </a:p>
+          <a:p>
+            <a:pPr marL="0" indent="0">
+              <a:buNone/>
+            </a:pPr>
+            <a:r>
+              <a:rPr lang="en-US" sz="1200"/>
+              <a:t>             The model takes as an input the spectogram of music frames and analyzes the image using a Convolutional </a:t>
+            </a:r>
+            <a:endParaRPr lang="en-US" sz="1200"/>
+          </a:p>
+          <a:p>
+            <a:pPr marL="0" indent="0">
+              <a:buNone/>
+            </a:pPr>
+            <a:r>
+              <a:rPr lang="en-US" sz="1200"/>
+              <a:t>             Neural Network (CNN) plus a Recurrent Neural Network (RNN). </a:t>
+            </a:r>
+            <a:endParaRPr lang="en-US" sz="1200"/>
+          </a:p>
+          <a:p>
+            <a:pPr marL="0" indent="0">
+              <a:buNone/>
+            </a:pPr>
+            <a:r>
+              <a:rPr lang="en-US" sz="1200">
+                <a:ln/>
+                <a:solidFill>
+                  <a:schemeClr val="accent1"/>
+                </a:solidFill>
+                <a:effectLst>
+                  <a:outerShdw blurRad="38100" dist="25400" dir="5400000" algn="ctr" rotWithShape="0">
+                    <a:srgbClr val="6E747A">
+                      <a:alpha val="43000"/>
+                    </a:srgbClr>
+                  </a:outerShdw>
+                </a:effectLst>
+              </a:rPr>
+              <a:t>		https://github.com/jsalbert/Music-Genre-Classification-with-Deep-Learning</a:t>
+            </a:r>
+            <a:endParaRPr lang="en-US" sz="1200">
+              <a:ln/>
+              <a:solidFill>
+                <a:schemeClr val="accent1"/>
+              </a:solidFill>
+              <a:effectLst>
+                <a:outerShdw blurRad="38100" dist="25400" dir="5400000" algn="ctr" rotWithShape="0">
+                  <a:srgbClr val="6E747A">
+                    <a:alpha val="43000"/>
+                  </a:srgbClr>
+                </a:outerShdw>
+              </a:effectLst>
+            </a:endParaRPr>
+          </a:p>
+          <a:p>
+            <a:pPr marL="0" indent="0">
+              <a:buNone/>
+            </a:pPr>
+            <a:r>
+              <a:rPr lang="en-US" sz="1800" b="1"/>
+              <a:t>3.      Richter's Predictor: Modeling Earthquake Damage</a:t>
+            </a:r>
+            <a:endParaRPr lang="en-US" sz="1800" b="1"/>
+          </a:p>
+          <a:p>
+            <a:pPr marL="0" indent="0">
+              <a:buNone/>
+            </a:pPr>
+            <a:r>
+              <a:rPr lang="en-US" sz="1200"/>
+              <a:t>              Based on aspects of building location and construction, your goal is to predict the level of damage to buildings </a:t>
+            </a:r>
+            <a:endParaRPr lang="en-US" sz="1200"/>
+          </a:p>
+          <a:p>
+            <a:pPr marL="0" indent="0">
+              <a:buNone/>
+            </a:pPr>
+            <a:r>
+              <a:rPr lang="en-US" sz="1200"/>
+              <a:t>              caused by the 2015 Gorkha earthquake in Nepal.</a:t>
+            </a:r>
+            <a:endParaRPr lang="en-US" sz="1200"/>
+          </a:p>
+          <a:p>
+            <a:pPr marL="0" indent="0">
+              <a:buNone/>
+            </a:pPr>
+            <a:r>
+              <a:rPr lang="en-US" sz="1200"/>
+              <a:t>		</a:t>
+            </a:r>
+            <a:r>
+              <a:rPr lang="en-US" sz="1200">
+                <a:ln/>
+                <a:solidFill>
+                  <a:schemeClr val="accent1"/>
+                </a:solidFill>
+                <a:effectLst>
+                  <a:outerShdw blurRad="38100" dist="25400" dir="5400000" algn="ctr" rotWithShape="0">
+                    <a:srgbClr val="6E747A">
+                      <a:alpha val="43000"/>
+                    </a:srgbClr>
+                  </a:outerShdw>
+                </a:effectLst>
+              </a:rPr>
+              <a:t>https://www.drivendata.org/competitions/57/nepal-earthquake/page/134/</a:t>
+            </a:r>
+            <a:endParaRPr lang="en-US" sz="1200">
+              <a:ln/>
+              <a:solidFill>
+                <a:schemeClr val="accent1"/>
+              </a:solidFill>
+              <a:effectLst>
+                <a:outerShdw blurRad="38100" dist="25400" dir="5400000" algn="ctr" rotWithShape="0">
+                  <a:srgbClr val="6E747A">
+                    <a:alpha val="43000"/>
+                  </a:srgbClr>
+                </a:outerShdw>
+              </a:effectLst>
+            </a:endParaRPr>
+          </a:p>
+        </p:txBody>
+      </p:sp>
+      <p:sp>
+        <p:nvSpPr>
+          <p:cNvPr id="4" name="Footer Placeholder 3"/>
+          <p:cNvSpPr>
+            <a:spLocks noGrp="1"/>
+          </p:cNvSpPr>
+          <p:nvPr>
+            <p:ph type="ftr" sz="quarter" idx="11"/>
+          </p:nvPr>
+        </p:nvSpPr>
+        <p:spPr>
+          <a:xfrm>
+            <a:off x="8331200" y="6127750"/>
+            <a:ext cx="3860800" cy="476250"/>
+          </a:xfrm>
+        </p:spPr>
+        <p:txBody>
+          <a:bodyPr/>
+          <a:p>
+            <a:r>
+              <a:rPr lang="en-US"/>
+              <a:t>Varun Bohara</a:t>
+            </a:r>
+            <a:endParaRPr lang="en-US"/>
+          </a:p>
+        </p:txBody>
+      </p:sp>
+    </p:spTree>
+  </p:cSld>
+  <p:clrMapOvr>
+    <a:masterClrMapping/>
+  </p:clrMapOvr>
+  <mc:AlternateContent xmlns:mc="http://schemas.openxmlformats.org/markup-compatibility/2006">
+    <mc:Choice xmlns:p14="http://schemas.microsoft.com/office/powerpoint/2010/main" Requires="p14">
+      <p:transition p14:dur="2000"/>
+    </mc:Choice>
+    <mc:Fallback>
+      <p:transition/>
+    </mc:Fallback>
+  </mc:AlternateContent>
 </p:sld>
 </file>
 
@@ -4148,4 +4751,263 @@
     </a:ext>
   </a:extLst>
 </a:theme>
+</file>
+
+<file path=ppt/theme/theme2.xml><?xml version="1.0" encoding="utf-8"?>
+<a:theme xmlns:a="http://schemas.openxmlformats.org/drawingml/2006/main" name="Office Theme">
+  <a:themeElements>
+    <a:clrScheme name="Office">
+      <a:dk1>
+        <a:sysClr val="windowText" lastClr="000000"/>
+      </a:dk1>
+      <a:lt1>
+        <a:sysClr val="window" lastClr="FFFFFF"/>
+      </a:lt1>
+      <a:dk2>
+        <a:srgbClr val="44546A"/>
+      </a:dk2>
+      <a:lt2>
+        <a:srgbClr val="E7E6E6"/>
+      </a:lt2>
+      <a:accent1>
+        <a:srgbClr val="5B9BD5"/>
+      </a:accent1>
+      <a:accent2>
+        <a:srgbClr val="ED7D31"/>
+      </a:accent2>
+      <a:accent3>
+        <a:srgbClr val="A5A5A5"/>
+      </a:accent3>
+      <a:accent4>
+        <a:srgbClr val="FFC000"/>
+      </a:accent4>
+      <a:accent5>
+        <a:srgbClr val="4472C4"/>
+      </a:accent5>
+      <a:accent6>
+        <a:srgbClr val="70AD47"/>
+      </a:accent6>
+      <a:hlink>
+        <a:srgbClr val="0563C1"/>
+      </a:hlink>
+      <a:folHlink>
+        <a:srgbClr val="954F72"/>
+      </a:folHlink>
+    </a:clrScheme>
+    <a:fontScheme name="Office">
+      <a:majorFont>
+        <a:latin typeface="Calibri Light"/>
+        <a:ea typeface=""/>
+        <a:cs typeface=""/>
+        <a:font script="Jpan" typeface="ＭＳ Ｐゴシック"/>
+        <a:font script="Hang" typeface="맑은 고딕"/>
+        <a:font script="Hans" typeface="宋体"/>
+        <a:font script="Hant" typeface="新細明體"/>
+        <a:font script="Arab" typeface="Times New Roman"/>
+        <a:font script="Hebr" typeface="Times New Roman"/>
+        <a:font script="Thai" typeface="Angsana New"/>
+        <a:font script="Ethi" typeface="Nyala"/>
+        <a:font script="Beng" typeface="Vrinda"/>
+        <a:font script="Gujr" typeface="Shruti"/>
+        <a:font script="Khmr" typeface="MoolBoran"/>
+        <a:font script="Knda" typeface="Tunga"/>
+        <a:font script="Guru" typeface="Raavi"/>
+        <a:font script="Cans" typeface="Euphemia"/>
+        <a:font script="Cher" typeface="Plantagenet Cherokee"/>
+        <a:font script="Yiii" typeface="Microsoft Yi Baiti"/>
+        <a:font script="Tibt" typeface="Microsoft Himalaya"/>
+        <a:font script="Thaa" typeface="MV Boli"/>
+        <a:font script="Deva" typeface="Mangal"/>
+        <a:font script="Telu" typeface="Gautami"/>
+        <a:font script="Taml" typeface="Latha"/>
+        <a:font script="Syrc" typeface="Estrangelo Edessa"/>
+        <a:font script="Orya" typeface="Kalinga"/>
+        <a:font script="Mlym" typeface="Kartika"/>
+        <a:font script="Laoo" typeface="DokChampa"/>
+        <a:font script="Sinh" typeface="Iskoola Pota"/>
+        <a:font script="Mong" typeface="Mongolian Baiti"/>
+        <a:font script="Viet" typeface="Times New Roman"/>
+        <a:font script="Uigh" typeface="Microsoft Uighur"/>
+        <a:font script="Geor" typeface="Sylfaen"/>
+      </a:majorFont>
+      <a:minorFont>
+        <a:latin typeface="Calibri"/>
+        <a:ea typeface=""/>
+        <a:cs typeface=""/>
+        <a:font script="Jpan" typeface="ＭＳ Ｐゴシック"/>
+        <a:font script="Hang" typeface="맑은 고딕"/>
+        <a:font script="Hans" typeface="宋体"/>
+        <a:font script="Hant" typeface="新細明體"/>
+        <a:font script="Arab" typeface="Arial"/>
+        <a:font script="Hebr" typeface="Arial"/>
+        <a:font script="Thai" typeface="Cordia New"/>
+        <a:font script="Ethi" typeface="Nyala"/>
+        <a:font script="Beng" typeface="Vrinda"/>
+        <a:font script="Gujr" typeface="Shruti"/>
+        <a:font script="Khmr" typeface="DaunPenh"/>
+        <a:font script="Knda" typeface="Tunga"/>
+        <a:font script="Guru" typeface="Raavi"/>
+        <a:font script="Cans" typeface="Euphemia"/>
+        <a:font script="Cher" typeface="Plantagenet Cherokee"/>
+        <a:font script="Yiii" typeface="Microsoft Yi Baiti"/>
+        <a:font script="Tibt" typeface="Microsoft Himalaya"/>
+        <a:font script="Thaa" typeface="MV Boli"/>
+        <a:font script="Deva" typeface="Mangal"/>
+        <a:font script="Telu" typeface="Gautami"/>
+        <a:font script="Taml" typeface="Latha"/>
+        <a:font script="Syrc" typeface="Estrangelo Edessa"/>
+        <a:font script="Orya" typeface="Kalinga"/>
+        <a:font script="Mlym" typeface="Kartika"/>
+        <a:font script="Laoo" typeface="DokChampa"/>
+        <a:font script="Sinh" typeface="Iskoola Pota"/>
+        <a:font script="Mong" typeface="Mongolian Baiti"/>
+        <a:font script="Viet" typeface="Arial"/>
+        <a:font script="Uigh" typeface="Microsoft Uighur"/>
+        <a:font script="Geor" typeface="Sylfaen"/>
+      </a:minorFont>
+    </a:fontScheme>
+    <a:fmtScheme name="Office">
+      <a:fillStyleLst>
+        <a:solidFill>
+          <a:schemeClr val="phClr"/>
+        </a:solidFill>
+        <a:gradFill rotWithShape="1">
+          <a:gsLst>
+            <a:gs pos="0">
+              <a:schemeClr val="phClr">
+                <a:lumMod val="110000"/>
+                <a:satMod val="105000"/>
+                <a:tint val="67000"/>
+              </a:schemeClr>
+            </a:gs>
+            <a:gs pos="50000">
+              <a:schemeClr val="phClr">
+                <a:lumMod val="105000"/>
+                <a:satMod val="103000"/>
+                <a:tint val="73000"/>
+              </a:schemeClr>
+            </a:gs>
+            <a:gs pos="100000">
+              <a:schemeClr val="phClr">
+                <a:lumMod val="105000"/>
+                <a:satMod val="109000"/>
+                <a:tint val="81000"/>
+              </a:schemeClr>
+            </a:gs>
+          </a:gsLst>
+          <a:lin ang="5400000" scaled="0"/>
+        </a:gradFill>
+        <a:gradFill rotWithShape="1">
+          <a:gsLst>
+            <a:gs pos="0">
+              <a:schemeClr val="phClr">
+                <a:satMod val="103000"/>
+                <a:lumMod val="102000"/>
+                <a:tint val="94000"/>
+              </a:schemeClr>
+            </a:gs>
+            <a:gs pos="50000">
+              <a:schemeClr val="phClr">
+                <a:satMod val="110000"/>
+                <a:lumMod val="100000"/>
+                <a:shade val="100000"/>
+              </a:schemeClr>
+            </a:gs>
+            <a:gs pos="100000">
+              <a:schemeClr val="phClr">
+                <a:lumMod val="99000"/>
+                <a:satMod val="120000"/>
+                <a:shade val="78000"/>
+              </a:schemeClr>
+            </a:gs>
+          </a:gsLst>
+          <a:lin ang="5400000" scaled="0"/>
+        </a:gradFill>
+      </a:fillStyleLst>
+      <a:lnStyleLst>
+        <a:ln w="6350" cap="flat" cmpd="sng" algn="ctr">
+          <a:solidFill>
+            <a:schemeClr val="phClr"/>
+          </a:solidFill>
+          <a:prstDash val="solid"/>
+          <a:miter lim="800000"/>
+        </a:ln>
+        <a:ln w="12700" cap="flat" cmpd="sng" algn="ctr">
+          <a:solidFill>
+            <a:schemeClr val="phClr"/>
+          </a:solidFill>
+          <a:prstDash val="solid"/>
+          <a:miter lim="800000"/>
+        </a:ln>
+        <a:ln w="19050" cap="flat" cmpd="sng" algn="ctr">
+          <a:solidFill>
+            <a:schemeClr val="phClr"/>
+          </a:solidFill>
+          <a:prstDash val="solid"/>
+          <a:miter lim="800000"/>
+        </a:ln>
+      </a:lnStyleLst>
+      <a:effectStyleLst>
+        <a:effectStyle>
+          <a:effectLst/>
+        </a:effectStyle>
+        <a:effectStyle>
+          <a:effectLst/>
+        </a:effectStyle>
+        <a:effectStyle>
+          <a:effectLst>
+            <a:outerShdw blurRad="57150" dist="19050" dir="5400000" algn="ctr" rotWithShape="0">
+              <a:srgbClr val="000000">
+                <a:alpha val="63000"/>
+              </a:srgbClr>
+            </a:outerShdw>
+          </a:effectLst>
+        </a:effectStyle>
+      </a:effectStyleLst>
+      <a:bgFillStyleLst>
+        <a:solidFill>
+          <a:schemeClr val="phClr"/>
+        </a:solidFill>
+        <a:solidFill>
+          <a:schemeClr val="phClr">
+            <a:tint val="95000"/>
+            <a:satMod val="170000"/>
+          </a:schemeClr>
+        </a:solidFill>
+        <a:gradFill rotWithShape="1">
+          <a:gsLst>
+            <a:gs pos="0">
+              <a:schemeClr val="phClr">
+                <a:tint val="93000"/>
+                <a:satMod val="150000"/>
+                <a:shade val="98000"/>
+                <a:lumMod val="102000"/>
+              </a:schemeClr>
+            </a:gs>
+            <a:gs pos="50000">
+              <a:schemeClr val="phClr">
+                <a:tint val="98000"/>
+                <a:satMod val="130000"/>
+                <a:shade val="90000"/>
+                <a:lumMod val="103000"/>
+              </a:schemeClr>
+            </a:gs>
+            <a:gs pos="100000">
+              <a:schemeClr val="phClr">
+                <a:shade val="63000"/>
+                <a:satMod val="120000"/>
+              </a:schemeClr>
+            </a:gs>
+          </a:gsLst>
+          <a:lin ang="5400000" scaled="0"/>
+        </a:gradFill>
+      </a:bgFillStyleLst>
+    </a:fmtScheme>
+  </a:themeElements>
+  <a:extLst>
+    <a:ext uri="{05A4C25C-085E-4340-85A3-A5531E510DB2}">
+      <thm15:themeFamily xmlns:thm15="http://schemas.microsoft.com/office/thememl/2012/main" name="Office Theme" id="{62F939B6-93AF-4DB8-9C6B-D6C7DFDC589F}" vid="{4A3C46E8-61CC-4603-A589-7422A47A8E4A}"/>
+    </a:ext>
+  </a:extLst>
+</a:theme>
 </file>
--- a/IDEAS FOR PROBLEM STATEMENT.2.pptx
+++ b/IDEAS FOR PROBLEM STATEMENT.2.pptx
@@ -3638,8 +3638,8 @@
         </p:nvSpPr>
         <p:spPr>
           <a:xfrm>
-            <a:off x="609600" y="836295"/>
-            <a:ext cx="10972800" cy="5291455"/>
+            <a:off x="609600" y="2104390"/>
+            <a:ext cx="10972800" cy="3848100"/>
           </a:xfrm>
         </p:spPr>
         <p:txBody>
@@ -3680,7 +3680,6 @@
             </a:r>
             <a:r>
               <a:rPr lang="en-US" sz="1050" b="1">
-                <a:ln/>
                 <a:solidFill>
                   <a:schemeClr val="accent1"/>
                 </a:solidFill>
@@ -3696,7 +3695,6 @@
               <a:t>https://www.upgrad.com/blog/natural-language-processing-nlp-projects-ideas-topics-for-beginners/</a:t>
             </a:r>
             <a:endParaRPr lang="en-US" sz="1050" b="1">
-              <a:ln/>
               <a:solidFill>
                 <a:schemeClr val="accent1"/>
               </a:solidFill>
@@ -3744,6 +3742,229 @@
             <a:pPr marL="0" indent="0">
               <a:buNone/>
             </a:pPr>
+            <a:r>
+              <a:rPr lang="en-US" sz="1200">
+                <a:solidFill>
+                  <a:schemeClr val="accent1"/>
+                </a:solidFill>
+                <a:effectLst>
+                  <a:outerShdw blurRad="38100" dist="25400" dir="5400000" algn="ctr" rotWithShape="0">
+                    <a:srgbClr val="6E747A">
+                      <a:alpha val="43000"/>
+                    </a:srgbClr>
+                  </a:outerShdw>
+                </a:effectLst>
+              </a:rPr>
+              <a:t>		https://github.com/jsalbert/Music-Genre-Classification-with-Deep-Learning</a:t>
+            </a:r>
+            <a:endParaRPr lang="en-US" sz="1200">
+              <a:solidFill>
+                <a:schemeClr val="accent1"/>
+              </a:solidFill>
+              <a:effectLst>
+                <a:outerShdw blurRad="38100" dist="25400" dir="5400000" algn="ctr" rotWithShape="0">
+                  <a:srgbClr val="6E747A">
+                    <a:alpha val="43000"/>
+                  </a:srgbClr>
+                </a:outerShdw>
+              </a:effectLst>
+            </a:endParaRPr>
+          </a:p>
+          <a:p>
+            <a:pPr marL="0" indent="0">
+              <a:buNone/>
+            </a:pPr>
+            <a:r>
+              <a:rPr lang="en-US" sz="1800" b="1"/>
+              <a:t>3.      Richter's Predictor: Modeling Earthquake Damage</a:t>
+            </a:r>
+            <a:endParaRPr lang="en-US" sz="1800" b="1"/>
+          </a:p>
+          <a:p>
+            <a:pPr marL="0" indent="0">
+              <a:buNone/>
+            </a:pPr>
+            <a:r>
+              <a:rPr lang="en-US" sz="1200"/>
+              <a:t>              Based on aspects of building location and construction, your goal is to predict the level of damage to buildings </a:t>
+            </a:r>
+            <a:endParaRPr lang="en-US" sz="1200"/>
+          </a:p>
+          <a:p>
+            <a:pPr marL="0" indent="0">
+              <a:buNone/>
+            </a:pPr>
+            <a:r>
+              <a:rPr lang="en-US" sz="1200"/>
+              <a:t>              caused by the 2015 Gorkha earthquake in Nepal.</a:t>
+            </a:r>
+            <a:endParaRPr lang="en-US" sz="1200"/>
+          </a:p>
+          <a:p>
+            <a:pPr marL="0" indent="0">
+              <a:buNone/>
+            </a:pPr>
+            <a:r>
+              <a:rPr lang="en-US" sz="1200"/>
+              <a:t>		</a:t>
+            </a:r>
+            <a:r>
+              <a:rPr lang="en-US" sz="1200">
+                <a:solidFill>
+                  <a:schemeClr val="accent1"/>
+                </a:solidFill>
+                <a:effectLst>
+                  <a:outerShdw blurRad="38100" dist="25400" dir="5400000" algn="ctr" rotWithShape="0">
+                    <a:srgbClr val="6E747A">
+                      <a:alpha val="43000"/>
+                    </a:srgbClr>
+                  </a:outerShdw>
+                </a:effectLst>
+              </a:rPr>
+              <a:t>https://www.drivendata.org/competitions/57/nepal-earthquake/page/134/</a:t>
+            </a:r>
+            <a:endParaRPr lang="en-US" sz="1200">
+              <a:solidFill>
+                <a:schemeClr val="accent1"/>
+              </a:solidFill>
+              <a:effectLst>
+                <a:outerShdw blurRad="38100" dist="25400" dir="5400000" algn="ctr" rotWithShape="0">
+                  <a:srgbClr val="6E747A">
+                    <a:alpha val="43000"/>
+                  </a:srgbClr>
+                </a:outerShdw>
+              </a:effectLst>
+            </a:endParaRPr>
+          </a:p>
+          <a:p>
+            <a:pPr marL="0" indent="0">
+              <a:lnSpc>
+                <a:spcPct val="80000"/>
+              </a:lnSpc>
+              <a:buNone/>
+            </a:pPr>
+            <a:r>
+              <a:rPr lang="en-US" sz="1800">
+                <a:ln/>
+                <a:solidFill>
+                  <a:schemeClr val="tx1"/>
+                </a:solidFill>
+                <a:effectLst>
+                  <a:outerShdw blurRad="38100" dist="19050" dir="2700000" algn="tl" rotWithShape="0">
+                    <a:schemeClr val="dk1">
+                      <a:alpha val="40000"/>
+                    </a:schemeClr>
+                  </a:outerShdw>
+                </a:effectLst>
+              </a:rPr>
+              <a:t>4.      </a:t>
+            </a:r>
+            <a:r>
+              <a:rPr lang="en-US" sz="1800" b="1">
+                <a:ln/>
+                <a:solidFill>
+                  <a:schemeClr val="tx1"/>
+                </a:solidFill>
+                <a:effectLst>
+                  <a:outerShdw blurRad="38100" dist="19050" dir="2700000" algn="tl" rotWithShape="0">
+                    <a:schemeClr val="dk1">
+                      <a:alpha val="40000"/>
+                    </a:schemeClr>
+                  </a:outerShdw>
+                </a:effectLst>
+              </a:rPr>
+              <a:t>Build a model that can describe what a video is about.</a:t>
+            </a:r>
+            <a:endParaRPr lang="en-US" sz="1800">
+              <a:ln/>
+              <a:solidFill>
+                <a:schemeClr val="tx1"/>
+              </a:solidFill>
+              <a:effectLst>
+                <a:outerShdw blurRad="38100" dist="19050" dir="2700000" algn="tl" rotWithShape="0">
+                  <a:schemeClr val="dk1">
+                    <a:alpha val="40000"/>
+                  </a:schemeClr>
+                </a:outerShdw>
+              </a:effectLst>
+            </a:endParaRPr>
+          </a:p>
+          <a:p>
+            <a:pPr marL="0" indent="0">
+              <a:lnSpc>
+                <a:spcPct val="80000"/>
+              </a:lnSpc>
+              <a:buNone/>
+            </a:pPr>
+            <a:r>
+              <a:rPr lang="en-US" sz="1800">
+                <a:ln/>
+                <a:solidFill>
+                  <a:schemeClr val="tx1"/>
+                </a:solidFill>
+                <a:effectLst>
+                  <a:outerShdw blurRad="38100" dist="19050" dir="2700000" algn="tl" rotWithShape="0">
+                    <a:schemeClr val="dk1">
+                      <a:alpha val="40000"/>
+                    </a:schemeClr>
+                  </a:outerShdw>
+                </a:effectLst>
+              </a:rPr>
+              <a:t>         </a:t>
+            </a:r>
+            <a:r>
+              <a:rPr lang="en-US" sz="1200">
+                <a:ln/>
+                <a:solidFill>
+                  <a:schemeClr val="tx1"/>
+                </a:solidFill>
+                <a:effectLst>
+                  <a:outerShdw blurRad="38100" dist="19050" dir="2700000" algn="tl" rotWithShape="0">
+                    <a:schemeClr val="dk1">
+                      <a:alpha val="40000"/>
+                    </a:schemeClr>
+                  </a:outerShdw>
+                </a:effectLst>
+              </a:rPr>
+              <a:t>The model takes a series of inputs to classify in which category the video belongs.</a:t>
+            </a:r>
+            <a:endParaRPr lang="en-US" sz="1800">
+              <a:ln/>
+              <a:solidFill>
+                <a:schemeClr val="tx1"/>
+              </a:solidFill>
+              <a:effectLst>
+                <a:outerShdw blurRad="38100" dist="19050" dir="2700000" algn="tl" rotWithShape="0">
+                  <a:schemeClr val="dk1">
+                    <a:alpha val="40000"/>
+                  </a:schemeClr>
+                </a:outerShdw>
+              </a:effectLst>
+            </a:endParaRPr>
+          </a:p>
+          <a:p>
+            <a:pPr marL="0" indent="0">
+              <a:lnSpc>
+                <a:spcPct val="80000"/>
+              </a:lnSpc>
+              <a:buNone/>
+            </a:pPr>
+            <a:r>
+              <a:rPr lang="en-US" sz="1800">
+                <a:ln/>
+                <a:solidFill>
+                  <a:schemeClr val="tx1"/>
+                </a:solidFill>
+                <a:effectLst>
+                  <a:outerShdw blurRad="38100" dist="19050" dir="2700000" algn="tl" rotWithShape="0">
+                    <a:schemeClr val="dk1">
+                      <a:alpha val="40000"/>
+                    </a:schemeClr>
+                  </a:outerShdw>
+                </a:effectLst>
+              </a:rPr>
+              <a:t>                             </a:t>
+            </a:r>
             <a:r>
               <a:rPr lang="en-US" sz="1200">
                 <a:ln/>
@@ -3758,7 +3979,7 @@
                   </a:outerShdw>
                 </a:effectLst>
               </a:rPr>
-              <a:t>		https://github.com/jsalbert/Music-Genre-Classification-with-Deep-Learning</a:t>
+              <a:t>https://research.google.com/youtube8m/</a:t>
             </a:r>
             <a:endParaRPr lang="en-US" sz="1200">
               <a:ln/>
@@ -3774,74 +3995,6 @@
               </a:effectLst>
             </a:endParaRPr>
           </a:p>
-          <a:p>
-            <a:pPr marL="0" indent="0">
-              <a:buNone/>
-            </a:pPr>
-            <a:r>
-              <a:rPr lang="en-US" sz="1800" b="1"/>
-              <a:t>3.      Richter's Predictor: Modeling Earthquake Damage</a:t>
-            </a:r>
-            <a:endParaRPr lang="en-US" sz="1800" b="1"/>
-          </a:p>
-          <a:p>
-            <a:pPr marL="0" indent="0">
-              <a:buNone/>
-            </a:pPr>
-            <a:r>
-              <a:rPr lang="en-US" sz="1200"/>
-              <a:t>              Based on aspects of building location and construction, your goal is to predict the level of damage to buildings </a:t>
-            </a:r>
-            <a:endParaRPr lang="en-US" sz="1200"/>
-          </a:p>
-          <a:p>
-            <a:pPr marL="0" indent="0">
-              <a:buNone/>
-            </a:pPr>
-            <a:r>
-              <a:rPr lang="en-US" sz="1200"/>
-              <a:t>              caused by the 2015 Gorkha earthquake in Nepal.</a:t>
-            </a:r>
-            <a:endParaRPr lang="en-US" sz="1200"/>
-          </a:p>
-          <a:p>
-            <a:pPr marL="0" indent="0">
-              <a:buNone/>
-            </a:pPr>
-            <a:r>
-              <a:rPr lang="en-US" sz="1200"/>
-              <a:t>		</a:t>
-            </a:r>
-            <a:r>
-              <a:rPr lang="en-US" sz="1200">
-                <a:ln/>
-                <a:solidFill>
-                  <a:schemeClr val="accent1"/>
-                </a:solidFill>
-                <a:effectLst>
-                  <a:outerShdw blurRad="38100" dist="25400" dir="5400000" algn="ctr" rotWithShape="0">
-                    <a:srgbClr val="6E747A">
-                      <a:alpha val="43000"/>
-                    </a:srgbClr>
-                  </a:outerShdw>
-                </a:effectLst>
-              </a:rPr>
-              <a:t>https://www.drivendata.org/competitions/57/nepal-earthquake/page/134/</a:t>
-            </a:r>
-            <a:endParaRPr lang="en-US" sz="1200">
-              <a:ln/>
-              <a:solidFill>
-                <a:schemeClr val="accent1"/>
-              </a:solidFill>
-              <a:effectLst>
-                <a:outerShdw blurRad="38100" dist="25400" dir="5400000" algn="ctr" rotWithShape="0">
-                  <a:srgbClr val="6E747A">
-                    <a:alpha val="43000"/>
-                  </a:srgbClr>
-                </a:outerShdw>
-              </a:effectLst>
-            </a:endParaRPr>
-          </a:p>
         </p:txBody>
       </p:sp>
       <p:sp>
@@ -3864,10 +4017,10 @@
           <a:bodyPr/>
           <a:p>
             <a:r>
-              <a:rPr lang="en-US"/>
+              <a:rPr lang="en-US" b="1"/>
               <a:t>Varun Bohara</a:t>
             </a:r>
-            <a:endParaRPr lang="en-US"/>
+            <a:endParaRPr lang="en-US" b="1"/>
           </a:p>
         </p:txBody>
       </p:sp>

--- a/IDEAS FOR PROBLEM STATEMENT.2.pptx
+++ b/IDEAS FOR PROBLEM STATEMENT.2.pptx
@@ -3772,41 +3772,125 @@
           </a:p>
           <a:p>
             <a:pPr marL="0" indent="0">
+              <a:lnSpc>
+                <a:spcPct val="80000"/>
+              </a:lnSpc>
               <a:buNone/>
             </a:pPr>
             <a:r>
-              <a:rPr lang="en-US" sz="1800" b="1"/>
-              <a:t>3.      Richter's Predictor: Modeling Earthquake Damage</a:t>
-            </a:r>
-            <a:endParaRPr lang="en-US" sz="1800" b="1"/>
+              <a:rPr lang="en-US" sz="1800">
+                <a:solidFill>
+                  <a:schemeClr val="tx1"/>
+                </a:solidFill>
+                <a:effectLst>
+                  <a:outerShdw blurRad="38100" dist="19050" dir="2700000" algn="tl" rotWithShape="0">
+                    <a:schemeClr val="dk1">
+                      <a:alpha val="40000"/>
+                    </a:schemeClr>
+                  </a:outerShdw>
+                </a:effectLst>
+              </a:rPr>
+              <a:t>3.      </a:t>
+            </a:r>
+            <a:r>
+              <a:rPr lang="en-US" sz="1800" b="1">
+                <a:solidFill>
+                  <a:schemeClr val="tx1"/>
+                </a:solidFill>
+                <a:effectLst>
+                  <a:outerShdw blurRad="38100" dist="19050" dir="2700000" algn="tl" rotWithShape="0">
+                    <a:schemeClr val="dk1">
+                      <a:alpha val="40000"/>
+                    </a:schemeClr>
+                  </a:outerShdw>
+                </a:effectLst>
+              </a:rPr>
+              <a:t>Build a model that can describe what a video is about.</a:t>
+            </a:r>
+            <a:endParaRPr lang="en-US" sz="1800">
+              <a:solidFill>
+                <a:schemeClr val="tx1"/>
+              </a:solidFill>
+              <a:effectLst>
+                <a:outerShdw blurRad="38100" dist="19050" dir="2700000" algn="tl" rotWithShape="0">
+                  <a:schemeClr val="dk1">
+                    <a:alpha val="40000"/>
+                  </a:schemeClr>
+                </a:outerShdw>
+              </a:effectLst>
+            </a:endParaRPr>
           </a:p>
           <a:p>
             <a:pPr marL="0" indent="0">
+              <a:lnSpc>
+                <a:spcPct val="80000"/>
+              </a:lnSpc>
               <a:buNone/>
             </a:pPr>
             <a:r>
-              <a:rPr lang="en-US" sz="1200"/>
-              <a:t>              Based on aspects of building location and construction, your goal is to predict the level of damage to buildings </a:t>
-            </a:r>
-            <a:endParaRPr lang="en-US" sz="1200"/>
+              <a:rPr lang="en-US" sz="1800">
+                <a:solidFill>
+                  <a:schemeClr val="tx1"/>
+                </a:solidFill>
+                <a:effectLst>
+                  <a:outerShdw blurRad="38100" dist="19050" dir="2700000" algn="tl" rotWithShape="0">
+                    <a:schemeClr val="dk1">
+                      <a:alpha val="40000"/>
+                    </a:schemeClr>
+                  </a:outerShdw>
+                </a:effectLst>
+              </a:rPr>
+              <a:t>         </a:t>
+            </a:r>
+            <a:r>
+              <a:rPr lang="en-US" sz="1200">
+                <a:solidFill>
+                  <a:schemeClr val="tx1"/>
+                </a:solidFill>
+                <a:effectLst>
+                  <a:outerShdw blurRad="38100" dist="19050" dir="2700000" algn="tl" rotWithShape="0">
+                    <a:schemeClr val="dk1">
+                      <a:alpha val="40000"/>
+                    </a:schemeClr>
+                  </a:outerShdw>
+                </a:effectLst>
+              </a:rPr>
+              <a:t>The model takes a series of inputs to classify in which category the video belongs.</a:t>
+            </a:r>
+            <a:endParaRPr lang="en-US" sz="1800">
+              <a:solidFill>
+                <a:schemeClr val="tx1"/>
+              </a:solidFill>
+              <a:effectLst>
+                <a:outerShdw blurRad="38100" dist="19050" dir="2700000" algn="tl" rotWithShape="0">
+                  <a:schemeClr val="dk1">
+                    <a:alpha val="40000"/>
+                  </a:schemeClr>
+                </a:outerShdw>
+              </a:effectLst>
+            </a:endParaRPr>
           </a:p>
           <a:p>
             <a:pPr marL="0" indent="0">
+              <a:lnSpc>
+                <a:spcPct val="80000"/>
+              </a:lnSpc>
               <a:buNone/>
             </a:pPr>
             <a:r>
-              <a:rPr lang="en-US" sz="1200"/>
-              <a:t>              caused by the 2015 Gorkha earthquake in Nepal.</a:t>
-            </a:r>
-            <a:endParaRPr lang="en-US" sz="1200"/>
-          </a:p>
-          <a:p>
-            <a:pPr marL="0" indent="0">
-              <a:buNone/>
-            </a:pPr>
-            <a:r>
-              <a:rPr lang="en-US" sz="1200"/>
-              <a:t>		</a:t>
+              <a:rPr lang="en-US" sz="1800">
+                <a:solidFill>
+                  <a:schemeClr val="tx1"/>
+                </a:solidFill>
+                <a:effectLst>
+                  <a:outerShdw blurRad="38100" dist="19050" dir="2700000" algn="tl" rotWithShape="0">
+                    <a:schemeClr val="dk1">
+                      <a:alpha val="40000"/>
+                    </a:schemeClr>
+                  </a:outerShdw>
+                </a:effectLst>
+              </a:rPr>
+              <a:t>                             </a:t>
             </a:r>
             <a:r>
               <a:rPr lang="en-US" sz="1200">
@@ -3821,168 +3905,9 @@
                   </a:outerShdw>
                 </a:effectLst>
               </a:rPr>
-              <a:t>https://www.drivendata.org/competitions/57/nepal-earthquake/page/134/</a:t>
+              <a:t>https://research.google.com/youtube8m/</a:t>
             </a:r>
             <a:endParaRPr lang="en-US" sz="1200">
-              <a:solidFill>
-                <a:schemeClr val="accent1"/>
-              </a:solidFill>
-              <a:effectLst>
-                <a:outerShdw blurRad="38100" dist="25400" dir="5400000" algn="ctr" rotWithShape="0">
-                  <a:srgbClr val="6E747A">
-                    <a:alpha val="43000"/>
-                  </a:srgbClr>
-                </a:outerShdw>
-              </a:effectLst>
-            </a:endParaRPr>
-          </a:p>
-          <a:p>
-            <a:pPr marL="0" indent="0">
-              <a:lnSpc>
-                <a:spcPct val="80000"/>
-              </a:lnSpc>
-              <a:buNone/>
-            </a:pPr>
-            <a:r>
-              <a:rPr lang="en-US" sz="1800">
-                <a:ln/>
-                <a:solidFill>
-                  <a:schemeClr val="tx1"/>
-                </a:solidFill>
-                <a:effectLst>
-                  <a:outerShdw blurRad="38100" dist="19050" dir="2700000" algn="tl" rotWithShape="0">
-                    <a:schemeClr val="dk1">
-                      <a:alpha val="40000"/>
-                    </a:schemeClr>
-                  </a:outerShdw>
-                </a:effectLst>
-              </a:rPr>
-              <a:t>4.      </a:t>
-            </a:r>
-            <a:r>
-              <a:rPr lang="en-US" sz="1800" b="1">
-                <a:ln/>
-                <a:solidFill>
-                  <a:schemeClr val="tx1"/>
-                </a:solidFill>
-                <a:effectLst>
-                  <a:outerShdw blurRad="38100" dist="19050" dir="2700000" algn="tl" rotWithShape="0">
-                    <a:schemeClr val="dk1">
-                      <a:alpha val="40000"/>
-                    </a:schemeClr>
-                  </a:outerShdw>
-                </a:effectLst>
-              </a:rPr>
-              <a:t>Build a model that can describe what a video is about.</a:t>
-            </a:r>
-            <a:endParaRPr lang="en-US" sz="1800">
-              <a:ln/>
-              <a:solidFill>
-                <a:schemeClr val="tx1"/>
-              </a:solidFill>
-              <a:effectLst>
-                <a:outerShdw blurRad="38100" dist="19050" dir="2700000" algn="tl" rotWithShape="0">
-                  <a:schemeClr val="dk1">
-                    <a:alpha val="40000"/>
-                  </a:schemeClr>
-                </a:outerShdw>
-              </a:effectLst>
-            </a:endParaRPr>
-          </a:p>
-          <a:p>
-            <a:pPr marL="0" indent="0">
-              <a:lnSpc>
-                <a:spcPct val="80000"/>
-              </a:lnSpc>
-              <a:buNone/>
-            </a:pPr>
-            <a:r>
-              <a:rPr lang="en-US" sz="1800">
-                <a:ln/>
-                <a:solidFill>
-                  <a:schemeClr val="tx1"/>
-                </a:solidFill>
-                <a:effectLst>
-                  <a:outerShdw blurRad="38100" dist="19050" dir="2700000" algn="tl" rotWithShape="0">
-                    <a:schemeClr val="dk1">
-                      <a:alpha val="40000"/>
-                    </a:schemeClr>
-                  </a:outerShdw>
-                </a:effectLst>
-              </a:rPr>
-              <a:t>         </a:t>
-            </a:r>
-            <a:r>
-              <a:rPr lang="en-US" sz="1200">
-                <a:ln/>
-                <a:solidFill>
-                  <a:schemeClr val="tx1"/>
-                </a:solidFill>
-                <a:effectLst>
-                  <a:outerShdw blurRad="38100" dist="19050" dir="2700000" algn="tl" rotWithShape="0">
-                    <a:schemeClr val="dk1">
-                      <a:alpha val="40000"/>
-                    </a:schemeClr>
-                  </a:outerShdw>
-                </a:effectLst>
-              </a:rPr>
-              <a:t>The model takes a series of inputs to classify in which category the video belongs.</a:t>
-            </a:r>
-            <a:endParaRPr lang="en-US" sz="1800">
-              <a:ln/>
-              <a:solidFill>
-                <a:schemeClr val="tx1"/>
-              </a:solidFill>
-              <a:effectLst>
-                <a:outerShdw blurRad="38100" dist="19050" dir="2700000" algn="tl" rotWithShape="0">
-                  <a:schemeClr val="dk1">
-                    <a:alpha val="40000"/>
-                  </a:schemeClr>
-                </a:outerShdw>
-              </a:effectLst>
-            </a:endParaRPr>
-          </a:p>
-          <a:p>
-            <a:pPr marL="0" indent="0">
-              <a:lnSpc>
-                <a:spcPct val="80000"/>
-              </a:lnSpc>
-              <a:buNone/>
-            </a:pPr>
-            <a:r>
-              <a:rPr lang="en-US" sz="1800">
-                <a:ln/>
-                <a:solidFill>
-                  <a:schemeClr val="tx1"/>
-                </a:solidFill>
-                <a:effectLst>
-                  <a:outerShdw blurRad="38100" dist="19050" dir="2700000" algn="tl" rotWithShape="0">
-                    <a:schemeClr val="dk1">
-                      <a:alpha val="40000"/>
-                    </a:schemeClr>
-                  </a:outerShdw>
-                </a:effectLst>
-              </a:rPr>
-              <a:t>                             </a:t>
-            </a:r>
-            <a:r>
-              <a:rPr lang="en-US" sz="1200">
-                <a:ln/>
-                <a:solidFill>
-                  <a:schemeClr val="accent1"/>
-                </a:solidFill>
-                <a:effectLst>
-                  <a:outerShdw blurRad="38100" dist="25400" dir="5400000" algn="ctr" rotWithShape="0">
-                    <a:srgbClr val="6E747A">
-                      <a:alpha val="43000"/>
-                    </a:srgbClr>
-                  </a:outerShdw>
-                </a:effectLst>
-              </a:rPr>
-              <a:t>https://research.google.com/youtube8m/</a:t>
-            </a:r>
-            <a:endParaRPr lang="en-US" sz="1200">
-              <a:ln/>
               <a:solidFill>
                 <a:schemeClr val="accent1"/>
               </a:solidFill>

--- a/IDEAS FOR PROBLEM STATEMENT.2.pptx
+++ b/IDEAS FOR PROBLEM STATEMENT.2.pptx
@@ -3906,6 +3906,61 @@
                 </a:effectLst>
               </a:rPr>
               <a:t>https://research.google.com/youtube8m/</a:t>
+            </a:r>
+            <a:endParaRPr lang="en-US" sz="1200">
+              <a:solidFill>
+                <a:schemeClr val="accent1"/>
+              </a:solidFill>
+              <a:effectLst>
+                <a:outerShdw blurRad="38100" dist="25400" dir="5400000" algn="ctr" rotWithShape="0">
+                  <a:srgbClr val="6E747A">
+                    <a:alpha val="43000"/>
+                  </a:srgbClr>
+                </a:outerShdw>
+              </a:effectLst>
+            </a:endParaRPr>
+          </a:p>
+          <a:p>
+            <a:pPr marL="0" indent="0">
+              <a:lnSpc>
+                <a:spcPct val="80000"/>
+              </a:lnSpc>
+              <a:buNone/>
+            </a:pPr>
+            <a:endParaRPr lang="en-US" sz="1200">
+              <a:solidFill>
+                <a:schemeClr val="accent1"/>
+              </a:solidFill>
+              <a:effectLst>
+                <a:outerShdw blurRad="38100" dist="25400" dir="5400000" algn="ctr" rotWithShape="0">
+                  <a:srgbClr val="6E747A">
+                    <a:alpha val="43000"/>
+                  </a:srgbClr>
+                </a:outerShdw>
+              </a:effectLst>
+            </a:endParaRPr>
+          </a:p>
+          <a:p>
+            <a:pPr marL="0" indent="0">
+              <a:lnSpc>
+                <a:spcPct val="80000"/>
+              </a:lnSpc>
+              <a:buNone/>
+            </a:pPr>
+            <a:r>
+              <a:rPr lang="en-US" sz="1200">
+                <a:solidFill>
+                  <a:schemeClr val="accent1"/>
+                </a:solidFill>
+                <a:effectLst>
+                  <a:outerShdw blurRad="38100" dist="25400" dir="5400000" algn="ctr" rotWithShape="0">
+                    <a:srgbClr val="6E747A">
+                      <a:alpha val="43000"/>
+                    </a:srgbClr>
+                  </a:outerShdw>
+                </a:effectLst>
+              </a:rPr>
+              <a:t>update</a:t>
             </a:r>
             <a:endParaRPr lang="en-US" sz="1200">
               <a:solidFill>

--- a/IDEAS FOR PROBLEM STATEMENT.2.pptx
+++ b/IDEAS FOR PROBLEM STATEMENT.2.pptx
@@ -3650,7 +3650,7 @@
             </a:pPr>
             <a:r>
               <a:rPr lang="en-US" sz="2000" b="1"/>
-              <a:t> Autocomplete Feature</a:t>
+              <a:t> Autocomplete Feature.</a:t>
             </a:r>
             <a:endParaRPr lang="en-US" sz="2000" b="1"/>
           </a:p>
@@ -3714,7 +3714,7 @@
             </a:pPr>
             <a:r>
               <a:rPr lang="en-US" sz="1750" b="1"/>
-              <a:t> Music Genre Classification with Deep Learning</a:t>
+              <a:t> Music Genre Classification with Deep Learning.</a:t>
             </a:r>
             <a:endParaRPr lang="en-US" sz="1750" b="1"/>
           </a:p>
@@ -3927,6 +3927,53 @@
               </a:lnSpc>
               <a:buNone/>
             </a:pPr>
+            <a:r>
+              <a:rPr lang="en-US" sz="1800" b="1">
+                <a:ln/>
+                <a:solidFill>
+                  <a:schemeClr val="tx1"/>
+                </a:solidFill>
+                <a:effectLst>
+                  <a:outerShdw blurRad="38100" dist="19050" dir="2700000" algn="tl" rotWithShape="0">
+                    <a:schemeClr val="dk1">
+                      <a:alpha val="40000"/>
+                    </a:schemeClr>
+                  </a:outerShdw>
+                </a:effectLst>
+              </a:rPr>
+              <a:t>4.</a:t>
+            </a:r>
+            <a:r>
+              <a:rPr lang="en-US" sz="1200">
+                <a:solidFill>
+                  <a:schemeClr val="accent1"/>
+                </a:solidFill>
+                <a:effectLst>
+                  <a:outerShdw blurRad="38100" dist="25400" dir="5400000" algn="ctr" rotWithShape="0">
+                    <a:srgbClr val="6E747A">
+                      <a:alpha val="43000"/>
+                    </a:srgbClr>
+                  </a:outerShdw>
+                </a:effectLst>
+              </a:rPr>
+              <a:t>         </a:t>
+            </a:r>
+            <a:r>
+              <a:rPr lang="en-US" sz="1800" b="1">
+                <a:ln/>
+                <a:solidFill>
+                  <a:schemeClr val="tx1"/>
+                </a:solidFill>
+                <a:effectLst>
+                  <a:outerShdw blurRad="38100" dist="19050" dir="2700000" algn="tl" rotWithShape="0">
+                    <a:schemeClr val="dk1">
+                      <a:alpha val="40000"/>
+                    </a:schemeClr>
+                  </a:outerShdw>
+                </a:effectLst>
+              </a:rPr>
+              <a:t>Human activity recognition project..</a:t>
+            </a:r>
             <a:endParaRPr lang="en-US" sz="1200">
               <a:solidFill>
                 <a:schemeClr val="accent1"/>
@@ -3960,9 +4007,79 @@
                   </a:outerShdw>
                 </a:effectLst>
               </a:rPr>
-              <a:t>update</a:t>
+              <a:t>            </a:t>
+            </a:r>
+            <a:r>
+              <a:rPr lang="en-US" sz="1200">
+                <a:ln/>
+                <a:solidFill>
+                  <a:schemeClr val="tx1"/>
+                </a:solidFill>
+                <a:effectLst>
+                  <a:outerShdw blurRad="38100" dist="19050" dir="2700000" algn="tl" rotWithShape="0">
+                    <a:schemeClr val="dk1">
+                      <a:alpha val="40000"/>
+                    </a:schemeClr>
+                  </a:outerShdw>
+                </a:effectLst>
+              </a:rPr>
+              <a:t> This is a video classification project, which will include combining a series of images and classifying the action.</a:t>
             </a:r>
             <a:endParaRPr lang="en-US" sz="1200">
+              <a:ln/>
+              <a:solidFill>
+                <a:schemeClr val="tx1"/>
+              </a:solidFill>
+              <a:effectLst>
+                <a:outerShdw blurRad="38100" dist="19050" dir="2700000" algn="tl" rotWithShape="0">
+                  <a:schemeClr val="dk1">
+                    <a:alpha val="40000"/>
+                  </a:schemeClr>
+                </a:outerShdw>
+              </a:effectLst>
+            </a:endParaRPr>
+          </a:p>
+          <a:p>
+            <a:pPr marL="0" indent="0">
+              <a:lnSpc>
+                <a:spcPct val="80000"/>
+              </a:lnSpc>
+              <a:buNone/>
+            </a:pPr>
+            <a:r>
+              <a:rPr lang="en-US" sz="1200">
+                <a:ln/>
+                <a:solidFill>
+                  <a:schemeClr val="tx1"/>
+                </a:solidFill>
+                <a:effectLst>
+                  <a:outerShdw blurRad="38100" dist="19050" dir="2700000" algn="tl" rotWithShape="0">
+                    <a:schemeClr val="dk1">
+                      <a:alpha val="40000"/>
+                    </a:schemeClr>
+                  </a:outerShdw>
+                </a:effectLst>
+              </a:rPr>
+              <a:t>		</a:t>
+            </a:r>
+            <a:r>
+              <a:rPr lang="en-US" sz="1200">
+                <a:ln/>
+                <a:solidFill>
+                  <a:schemeClr val="accent1"/>
+                </a:solidFill>
+                <a:effectLst>
+                  <a:outerShdw blurRad="38100" dist="25400" dir="5400000" algn="ctr" rotWithShape="0">
+                    <a:srgbClr val="6E747A">
+                      <a:alpha val="43000"/>
+                    </a:srgbClr>
+                  </a:outerShdw>
+                </a:effectLst>
+              </a:rPr>
+              <a:t>https://www.geeksforgeeks.org/human-activity-recognition-using-deep-learning-model/</a:t>
+            </a:r>
+            <a:endParaRPr lang="en-US" sz="1200">
+              <a:ln/>
               <a:solidFill>
                 <a:schemeClr val="accent1"/>
               </a:solidFill>

--- a/IDEAS FOR PROBLEM STATEMENT.2.pptx
+++ b/IDEAS FOR PROBLEM STATEMENT.2.pptx
@@ -8,8 +8,9 @@
     <p:notesMasterId r:id="rId5"/>
   </p:notesMasterIdLst>
   <p:sldIdLst>
-    <p:sldId id="256" r:id="rId3"/>
-    <p:sldId id="257" r:id="rId4"/>
+    <p:sldId id="256" r:id="rId2"/>
+    <p:sldId id="257" r:id="rId3"/>
+    <p:sldId id="258" r:id="rId4"/>
   </p:sldIdLst>
   <p:sldSz cx="12192000" cy="6858000"/>
   <p:notesSz cx="6858000" cy="9144000"/>
@@ -108,6 +109,11 @@
       </a:defRPr>
     </a:lvl9pPr>
   </p:defaultTextStyle>
+  <p:extLst>
+    <p:ext uri="{EFAFB233-063F-42B5-8137-9DF3F51BA10A}">
+      <p15:sldGuideLst xmlns:p15="http://schemas.microsoft.com/office/powerpoint/2012/main"/>
+    </p:ext>
+  </p:extLst>
 </p:presentation>
 </file>
 
@@ -193,6 +199,7 @@
           <a:p>
             <a:fld id="{3EFD42F7-718C-4B98-AAEC-167E6DDD60A7}" type="datetimeFigureOut">
               <a:rPr lang="en-US" smtClean="0"/>
+              <a:t>10/3/2020</a:t>
             </a:fld>
             <a:endParaRPr lang="en-US"/>
           </a:p>
@@ -256,42 +263,37 @@
           <a:p>
             <a:pPr lvl="0"/>
             <a:r>
-              <a:rPr lang="en-US" smtClean="0"/>
+              <a:rPr lang="en-US"/>
               <a:t>Click to edit Master text styles</a:t>
             </a:r>
-            <a:endParaRPr lang="en-US" smtClean="0"/>
           </a:p>
           <a:p>
             <a:pPr lvl="1"/>
             <a:r>
-              <a:rPr lang="en-US" smtClean="0"/>
+              <a:rPr lang="en-US"/>
               <a:t>Second level</a:t>
             </a:r>
-            <a:endParaRPr lang="en-US" smtClean="0"/>
           </a:p>
           <a:p>
             <a:pPr lvl="2"/>
             <a:r>
-              <a:rPr lang="en-US" smtClean="0"/>
+              <a:rPr lang="en-US"/>
               <a:t>Third level</a:t>
             </a:r>
-            <a:endParaRPr lang="en-US" smtClean="0"/>
           </a:p>
           <a:p>
             <a:pPr lvl="3"/>
             <a:r>
-              <a:rPr lang="en-US" smtClean="0"/>
+              <a:rPr lang="en-US"/>
               <a:t>Fourth level</a:t>
             </a:r>
-            <a:endParaRPr lang="en-US" smtClean="0"/>
           </a:p>
           <a:p>
             <a:pPr lvl="4"/>
             <a:r>
-              <a:rPr lang="en-US" smtClean="0"/>
+              <a:rPr lang="en-US"/>
               <a:t>Fifth level</a:t>
             </a:r>
-            <a:endParaRPr lang="en-US"/>
           </a:p>
         </p:txBody>
       </p:sp>
@@ -355,6 +357,7 @@
           <a:p>
             <a:fld id="{21B2AA4F-B828-4D7C-AFD3-893933DAFCB4}" type="slidenum">
               <a:rPr lang="en-US" smtClean="0"/>
+              <a:t>‹#›</a:t>
             </a:fld>
             <a:endParaRPr lang="en-US"/>
           </a:p>
@@ -459,7 +462,7 @@
 </file>
 
 <file path=ppt/slideLayouts/slideLayout1.xml><?xml version="1.0" encoding="utf-8"?>
-<p:sldLayout xmlns:a="http://schemas.openxmlformats.org/drawingml/2006/main" xmlns:r="http://schemas.openxmlformats.org/officeDocument/2006/relationships" xmlns:p="http://schemas.openxmlformats.org/presentationml/2006/main" type="title" preserve="1" showMasterSp="0">
+<p:sldLayout xmlns:a="http://schemas.openxmlformats.org/drawingml/2006/main" xmlns:r="http://schemas.openxmlformats.org/officeDocument/2006/relationships" xmlns:p="http://schemas.openxmlformats.org/presentationml/2006/main" showMasterSp="0" type="title" preserve="1">
   <p:cSld name="Title Slide">
     <p:bg>
       <p:bgPr>
@@ -537,10 +540,9 @@
           <a:p>
             <a:pPr lvl="0"/>
             <a:r>
-              <a:rPr lang="en-US" altLang="zh-CN" noProof="0" smtClean="0"/>
+              <a:rPr lang="en-US" altLang="zh-CN" noProof="0"/>
               <a:t>Click to edit Master title style</a:t>
             </a:r>
-            <a:endParaRPr lang="en-US" altLang="zh-CN" noProof="0" smtClean="0"/>
           </a:p>
         </p:txBody>
       </p:sp>
@@ -576,10 +578,9 @@
           <a:p>
             <a:pPr lvl="0"/>
             <a:r>
-              <a:rPr lang="en-US" altLang="zh-CN" noProof="0" smtClean="0"/>
+              <a:rPr lang="en-US" altLang="zh-CN" noProof="0"/>
               <a:t>Click to edit Master subtitle style</a:t>
             </a:r>
-            <a:endParaRPr lang="en-US" altLang="zh-CN" noProof="0" smtClean="0"/>
           </a:p>
         </p:txBody>
       </p:sp>
@@ -641,6 +642,7 @@
           <a:p>
             <a:fld id="{63A1C593-65D0-4073-BCC9-577B9352EA97}" type="datetimeFigureOut">
               <a:rPr lang="en-US" smtClean="0"/>
+              <a:t>10/3/2020</a:t>
             </a:fld>
             <a:endParaRPr lang="en-US"/>
           </a:p>
@@ -764,6 +766,7 @@
           <a:p>
             <a:fld id="{9B618960-8005-486C-9A75-10CB2AAC16F9}" type="slidenum">
               <a:rPr lang="en-US" smtClean="0"/>
+              <a:t>‹#›</a:t>
             </a:fld>
             <a:endParaRPr lang="en-US"/>
           </a:p>
@@ -811,10 +814,9 @@
           <a:lstStyle/>
           <a:p>
             <a:r>
-              <a:rPr lang="en-US" smtClean="0"/>
+              <a:rPr lang="en-US"/>
               <a:t>Click to edit Master title style</a:t>
             </a:r>
-            <a:endParaRPr lang="en-US"/>
           </a:p>
         </p:txBody>
       </p:sp>
@@ -835,42 +837,37 @@
           <a:p>
             <a:pPr lvl="0"/>
             <a:r>
-              <a:rPr lang="en-US" smtClean="0"/>
+              <a:rPr lang="en-US"/>
               <a:t>Click to edit Master text styles</a:t>
             </a:r>
-            <a:endParaRPr lang="en-US" smtClean="0"/>
           </a:p>
           <a:p>
             <a:pPr lvl="1"/>
             <a:r>
-              <a:rPr lang="en-US" smtClean="0"/>
+              <a:rPr lang="en-US"/>
               <a:t>Second level</a:t>
             </a:r>
-            <a:endParaRPr lang="en-US" smtClean="0"/>
           </a:p>
           <a:p>
             <a:pPr lvl="2"/>
             <a:r>
-              <a:rPr lang="en-US" smtClean="0"/>
+              <a:rPr lang="en-US"/>
               <a:t>Third level</a:t>
             </a:r>
-            <a:endParaRPr lang="en-US" smtClean="0"/>
           </a:p>
           <a:p>
             <a:pPr lvl="3"/>
             <a:r>
-              <a:rPr lang="en-US" smtClean="0"/>
+              <a:rPr lang="en-US"/>
               <a:t>Fourth level</a:t>
             </a:r>
-            <a:endParaRPr lang="en-US" smtClean="0"/>
           </a:p>
           <a:p>
             <a:pPr lvl="4"/>
             <a:r>
-              <a:rPr lang="en-US" smtClean="0"/>
+              <a:rPr lang="en-US"/>
               <a:t>Fifth level</a:t>
             </a:r>
-            <a:endParaRPr lang="en-US"/>
           </a:p>
         </p:txBody>
       </p:sp>
@@ -887,9 +884,11 @@
         <p:spPr/>
         <p:txBody>
           <a:bodyPr/>
+          <a:lstStyle/>
           <a:p>
             <a:fld id="{63A1C593-65D0-4073-BCC9-577B9352EA97}" type="datetimeFigureOut">
               <a:rPr lang="en-US" smtClean="0"/>
+              <a:t>10/3/2020</a:t>
             </a:fld>
             <a:endParaRPr lang="en-US"/>
           </a:p>
@@ -908,6 +907,7 @@
         <p:spPr/>
         <p:txBody>
           <a:bodyPr/>
+          <a:lstStyle/>
           <a:p>
             <a:endParaRPr lang="en-US"/>
           </a:p>
@@ -926,9 +926,11 @@
         <p:spPr/>
         <p:txBody>
           <a:bodyPr/>
+          <a:lstStyle/>
           <a:p>
             <a:fld id="{9B618960-8005-486C-9A75-10CB2AAC16F9}" type="slidenum">
               <a:rPr lang="en-US" smtClean="0"/>
+              <a:t>‹#›</a:t>
             </a:fld>
             <a:endParaRPr lang="en-US"/>
           </a:p>
@@ -981,10 +983,9 @@
           <a:lstStyle/>
           <a:p>
             <a:r>
-              <a:rPr lang="en-US" smtClean="0"/>
+              <a:rPr lang="en-US"/>
               <a:t>Click to edit Master title style</a:t>
             </a:r>
-            <a:endParaRPr lang="en-US"/>
           </a:p>
         </p:txBody>
       </p:sp>
@@ -1010,42 +1011,37 @@
           <a:p>
             <a:pPr lvl="0"/>
             <a:r>
-              <a:rPr lang="en-US" smtClean="0"/>
+              <a:rPr lang="en-US"/>
               <a:t>Click to edit Master text styles</a:t>
             </a:r>
-            <a:endParaRPr lang="en-US" smtClean="0"/>
           </a:p>
           <a:p>
             <a:pPr lvl="1"/>
             <a:r>
-              <a:rPr lang="en-US" smtClean="0"/>
+              <a:rPr lang="en-US"/>
               <a:t>Second level</a:t>
             </a:r>
-            <a:endParaRPr lang="en-US" smtClean="0"/>
           </a:p>
           <a:p>
             <a:pPr lvl="2"/>
             <a:r>
-              <a:rPr lang="en-US" smtClean="0"/>
+              <a:rPr lang="en-US"/>
               <a:t>Third level</a:t>
             </a:r>
-            <a:endParaRPr lang="en-US" smtClean="0"/>
           </a:p>
           <a:p>
             <a:pPr lvl="3"/>
             <a:r>
-              <a:rPr lang="en-US" smtClean="0"/>
+              <a:rPr lang="en-US"/>
               <a:t>Fourth level</a:t>
             </a:r>
-            <a:endParaRPr lang="en-US" smtClean="0"/>
           </a:p>
           <a:p>
             <a:pPr lvl="4"/>
             <a:r>
-              <a:rPr lang="en-US" smtClean="0"/>
+              <a:rPr lang="en-US"/>
               <a:t>Fifth level</a:t>
             </a:r>
-            <a:endParaRPr lang="en-US"/>
           </a:p>
         </p:txBody>
       </p:sp>
@@ -1062,9 +1058,11 @@
         <p:spPr/>
         <p:txBody>
           <a:bodyPr/>
+          <a:lstStyle/>
           <a:p>
             <a:fld id="{63A1C593-65D0-4073-BCC9-577B9352EA97}" type="datetimeFigureOut">
               <a:rPr lang="en-US" smtClean="0"/>
+              <a:t>10/3/2020</a:t>
             </a:fld>
             <a:endParaRPr lang="en-US"/>
           </a:p>
@@ -1083,6 +1081,7 @@
         <p:spPr/>
         <p:txBody>
           <a:bodyPr/>
+          <a:lstStyle/>
           <a:p>
             <a:endParaRPr lang="en-US"/>
           </a:p>
@@ -1101,9 +1100,11 @@
         <p:spPr/>
         <p:txBody>
           <a:bodyPr/>
+          <a:lstStyle/>
           <a:p>
             <a:fld id="{9B618960-8005-486C-9A75-10CB2AAC16F9}" type="slidenum">
               <a:rPr lang="en-US" smtClean="0"/>
+              <a:t>‹#›</a:t>
             </a:fld>
             <a:endParaRPr lang="en-US"/>
           </a:p>
@@ -1151,10 +1152,9 @@
           <a:lstStyle/>
           <a:p>
             <a:r>
-              <a:rPr lang="en-US" smtClean="0"/>
+              <a:rPr lang="en-US"/>
               <a:t>Click to edit Master title style</a:t>
             </a:r>
-            <a:endParaRPr lang="en-US"/>
           </a:p>
         </p:txBody>
       </p:sp>
@@ -1175,42 +1175,37 @@
           <a:p>
             <a:pPr lvl="0"/>
             <a:r>
-              <a:rPr lang="en-US" smtClean="0"/>
+              <a:rPr lang="en-US"/>
               <a:t>Click to edit Master text styles</a:t>
             </a:r>
-            <a:endParaRPr lang="en-US" smtClean="0"/>
           </a:p>
           <a:p>
             <a:pPr lvl="1"/>
             <a:r>
-              <a:rPr lang="en-US" smtClean="0"/>
+              <a:rPr lang="en-US"/>
               <a:t>Second level</a:t>
             </a:r>
-            <a:endParaRPr lang="en-US" smtClean="0"/>
           </a:p>
           <a:p>
             <a:pPr lvl="2"/>
             <a:r>
-              <a:rPr lang="en-US" smtClean="0"/>
+              <a:rPr lang="en-US"/>
               <a:t>Third level</a:t>
             </a:r>
-            <a:endParaRPr lang="en-US" smtClean="0"/>
           </a:p>
           <a:p>
             <a:pPr lvl="3"/>
             <a:r>
-              <a:rPr lang="en-US" smtClean="0"/>
+              <a:rPr lang="en-US"/>
               <a:t>Fourth level</a:t>
             </a:r>
-            <a:endParaRPr lang="en-US" smtClean="0"/>
           </a:p>
           <a:p>
             <a:pPr lvl="4"/>
             <a:r>
-              <a:rPr lang="en-US" smtClean="0"/>
+              <a:rPr lang="en-US"/>
               <a:t>Fifth level</a:t>
             </a:r>
-            <a:endParaRPr lang="en-US"/>
           </a:p>
         </p:txBody>
       </p:sp>
@@ -1227,9 +1222,11 @@
         <p:spPr/>
         <p:txBody>
           <a:bodyPr/>
+          <a:lstStyle/>
           <a:p>
             <a:fld id="{63A1C593-65D0-4073-BCC9-577B9352EA97}" type="datetimeFigureOut">
               <a:rPr lang="en-US" smtClean="0"/>
+              <a:t>10/3/2020</a:t>
             </a:fld>
             <a:endParaRPr lang="en-US"/>
           </a:p>
@@ -1248,6 +1245,7 @@
         <p:spPr/>
         <p:txBody>
           <a:bodyPr/>
+          <a:lstStyle/>
           <a:p>
             <a:endParaRPr lang="en-US"/>
           </a:p>
@@ -1266,9 +1264,11 @@
         <p:spPr/>
         <p:txBody>
           <a:bodyPr/>
+          <a:lstStyle/>
           <a:p>
             <a:fld id="{9B618960-8005-486C-9A75-10CB2AAC16F9}" type="slidenum">
               <a:rPr lang="en-US" smtClean="0"/>
+              <a:t>‹#›</a:t>
             </a:fld>
             <a:endParaRPr lang="en-US"/>
           </a:p>
@@ -1325,10 +1325,9 @@
           </a:lstStyle>
           <a:p>
             <a:r>
-              <a:rPr lang="en-US" smtClean="0"/>
+              <a:rPr lang="en-US"/>
               <a:t>Click to edit Master title style</a:t>
             </a:r>
-            <a:endParaRPr lang="en-US"/>
           </a:p>
         </p:txBody>
       </p:sp>
@@ -1391,10 +1390,9 @@
           <a:p>
             <a:pPr lvl="0"/>
             <a:r>
-              <a:rPr lang="en-US" smtClean="0"/>
+              <a:rPr lang="en-US"/>
               <a:t>Click to edit Master text styles</a:t>
             </a:r>
-            <a:endParaRPr lang="en-US" smtClean="0"/>
           </a:p>
         </p:txBody>
       </p:sp>
@@ -1411,9 +1409,11 @@
         <p:spPr/>
         <p:txBody>
           <a:bodyPr/>
+          <a:lstStyle/>
           <a:p>
             <a:fld id="{63A1C593-65D0-4073-BCC9-577B9352EA97}" type="datetimeFigureOut">
               <a:rPr lang="en-US" smtClean="0"/>
+              <a:t>10/3/2020</a:t>
             </a:fld>
             <a:endParaRPr lang="en-US"/>
           </a:p>
@@ -1432,6 +1432,7 @@
         <p:spPr/>
         <p:txBody>
           <a:bodyPr/>
+          <a:lstStyle/>
           <a:p>
             <a:endParaRPr lang="en-US"/>
           </a:p>
@@ -1450,9 +1451,11 @@
         <p:spPr/>
         <p:txBody>
           <a:bodyPr/>
+          <a:lstStyle/>
           <a:p>
             <a:fld id="{9B618960-8005-486C-9A75-10CB2AAC16F9}" type="slidenum">
               <a:rPr lang="en-US" smtClean="0"/>
+              <a:t>‹#›</a:t>
             </a:fld>
             <a:endParaRPr lang="en-US"/>
           </a:p>
@@ -1500,10 +1503,9 @@
           <a:lstStyle/>
           <a:p>
             <a:r>
-              <a:rPr lang="en-US" smtClean="0"/>
+              <a:rPr lang="en-US"/>
               <a:t>Click to edit Master title style</a:t>
             </a:r>
-            <a:endParaRPr lang="en-US"/>
           </a:p>
         </p:txBody>
       </p:sp>
@@ -1529,42 +1531,37 @@
           <a:p>
             <a:pPr lvl="0"/>
             <a:r>
-              <a:rPr lang="en-US" smtClean="0"/>
+              <a:rPr lang="en-US"/>
               <a:t>Click to edit Master text styles</a:t>
             </a:r>
-            <a:endParaRPr lang="en-US" smtClean="0"/>
           </a:p>
           <a:p>
             <a:pPr lvl="1"/>
             <a:r>
-              <a:rPr lang="en-US" smtClean="0"/>
+              <a:rPr lang="en-US"/>
               <a:t>Second level</a:t>
             </a:r>
-            <a:endParaRPr lang="en-US" smtClean="0"/>
           </a:p>
           <a:p>
             <a:pPr lvl="2"/>
             <a:r>
-              <a:rPr lang="en-US" smtClean="0"/>
+              <a:rPr lang="en-US"/>
               <a:t>Third level</a:t>
             </a:r>
-            <a:endParaRPr lang="en-US" smtClean="0"/>
           </a:p>
           <a:p>
             <a:pPr lvl="3"/>
             <a:r>
-              <a:rPr lang="en-US" smtClean="0"/>
+              <a:rPr lang="en-US"/>
               <a:t>Fourth level</a:t>
             </a:r>
-            <a:endParaRPr lang="en-US" smtClean="0"/>
           </a:p>
           <a:p>
             <a:pPr lvl="4"/>
             <a:r>
-              <a:rPr lang="en-US" smtClean="0"/>
+              <a:rPr lang="en-US"/>
               <a:t>Fifth level</a:t>
             </a:r>
-            <a:endParaRPr lang="en-US"/>
           </a:p>
         </p:txBody>
       </p:sp>
@@ -1590,42 +1587,37 @@
           <a:p>
             <a:pPr lvl="0"/>
             <a:r>
-              <a:rPr lang="en-US" smtClean="0"/>
+              <a:rPr lang="en-US"/>
               <a:t>Click to edit Master text styles</a:t>
             </a:r>
-            <a:endParaRPr lang="en-US" smtClean="0"/>
           </a:p>
           <a:p>
             <a:pPr lvl="1"/>
             <a:r>
-              <a:rPr lang="en-US" smtClean="0"/>
+              <a:rPr lang="en-US"/>
               <a:t>Second level</a:t>
             </a:r>
-            <a:endParaRPr lang="en-US" smtClean="0"/>
           </a:p>
           <a:p>
             <a:pPr lvl="2"/>
             <a:r>
-              <a:rPr lang="en-US" smtClean="0"/>
+              <a:rPr lang="en-US"/>
               <a:t>Third level</a:t>
             </a:r>
-            <a:endParaRPr lang="en-US" smtClean="0"/>
           </a:p>
           <a:p>
             <a:pPr lvl="3"/>
             <a:r>
-              <a:rPr lang="en-US" smtClean="0"/>
+              <a:rPr lang="en-US"/>
               <a:t>Fourth level</a:t>
             </a:r>
-            <a:endParaRPr lang="en-US" smtClean="0"/>
           </a:p>
           <a:p>
             <a:pPr lvl="4"/>
             <a:r>
-              <a:rPr lang="en-US" smtClean="0"/>
+              <a:rPr lang="en-US"/>
               <a:t>Fifth level</a:t>
             </a:r>
-            <a:endParaRPr lang="en-US"/>
           </a:p>
         </p:txBody>
       </p:sp>
@@ -1642,9 +1634,11 @@
         <p:spPr/>
         <p:txBody>
           <a:bodyPr/>
+          <a:lstStyle/>
           <a:p>
             <a:fld id="{63A1C593-65D0-4073-BCC9-577B9352EA97}" type="datetimeFigureOut">
               <a:rPr lang="en-US" smtClean="0"/>
+              <a:t>10/3/2020</a:t>
             </a:fld>
             <a:endParaRPr lang="en-US"/>
           </a:p>
@@ -1663,6 +1657,7 @@
         <p:spPr/>
         <p:txBody>
           <a:bodyPr/>
+          <a:lstStyle/>
           <a:p>
             <a:endParaRPr lang="en-US"/>
           </a:p>
@@ -1681,9 +1676,11 @@
         <p:spPr/>
         <p:txBody>
           <a:bodyPr/>
+          <a:lstStyle/>
           <a:p>
             <a:fld id="{9B618960-8005-486C-9A75-10CB2AAC16F9}" type="slidenum">
               <a:rPr lang="en-US" smtClean="0"/>
+              <a:t>‹#›</a:t>
             </a:fld>
             <a:endParaRPr lang="en-US"/>
           </a:p>
@@ -1736,10 +1733,9 @@
           <a:lstStyle/>
           <a:p>
             <a:r>
-              <a:rPr lang="en-US" smtClean="0"/>
+              <a:rPr lang="en-US"/>
               <a:t>Click to edit Master title style</a:t>
             </a:r>
-            <a:endParaRPr lang="en-US"/>
           </a:p>
         </p:txBody>
       </p:sp>
@@ -1802,10 +1798,9 @@
           <a:p>
             <a:pPr lvl="0"/>
             <a:r>
-              <a:rPr lang="en-US" smtClean="0"/>
+              <a:rPr lang="en-US"/>
               <a:t>Click to edit Master text styles</a:t>
             </a:r>
-            <a:endParaRPr lang="en-US" smtClean="0"/>
           </a:p>
         </p:txBody>
       </p:sp>
@@ -1831,42 +1826,37 @@
           <a:p>
             <a:pPr lvl="0"/>
             <a:r>
-              <a:rPr lang="en-US" smtClean="0"/>
+              <a:rPr lang="en-US"/>
               <a:t>Click to edit Master text styles</a:t>
             </a:r>
-            <a:endParaRPr lang="en-US" smtClean="0"/>
           </a:p>
           <a:p>
             <a:pPr lvl="1"/>
             <a:r>
-              <a:rPr lang="en-US" smtClean="0"/>
+              <a:rPr lang="en-US"/>
               <a:t>Second level</a:t>
             </a:r>
-            <a:endParaRPr lang="en-US" smtClean="0"/>
           </a:p>
           <a:p>
             <a:pPr lvl="2"/>
             <a:r>
-              <a:rPr lang="en-US" smtClean="0"/>
+              <a:rPr lang="en-US"/>
               <a:t>Third level</a:t>
             </a:r>
-            <a:endParaRPr lang="en-US" smtClean="0"/>
           </a:p>
           <a:p>
             <a:pPr lvl="3"/>
             <a:r>
-              <a:rPr lang="en-US" smtClean="0"/>
+              <a:rPr lang="en-US"/>
               <a:t>Fourth level</a:t>
             </a:r>
-            <a:endParaRPr lang="en-US" smtClean="0"/>
           </a:p>
           <a:p>
             <a:pPr lvl="4"/>
             <a:r>
-              <a:rPr lang="en-US" smtClean="0"/>
+              <a:rPr lang="en-US"/>
               <a:t>Fifth level</a:t>
             </a:r>
-            <a:endParaRPr lang="en-US"/>
           </a:p>
         </p:txBody>
       </p:sp>
@@ -1929,10 +1919,9 @@
           <a:p>
             <a:pPr lvl="0"/>
             <a:r>
-              <a:rPr lang="en-US" smtClean="0"/>
+              <a:rPr lang="en-US"/>
               <a:t>Click to edit Master text styles</a:t>
             </a:r>
-            <a:endParaRPr lang="en-US" smtClean="0"/>
           </a:p>
         </p:txBody>
       </p:sp>
@@ -1958,42 +1947,37 @@
           <a:p>
             <a:pPr lvl="0"/>
             <a:r>
-              <a:rPr lang="en-US" smtClean="0"/>
+              <a:rPr lang="en-US"/>
               <a:t>Click to edit Master text styles</a:t>
             </a:r>
-            <a:endParaRPr lang="en-US" smtClean="0"/>
           </a:p>
           <a:p>
             <a:pPr lvl="1"/>
             <a:r>
-              <a:rPr lang="en-US" smtClean="0"/>
+              <a:rPr lang="en-US"/>
               <a:t>Second level</a:t>
             </a:r>
-            <a:endParaRPr lang="en-US" smtClean="0"/>
           </a:p>
           <a:p>
             <a:pPr lvl="2"/>
             <a:r>
-              <a:rPr lang="en-US" smtClean="0"/>
+              <a:rPr lang="en-US"/>
               <a:t>Third level</a:t>
             </a:r>
-            <a:endParaRPr lang="en-US" smtClean="0"/>
           </a:p>
           <a:p>
             <a:pPr lvl="3"/>
             <a:r>
-              <a:rPr lang="en-US" smtClean="0"/>
+              <a:rPr lang="en-US"/>
               <a:t>Fourth level</a:t>
             </a:r>
-            <a:endParaRPr lang="en-US" smtClean="0"/>
           </a:p>
           <a:p>
             <a:pPr lvl="4"/>
             <a:r>
-              <a:rPr lang="en-US" smtClean="0"/>
+              <a:rPr lang="en-US"/>
               <a:t>Fifth level</a:t>
             </a:r>
-            <a:endParaRPr lang="en-US"/>
           </a:p>
         </p:txBody>
       </p:sp>
@@ -2010,9 +1994,11 @@
         <p:spPr/>
         <p:txBody>
           <a:bodyPr/>
+          <a:lstStyle/>
           <a:p>
             <a:fld id="{63A1C593-65D0-4073-BCC9-577B9352EA97}" type="datetimeFigureOut">
               <a:rPr lang="en-US" smtClean="0"/>
+              <a:t>10/3/2020</a:t>
             </a:fld>
             <a:endParaRPr lang="en-US"/>
           </a:p>
@@ -2031,6 +2017,7 @@
         <p:spPr/>
         <p:txBody>
           <a:bodyPr/>
+          <a:lstStyle/>
           <a:p>
             <a:endParaRPr lang="en-US"/>
           </a:p>
@@ -2049,9 +2036,11 @@
         <p:spPr/>
         <p:txBody>
           <a:bodyPr/>
+          <a:lstStyle/>
           <a:p>
             <a:fld id="{9B618960-8005-486C-9A75-10CB2AAC16F9}" type="slidenum">
               <a:rPr lang="en-US" smtClean="0"/>
+              <a:t>‹#›</a:t>
             </a:fld>
             <a:endParaRPr lang="en-US"/>
           </a:p>
@@ -2099,10 +2088,9 @@
           <a:lstStyle/>
           <a:p>
             <a:r>
-              <a:rPr lang="en-US" smtClean="0"/>
+              <a:rPr lang="en-US"/>
               <a:t>Click to edit Master title style</a:t>
             </a:r>
-            <a:endParaRPr lang="en-US"/>
           </a:p>
         </p:txBody>
       </p:sp>
@@ -2119,9 +2107,11 @@
         <p:spPr/>
         <p:txBody>
           <a:bodyPr/>
+          <a:lstStyle/>
           <a:p>
             <a:fld id="{63A1C593-65D0-4073-BCC9-577B9352EA97}" type="datetimeFigureOut">
               <a:rPr lang="en-US" smtClean="0"/>
+              <a:t>10/3/2020</a:t>
             </a:fld>
             <a:endParaRPr lang="en-US"/>
           </a:p>
@@ -2140,6 +2130,7 @@
         <p:spPr/>
         <p:txBody>
           <a:bodyPr/>
+          <a:lstStyle/>
           <a:p>
             <a:endParaRPr lang="en-US"/>
           </a:p>
@@ -2158,9 +2149,11 @@
         <p:spPr/>
         <p:txBody>
           <a:bodyPr/>
+          <a:lstStyle/>
           <a:p>
             <a:fld id="{9B618960-8005-486C-9A75-10CB2AAC16F9}" type="slidenum">
               <a:rPr lang="en-US" smtClean="0"/>
+              <a:t>‹#›</a:t>
             </a:fld>
             <a:endParaRPr lang="en-US"/>
           </a:p>
@@ -2205,9 +2198,11 @@
         <p:spPr/>
         <p:txBody>
           <a:bodyPr/>
+          <a:lstStyle/>
           <a:p>
             <a:fld id="{63A1C593-65D0-4073-BCC9-577B9352EA97}" type="datetimeFigureOut">
               <a:rPr lang="en-US" smtClean="0"/>
+              <a:t>10/3/2020</a:t>
             </a:fld>
             <a:endParaRPr lang="en-US"/>
           </a:p>
@@ -2226,6 +2221,7 @@
         <p:spPr/>
         <p:txBody>
           <a:bodyPr/>
+          <a:lstStyle/>
           <a:p>
             <a:endParaRPr lang="en-US"/>
           </a:p>
@@ -2244,9 +2240,11 @@
         <p:spPr/>
         <p:txBody>
           <a:bodyPr/>
+          <a:lstStyle/>
           <a:p>
             <a:fld id="{9B618960-8005-486C-9A75-10CB2AAC16F9}" type="slidenum">
               <a:rPr lang="en-US" smtClean="0"/>
+              <a:t>‹#›</a:t>
             </a:fld>
             <a:endParaRPr lang="en-US"/>
           </a:p>
@@ -2303,10 +2301,9 @@
           </a:lstStyle>
           <a:p>
             <a:r>
-              <a:rPr lang="en-US" smtClean="0"/>
+              <a:rPr lang="en-US"/>
               <a:t>Click to edit Master title style</a:t>
             </a:r>
-            <a:endParaRPr lang="en-US"/>
           </a:p>
         </p:txBody>
       </p:sp>
@@ -2360,42 +2357,37 @@
           <a:p>
             <a:pPr lvl="0"/>
             <a:r>
-              <a:rPr lang="en-US" smtClean="0"/>
+              <a:rPr lang="en-US"/>
               <a:t>Click to edit Master text styles</a:t>
             </a:r>
-            <a:endParaRPr lang="en-US" smtClean="0"/>
           </a:p>
           <a:p>
             <a:pPr lvl="1"/>
             <a:r>
-              <a:rPr lang="en-US" smtClean="0"/>
+              <a:rPr lang="en-US"/>
               <a:t>Second level</a:t>
             </a:r>
-            <a:endParaRPr lang="en-US" smtClean="0"/>
           </a:p>
           <a:p>
             <a:pPr lvl="2"/>
             <a:r>
-              <a:rPr lang="en-US" smtClean="0"/>
+              <a:rPr lang="en-US"/>
               <a:t>Third level</a:t>
             </a:r>
-            <a:endParaRPr lang="en-US" smtClean="0"/>
           </a:p>
           <a:p>
             <a:pPr lvl="3"/>
             <a:r>
-              <a:rPr lang="en-US" smtClean="0"/>
+              <a:rPr lang="en-US"/>
               <a:t>Fourth level</a:t>
             </a:r>
-            <a:endParaRPr lang="en-US" smtClean="0"/>
           </a:p>
           <a:p>
             <a:pPr lvl="4"/>
             <a:r>
-              <a:rPr lang="en-US" smtClean="0"/>
+              <a:rPr lang="en-US"/>
               <a:t>Fifth level</a:t>
             </a:r>
-            <a:endParaRPr lang="en-US"/>
           </a:p>
         </p:txBody>
       </p:sp>
@@ -2458,10 +2450,9 @@
           <a:p>
             <a:pPr lvl="0"/>
             <a:r>
-              <a:rPr lang="en-US" smtClean="0"/>
+              <a:rPr lang="en-US"/>
               <a:t>Click to edit Master text styles</a:t>
             </a:r>
-            <a:endParaRPr lang="en-US" smtClean="0"/>
           </a:p>
         </p:txBody>
       </p:sp>
@@ -2478,9 +2469,11 @@
         <p:spPr/>
         <p:txBody>
           <a:bodyPr/>
+          <a:lstStyle/>
           <a:p>
             <a:fld id="{63A1C593-65D0-4073-BCC9-577B9352EA97}" type="datetimeFigureOut">
               <a:rPr lang="en-US" smtClean="0"/>
+              <a:t>10/3/2020</a:t>
             </a:fld>
             <a:endParaRPr lang="en-US"/>
           </a:p>
@@ -2499,6 +2492,7 @@
         <p:spPr/>
         <p:txBody>
           <a:bodyPr/>
+          <a:lstStyle/>
           <a:p>
             <a:endParaRPr lang="en-US"/>
           </a:p>
@@ -2517,9 +2511,11 @@
         <p:spPr/>
         <p:txBody>
           <a:bodyPr/>
+          <a:lstStyle/>
           <a:p>
             <a:fld id="{9B618960-8005-486C-9A75-10CB2AAC16F9}" type="slidenum">
               <a:rPr lang="en-US" smtClean="0"/>
+              <a:t>‹#›</a:t>
             </a:fld>
             <a:endParaRPr lang="en-US"/>
           </a:p>
@@ -2576,10 +2572,9 @@
           </a:lstStyle>
           <a:p>
             <a:r>
-              <a:rPr lang="en-US" smtClean="0"/>
+              <a:rPr lang="en-US"/>
               <a:t>Click to edit Master title style</a:t>
             </a:r>
-            <a:endParaRPr lang="en-US"/>
           </a:p>
         </p:txBody>
       </p:sp>
@@ -2656,7 +2651,7 @@
               <a:buNone/>
               <a:defRPr/>
             </a:pPr>
-            <a:endParaRPr kumimoji="0" lang="en-US" sz="3200" b="0" i="0" u="none" strike="noStrike" kern="1200" cap="none" spc="0" normalizeH="0" baseline="0" noProof="0" smtClean="0">
+            <a:endParaRPr kumimoji="0" lang="en-US" sz="3200" b="0" i="0" u="none" strike="noStrike" kern="1200" cap="none" spc="0" normalizeH="0" baseline="0" noProof="0">
               <a:ln>
                 <a:noFill/>
               </a:ln>
@@ -2732,10 +2727,9 @@
           <a:p>
             <a:pPr lvl="0"/>
             <a:r>
-              <a:rPr lang="en-US" smtClean="0"/>
+              <a:rPr lang="en-US"/>
               <a:t>Click to edit Master text styles</a:t>
             </a:r>
-            <a:endParaRPr lang="en-US" smtClean="0"/>
           </a:p>
         </p:txBody>
       </p:sp>
@@ -2752,9 +2746,11 @@
         <p:spPr/>
         <p:txBody>
           <a:bodyPr/>
+          <a:lstStyle/>
           <a:p>
             <a:fld id="{63A1C593-65D0-4073-BCC9-577B9352EA97}" type="datetimeFigureOut">
               <a:rPr lang="en-US" smtClean="0"/>
+              <a:t>10/3/2020</a:t>
             </a:fld>
             <a:endParaRPr lang="en-US"/>
           </a:p>
@@ -2773,6 +2769,7 @@
         <p:spPr/>
         <p:txBody>
           <a:bodyPr/>
+          <a:lstStyle/>
           <a:p>
             <a:endParaRPr lang="en-US"/>
           </a:p>
@@ -2791,9 +2788,11 @@
         <p:spPr/>
         <p:txBody>
           <a:bodyPr/>
+          <a:lstStyle/>
           <a:p>
             <a:fld id="{9B618960-8005-486C-9A75-10CB2AAC16F9}" type="slidenum">
               <a:rPr lang="en-US" smtClean="0"/>
+              <a:t>‹#›</a:t>
             </a:fld>
             <a:endParaRPr lang="en-US"/>
           </a:p>
@@ -2825,7 +2824,14 @@
         <p:cNvGrpSpPr/>
         <p:nvPr/>
       </p:nvGrpSpPr>
-      <p:grpSpPr/>
+      <p:grpSpPr>
+        <a:xfrm>
+          <a:off x="0" y="0"/>
+          <a:ext cx="0" cy="0"/>
+          <a:chOff x="0" y="0"/>
+          <a:chExt cx="0" cy="0"/>
+        </a:xfrm>
+      </p:grpSpPr>
       <p:pic>
         <p:nvPicPr>
           <p:cNvPr id="1026" name="Picture 8"/>
@@ -2835,7 +2841,7 @@
           <p:nvPr/>
         </p:nvPicPr>
         <p:blipFill>
-          <a:blip r:embed="rId12"/>
+          <a:blip r:embed="rId13"/>
           <a:stretch>
             <a:fillRect/>
           </a:stretch>
@@ -2879,13 +2885,13 @@
         </p:spPr>
         <p:txBody>
           <a:bodyPr anchor="ctr"/>
+          <a:lstStyle/>
           <a:p>
             <a:pPr lvl="0"/>
             <a:r>
               <a:rPr lang="en-US" altLang="zh-CN" dirty="0"/>
               <a:t>Click to edit Master title style</a:t>
             </a:r>
-            <a:endParaRPr lang="en-US" altLang="zh-CN" dirty="0"/>
           </a:p>
         </p:txBody>
       </p:sp>
@@ -2914,13 +2920,13 @@
         </p:spPr>
         <p:txBody>
           <a:bodyPr/>
+          <a:lstStyle/>
           <a:p>
             <a:pPr lvl="0"/>
             <a:r>
               <a:rPr lang="en-US" altLang="zh-CN" dirty="0"/>
               <a:t>Click to edit Master text styles</a:t>
             </a:r>
-            <a:endParaRPr lang="en-US" altLang="zh-CN" dirty="0"/>
           </a:p>
           <a:p>
             <a:pPr lvl="1"/>
@@ -2928,7 +2934,6 @@
               <a:rPr lang="en-US" altLang="zh-CN" dirty="0"/>
               <a:t>Second level</a:t>
             </a:r>
-            <a:endParaRPr lang="en-US" altLang="zh-CN" dirty="0"/>
           </a:p>
           <a:p>
             <a:pPr lvl="2"/>
@@ -2936,7 +2941,6 @@
               <a:rPr lang="en-US" altLang="zh-CN" dirty="0"/>
               <a:t>Third level</a:t>
             </a:r>
-            <a:endParaRPr lang="en-US" altLang="zh-CN" dirty="0"/>
           </a:p>
           <a:p>
             <a:pPr lvl="3"/>
@@ -2944,7 +2948,6 @@
               <a:rPr lang="en-US" altLang="zh-CN" dirty="0"/>
               <a:t>Fourth level</a:t>
             </a:r>
-            <a:endParaRPr lang="en-US" altLang="zh-CN" dirty="0"/>
           </a:p>
           <a:p>
             <a:pPr lvl="4"/>
@@ -2952,7 +2955,6 @@
               <a:rPr lang="en-US" altLang="zh-CN" dirty="0"/>
               <a:t>Fifth level</a:t>
             </a:r>
-            <a:endParaRPr lang="en-US" altLang="zh-CN" dirty="0"/>
           </a:p>
         </p:txBody>
       </p:sp>
@@ -3018,6 +3020,7 @@
           <a:p>
             <a:fld id="{63A1C593-65D0-4073-BCC9-577B9352EA97}" type="datetimeFigureOut">
               <a:rPr lang="en-US" smtClean="0"/>
+              <a:t>10/3/2020</a:t>
             </a:fld>
             <a:endParaRPr lang="en-US"/>
           </a:p>
@@ -3149,6 +3152,7 @@
           <a:p>
             <a:fld id="{9B618960-8005-486C-9A75-10CB2AAC16F9}" type="slidenum">
               <a:rPr lang="en-US" smtClean="0"/>
+              <a:t>‹#›</a:t>
             </a:fld>
             <a:endParaRPr lang="en-US"/>
           </a:p>
@@ -3604,7 +3608,6 @@
               <a:rPr lang="en-US" dirty="0"/>
               <a:t>IDEAS FOR PROBLEM STATEMENT</a:t>
             </a:r>
-            <a:endParaRPr lang="en-US" dirty="0"/>
           </a:p>
         </p:txBody>
       </p:sp>
@@ -3625,7 +3628,14 @@
         <p:cNvGrpSpPr/>
         <p:nvPr/>
       </p:nvGrpSpPr>
-      <p:grpSpPr/>
+      <p:grpSpPr>
+        <a:xfrm>
+          <a:off x="0" y="0"/>
+          <a:ext cx="0" cy="0"/>
+          <a:chOff x="0" y="0"/>
+          <a:chExt cx="0" cy="0"/>
+        </a:xfrm>
+      </p:grpSpPr>
       <p:sp>
         <p:nvSpPr>
           <p:cNvPr id="3" name="Content Placeholder 2"/>
@@ -3644,42 +3654,39 @@
         </p:spPr>
         <p:txBody>
           <a:bodyPr/>
+          <a:lstStyle/>
           <a:p>
             <a:pPr marL="457200" indent="-457200">
               <a:buAutoNum type="arabicPeriod"/>
             </a:pPr>
             <a:r>
-              <a:rPr lang="en-US" sz="2000" b="1"/>
+              <a:rPr lang="en-US" sz="2000" b="1" dirty="0"/>
               <a:t> Autocomplete Feature</a:t>
             </a:r>
-            <a:endParaRPr lang="en-US" sz="2000" b="1"/>
           </a:p>
           <a:p>
             <a:pPr marL="457200" lvl="1" indent="0">
               <a:buNone/>
             </a:pPr>
             <a:r>
-              <a:rPr lang="en-US" sz="1090">
+              <a:rPr lang="en-US" sz="1090" dirty="0">
                 <a:sym typeface="+mn-ea"/>
               </a:rPr>
               <a:t>   Incomplete terms entered by the user are compared to a dictionary to suggest possible options of words</a:t>
             </a:r>
-            <a:endParaRPr lang="en-US" sz="1090">
-              <a:sym typeface="+mn-ea"/>
-            </a:endParaRPr>
           </a:p>
           <a:p>
             <a:pPr marL="914400" lvl="2" indent="0">
               <a:buNone/>
             </a:pPr>
             <a:r>
-              <a:rPr lang="en-US" sz="1050" b="1">
+              <a:rPr lang="en-US" sz="1050" b="1" dirty="0">
                 <a:sym typeface="+mn-ea"/>
               </a:rPr>
               <a:t>	</a:t>
             </a:r>
             <a:r>
-              <a:rPr lang="en-US" sz="1050" b="1">
+              <a:rPr lang="en-US" sz="1050" b="1" dirty="0">
                 <a:solidFill>
                   <a:schemeClr val="accent1"/>
                 </a:solidFill>
@@ -3694,56 +3701,48 @@
               </a:rPr>
               <a:t>https://www.upgrad.com/blog/natural-language-processing-nlp-projects-ideas-topics-for-beginners/</a:t>
             </a:r>
-            <a:endParaRPr lang="en-US" sz="1050" b="1">
-              <a:solidFill>
-                <a:schemeClr val="accent1"/>
-              </a:solidFill>
-              <a:effectLst>
-                <a:outerShdw blurRad="38100" dist="25400" dir="5400000" algn="ctr" rotWithShape="0">
-                  <a:srgbClr val="6E747A">
-                    <a:alpha val="43000"/>
-                  </a:srgbClr>
-                </a:outerShdw>
-              </a:effectLst>
-              <a:sym typeface="+mn-ea"/>
-            </a:endParaRPr>
           </a:p>
           <a:p>
             <a:pPr marL="457200" indent="-457200">
               <a:buAutoNum type="arabicPeriod"/>
             </a:pPr>
             <a:r>
-              <a:rPr lang="en-US" sz="1750" b="1"/>
+              <a:rPr lang="en-US" sz="1750" b="1" dirty="0"/>
               <a:t> Music Genre Classification with Deep Learning</a:t>
             </a:r>
-            <a:endParaRPr lang="en-US" sz="1750" b="1"/>
           </a:p>
           <a:p>
             <a:pPr marL="0" indent="0">
               <a:buNone/>
             </a:pPr>
             <a:r>
-              <a:rPr lang="en-US" sz="1200"/>
-              <a:t>             The model takes as an input the spectogram of music frames and analyzes the image using a Convolutional </a:t>
-            </a:r>
-            <a:endParaRPr lang="en-US" sz="1200"/>
+              <a:rPr lang="en-US" sz="1200" dirty="0"/>
+              <a:t>             The model takes as an input the </a:t>
+            </a:r>
+            <a:r>
+              <a:rPr lang="en-US" sz="1200" dirty="0" err="1"/>
+              <a:t>spectogram</a:t>
+            </a:r>
+            <a:r>
+              <a:rPr lang="en-US" sz="1200" dirty="0"/>
+              <a:t> of music frames and analyzes the image using a Convolutional </a:t>
+            </a:r>
           </a:p>
           <a:p>
             <a:pPr marL="0" indent="0">
               <a:buNone/>
             </a:pPr>
             <a:r>
-              <a:rPr lang="en-US" sz="1200"/>
+              <a:rPr lang="en-US" sz="1200" dirty="0"/>
               <a:t>             Neural Network (CNN) plus a Recurrent Neural Network (RNN). </a:t>
             </a:r>
-            <a:endParaRPr lang="en-US" sz="1200"/>
           </a:p>
           <a:p>
             <a:pPr marL="0" indent="0">
               <a:buNone/>
             </a:pPr>
             <a:r>
-              <a:rPr lang="en-US" sz="1200">
+              <a:rPr lang="en-US" sz="1200" dirty="0">
                 <a:solidFill>
                   <a:schemeClr val="accent1"/>
                 </a:solidFill>
@@ -3757,59 +3756,44 @@
               </a:rPr>
               <a:t>		https://github.com/jsalbert/Music-Genre-Classification-with-Deep-Learning</a:t>
             </a:r>
-            <a:endParaRPr lang="en-US" sz="1200">
-              <a:solidFill>
-                <a:schemeClr val="accent1"/>
-              </a:solidFill>
-              <a:effectLst>
-                <a:outerShdw blurRad="38100" dist="25400" dir="5400000" algn="ctr" rotWithShape="0">
-                  <a:srgbClr val="6E747A">
-                    <a:alpha val="43000"/>
-                  </a:srgbClr>
-                </a:outerShdw>
-              </a:effectLst>
-            </a:endParaRPr>
           </a:p>
           <a:p>
             <a:pPr marL="0" indent="0">
               <a:buNone/>
             </a:pPr>
             <a:r>
-              <a:rPr lang="en-US" sz="1800" b="1"/>
+              <a:rPr lang="en-US" sz="1800" b="1" dirty="0"/>
               <a:t>3.      Richter's Predictor: Modeling Earthquake Damage</a:t>
             </a:r>
-            <a:endParaRPr lang="en-US" sz="1800" b="1"/>
           </a:p>
           <a:p>
             <a:pPr marL="0" indent="0">
               <a:buNone/>
             </a:pPr>
             <a:r>
-              <a:rPr lang="en-US" sz="1200"/>
+              <a:rPr lang="en-US" sz="1200" dirty="0"/>
               <a:t>              Based on aspects of building location and construction, your goal is to predict the level of damage to buildings </a:t>
             </a:r>
-            <a:endParaRPr lang="en-US" sz="1200"/>
           </a:p>
           <a:p>
             <a:pPr marL="0" indent="0">
               <a:buNone/>
             </a:pPr>
             <a:r>
-              <a:rPr lang="en-US" sz="1200"/>
+              <a:rPr lang="en-US" sz="1200" dirty="0"/>
               <a:t>              caused by the 2015 Gorkha earthquake in Nepal.</a:t>
             </a:r>
-            <a:endParaRPr lang="en-US" sz="1200"/>
           </a:p>
           <a:p>
             <a:pPr marL="0" indent="0">
               <a:buNone/>
             </a:pPr>
             <a:r>
-              <a:rPr lang="en-US" sz="1200"/>
+              <a:rPr lang="en-US" sz="1200" dirty="0"/>
               <a:t>		</a:t>
             </a:r>
             <a:r>
-              <a:rPr lang="en-US" sz="1200">
+              <a:rPr lang="en-US" sz="1200" dirty="0">
                 <a:solidFill>
                   <a:schemeClr val="accent1"/>
                 </a:solidFill>
@@ -3823,18 +3807,6 @@
               </a:rPr>
               <a:t>https://www.drivendata.org/competitions/57/nepal-earthquake/page/134/</a:t>
             </a:r>
-            <a:endParaRPr lang="en-US" sz="1200">
-              <a:solidFill>
-                <a:schemeClr val="accent1"/>
-              </a:solidFill>
-              <a:effectLst>
-                <a:outerShdw blurRad="38100" dist="25400" dir="5400000" algn="ctr" rotWithShape="0">
-                  <a:srgbClr val="6E747A">
-                    <a:alpha val="43000"/>
-                  </a:srgbClr>
-                </a:outerShdw>
-              </a:effectLst>
-            </a:endParaRPr>
           </a:p>
           <a:p>
             <a:pPr marL="0" indent="0">
@@ -3844,7 +3816,7 @@
               <a:buNone/>
             </a:pPr>
             <a:r>
-              <a:rPr lang="en-US" sz="1800">
+              <a:rPr lang="en-US" sz="1800" dirty="0">
                 <a:ln/>
                 <a:solidFill>
                   <a:schemeClr val="tx1"/>
@@ -3860,7 +3832,7 @@
               <a:t>4.      </a:t>
             </a:r>
             <a:r>
-              <a:rPr lang="en-US" sz="1800" b="1">
+              <a:rPr lang="en-US" sz="1800" b="1" dirty="0">
                 <a:ln/>
                 <a:solidFill>
                   <a:schemeClr val="tx1"/>
@@ -3875,7 +3847,7 @@
               </a:rPr>
               <a:t>Build a model that can describe what a video is about.</a:t>
             </a:r>
-            <a:endParaRPr lang="en-US" sz="1800">
+            <a:endParaRPr lang="en-US" sz="1800" dirty="0">
               <a:ln/>
               <a:solidFill>
                 <a:schemeClr val="tx1"/>
@@ -3897,7 +3869,7 @@
               <a:buNone/>
             </a:pPr>
             <a:r>
-              <a:rPr lang="en-US" sz="1800">
+              <a:rPr lang="en-US" sz="1800" dirty="0">
                 <a:ln/>
                 <a:solidFill>
                   <a:schemeClr val="tx1"/>
@@ -3913,7 +3885,7 @@
               <a:t>         </a:t>
             </a:r>
             <a:r>
-              <a:rPr lang="en-US" sz="1200">
+              <a:rPr lang="en-US" sz="1200" dirty="0">
                 <a:ln/>
                 <a:solidFill>
                   <a:schemeClr val="tx1"/>
@@ -3928,7 +3900,7 @@
               </a:rPr>
               <a:t>The model takes a series of inputs to classify in which category the video belongs.</a:t>
             </a:r>
-            <a:endParaRPr lang="en-US" sz="1800">
+            <a:endParaRPr lang="en-US" sz="1800" dirty="0">
               <a:ln/>
               <a:solidFill>
                 <a:schemeClr val="tx1"/>
@@ -3950,7 +3922,7 @@
               <a:buNone/>
             </a:pPr>
             <a:r>
-              <a:rPr lang="en-US" sz="1800">
+              <a:rPr lang="en-US" sz="1800" dirty="0">
                 <a:ln/>
                 <a:solidFill>
                   <a:schemeClr val="tx1"/>
@@ -3966,7 +3938,7 @@
               <a:t>                             </a:t>
             </a:r>
             <a:r>
-              <a:rPr lang="en-US" sz="1200">
+              <a:rPr lang="en-US" sz="1200" dirty="0">
                 <a:ln/>
                 <a:solidFill>
                   <a:schemeClr val="accent1"/>
@@ -3981,19 +3953,6 @@
               </a:rPr>
               <a:t>https://research.google.com/youtube8m/</a:t>
             </a:r>
-            <a:endParaRPr lang="en-US" sz="1200">
-              <a:ln/>
-              <a:solidFill>
-                <a:schemeClr val="accent1"/>
-              </a:solidFill>
-              <a:effectLst>
-                <a:outerShdw blurRad="38100" dist="25400" dir="5400000" algn="ctr" rotWithShape="0">
-                  <a:srgbClr val="6E747A">
-                    <a:alpha val="43000"/>
-                  </a:srgbClr>
-                </a:outerShdw>
-              </a:effectLst>
-            </a:endParaRPr>
           </a:p>
         </p:txBody>
       </p:sp>
@@ -4015,12 +3974,12 @@
         </p:spPr>
         <p:txBody>
           <a:bodyPr/>
+          <a:lstStyle/>
           <a:p>
             <a:r>
               <a:rPr lang="en-US" b="1"/>
               <a:t>Varun Bohara</a:t>
             </a:r>
-            <a:endParaRPr lang="en-US" b="1"/>
           </a:p>
         </p:txBody>
       </p:sp>
@@ -4029,14 +3988,211 @@
   <p:clrMapOvr>
     <a:masterClrMapping/>
   </p:clrMapOvr>
-  <mc:AlternateContent xmlns:mc="http://schemas.openxmlformats.org/markup-compatibility/2006">
-    <mc:Choice xmlns:p14="http://schemas.microsoft.com/office/powerpoint/2010/main" Requires="p14">
-      <p:transition p14:dur="2000"/>
-    </mc:Choice>
-    <mc:Fallback>
-      <p:transition/>
-    </mc:Fallback>
-  </mc:AlternateContent>
+</p:sld>
+</file>
+
+<file path=ppt/slides/slide3.xml><?xml version="1.0" encoding="utf-8"?>
+<p:sld xmlns:a="http://schemas.openxmlformats.org/drawingml/2006/main" xmlns:r="http://schemas.openxmlformats.org/officeDocument/2006/relationships" xmlns:p="http://schemas.openxmlformats.org/presentationml/2006/main">
+  <p:cSld>
+    <p:spTree>
+      <p:nvGrpSpPr>
+        <p:cNvPr id="1" name=""/>
+        <p:cNvGrpSpPr/>
+        <p:nvPr/>
+      </p:nvGrpSpPr>
+      <p:grpSpPr>
+        <a:xfrm>
+          <a:off x="0" y="0"/>
+          <a:ext cx="0" cy="0"/>
+          <a:chOff x="0" y="0"/>
+          <a:chExt cx="0" cy="0"/>
+        </a:xfrm>
+      </p:grpSpPr>
+      <p:sp>
+        <p:nvSpPr>
+          <p:cNvPr id="3" name="Content Placeholder 2">
+            <a:extLst>
+              <a:ext uri="{FF2B5EF4-FFF2-40B4-BE49-F238E27FC236}">
+                <a16:creationId xmlns:a16="http://schemas.microsoft.com/office/drawing/2014/main" id="{89A0807A-EB17-47C7-AFFF-E81B8A86E38E}"/>
+              </a:ext>
+            </a:extLst>
+          </p:cNvPr>
+          <p:cNvSpPr>
+            <a:spLocks noGrp="1"/>
+          </p:cNvSpPr>
+          <p:nvPr>
+            <p:ph idx="1"/>
+          </p:nvPr>
+        </p:nvSpPr>
+        <p:spPr/>
+        <p:txBody>
+          <a:bodyPr/>
+          <a:lstStyle/>
+          <a:p>
+            <a:pPr marL="0" indent="0">
+              <a:buNone/>
+            </a:pPr>
+            <a:r>
+              <a:rPr lang="en-IN" sz="2000" b="1" dirty="0"/>
+              <a:t>1.    Image Captioning </a:t>
+            </a:r>
+            <a:endParaRPr lang="en-IN" sz="2000" dirty="0"/>
+          </a:p>
+          <a:p>
+            <a:pPr marL="0" indent="0">
+              <a:buNone/>
+            </a:pPr>
+            <a:r>
+              <a:rPr lang="en-IN" sz="2000" dirty="0"/>
+              <a:t>         </a:t>
+            </a:r>
+            <a:r>
+              <a:rPr lang="en-IN" sz="1400" dirty="0"/>
+              <a:t>Sentence based description of the image will be given as an output.</a:t>
+            </a:r>
+          </a:p>
+          <a:p>
+            <a:pPr marL="0" indent="0">
+              <a:buNone/>
+            </a:pPr>
+            <a:r>
+              <a:rPr lang="en-IN" sz="1400" dirty="0"/>
+              <a:t>	</a:t>
+            </a:r>
+            <a:r>
+              <a:rPr lang="en-IN" sz="1400" b="1" dirty="0">
+                <a:hlinkClick r:id="rId2"/>
+              </a:rPr>
+              <a:t>https://www.kaggle.com/hsankesara/flickr-image-dataset</a:t>
+            </a:r>
+            <a:endParaRPr lang="en-IN" sz="1400" b="1" dirty="0"/>
+          </a:p>
+          <a:p>
+            <a:pPr marL="0" indent="0">
+              <a:buNone/>
+            </a:pPr>
+            <a:endParaRPr lang="en-IN" sz="1400" dirty="0"/>
+          </a:p>
+          <a:p>
+            <a:pPr marL="0" indent="0">
+              <a:buNone/>
+            </a:pPr>
+            <a:endParaRPr lang="en-IN" sz="1400" b="1" dirty="0"/>
+          </a:p>
+          <a:p>
+            <a:pPr marL="0" indent="0">
+              <a:buNone/>
+            </a:pPr>
+            <a:r>
+              <a:rPr lang="en-IN" sz="1400" b="1" dirty="0"/>
+              <a:t> </a:t>
+            </a:r>
+            <a:r>
+              <a:rPr lang="en-IN" sz="1800" b="1" dirty="0"/>
+              <a:t>2.</a:t>
+            </a:r>
+            <a:r>
+              <a:rPr lang="en-IN" sz="1400" b="1" dirty="0"/>
+              <a:t>     </a:t>
+            </a:r>
+            <a:r>
+              <a:rPr lang="en-IN" sz="1800" b="1" dirty="0"/>
+              <a:t>Predict Github Issues </a:t>
+            </a:r>
+          </a:p>
+          <a:p>
+            <a:pPr marL="457200" lvl="1" indent="0">
+              <a:buNone/>
+            </a:pPr>
+            <a:r>
+              <a:rPr lang="en-IN" sz="1000" b="1" dirty="0"/>
+              <a:t>            </a:t>
+            </a:r>
+          </a:p>
+          <a:p>
+            <a:pPr marL="457200" lvl="1" indent="0">
+              <a:buNone/>
+            </a:pPr>
+            <a:r>
+              <a:rPr lang="en-US" sz="1400" dirty="0">
+                <a:solidFill>
+                  <a:srgbClr val="3C4858"/>
+                </a:solidFill>
+              </a:rPr>
+              <a:t>     T</a:t>
+            </a:r>
+            <a:r>
+              <a:rPr lang="en-US" sz="1400" i="0" dirty="0">
+                <a:solidFill>
+                  <a:srgbClr val="3C4858"/>
+                </a:solidFill>
+                <a:effectLst/>
+              </a:rPr>
+              <a:t>o</a:t>
+            </a:r>
+            <a:r>
+              <a:rPr lang="en-US" sz="1400" b="0" i="0" dirty="0">
+                <a:solidFill>
+                  <a:srgbClr val="3C4858"/>
+                </a:solidFill>
+                <a:effectLst/>
+              </a:rPr>
+              <a:t> come up with an algorithm that can predict the bugs, features, and questions based on GitHub titles and the text body</a:t>
+            </a:r>
+            <a:r>
+              <a:rPr lang="en-US" sz="800" b="0" i="0" dirty="0">
+                <a:solidFill>
+                  <a:srgbClr val="3C4858"/>
+                </a:solidFill>
+                <a:effectLst/>
+              </a:rPr>
+              <a:t>. </a:t>
+            </a:r>
+            <a:endParaRPr lang="en-IN" sz="1000" b="1" dirty="0"/>
+          </a:p>
+          <a:p>
+            <a:pPr marL="457200" lvl="1" indent="0">
+              <a:buNone/>
+            </a:pPr>
+            <a:r>
+              <a:rPr lang="en-IN" sz="1000" b="1" dirty="0"/>
+              <a:t>	</a:t>
+            </a:r>
+          </a:p>
+          <a:p>
+            <a:pPr marL="457200" lvl="1" indent="0">
+              <a:buNone/>
+            </a:pPr>
+            <a:r>
+              <a:rPr lang="en-IN" sz="1000" b="1" dirty="0"/>
+              <a:t>	</a:t>
+            </a:r>
+            <a:r>
+              <a:rPr lang="en-IN" sz="1400" b="1" dirty="0">
+                <a:hlinkClick r:id="rId3"/>
+              </a:rPr>
+              <a:t>https://www.machinehack.com/hackathons/predict_github_issues_embold_sponsored_hackathon/overview</a:t>
+            </a:r>
+            <a:endParaRPr lang="en-IN" sz="1400" dirty="0"/>
+          </a:p>
+          <a:p>
+            <a:pPr marL="457200" lvl="1" indent="0">
+              <a:buNone/>
+            </a:pPr>
+            <a:endParaRPr lang="en-IN" sz="1000" b="1" dirty="0"/>
+          </a:p>
+        </p:txBody>
+      </p:sp>
+    </p:spTree>
+    <p:extLst>
+      <p:ext uri="{BB962C8B-B14F-4D97-AF65-F5344CB8AC3E}">
+        <p14:creationId xmlns:p14="http://schemas.microsoft.com/office/powerpoint/2010/main" val="886093939"/>
+      </p:ext>
+    </p:extLst>
+  </p:cSld>
+  <p:clrMapOvr>
+    <a:masterClrMapping/>
+  </p:clrMapOvr>
 </p:sld>
 </file>
 
@@ -5157,6 +5313,8 @@
       </a:bgFillStyleLst>
     </a:fmtScheme>
   </a:themeElements>
+  <a:objectDefaults/>
+  <a:extraClrSchemeLst/>
   <a:extLst>
     <a:ext uri="{05A4C25C-085E-4340-85A3-A5531E510DB2}">
       <thm15:themeFamily xmlns:thm15="http://schemas.microsoft.com/office/thememl/2012/main" name="Office Theme" id="{62F939B6-93AF-4DB8-9C6B-D6C7DFDC589F}" vid="{4A3C46E8-61CC-4603-A589-7422A47A8E4A}"/>

--- a/IDEAS FOR PROBLEM STATEMENT.2.pptx
+++ b/IDEAS FOR PROBLEM STATEMENT.2.pptx
@@ -5,12 +5,12 @@
     <p:sldMasterId id="2147483648" r:id="rId1"/>
   </p:sldMasterIdLst>
   <p:notesMasterIdLst>
-    <p:notesMasterId r:id="rId5"/>
+    <p:notesMasterId r:id="rId6"/>
   </p:notesMasterIdLst>
   <p:sldIdLst>
-    <p:sldId id="256" r:id="rId2"/>
-    <p:sldId id="257" r:id="rId3"/>
-    <p:sldId id="258" r:id="rId4"/>
+    <p:sldId id="256" r:id="rId3"/>
+    <p:sldId id="257" r:id="rId4"/>
+    <p:sldId id="258" r:id="rId5"/>
   </p:sldIdLst>
   <p:sldSz cx="12192000" cy="6858000"/>
   <p:notesSz cx="6858000" cy="9144000"/>
@@ -109,11 +109,6 @@
       </a:defRPr>
     </a:lvl9pPr>
   </p:defaultTextStyle>
-  <p:extLst>
-    <p:ext uri="{EFAFB233-063F-42B5-8137-9DF3F51BA10A}">
-      <p15:sldGuideLst xmlns:p15="http://schemas.microsoft.com/office/powerpoint/2012/main"/>
-    </p:ext>
-  </p:extLst>
 </p:presentation>
 </file>
 
@@ -199,7 +194,6 @@
           <a:p>
             <a:fld id="{3EFD42F7-718C-4B98-AAEC-167E6DDD60A7}" type="datetimeFigureOut">
               <a:rPr lang="en-US" smtClean="0"/>
-              <a:t>10/3/2020</a:t>
             </a:fld>
             <a:endParaRPr lang="en-US"/>
           </a:p>
@@ -266,6 +260,7 @@
               <a:rPr lang="en-US"/>
               <a:t>Click to edit Master text styles</a:t>
             </a:r>
+            <a:endParaRPr lang="en-US"/>
           </a:p>
           <a:p>
             <a:pPr lvl="1"/>
@@ -273,6 +268,7 @@
               <a:rPr lang="en-US"/>
               <a:t>Second level</a:t>
             </a:r>
+            <a:endParaRPr lang="en-US"/>
           </a:p>
           <a:p>
             <a:pPr lvl="2"/>
@@ -280,6 +276,7 @@
               <a:rPr lang="en-US"/>
               <a:t>Third level</a:t>
             </a:r>
+            <a:endParaRPr lang="en-US"/>
           </a:p>
           <a:p>
             <a:pPr lvl="3"/>
@@ -287,6 +284,7 @@
               <a:rPr lang="en-US"/>
               <a:t>Fourth level</a:t>
             </a:r>
+            <a:endParaRPr lang="en-US"/>
           </a:p>
           <a:p>
             <a:pPr lvl="4"/>
@@ -294,6 +292,7 @@
               <a:rPr lang="en-US"/>
               <a:t>Fifth level</a:t>
             </a:r>
+            <a:endParaRPr lang="en-US"/>
           </a:p>
         </p:txBody>
       </p:sp>
@@ -357,7 +356,6 @@
           <a:p>
             <a:fld id="{21B2AA4F-B828-4D7C-AFD3-893933DAFCB4}" type="slidenum">
               <a:rPr lang="en-US" smtClean="0"/>
-              <a:t>‹#›</a:t>
             </a:fld>
             <a:endParaRPr lang="en-US"/>
           </a:p>
@@ -462,7 +460,7 @@
 </file>
 
 <file path=ppt/slideLayouts/slideLayout1.xml><?xml version="1.0" encoding="utf-8"?>
-<p:sldLayout xmlns:a="http://schemas.openxmlformats.org/drawingml/2006/main" xmlns:r="http://schemas.openxmlformats.org/officeDocument/2006/relationships" xmlns:p="http://schemas.openxmlformats.org/presentationml/2006/main" showMasterSp="0" type="title" preserve="1">
+<p:sldLayout xmlns:a="http://schemas.openxmlformats.org/drawingml/2006/main" xmlns:r="http://schemas.openxmlformats.org/officeDocument/2006/relationships" xmlns:p="http://schemas.openxmlformats.org/presentationml/2006/main" type="title" preserve="1" showMasterSp="0">
   <p:cSld name="Title Slide">
     <p:bg>
       <p:bgPr>
@@ -543,6 +541,7 @@
               <a:rPr lang="en-US" altLang="zh-CN" noProof="0"/>
               <a:t>Click to edit Master title style</a:t>
             </a:r>
+            <a:endParaRPr lang="en-US" altLang="zh-CN" noProof="0"/>
           </a:p>
         </p:txBody>
       </p:sp>
@@ -581,6 +580,7 @@
               <a:rPr lang="en-US" altLang="zh-CN" noProof="0"/>
               <a:t>Click to edit Master subtitle style</a:t>
             </a:r>
+            <a:endParaRPr lang="en-US" altLang="zh-CN" noProof="0"/>
           </a:p>
         </p:txBody>
       </p:sp>
@@ -642,7 +642,6 @@
           <a:p>
             <a:fld id="{63A1C593-65D0-4073-BCC9-577B9352EA97}" type="datetimeFigureOut">
               <a:rPr lang="en-US" smtClean="0"/>
-              <a:t>10/3/2020</a:t>
             </a:fld>
             <a:endParaRPr lang="en-US"/>
           </a:p>
@@ -766,7 +765,6 @@
           <a:p>
             <a:fld id="{9B618960-8005-486C-9A75-10CB2AAC16F9}" type="slidenum">
               <a:rPr lang="en-US" smtClean="0"/>
-              <a:t>‹#›</a:t>
             </a:fld>
             <a:endParaRPr lang="en-US"/>
           </a:p>
@@ -817,6 +815,7 @@
               <a:rPr lang="en-US"/>
               <a:t>Click to edit Master title style</a:t>
             </a:r>
+            <a:endParaRPr lang="en-US"/>
           </a:p>
         </p:txBody>
       </p:sp>
@@ -840,6 +839,7 @@
               <a:rPr lang="en-US"/>
               <a:t>Click to edit Master text styles</a:t>
             </a:r>
+            <a:endParaRPr lang="en-US"/>
           </a:p>
           <a:p>
             <a:pPr lvl="1"/>
@@ -847,6 +847,7 @@
               <a:rPr lang="en-US"/>
               <a:t>Second level</a:t>
             </a:r>
+            <a:endParaRPr lang="en-US"/>
           </a:p>
           <a:p>
             <a:pPr lvl="2"/>
@@ -854,6 +855,7 @@
               <a:rPr lang="en-US"/>
               <a:t>Third level</a:t>
             </a:r>
+            <a:endParaRPr lang="en-US"/>
           </a:p>
           <a:p>
             <a:pPr lvl="3"/>
@@ -861,6 +863,7 @@
               <a:rPr lang="en-US"/>
               <a:t>Fourth level</a:t>
             </a:r>
+            <a:endParaRPr lang="en-US"/>
           </a:p>
           <a:p>
             <a:pPr lvl="4"/>
@@ -868,6 +871,7 @@
               <a:rPr lang="en-US"/>
               <a:t>Fifth level</a:t>
             </a:r>
+            <a:endParaRPr lang="en-US"/>
           </a:p>
         </p:txBody>
       </p:sp>
@@ -888,7 +892,6 @@
           <a:p>
             <a:fld id="{63A1C593-65D0-4073-BCC9-577B9352EA97}" type="datetimeFigureOut">
               <a:rPr lang="en-US" smtClean="0"/>
-              <a:t>10/3/2020</a:t>
             </a:fld>
             <a:endParaRPr lang="en-US"/>
           </a:p>
@@ -930,7 +933,6 @@
           <a:p>
             <a:fld id="{9B618960-8005-486C-9A75-10CB2AAC16F9}" type="slidenum">
               <a:rPr lang="en-US" smtClean="0"/>
-              <a:t>‹#›</a:t>
             </a:fld>
             <a:endParaRPr lang="en-US"/>
           </a:p>
@@ -986,6 +988,7 @@
               <a:rPr lang="en-US"/>
               <a:t>Click to edit Master title style</a:t>
             </a:r>
+            <a:endParaRPr lang="en-US"/>
           </a:p>
         </p:txBody>
       </p:sp>
@@ -1014,6 +1017,7 @@
               <a:rPr lang="en-US"/>
               <a:t>Click to edit Master text styles</a:t>
             </a:r>
+            <a:endParaRPr lang="en-US"/>
           </a:p>
           <a:p>
             <a:pPr lvl="1"/>
@@ -1021,6 +1025,7 @@
               <a:rPr lang="en-US"/>
               <a:t>Second level</a:t>
             </a:r>
+            <a:endParaRPr lang="en-US"/>
           </a:p>
           <a:p>
             <a:pPr lvl="2"/>
@@ -1028,6 +1033,7 @@
               <a:rPr lang="en-US"/>
               <a:t>Third level</a:t>
             </a:r>
+            <a:endParaRPr lang="en-US"/>
           </a:p>
           <a:p>
             <a:pPr lvl="3"/>
@@ -1035,6 +1041,7 @@
               <a:rPr lang="en-US"/>
               <a:t>Fourth level</a:t>
             </a:r>
+            <a:endParaRPr lang="en-US"/>
           </a:p>
           <a:p>
             <a:pPr lvl="4"/>
@@ -1042,6 +1049,7 @@
               <a:rPr lang="en-US"/>
               <a:t>Fifth level</a:t>
             </a:r>
+            <a:endParaRPr lang="en-US"/>
           </a:p>
         </p:txBody>
       </p:sp>
@@ -1062,7 +1070,6 @@
           <a:p>
             <a:fld id="{63A1C593-65D0-4073-BCC9-577B9352EA97}" type="datetimeFigureOut">
               <a:rPr lang="en-US" smtClean="0"/>
-              <a:t>10/3/2020</a:t>
             </a:fld>
             <a:endParaRPr lang="en-US"/>
           </a:p>
@@ -1104,7 +1111,6 @@
           <a:p>
             <a:fld id="{9B618960-8005-486C-9A75-10CB2AAC16F9}" type="slidenum">
               <a:rPr lang="en-US" smtClean="0"/>
-              <a:t>‹#›</a:t>
             </a:fld>
             <a:endParaRPr lang="en-US"/>
           </a:p>
@@ -1155,6 +1161,7 @@
               <a:rPr lang="en-US"/>
               <a:t>Click to edit Master title style</a:t>
             </a:r>
+            <a:endParaRPr lang="en-US"/>
           </a:p>
         </p:txBody>
       </p:sp>
@@ -1178,6 +1185,7 @@
               <a:rPr lang="en-US"/>
               <a:t>Click to edit Master text styles</a:t>
             </a:r>
+            <a:endParaRPr lang="en-US"/>
           </a:p>
           <a:p>
             <a:pPr lvl="1"/>
@@ -1185,6 +1193,7 @@
               <a:rPr lang="en-US"/>
               <a:t>Second level</a:t>
             </a:r>
+            <a:endParaRPr lang="en-US"/>
           </a:p>
           <a:p>
             <a:pPr lvl="2"/>
@@ -1192,6 +1201,7 @@
               <a:rPr lang="en-US"/>
               <a:t>Third level</a:t>
             </a:r>
+            <a:endParaRPr lang="en-US"/>
           </a:p>
           <a:p>
             <a:pPr lvl="3"/>
@@ -1199,6 +1209,7 @@
               <a:rPr lang="en-US"/>
               <a:t>Fourth level</a:t>
             </a:r>
+            <a:endParaRPr lang="en-US"/>
           </a:p>
           <a:p>
             <a:pPr lvl="4"/>
@@ -1206,6 +1217,7 @@
               <a:rPr lang="en-US"/>
               <a:t>Fifth level</a:t>
             </a:r>
+            <a:endParaRPr lang="en-US"/>
           </a:p>
         </p:txBody>
       </p:sp>
@@ -1226,7 +1238,6 @@
           <a:p>
             <a:fld id="{63A1C593-65D0-4073-BCC9-577B9352EA97}" type="datetimeFigureOut">
               <a:rPr lang="en-US" smtClean="0"/>
-              <a:t>10/3/2020</a:t>
             </a:fld>
             <a:endParaRPr lang="en-US"/>
           </a:p>
@@ -1268,7 +1279,6 @@
           <a:p>
             <a:fld id="{9B618960-8005-486C-9A75-10CB2AAC16F9}" type="slidenum">
               <a:rPr lang="en-US" smtClean="0"/>
-              <a:t>‹#›</a:t>
             </a:fld>
             <a:endParaRPr lang="en-US"/>
           </a:p>
@@ -1328,6 +1338,7 @@
               <a:rPr lang="en-US"/>
               <a:t>Click to edit Master title style</a:t>
             </a:r>
+            <a:endParaRPr lang="en-US"/>
           </a:p>
         </p:txBody>
       </p:sp>
@@ -1393,6 +1404,7 @@
               <a:rPr lang="en-US"/>
               <a:t>Click to edit Master text styles</a:t>
             </a:r>
+            <a:endParaRPr lang="en-US"/>
           </a:p>
         </p:txBody>
       </p:sp>
@@ -1413,7 +1425,6 @@
           <a:p>
             <a:fld id="{63A1C593-65D0-4073-BCC9-577B9352EA97}" type="datetimeFigureOut">
               <a:rPr lang="en-US" smtClean="0"/>
-              <a:t>10/3/2020</a:t>
             </a:fld>
             <a:endParaRPr lang="en-US"/>
           </a:p>
@@ -1455,7 +1466,6 @@
           <a:p>
             <a:fld id="{9B618960-8005-486C-9A75-10CB2AAC16F9}" type="slidenum">
               <a:rPr lang="en-US" smtClean="0"/>
-              <a:t>‹#›</a:t>
             </a:fld>
             <a:endParaRPr lang="en-US"/>
           </a:p>
@@ -1506,6 +1516,7 @@
               <a:rPr lang="en-US"/>
               <a:t>Click to edit Master title style</a:t>
             </a:r>
+            <a:endParaRPr lang="en-US"/>
           </a:p>
         </p:txBody>
       </p:sp>
@@ -1534,6 +1545,7 @@
               <a:rPr lang="en-US"/>
               <a:t>Click to edit Master text styles</a:t>
             </a:r>
+            <a:endParaRPr lang="en-US"/>
           </a:p>
           <a:p>
             <a:pPr lvl="1"/>
@@ -1541,6 +1553,7 @@
               <a:rPr lang="en-US"/>
               <a:t>Second level</a:t>
             </a:r>
+            <a:endParaRPr lang="en-US"/>
           </a:p>
           <a:p>
             <a:pPr lvl="2"/>
@@ -1548,6 +1561,7 @@
               <a:rPr lang="en-US"/>
               <a:t>Third level</a:t>
             </a:r>
+            <a:endParaRPr lang="en-US"/>
           </a:p>
           <a:p>
             <a:pPr lvl="3"/>
@@ -1555,6 +1569,7 @@
               <a:rPr lang="en-US"/>
               <a:t>Fourth level</a:t>
             </a:r>
+            <a:endParaRPr lang="en-US"/>
           </a:p>
           <a:p>
             <a:pPr lvl="4"/>
@@ -1562,6 +1577,7 @@
               <a:rPr lang="en-US"/>
               <a:t>Fifth level</a:t>
             </a:r>
+            <a:endParaRPr lang="en-US"/>
           </a:p>
         </p:txBody>
       </p:sp>
@@ -1590,6 +1606,7 @@
               <a:rPr lang="en-US"/>
               <a:t>Click to edit Master text styles</a:t>
             </a:r>
+            <a:endParaRPr lang="en-US"/>
           </a:p>
           <a:p>
             <a:pPr lvl="1"/>
@@ -1597,6 +1614,7 @@
               <a:rPr lang="en-US"/>
               <a:t>Second level</a:t>
             </a:r>
+            <a:endParaRPr lang="en-US"/>
           </a:p>
           <a:p>
             <a:pPr lvl="2"/>
@@ -1604,6 +1622,7 @@
               <a:rPr lang="en-US"/>
               <a:t>Third level</a:t>
             </a:r>
+            <a:endParaRPr lang="en-US"/>
           </a:p>
           <a:p>
             <a:pPr lvl="3"/>
@@ -1611,6 +1630,7 @@
               <a:rPr lang="en-US"/>
               <a:t>Fourth level</a:t>
             </a:r>
+            <a:endParaRPr lang="en-US"/>
           </a:p>
           <a:p>
             <a:pPr lvl="4"/>
@@ -1618,6 +1638,7 @@
               <a:rPr lang="en-US"/>
               <a:t>Fifth level</a:t>
             </a:r>
+            <a:endParaRPr lang="en-US"/>
           </a:p>
         </p:txBody>
       </p:sp>
@@ -1638,7 +1659,6 @@
           <a:p>
             <a:fld id="{63A1C593-65D0-4073-BCC9-577B9352EA97}" type="datetimeFigureOut">
               <a:rPr lang="en-US" smtClean="0"/>
-              <a:t>10/3/2020</a:t>
             </a:fld>
             <a:endParaRPr lang="en-US"/>
           </a:p>
@@ -1680,7 +1700,6 @@
           <a:p>
             <a:fld id="{9B618960-8005-486C-9A75-10CB2AAC16F9}" type="slidenum">
               <a:rPr lang="en-US" smtClean="0"/>
-              <a:t>‹#›</a:t>
             </a:fld>
             <a:endParaRPr lang="en-US"/>
           </a:p>
@@ -1736,6 +1755,7 @@
               <a:rPr lang="en-US"/>
               <a:t>Click to edit Master title style</a:t>
             </a:r>
+            <a:endParaRPr lang="en-US"/>
           </a:p>
         </p:txBody>
       </p:sp>
@@ -1801,6 +1821,7 @@
               <a:rPr lang="en-US"/>
               <a:t>Click to edit Master text styles</a:t>
             </a:r>
+            <a:endParaRPr lang="en-US"/>
           </a:p>
         </p:txBody>
       </p:sp>
@@ -1829,6 +1850,7 @@
               <a:rPr lang="en-US"/>
               <a:t>Click to edit Master text styles</a:t>
             </a:r>
+            <a:endParaRPr lang="en-US"/>
           </a:p>
           <a:p>
             <a:pPr lvl="1"/>
@@ -1836,6 +1858,7 @@
               <a:rPr lang="en-US"/>
               <a:t>Second level</a:t>
             </a:r>
+            <a:endParaRPr lang="en-US"/>
           </a:p>
           <a:p>
             <a:pPr lvl="2"/>
@@ -1843,6 +1866,7 @@
               <a:rPr lang="en-US"/>
               <a:t>Third level</a:t>
             </a:r>
+            <a:endParaRPr lang="en-US"/>
           </a:p>
           <a:p>
             <a:pPr lvl="3"/>
@@ -1850,6 +1874,7 @@
               <a:rPr lang="en-US"/>
               <a:t>Fourth level</a:t>
             </a:r>
+            <a:endParaRPr lang="en-US"/>
           </a:p>
           <a:p>
             <a:pPr lvl="4"/>
@@ -1857,6 +1882,7 @@
               <a:rPr lang="en-US"/>
               <a:t>Fifth level</a:t>
             </a:r>
+            <a:endParaRPr lang="en-US"/>
           </a:p>
         </p:txBody>
       </p:sp>
@@ -1922,6 +1948,7 @@
               <a:rPr lang="en-US"/>
               <a:t>Click to edit Master text styles</a:t>
             </a:r>
+            <a:endParaRPr lang="en-US"/>
           </a:p>
         </p:txBody>
       </p:sp>
@@ -1950,6 +1977,7 @@
               <a:rPr lang="en-US"/>
               <a:t>Click to edit Master text styles</a:t>
             </a:r>
+            <a:endParaRPr lang="en-US"/>
           </a:p>
           <a:p>
             <a:pPr lvl="1"/>
@@ -1957,6 +1985,7 @@
               <a:rPr lang="en-US"/>
               <a:t>Second level</a:t>
             </a:r>
+            <a:endParaRPr lang="en-US"/>
           </a:p>
           <a:p>
             <a:pPr lvl="2"/>
@@ -1964,6 +1993,7 @@
               <a:rPr lang="en-US"/>
               <a:t>Third level</a:t>
             </a:r>
+            <a:endParaRPr lang="en-US"/>
           </a:p>
           <a:p>
             <a:pPr lvl="3"/>
@@ -1971,6 +2001,7 @@
               <a:rPr lang="en-US"/>
               <a:t>Fourth level</a:t>
             </a:r>
+            <a:endParaRPr lang="en-US"/>
           </a:p>
           <a:p>
             <a:pPr lvl="4"/>
@@ -1978,6 +2009,7 @@
               <a:rPr lang="en-US"/>
               <a:t>Fifth level</a:t>
             </a:r>
+            <a:endParaRPr lang="en-US"/>
           </a:p>
         </p:txBody>
       </p:sp>
@@ -1998,7 +2030,6 @@
           <a:p>
             <a:fld id="{63A1C593-65D0-4073-BCC9-577B9352EA97}" type="datetimeFigureOut">
               <a:rPr lang="en-US" smtClean="0"/>
-              <a:t>10/3/2020</a:t>
             </a:fld>
             <a:endParaRPr lang="en-US"/>
           </a:p>
@@ -2040,7 +2071,6 @@
           <a:p>
             <a:fld id="{9B618960-8005-486C-9A75-10CB2AAC16F9}" type="slidenum">
               <a:rPr lang="en-US" smtClean="0"/>
-              <a:t>‹#›</a:t>
             </a:fld>
             <a:endParaRPr lang="en-US"/>
           </a:p>
@@ -2091,6 +2121,7 @@
               <a:rPr lang="en-US"/>
               <a:t>Click to edit Master title style</a:t>
             </a:r>
+            <a:endParaRPr lang="en-US"/>
           </a:p>
         </p:txBody>
       </p:sp>
@@ -2111,7 +2142,6 @@
           <a:p>
             <a:fld id="{63A1C593-65D0-4073-BCC9-577B9352EA97}" type="datetimeFigureOut">
               <a:rPr lang="en-US" smtClean="0"/>
-              <a:t>10/3/2020</a:t>
             </a:fld>
             <a:endParaRPr lang="en-US"/>
           </a:p>
@@ -2153,7 +2183,6 @@
           <a:p>
             <a:fld id="{9B618960-8005-486C-9A75-10CB2AAC16F9}" type="slidenum">
               <a:rPr lang="en-US" smtClean="0"/>
-              <a:t>‹#›</a:t>
             </a:fld>
             <a:endParaRPr lang="en-US"/>
           </a:p>
@@ -2202,7 +2231,6 @@
           <a:p>
             <a:fld id="{63A1C593-65D0-4073-BCC9-577B9352EA97}" type="datetimeFigureOut">
               <a:rPr lang="en-US" smtClean="0"/>
-              <a:t>10/3/2020</a:t>
             </a:fld>
             <a:endParaRPr lang="en-US"/>
           </a:p>
@@ -2244,7 +2272,6 @@
           <a:p>
             <a:fld id="{9B618960-8005-486C-9A75-10CB2AAC16F9}" type="slidenum">
               <a:rPr lang="en-US" smtClean="0"/>
-              <a:t>‹#›</a:t>
             </a:fld>
             <a:endParaRPr lang="en-US"/>
           </a:p>
@@ -2304,6 +2331,7 @@
               <a:rPr lang="en-US"/>
               <a:t>Click to edit Master title style</a:t>
             </a:r>
+            <a:endParaRPr lang="en-US"/>
           </a:p>
         </p:txBody>
       </p:sp>
@@ -2360,6 +2388,7 @@
               <a:rPr lang="en-US"/>
               <a:t>Click to edit Master text styles</a:t>
             </a:r>
+            <a:endParaRPr lang="en-US"/>
           </a:p>
           <a:p>
             <a:pPr lvl="1"/>
@@ -2367,6 +2396,7 @@
               <a:rPr lang="en-US"/>
               <a:t>Second level</a:t>
             </a:r>
+            <a:endParaRPr lang="en-US"/>
           </a:p>
           <a:p>
             <a:pPr lvl="2"/>
@@ -2374,6 +2404,7 @@
               <a:rPr lang="en-US"/>
               <a:t>Third level</a:t>
             </a:r>
+            <a:endParaRPr lang="en-US"/>
           </a:p>
           <a:p>
             <a:pPr lvl="3"/>
@@ -2381,6 +2412,7 @@
               <a:rPr lang="en-US"/>
               <a:t>Fourth level</a:t>
             </a:r>
+            <a:endParaRPr lang="en-US"/>
           </a:p>
           <a:p>
             <a:pPr lvl="4"/>
@@ -2388,6 +2420,7 @@
               <a:rPr lang="en-US"/>
               <a:t>Fifth level</a:t>
             </a:r>
+            <a:endParaRPr lang="en-US"/>
           </a:p>
         </p:txBody>
       </p:sp>
@@ -2453,6 +2486,7 @@
               <a:rPr lang="en-US"/>
               <a:t>Click to edit Master text styles</a:t>
             </a:r>
+            <a:endParaRPr lang="en-US"/>
           </a:p>
         </p:txBody>
       </p:sp>
@@ -2473,7 +2507,6 @@
           <a:p>
             <a:fld id="{63A1C593-65D0-4073-BCC9-577B9352EA97}" type="datetimeFigureOut">
               <a:rPr lang="en-US" smtClean="0"/>
-              <a:t>10/3/2020</a:t>
             </a:fld>
             <a:endParaRPr lang="en-US"/>
           </a:p>
@@ -2515,7 +2548,6 @@
           <a:p>
             <a:fld id="{9B618960-8005-486C-9A75-10CB2AAC16F9}" type="slidenum">
               <a:rPr lang="en-US" smtClean="0"/>
-              <a:t>‹#›</a:t>
             </a:fld>
             <a:endParaRPr lang="en-US"/>
           </a:p>
@@ -2575,6 +2607,7 @@
               <a:rPr lang="en-US"/>
               <a:t>Click to edit Master title style</a:t>
             </a:r>
+            <a:endParaRPr lang="en-US"/>
           </a:p>
         </p:txBody>
       </p:sp>
@@ -2730,6 +2763,7 @@
               <a:rPr lang="en-US"/>
               <a:t>Click to edit Master text styles</a:t>
             </a:r>
+            <a:endParaRPr lang="en-US"/>
           </a:p>
         </p:txBody>
       </p:sp>
@@ -2750,7 +2784,6 @@
           <a:p>
             <a:fld id="{63A1C593-65D0-4073-BCC9-577B9352EA97}" type="datetimeFigureOut">
               <a:rPr lang="en-US" smtClean="0"/>
-              <a:t>10/3/2020</a:t>
             </a:fld>
             <a:endParaRPr lang="en-US"/>
           </a:p>
@@ -2792,7 +2825,6 @@
           <a:p>
             <a:fld id="{9B618960-8005-486C-9A75-10CB2AAC16F9}" type="slidenum">
               <a:rPr lang="en-US" smtClean="0"/>
-              <a:t>‹#›</a:t>
             </a:fld>
             <a:endParaRPr lang="en-US"/>
           </a:p>
@@ -2841,7 +2873,7 @@
           <p:nvPr/>
         </p:nvPicPr>
         <p:blipFill>
-          <a:blip r:embed="rId13"/>
+          <a:blip r:embed="rId12"/>
           <a:stretch>
             <a:fillRect/>
           </a:stretch>
@@ -2892,6 +2924,7 @@
               <a:rPr lang="en-US" altLang="zh-CN" dirty="0"/>
               <a:t>Click to edit Master title style</a:t>
             </a:r>
+            <a:endParaRPr lang="en-US" altLang="zh-CN" dirty="0"/>
           </a:p>
         </p:txBody>
       </p:sp>
@@ -2927,6 +2960,7 @@
               <a:rPr lang="en-US" altLang="zh-CN" dirty="0"/>
               <a:t>Click to edit Master text styles</a:t>
             </a:r>
+            <a:endParaRPr lang="en-US" altLang="zh-CN" dirty="0"/>
           </a:p>
           <a:p>
             <a:pPr lvl="1"/>
@@ -2934,6 +2968,7 @@
               <a:rPr lang="en-US" altLang="zh-CN" dirty="0"/>
               <a:t>Second level</a:t>
             </a:r>
+            <a:endParaRPr lang="en-US" altLang="zh-CN" dirty="0"/>
           </a:p>
           <a:p>
             <a:pPr lvl="2"/>
@@ -2941,6 +2976,7 @@
               <a:rPr lang="en-US" altLang="zh-CN" dirty="0"/>
               <a:t>Third level</a:t>
             </a:r>
+            <a:endParaRPr lang="en-US" altLang="zh-CN" dirty="0"/>
           </a:p>
           <a:p>
             <a:pPr lvl="3"/>
@@ -2948,6 +2984,7 @@
               <a:rPr lang="en-US" altLang="zh-CN" dirty="0"/>
               <a:t>Fourth level</a:t>
             </a:r>
+            <a:endParaRPr lang="en-US" altLang="zh-CN" dirty="0"/>
           </a:p>
           <a:p>
             <a:pPr lvl="4"/>
@@ -2955,6 +2992,7 @@
               <a:rPr lang="en-US" altLang="zh-CN" dirty="0"/>
               <a:t>Fifth level</a:t>
             </a:r>
+            <a:endParaRPr lang="en-US" altLang="zh-CN" dirty="0"/>
           </a:p>
         </p:txBody>
       </p:sp>
@@ -3020,7 +3058,6 @@
           <a:p>
             <a:fld id="{63A1C593-65D0-4073-BCC9-577B9352EA97}" type="datetimeFigureOut">
               <a:rPr lang="en-US" smtClean="0"/>
-              <a:t>10/3/2020</a:t>
             </a:fld>
             <a:endParaRPr lang="en-US"/>
           </a:p>
@@ -3152,7 +3189,6 @@
           <a:p>
             <a:fld id="{9B618960-8005-486C-9A75-10CB2AAC16F9}" type="slidenum">
               <a:rPr lang="en-US" smtClean="0"/>
-              <a:t>‹#›</a:t>
             </a:fld>
             <a:endParaRPr lang="en-US"/>
           </a:p>
@@ -3608,6 +3644,7 @@
               <a:rPr lang="en-US" dirty="0"/>
               <a:t>IDEAS FOR PROBLEM STATEMENT</a:t>
             </a:r>
+            <a:endParaRPr lang="en-US" dirty="0"/>
           </a:p>
         </p:txBody>
       </p:sp>
@@ -3660,9 +3697,10 @@
               <a:buAutoNum type="arabicPeriod"/>
             </a:pPr>
             <a:r>
-              <a:rPr lang="en-US" sz="2000" b="1" dirty="0"/>
+              <a:rPr lang="en-US" sz="1800" b="1" dirty="0"/>
               <a:t> Autocomplete Feature</a:t>
             </a:r>
+            <a:endParaRPr lang="en-US" sz="1800" b="1" dirty="0"/>
           </a:p>
           <a:p>
             <a:pPr marL="457200" lvl="1" indent="0">
@@ -3674,6 +3712,9 @@
               </a:rPr>
               <a:t>   Incomplete terms entered by the user are compared to a dictionary to suggest possible options of words</a:t>
             </a:r>
+            <a:endParaRPr lang="en-US" sz="1090" dirty="0">
+              <a:sym typeface="+mn-ea"/>
+            </a:endParaRPr>
           </a:p>
           <a:p>
             <a:pPr marL="914400" lvl="2" indent="0">
@@ -3701,15 +3742,29 @@
               </a:rPr>
               <a:t>https://www.upgrad.com/blog/natural-language-processing-nlp-projects-ideas-topics-for-beginners/</a:t>
             </a:r>
+            <a:endParaRPr lang="en-US" sz="1050" b="1" dirty="0">
+              <a:solidFill>
+                <a:schemeClr val="accent1"/>
+              </a:solidFill>
+              <a:effectLst>
+                <a:outerShdw blurRad="38100" dist="25400" dir="5400000" algn="ctr" rotWithShape="0">
+                  <a:srgbClr val="6E747A">
+                    <a:alpha val="43000"/>
+                  </a:srgbClr>
+                </a:outerShdw>
+              </a:effectLst>
+              <a:sym typeface="+mn-ea"/>
+            </a:endParaRPr>
           </a:p>
           <a:p>
             <a:pPr marL="457200" indent="-457200">
               <a:buAutoNum type="arabicPeriod"/>
             </a:pPr>
             <a:r>
-              <a:rPr lang="en-US" sz="1750" b="1" dirty="0"/>
+              <a:rPr lang="en-US" sz="1800" b="1" dirty="0"/>
               <a:t> Music Genre Classification with Deep Learning</a:t>
             </a:r>
+            <a:endParaRPr lang="en-US" sz="1800" b="1" dirty="0"/>
           </a:p>
           <a:p>
             <a:pPr marL="0" indent="0">
@@ -3727,6 +3782,7 @@
               <a:rPr lang="en-US" sz="1200" dirty="0"/>
               <a:t> of music frames and analyzes the image using a Convolutional </a:t>
             </a:r>
+            <a:endParaRPr lang="en-US" sz="1200" dirty="0"/>
           </a:p>
           <a:p>
             <a:pPr marL="0" indent="0">
@@ -3736,6 +3792,7 @@
               <a:rPr lang="en-US" sz="1200" dirty="0"/>
               <a:t>             Neural Network (CNN) plus a Recurrent Neural Network (RNN). </a:t>
             </a:r>
+            <a:endParaRPr lang="en-US" sz="1200" dirty="0"/>
           </a:p>
           <a:p>
             <a:pPr marL="0" indent="0">
@@ -3756,41 +3813,140 @@
               </a:rPr>
               <a:t>		https://github.com/jsalbert/Music-Genre-Classification-with-Deep-Learning</a:t>
             </a:r>
+            <a:endParaRPr lang="en-US" sz="1200" dirty="0">
+              <a:solidFill>
+                <a:schemeClr val="accent1"/>
+              </a:solidFill>
+              <a:effectLst>
+                <a:outerShdw blurRad="38100" dist="25400" dir="5400000" algn="ctr" rotWithShape="0">
+                  <a:srgbClr val="6E747A">
+                    <a:alpha val="43000"/>
+                  </a:srgbClr>
+                </a:outerShdw>
+              </a:effectLst>
+            </a:endParaRPr>
           </a:p>
           <a:p>
             <a:pPr marL="0" indent="0">
+              <a:lnSpc>
+                <a:spcPct val="80000"/>
+              </a:lnSpc>
               <a:buNone/>
             </a:pPr>
             <a:r>
-              <a:rPr lang="en-US" sz="1800" b="1" dirty="0"/>
-              <a:t>3.      Richter's Predictor: Modeling Earthquake Damage</a:t>
-            </a:r>
+              <a:rPr lang="en-US" sz="1800" dirty="0">
+                <a:solidFill>
+                  <a:schemeClr val="tx1"/>
+                </a:solidFill>
+                <a:effectLst>
+                  <a:outerShdw blurRad="38100" dist="19050" dir="2700000" algn="tl" rotWithShape="0">
+                    <a:schemeClr val="dk1">
+                      <a:alpha val="40000"/>
+                    </a:schemeClr>
+                  </a:outerShdw>
+                </a:effectLst>
+              </a:rPr>
+              <a:t>3.      </a:t>
+            </a:r>
+            <a:r>
+              <a:rPr lang="en-US" sz="1800" b="1" dirty="0">
+                <a:solidFill>
+                  <a:schemeClr val="tx1"/>
+                </a:solidFill>
+                <a:effectLst>
+                  <a:outerShdw blurRad="38100" dist="19050" dir="2700000" algn="tl" rotWithShape="0">
+                    <a:schemeClr val="dk1">
+                      <a:alpha val="40000"/>
+                    </a:schemeClr>
+                  </a:outerShdw>
+                </a:effectLst>
+              </a:rPr>
+              <a:t>Build a model that can describe what a video is about.</a:t>
+            </a:r>
+            <a:endParaRPr lang="en-US" sz="1800" dirty="0">
+              <a:solidFill>
+                <a:schemeClr val="tx1"/>
+              </a:solidFill>
+              <a:effectLst>
+                <a:outerShdw blurRad="38100" dist="19050" dir="2700000" algn="tl" rotWithShape="0">
+                  <a:schemeClr val="dk1">
+                    <a:alpha val="40000"/>
+                  </a:schemeClr>
+                </a:outerShdw>
+              </a:effectLst>
+            </a:endParaRPr>
           </a:p>
           <a:p>
             <a:pPr marL="0" indent="0">
+              <a:lnSpc>
+                <a:spcPct val="80000"/>
+              </a:lnSpc>
               <a:buNone/>
             </a:pPr>
             <a:r>
-              <a:rPr lang="en-US" sz="1200" dirty="0"/>
-              <a:t>              Based on aspects of building location and construction, your goal is to predict the level of damage to buildings </a:t>
-            </a:r>
+              <a:rPr lang="en-US" sz="1800" dirty="0">
+                <a:solidFill>
+                  <a:schemeClr val="tx1"/>
+                </a:solidFill>
+                <a:effectLst>
+                  <a:outerShdw blurRad="38100" dist="19050" dir="2700000" algn="tl" rotWithShape="0">
+                    <a:schemeClr val="dk1">
+                      <a:alpha val="40000"/>
+                    </a:schemeClr>
+                  </a:outerShdw>
+                </a:effectLst>
+              </a:rPr>
+              <a:t>         </a:t>
+            </a:r>
+            <a:r>
+              <a:rPr lang="en-US" sz="1200" dirty="0">
+                <a:solidFill>
+                  <a:schemeClr val="tx1"/>
+                </a:solidFill>
+                <a:effectLst>
+                  <a:outerShdw blurRad="38100" dist="19050" dir="2700000" algn="tl" rotWithShape="0">
+                    <a:schemeClr val="dk1">
+                      <a:alpha val="40000"/>
+                    </a:schemeClr>
+                  </a:outerShdw>
+                </a:effectLst>
+              </a:rPr>
+              <a:t>The model takes a series of inputs to classify in which category the video belongs.</a:t>
+            </a:r>
+            <a:endParaRPr lang="en-US" sz="1800" dirty="0">
+              <a:solidFill>
+                <a:schemeClr val="tx1"/>
+              </a:solidFill>
+              <a:effectLst>
+                <a:outerShdw blurRad="38100" dist="19050" dir="2700000" algn="tl" rotWithShape="0">
+                  <a:schemeClr val="dk1">
+                    <a:alpha val="40000"/>
+                  </a:schemeClr>
+                </a:outerShdw>
+              </a:effectLst>
+            </a:endParaRPr>
           </a:p>
           <a:p>
             <a:pPr marL="0" indent="0">
+              <a:lnSpc>
+                <a:spcPct val="80000"/>
+              </a:lnSpc>
               <a:buNone/>
             </a:pPr>
             <a:r>
-              <a:rPr lang="en-US" sz="1200" dirty="0"/>
-              <a:t>              caused by the 2015 Gorkha earthquake in Nepal.</a:t>
-            </a:r>
-          </a:p>
-          <a:p>
-            <a:pPr marL="0" indent="0">
-              <a:buNone/>
-            </a:pPr>
-            <a:r>
-              <a:rPr lang="en-US" sz="1200" dirty="0"/>
-              <a:t>		</a:t>
+              <a:rPr lang="en-US" sz="1800" dirty="0">
+                <a:solidFill>
+                  <a:schemeClr val="tx1"/>
+                </a:solidFill>
+                <a:effectLst>
+                  <a:outerShdw blurRad="38100" dist="19050" dir="2700000" algn="tl" rotWithShape="0">
+                    <a:schemeClr val="dk1">
+                      <a:alpha val="40000"/>
+                    </a:schemeClr>
+                  </a:outerShdw>
+                </a:effectLst>
+              </a:rPr>
+              <a:t>                             </a:t>
             </a:r>
             <a:r>
               <a:rPr lang="en-US" sz="1200" dirty="0">
@@ -3805,8 +3961,20 @@
                   </a:outerShdw>
                 </a:effectLst>
               </a:rPr>
-              <a:t>https://www.drivendata.org/competitions/57/nepal-earthquake/page/134/</a:t>
-            </a:r>
+              <a:t>https://research.google.com/youtube8m/</a:t>
+            </a:r>
+            <a:endParaRPr lang="en-US" sz="1200" dirty="0">
+              <a:solidFill>
+                <a:schemeClr val="accent1"/>
+              </a:solidFill>
+              <a:effectLst>
+                <a:outerShdw blurRad="38100" dist="25400" dir="5400000" algn="ctr" rotWithShape="0">
+                  <a:srgbClr val="6E747A">
+                    <a:alpha val="43000"/>
+                  </a:srgbClr>
+                </a:outerShdw>
+              </a:effectLst>
+            </a:endParaRPr>
           </a:p>
           <a:p>
             <a:pPr marL="0" indent="0">
@@ -3815,22 +3983,6 @@
               </a:lnSpc>
               <a:buNone/>
             </a:pPr>
-            <a:r>
-              <a:rPr lang="en-US" sz="1800" dirty="0">
-                <a:ln/>
-                <a:solidFill>
-                  <a:schemeClr val="tx1"/>
-                </a:solidFill>
-                <a:effectLst>
-                  <a:outerShdw blurRad="38100" dist="19050" dir="2700000" algn="tl" rotWithShape="0">
-                    <a:schemeClr val="dk1">
-                      <a:alpha val="40000"/>
-                    </a:schemeClr>
-                  </a:outerShdw>
-                </a:effectLst>
-              </a:rPr>
-              <a:t>4.      </a:t>
-            </a:r>
             <a:r>
               <a:rPr lang="en-US" sz="1800" b="1" dirty="0">
                 <a:ln/>
@@ -3845,9 +3997,40 @@
                   </a:outerShdw>
                 </a:effectLst>
               </a:rPr>
-              <a:t>Build a model that can describe what a video is about.</a:t>
-            </a:r>
-            <a:endParaRPr lang="en-US" sz="1800" dirty="0">
+              <a:t>4</a:t>
+            </a:r>
+            <a:r>
+              <a:rPr lang="en-US" sz="1200" dirty="0">
+                <a:solidFill>
+                  <a:schemeClr val="accent1"/>
+                </a:solidFill>
+                <a:effectLst>
+                  <a:outerShdw blurRad="38100" dist="25400" dir="5400000" algn="ctr" rotWithShape="0">
+                    <a:srgbClr val="6E747A">
+                      <a:alpha val="43000"/>
+                    </a:srgbClr>
+                  </a:outerShdw>
+                </a:effectLst>
+              </a:rPr>
+              <a:t>.           </a:t>
+            </a:r>
+            <a:r>
+              <a:rPr lang="en-US" sz="1800" b="1" dirty="0">
+                <a:ln/>
+                <a:solidFill>
+                  <a:schemeClr val="tx1"/>
+                </a:solidFill>
+                <a:effectLst>
+                  <a:outerShdw blurRad="38100" dist="19050" dir="2700000" algn="tl" rotWithShape="0">
+                    <a:schemeClr val="dk1">
+                      <a:alpha val="40000"/>
+                    </a:schemeClr>
+                  </a:outerShdw>
+                </a:effectLst>
+              </a:rPr>
+              <a:t>Human Activity Recognition – Using Deep Learning Model		</a:t>
+            </a:r>
+            <a:endParaRPr lang="en-US" sz="1800" b="1" dirty="0">
               <a:ln/>
               <a:solidFill>
                 <a:schemeClr val="tx1"/>
@@ -3869,7 +4052,7 @@
               <a:buNone/>
             </a:pPr>
             <a:r>
-              <a:rPr lang="en-US" sz="1800" dirty="0">
+              <a:rPr lang="en-US" sz="1800" b="1" dirty="0">
                 <a:ln/>
                 <a:solidFill>
                   <a:schemeClr val="tx1"/>
@@ -3882,63 +4065,10 @@
                   </a:outerShdw>
                 </a:effectLst>
               </a:rPr>
-              <a:t>         </a:t>
-            </a:r>
-            <a:r>
-              <a:rPr lang="en-US" sz="1200" dirty="0">
-                <a:ln/>
-                <a:solidFill>
-                  <a:schemeClr val="tx1"/>
-                </a:solidFill>
-                <a:effectLst>
-                  <a:outerShdw blurRad="38100" dist="19050" dir="2700000" algn="tl" rotWithShape="0">
-                    <a:schemeClr val="dk1">
-                      <a:alpha val="40000"/>
-                    </a:schemeClr>
-                  </a:outerShdw>
-                </a:effectLst>
-              </a:rPr>
-              <a:t>The model takes a series of inputs to classify in which category the video belongs.</a:t>
-            </a:r>
-            <a:endParaRPr lang="en-US" sz="1800" dirty="0">
-              <a:ln/>
-              <a:solidFill>
-                <a:schemeClr val="tx1"/>
-              </a:solidFill>
-              <a:effectLst>
-                <a:outerShdw blurRad="38100" dist="19050" dir="2700000" algn="tl" rotWithShape="0">
-                  <a:schemeClr val="dk1">
-                    <a:alpha val="40000"/>
-                  </a:schemeClr>
-                </a:outerShdw>
-              </a:effectLst>
-            </a:endParaRPr>
-          </a:p>
-          <a:p>
-            <a:pPr marL="0" indent="0">
-              <a:lnSpc>
-                <a:spcPct val="80000"/>
-              </a:lnSpc>
-              <a:buNone/>
-            </a:pPr>
-            <a:r>
-              <a:rPr lang="en-US" sz="1800" dirty="0">
-                <a:ln/>
-                <a:solidFill>
-                  <a:schemeClr val="tx1"/>
-                </a:solidFill>
-                <a:effectLst>
-                  <a:outerShdw blurRad="38100" dist="19050" dir="2700000" algn="tl" rotWithShape="0">
-                    <a:schemeClr val="dk1">
-                      <a:alpha val="40000"/>
-                    </a:schemeClr>
-                  </a:outerShdw>
-                </a:effectLst>
-              </a:rPr>
-              <a:t>                             </a:t>
-            </a:r>
-            <a:r>
-              <a:rPr lang="en-US" sz="1200" dirty="0">
+              <a:t>		</a:t>
+            </a:r>
+            <a:r>
+              <a:rPr lang="en-US" sz="1200" b="1" dirty="0">
                 <a:ln/>
                 <a:solidFill>
                   <a:schemeClr val="accent1"/>
@@ -3951,8 +4081,21 @@
                   </a:outerShdw>
                 </a:effectLst>
               </a:rPr>
-              <a:t>https://research.google.com/youtube8m/</a:t>
-            </a:r>
+              <a:t>https://www.geeksforgeeks.org/human-activity-recognition-using-deep-learning-model/</a:t>
+            </a:r>
+            <a:endParaRPr lang="en-US" sz="1200" b="1" dirty="0">
+              <a:ln/>
+              <a:solidFill>
+                <a:schemeClr val="accent1"/>
+              </a:solidFill>
+              <a:effectLst>
+                <a:outerShdw blurRad="38100" dist="25400" dir="5400000" algn="ctr" rotWithShape="0">
+                  <a:srgbClr val="6E747A">
+                    <a:alpha val="43000"/>
+                  </a:srgbClr>
+                </a:outerShdw>
+              </a:effectLst>
+            </a:endParaRPr>
           </a:p>
         </p:txBody>
       </p:sp>
@@ -3980,6 +4123,7 @@
               <a:rPr lang="en-US" b="1"/>
               <a:t>Varun Bohara</a:t>
             </a:r>
+            <a:endParaRPr lang="en-US" b="1"/>
           </a:p>
         </p:txBody>
       </p:sp>
@@ -4010,13 +4154,7 @@
       </p:grpSpPr>
       <p:sp>
         <p:nvSpPr>
-          <p:cNvPr id="3" name="Content Placeholder 2">
-            <a:extLst>
-              <a:ext uri="{FF2B5EF4-FFF2-40B4-BE49-F238E27FC236}">
-                <a16:creationId xmlns:a16="http://schemas.microsoft.com/office/drawing/2014/main" id="{89A0807A-EB17-47C7-AFFF-E81B8A86E38E}"/>
-              </a:ext>
-            </a:extLst>
-          </p:cNvPr>
+          <p:cNvPr id="3" name="Content Placeholder 2"/>
           <p:cNvSpPr>
             <a:spLocks noGrp="1"/>
           </p:cNvSpPr>
@@ -4050,6 +4188,7 @@
               <a:rPr lang="en-IN" sz="1400" dirty="0"/>
               <a:t>Sentence based description of the image will be given as an output.</a:t>
             </a:r>
+            <a:endParaRPr lang="en-IN" sz="1400" dirty="0"/>
           </a:p>
           <a:p>
             <a:pPr marL="0" indent="0">
@@ -4061,7 +4200,7 @@
             </a:r>
             <a:r>
               <a:rPr lang="en-IN" sz="1400" b="1" dirty="0">
-                <a:hlinkClick r:id="rId2"/>
+                <a:hlinkClick r:id="rId1"/>
               </a:rPr>
               <a:t>https://www.kaggle.com/hsankesara/flickr-image-dataset</a:t>
             </a:r>
@@ -4099,6 +4238,7 @@
               <a:rPr lang="en-IN" sz="1800" b="1" dirty="0"/>
               <a:t>Predict Github Issues </a:t>
             </a:r>
+            <a:endParaRPr lang="en-IN" sz="1800" b="1" dirty="0"/>
           </a:p>
           <a:p>
             <a:pPr marL="457200" lvl="1" indent="0">
@@ -4108,6 +4248,7 @@
               <a:rPr lang="en-IN" sz="1000" b="1" dirty="0"/>
               <a:t>            </a:t>
             </a:r>
+            <a:endParaRPr lang="en-IN" sz="1000" b="1" dirty="0"/>
           </a:p>
           <a:p>
             <a:pPr marL="457200" lvl="1" indent="0">
@@ -4158,6 +4299,7 @@
               <a:rPr lang="en-IN" sz="1000" b="1" dirty="0"/>
               <a:t>	</a:t>
             </a:r>
+            <a:endParaRPr lang="en-IN" sz="1000" b="1" dirty="0"/>
           </a:p>
           <a:p>
             <a:pPr marL="457200" lvl="1" indent="0">
@@ -4169,7 +4311,7 @@
             </a:r>
             <a:r>
               <a:rPr lang="en-IN" sz="1400" b="1" dirty="0">
-                <a:hlinkClick r:id="rId3"/>
+                <a:hlinkClick r:id="rId2"/>
               </a:rPr>
               <a:t>https://www.machinehack.com/hackathons/predict_github_issues_embold_sponsored_hackathon/overview</a:t>
             </a:r>
@@ -4184,11 +4326,6 @@
         </p:txBody>
       </p:sp>
     </p:spTree>
-    <p:extLst>
-      <p:ext uri="{BB962C8B-B14F-4D97-AF65-F5344CB8AC3E}">
-        <p14:creationId xmlns:p14="http://schemas.microsoft.com/office/powerpoint/2010/main" val="886093939"/>
-      </p:ext>
-    </p:extLst>
   </p:cSld>
   <p:clrMapOvr>
     <a:masterClrMapping/>
@@ -5313,8 +5450,6 @@
       </a:bgFillStyleLst>
     </a:fmtScheme>
   </a:themeElements>
-  <a:objectDefaults/>
-  <a:extraClrSchemeLst/>
   <a:extLst>
     <a:ext uri="{05A4C25C-085E-4340-85A3-A5531E510DB2}">
       <thm15:themeFamily xmlns:thm15="http://schemas.microsoft.com/office/thememl/2012/main" name="Office Theme" id="{62F939B6-93AF-4DB8-9C6B-D6C7DFDC589F}" vid="{4A3C46E8-61CC-4603-A589-7422A47A8E4A}"/>

--- a/IDEAS FOR PROBLEM STATEMENT.2.pptx
+++ b/IDEAS FOR PROBLEM STATEMENT.2.pptx
@@ -5,12 +5,14 @@
     <p:sldMasterId id="2147483648" r:id="rId1"/>
   </p:sldMasterIdLst>
   <p:notesMasterIdLst>
-    <p:notesMasterId r:id="rId5"/>
+    <p:notesMasterId r:id="rId8"/>
   </p:notesMasterIdLst>
   <p:sldIdLst>
-    <p:sldId id="256" r:id="rId2"/>
-    <p:sldId id="257" r:id="rId3"/>
-    <p:sldId id="258" r:id="rId4"/>
+    <p:sldId id="256" r:id="rId3"/>
+    <p:sldId id="257" r:id="rId4"/>
+    <p:sldId id="258" r:id="rId5"/>
+    <p:sldId id="260" r:id="rId6"/>
+    <p:sldId id="259" r:id="rId7"/>
   </p:sldIdLst>
   <p:sldSz cx="12192000" cy="6858000"/>
   <p:notesSz cx="6858000" cy="9144000"/>
@@ -109,11 +111,6 @@
       </a:defRPr>
     </a:lvl9pPr>
   </p:defaultTextStyle>
-  <p:extLst>
-    <p:ext uri="{EFAFB233-063F-42B5-8137-9DF3F51BA10A}">
-      <p15:sldGuideLst xmlns:p15="http://schemas.microsoft.com/office/powerpoint/2012/main"/>
-    </p:ext>
-  </p:extLst>
 </p:presentation>
 </file>
 
@@ -199,7 +196,6 @@
           <a:p>
             <a:fld id="{3EFD42F7-718C-4B98-AAEC-167E6DDD60A7}" type="datetimeFigureOut">
               <a:rPr lang="en-US" smtClean="0"/>
-              <a:t>10/3/2020</a:t>
             </a:fld>
             <a:endParaRPr lang="en-US"/>
           </a:p>
@@ -266,6 +262,7 @@
               <a:rPr lang="en-US"/>
               <a:t>Click to edit Master text styles</a:t>
             </a:r>
+            <a:endParaRPr lang="en-US"/>
           </a:p>
           <a:p>
             <a:pPr lvl="1"/>
@@ -273,6 +270,7 @@
               <a:rPr lang="en-US"/>
               <a:t>Second level</a:t>
             </a:r>
+            <a:endParaRPr lang="en-US"/>
           </a:p>
           <a:p>
             <a:pPr lvl="2"/>
@@ -280,6 +278,7 @@
               <a:rPr lang="en-US"/>
               <a:t>Third level</a:t>
             </a:r>
+            <a:endParaRPr lang="en-US"/>
           </a:p>
           <a:p>
             <a:pPr lvl="3"/>
@@ -287,6 +286,7 @@
               <a:rPr lang="en-US"/>
               <a:t>Fourth level</a:t>
             </a:r>
+            <a:endParaRPr lang="en-US"/>
           </a:p>
           <a:p>
             <a:pPr lvl="4"/>
@@ -294,6 +294,7 @@
               <a:rPr lang="en-US"/>
               <a:t>Fifth level</a:t>
             </a:r>
+            <a:endParaRPr lang="en-US"/>
           </a:p>
         </p:txBody>
       </p:sp>
@@ -357,7 +358,6 @@
           <a:p>
             <a:fld id="{21B2AA4F-B828-4D7C-AFD3-893933DAFCB4}" type="slidenum">
               <a:rPr lang="en-US" smtClean="0"/>
-              <a:t>‹#›</a:t>
             </a:fld>
             <a:endParaRPr lang="en-US"/>
           </a:p>
@@ -462,7 +462,7 @@
 </file>
 
 <file path=ppt/slideLayouts/slideLayout1.xml><?xml version="1.0" encoding="utf-8"?>
-<p:sldLayout xmlns:a="http://schemas.openxmlformats.org/drawingml/2006/main" xmlns:r="http://schemas.openxmlformats.org/officeDocument/2006/relationships" xmlns:p="http://schemas.openxmlformats.org/presentationml/2006/main" showMasterSp="0" type="title" preserve="1">
+<p:sldLayout xmlns:a="http://schemas.openxmlformats.org/drawingml/2006/main" xmlns:r="http://schemas.openxmlformats.org/officeDocument/2006/relationships" xmlns:p="http://schemas.openxmlformats.org/presentationml/2006/main" type="title" preserve="1" showMasterSp="0">
   <p:cSld name="Title Slide">
     <p:bg>
       <p:bgPr>
@@ -543,6 +543,7 @@
               <a:rPr lang="en-US" altLang="zh-CN" noProof="0"/>
               <a:t>Click to edit Master title style</a:t>
             </a:r>
+            <a:endParaRPr lang="en-US" altLang="zh-CN" noProof="0"/>
           </a:p>
         </p:txBody>
       </p:sp>
@@ -581,6 +582,7 @@
               <a:rPr lang="en-US" altLang="zh-CN" noProof="0"/>
               <a:t>Click to edit Master subtitle style</a:t>
             </a:r>
+            <a:endParaRPr lang="en-US" altLang="zh-CN" noProof="0"/>
           </a:p>
         </p:txBody>
       </p:sp>
@@ -642,7 +644,6 @@
           <a:p>
             <a:fld id="{63A1C593-65D0-4073-BCC9-577B9352EA97}" type="datetimeFigureOut">
               <a:rPr lang="en-US" smtClean="0"/>
-              <a:t>10/3/2020</a:t>
             </a:fld>
             <a:endParaRPr lang="en-US"/>
           </a:p>
@@ -766,7 +767,6 @@
           <a:p>
             <a:fld id="{9B618960-8005-486C-9A75-10CB2AAC16F9}" type="slidenum">
               <a:rPr lang="en-US" smtClean="0"/>
-              <a:t>‹#›</a:t>
             </a:fld>
             <a:endParaRPr lang="en-US"/>
           </a:p>
@@ -817,6 +817,7 @@
               <a:rPr lang="en-US"/>
               <a:t>Click to edit Master title style</a:t>
             </a:r>
+            <a:endParaRPr lang="en-US"/>
           </a:p>
         </p:txBody>
       </p:sp>
@@ -840,6 +841,7 @@
               <a:rPr lang="en-US"/>
               <a:t>Click to edit Master text styles</a:t>
             </a:r>
+            <a:endParaRPr lang="en-US"/>
           </a:p>
           <a:p>
             <a:pPr lvl="1"/>
@@ -847,6 +849,7 @@
               <a:rPr lang="en-US"/>
               <a:t>Second level</a:t>
             </a:r>
+            <a:endParaRPr lang="en-US"/>
           </a:p>
           <a:p>
             <a:pPr lvl="2"/>
@@ -854,6 +857,7 @@
               <a:rPr lang="en-US"/>
               <a:t>Third level</a:t>
             </a:r>
+            <a:endParaRPr lang="en-US"/>
           </a:p>
           <a:p>
             <a:pPr lvl="3"/>
@@ -861,6 +865,7 @@
               <a:rPr lang="en-US"/>
               <a:t>Fourth level</a:t>
             </a:r>
+            <a:endParaRPr lang="en-US"/>
           </a:p>
           <a:p>
             <a:pPr lvl="4"/>
@@ -868,6 +873,7 @@
               <a:rPr lang="en-US"/>
               <a:t>Fifth level</a:t>
             </a:r>
+            <a:endParaRPr lang="en-US"/>
           </a:p>
         </p:txBody>
       </p:sp>
@@ -888,7 +894,6 @@
           <a:p>
             <a:fld id="{63A1C593-65D0-4073-BCC9-577B9352EA97}" type="datetimeFigureOut">
               <a:rPr lang="en-US" smtClean="0"/>
-              <a:t>10/3/2020</a:t>
             </a:fld>
             <a:endParaRPr lang="en-US"/>
           </a:p>
@@ -930,7 +935,6 @@
           <a:p>
             <a:fld id="{9B618960-8005-486C-9A75-10CB2AAC16F9}" type="slidenum">
               <a:rPr lang="en-US" smtClean="0"/>
-              <a:t>‹#›</a:t>
             </a:fld>
             <a:endParaRPr lang="en-US"/>
           </a:p>
@@ -986,6 +990,7 @@
               <a:rPr lang="en-US"/>
               <a:t>Click to edit Master title style</a:t>
             </a:r>
+            <a:endParaRPr lang="en-US"/>
           </a:p>
         </p:txBody>
       </p:sp>
@@ -1014,6 +1019,7 @@
               <a:rPr lang="en-US"/>
               <a:t>Click to edit Master text styles</a:t>
             </a:r>
+            <a:endParaRPr lang="en-US"/>
           </a:p>
           <a:p>
             <a:pPr lvl="1"/>
@@ -1021,6 +1027,7 @@
               <a:rPr lang="en-US"/>
               <a:t>Second level</a:t>
             </a:r>
+            <a:endParaRPr lang="en-US"/>
           </a:p>
           <a:p>
             <a:pPr lvl="2"/>
@@ -1028,6 +1035,7 @@
               <a:rPr lang="en-US"/>
               <a:t>Third level</a:t>
             </a:r>
+            <a:endParaRPr lang="en-US"/>
           </a:p>
           <a:p>
             <a:pPr lvl="3"/>
@@ -1035,6 +1043,7 @@
               <a:rPr lang="en-US"/>
               <a:t>Fourth level</a:t>
             </a:r>
+            <a:endParaRPr lang="en-US"/>
           </a:p>
           <a:p>
             <a:pPr lvl="4"/>
@@ -1042,6 +1051,7 @@
               <a:rPr lang="en-US"/>
               <a:t>Fifth level</a:t>
             </a:r>
+            <a:endParaRPr lang="en-US"/>
           </a:p>
         </p:txBody>
       </p:sp>
@@ -1062,7 +1072,6 @@
           <a:p>
             <a:fld id="{63A1C593-65D0-4073-BCC9-577B9352EA97}" type="datetimeFigureOut">
               <a:rPr lang="en-US" smtClean="0"/>
-              <a:t>10/3/2020</a:t>
             </a:fld>
             <a:endParaRPr lang="en-US"/>
           </a:p>
@@ -1104,7 +1113,6 @@
           <a:p>
             <a:fld id="{9B618960-8005-486C-9A75-10CB2AAC16F9}" type="slidenum">
               <a:rPr lang="en-US" smtClean="0"/>
-              <a:t>‹#›</a:t>
             </a:fld>
             <a:endParaRPr lang="en-US"/>
           </a:p>
@@ -1155,6 +1163,7 @@
               <a:rPr lang="en-US"/>
               <a:t>Click to edit Master title style</a:t>
             </a:r>
+            <a:endParaRPr lang="en-US"/>
           </a:p>
         </p:txBody>
       </p:sp>
@@ -1178,6 +1187,7 @@
               <a:rPr lang="en-US"/>
               <a:t>Click to edit Master text styles</a:t>
             </a:r>
+            <a:endParaRPr lang="en-US"/>
           </a:p>
           <a:p>
             <a:pPr lvl="1"/>
@@ -1185,6 +1195,7 @@
               <a:rPr lang="en-US"/>
               <a:t>Second level</a:t>
             </a:r>
+            <a:endParaRPr lang="en-US"/>
           </a:p>
           <a:p>
             <a:pPr lvl="2"/>
@@ -1192,6 +1203,7 @@
               <a:rPr lang="en-US"/>
               <a:t>Third level</a:t>
             </a:r>
+            <a:endParaRPr lang="en-US"/>
           </a:p>
           <a:p>
             <a:pPr lvl="3"/>
@@ -1199,6 +1211,7 @@
               <a:rPr lang="en-US"/>
               <a:t>Fourth level</a:t>
             </a:r>
+            <a:endParaRPr lang="en-US"/>
           </a:p>
           <a:p>
             <a:pPr lvl="4"/>
@@ -1206,6 +1219,7 @@
               <a:rPr lang="en-US"/>
               <a:t>Fifth level</a:t>
             </a:r>
+            <a:endParaRPr lang="en-US"/>
           </a:p>
         </p:txBody>
       </p:sp>
@@ -1226,7 +1240,6 @@
           <a:p>
             <a:fld id="{63A1C593-65D0-4073-BCC9-577B9352EA97}" type="datetimeFigureOut">
               <a:rPr lang="en-US" smtClean="0"/>
-              <a:t>10/3/2020</a:t>
             </a:fld>
             <a:endParaRPr lang="en-US"/>
           </a:p>
@@ -1268,7 +1281,6 @@
           <a:p>
             <a:fld id="{9B618960-8005-486C-9A75-10CB2AAC16F9}" type="slidenum">
               <a:rPr lang="en-US" smtClean="0"/>
-              <a:t>‹#›</a:t>
             </a:fld>
             <a:endParaRPr lang="en-US"/>
           </a:p>
@@ -1328,6 +1340,7 @@
               <a:rPr lang="en-US"/>
               <a:t>Click to edit Master title style</a:t>
             </a:r>
+            <a:endParaRPr lang="en-US"/>
           </a:p>
         </p:txBody>
       </p:sp>
@@ -1393,6 +1406,7 @@
               <a:rPr lang="en-US"/>
               <a:t>Click to edit Master text styles</a:t>
             </a:r>
+            <a:endParaRPr lang="en-US"/>
           </a:p>
         </p:txBody>
       </p:sp>
@@ -1413,7 +1427,6 @@
           <a:p>
             <a:fld id="{63A1C593-65D0-4073-BCC9-577B9352EA97}" type="datetimeFigureOut">
               <a:rPr lang="en-US" smtClean="0"/>
-              <a:t>10/3/2020</a:t>
             </a:fld>
             <a:endParaRPr lang="en-US"/>
           </a:p>
@@ -1455,7 +1468,6 @@
           <a:p>
             <a:fld id="{9B618960-8005-486C-9A75-10CB2AAC16F9}" type="slidenum">
               <a:rPr lang="en-US" smtClean="0"/>
-              <a:t>‹#›</a:t>
             </a:fld>
             <a:endParaRPr lang="en-US"/>
           </a:p>
@@ -1506,6 +1518,7 @@
               <a:rPr lang="en-US"/>
               <a:t>Click to edit Master title style</a:t>
             </a:r>
+            <a:endParaRPr lang="en-US"/>
           </a:p>
         </p:txBody>
       </p:sp>
@@ -1534,6 +1547,7 @@
               <a:rPr lang="en-US"/>
               <a:t>Click to edit Master text styles</a:t>
             </a:r>
+            <a:endParaRPr lang="en-US"/>
           </a:p>
           <a:p>
             <a:pPr lvl="1"/>
@@ -1541,6 +1555,7 @@
               <a:rPr lang="en-US"/>
               <a:t>Second level</a:t>
             </a:r>
+            <a:endParaRPr lang="en-US"/>
           </a:p>
           <a:p>
             <a:pPr lvl="2"/>
@@ -1548,6 +1563,7 @@
               <a:rPr lang="en-US"/>
               <a:t>Third level</a:t>
             </a:r>
+            <a:endParaRPr lang="en-US"/>
           </a:p>
           <a:p>
             <a:pPr lvl="3"/>
@@ -1555,6 +1571,7 @@
               <a:rPr lang="en-US"/>
               <a:t>Fourth level</a:t>
             </a:r>
+            <a:endParaRPr lang="en-US"/>
           </a:p>
           <a:p>
             <a:pPr lvl="4"/>
@@ -1562,6 +1579,7 @@
               <a:rPr lang="en-US"/>
               <a:t>Fifth level</a:t>
             </a:r>
+            <a:endParaRPr lang="en-US"/>
           </a:p>
         </p:txBody>
       </p:sp>
@@ -1590,6 +1608,7 @@
               <a:rPr lang="en-US"/>
               <a:t>Click to edit Master text styles</a:t>
             </a:r>
+            <a:endParaRPr lang="en-US"/>
           </a:p>
           <a:p>
             <a:pPr lvl="1"/>
@@ -1597,6 +1616,7 @@
               <a:rPr lang="en-US"/>
               <a:t>Second level</a:t>
             </a:r>
+            <a:endParaRPr lang="en-US"/>
           </a:p>
           <a:p>
             <a:pPr lvl="2"/>
@@ -1604,6 +1624,7 @@
               <a:rPr lang="en-US"/>
               <a:t>Third level</a:t>
             </a:r>
+            <a:endParaRPr lang="en-US"/>
           </a:p>
           <a:p>
             <a:pPr lvl="3"/>
@@ -1611,6 +1632,7 @@
               <a:rPr lang="en-US"/>
               <a:t>Fourth level</a:t>
             </a:r>
+            <a:endParaRPr lang="en-US"/>
           </a:p>
           <a:p>
             <a:pPr lvl="4"/>
@@ -1618,6 +1640,7 @@
               <a:rPr lang="en-US"/>
               <a:t>Fifth level</a:t>
             </a:r>
+            <a:endParaRPr lang="en-US"/>
           </a:p>
         </p:txBody>
       </p:sp>
@@ -1638,7 +1661,6 @@
           <a:p>
             <a:fld id="{63A1C593-65D0-4073-BCC9-577B9352EA97}" type="datetimeFigureOut">
               <a:rPr lang="en-US" smtClean="0"/>
-              <a:t>10/3/2020</a:t>
             </a:fld>
             <a:endParaRPr lang="en-US"/>
           </a:p>
@@ -1680,7 +1702,6 @@
           <a:p>
             <a:fld id="{9B618960-8005-486C-9A75-10CB2AAC16F9}" type="slidenum">
               <a:rPr lang="en-US" smtClean="0"/>
-              <a:t>‹#›</a:t>
             </a:fld>
             <a:endParaRPr lang="en-US"/>
           </a:p>
@@ -1736,6 +1757,7 @@
               <a:rPr lang="en-US"/>
               <a:t>Click to edit Master title style</a:t>
             </a:r>
+            <a:endParaRPr lang="en-US"/>
           </a:p>
         </p:txBody>
       </p:sp>
@@ -1801,6 +1823,7 @@
               <a:rPr lang="en-US"/>
               <a:t>Click to edit Master text styles</a:t>
             </a:r>
+            <a:endParaRPr lang="en-US"/>
           </a:p>
         </p:txBody>
       </p:sp>
@@ -1829,6 +1852,7 @@
               <a:rPr lang="en-US"/>
               <a:t>Click to edit Master text styles</a:t>
             </a:r>
+            <a:endParaRPr lang="en-US"/>
           </a:p>
           <a:p>
             <a:pPr lvl="1"/>
@@ -1836,6 +1860,7 @@
               <a:rPr lang="en-US"/>
               <a:t>Second level</a:t>
             </a:r>
+            <a:endParaRPr lang="en-US"/>
           </a:p>
           <a:p>
             <a:pPr lvl="2"/>
@@ -1843,6 +1868,7 @@
               <a:rPr lang="en-US"/>
               <a:t>Third level</a:t>
             </a:r>
+            <a:endParaRPr lang="en-US"/>
           </a:p>
           <a:p>
             <a:pPr lvl="3"/>
@@ -1850,6 +1876,7 @@
               <a:rPr lang="en-US"/>
               <a:t>Fourth level</a:t>
             </a:r>
+            <a:endParaRPr lang="en-US"/>
           </a:p>
           <a:p>
             <a:pPr lvl="4"/>
@@ -1857,6 +1884,7 @@
               <a:rPr lang="en-US"/>
               <a:t>Fifth level</a:t>
             </a:r>
+            <a:endParaRPr lang="en-US"/>
           </a:p>
         </p:txBody>
       </p:sp>
@@ -1922,6 +1950,7 @@
               <a:rPr lang="en-US"/>
               <a:t>Click to edit Master text styles</a:t>
             </a:r>
+            <a:endParaRPr lang="en-US"/>
           </a:p>
         </p:txBody>
       </p:sp>
@@ -1950,6 +1979,7 @@
               <a:rPr lang="en-US"/>
               <a:t>Click to edit Master text styles</a:t>
             </a:r>
+            <a:endParaRPr lang="en-US"/>
           </a:p>
           <a:p>
             <a:pPr lvl="1"/>
@@ -1957,6 +1987,7 @@
               <a:rPr lang="en-US"/>
               <a:t>Second level</a:t>
             </a:r>
+            <a:endParaRPr lang="en-US"/>
           </a:p>
           <a:p>
             <a:pPr lvl="2"/>
@@ -1964,6 +1995,7 @@
               <a:rPr lang="en-US"/>
               <a:t>Third level</a:t>
             </a:r>
+            <a:endParaRPr lang="en-US"/>
           </a:p>
           <a:p>
             <a:pPr lvl="3"/>
@@ -1971,6 +2003,7 @@
               <a:rPr lang="en-US"/>
               <a:t>Fourth level</a:t>
             </a:r>
+            <a:endParaRPr lang="en-US"/>
           </a:p>
           <a:p>
             <a:pPr lvl="4"/>
@@ -1978,6 +2011,7 @@
               <a:rPr lang="en-US"/>
               <a:t>Fifth level</a:t>
             </a:r>
+            <a:endParaRPr lang="en-US"/>
           </a:p>
         </p:txBody>
       </p:sp>
@@ -1998,7 +2032,6 @@
           <a:p>
             <a:fld id="{63A1C593-65D0-4073-BCC9-577B9352EA97}" type="datetimeFigureOut">
               <a:rPr lang="en-US" smtClean="0"/>
-              <a:t>10/3/2020</a:t>
             </a:fld>
             <a:endParaRPr lang="en-US"/>
           </a:p>
@@ -2040,7 +2073,6 @@
           <a:p>
             <a:fld id="{9B618960-8005-486C-9A75-10CB2AAC16F9}" type="slidenum">
               <a:rPr lang="en-US" smtClean="0"/>
-              <a:t>‹#›</a:t>
             </a:fld>
             <a:endParaRPr lang="en-US"/>
           </a:p>
@@ -2091,6 +2123,7 @@
               <a:rPr lang="en-US"/>
               <a:t>Click to edit Master title style</a:t>
             </a:r>
+            <a:endParaRPr lang="en-US"/>
           </a:p>
         </p:txBody>
       </p:sp>
@@ -2111,7 +2144,6 @@
           <a:p>
             <a:fld id="{63A1C593-65D0-4073-BCC9-577B9352EA97}" type="datetimeFigureOut">
               <a:rPr lang="en-US" smtClean="0"/>
-              <a:t>10/3/2020</a:t>
             </a:fld>
             <a:endParaRPr lang="en-US"/>
           </a:p>
@@ -2153,7 +2185,6 @@
           <a:p>
             <a:fld id="{9B618960-8005-486C-9A75-10CB2AAC16F9}" type="slidenum">
               <a:rPr lang="en-US" smtClean="0"/>
-              <a:t>‹#›</a:t>
             </a:fld>
             <a:endParaRPr lang="en-US"/>
           </a:p>
@@ -2202,7 +2233,6 @@
           <a:p>
             <a:fld id="{63A1C593-65D0-4073-BCC9-577B9352EA97}" type="datetimeFigureOut">
               <a:rPr lang="en-US" smtClean="0"/>
-              <a:t>10/3/2020</a:t>
             </a:fld>
             <a:endParaRPr lang="en-US"/>
           </a:p>
@@ -2244,7 +2274,6 @@
           <a:p>
             <a:fld id="{9B618960-8005-486C-9A75-10CB2AAC16F9}" type="slidenum">
               <a:rPr lang="en-US" smtClean="0"/>
-              <a:t>‹#›</a:t>
             </a:fld>
             <a:endParaRPr lang="en-US"/>
           </a:p>
@@ -2304,6 +2333,7 @@
               <a:rPr lang="en-US"/>
               <a:t>Click to edit Master title style</a:t>
             </a:r>
+            <a:endParaRPr lang="en-US"/>
           </a:p>
         </p:txBody>
       </p:sp>
@@ -2360,6 +2390,7 @@
               <a:rPr lang="en-US"/>
               <a:t>Click to edit Master text styles</a:t>
             </a:r>
+            <a:endParaRPr lang="en-US"/>
           </a:p>
           <a:p>
             <a:pPr lvl="1"/>
@@ -2367,6 +2398,7 @@
               <a:rPr lang="en-US"/>
               <a:t>Second level</a:t>
             </a:r>
+            <a:endParaRPr lang="en-US"/>
           </a:p>
           <a:p>
             <a:pPr lvl="2"/>
@@ -2374,6 +2406,7 @@
               <a:rPr lang="en-US"/>
               <a:t>Third level</a:t>
             </a:r>
+            <a:endParaRPr lang="en-US"/>
           </a:p>
           <a:p>
             <a:pPr lvl="3"/>
@@ -2381,6 +2414,7 @@
               <a:rPr lang="en-US"/>
               <a:t>Fourth level</a:t>
             </a:r>
+            <a:endParaRPr lang="en-US"/>
           </a:p>
           <a:p>
             <a:pPr lvl="4"/>
@@ -2388,6 +2422,7 @@
               <a:rPr lang="en-US"/>
               <a:t>Fifth level</a:t>
             </a:r>
+            <a:endParaRPr lang="en-US"/>
           </a:p>
         </p:txBody>
       </p:sp>
@@ -2453,6 +2488,7 @@
               <a:rPr lang="en-US"/>
               <a:t>Click to edit Master text styles</a:t>
             </a:r>
+            <a:endParaRPr lang="en-US"/>
           </a:p>
         </p:txBody>
       </p:sp>
@@ -2473,7 +2509,6 @@
           <a:p>
             <a:fld id="{63A1C593-65D0-4073-BCC9-577B9352EA97}" type="datetimeFigureOut">
               <a:rPr lang="en-US" smtClean="0"/>
-              <a:t>10/3/2020</a:t>
             </a:fld>
             <a:endParaRPr lang="en-US"/>
           </a:p>
@@ -2515,7 +2550,6 @@
           <a:p>
             <a:fld id="{9B618960-8005-486C-9A75-10CB2AAC16F9}" type="slidenum">
               <a:rPr lang="en-US" smtClean="0"/>
-              <a:t>‹#›</a:t>
             </a:fld>
             <a:endParaRPr lang="en-US"/>
           </a:p>
@@ -2575,6 +2609,7 @@
               <a:rPr lang="en-US"/>
               <a:t>Click to edit Master title style</a:t>
             </a:r>
+            <a:endParaRPr lang="en-US"/>
           </a:p>
         </p:txBody>
       </p:sp>
@@ -2730,6 +2765,7 @@
               <a:rPr lang="en-US"/>
               <a:t>Click to edit Master text styles</a:t>
             </a:r>
+            <a:endParaRPr lang="en-US"/>
           </a:p>
         </p:txBody>
       </p:sp>
@@ -2750,7 +2786,6 @@
           <a:p>
             <a:fld id="{63A1C593-65D0-4073-BCC9-577B9352EA97}" type="datetimeFigureOut">
               <a:rPr lang="en-US" smtClean="0"/>
-              <a:t>10/3/2020</a:t>
             </a:fld>
             <a:endParaRPr lang="en-US"/>
           </a:p>
@@ -2792,7 +2827,6 @@
           <a:p>
             <a:fld id="{9B618960-8005-486C-9A75-10CB2AAC16F9}" type="slidenum">
               <a:rPr lang="en-US" smtClean="0"/>
-              <a:t>‹#›</a:t>
             </a:fld>
             <a:endParaRPr lang="en-US"/>
           </a:p>
@@ -2841,7 +2875,7 @@
           <p:nvPr/>
         </p:nvPicPr>
         <p:blipFill>
-          <a:blip r:embed="rId13"/>
+          <a:blip r:embed="rId12"/>
           <a:stretch>
             <a:fillRect/>
           </a:stretch>
@@ -2892,6 +2926,7 @@
               <a:rPr lang="en-US" altLang="zh-CN" dirty="0"/>
               <a:t>Click to edit Master title style</a:t>
             </a:r>
+            <a:endParaRPr lang="en-US" altLang="zh-CN" dirty="0"/>
           </a:p>
         </p:txBody>
       </p:sp>
@@ -2927,6 +2962,7 @@
               <a:rPr lang="en-US" altLang="zh-CN" dirty="0"/>
               <a:t>Click to edit Master text styles</a:t>
             </a:r>
+            <a:endParaRPr lang="en-US" altLang="zh-CN" dirty="0"/>
           </a:p>
           <a:p>
             <a:pPr lvl="1"/>
@@ -2934,6 +2970,7 @@
               <a:rPr lang="en-US" altLang="zh-CN" dirty="0"/>
               <a:t>Second level</a:t>
             </a:r>
+            <a:endParaRPr lang="en-US" altLang="zh-CN" dirty="0"/>
           </a:p>
           <a:p>
             <a:pPr lvl="2"/>
@@ -2941,6 +2978,7 @@
               <a:rPr lang="en-US" altLang="zh-CN" dirty="0"/>
               <a:t>Third level</a:t>
             </a:r>
+            <a:endParaRPr lang="en-US" altLang="zh-CN" dirty="0"/>
           </a:p>
           <a:p>
             <a:pPr lvl="3"/>
@@ -2948,6 +2986,7 @@
               <a:rPr lang="en-US" altLang="zh-CN" dirty="0"/>
               <a:t>Fourth level</a:t>
             </a:r>
+            <a:endParaRPr lang="en-US" altLang="zh-CN" dirty="0"/>
           </a:p>
           <a:p>
             <a:pPr lvl="4"/>
@@ -2955,6 +2994,7 @@
               <a:rPr lang="en-US" altLang="zh-CN" dirty="0"/>
               <a:t>Fifth level</a:t>
             </a:r>
+            <a:endParaRPr lang="en-US" altLang="zh-CN" dirty="0"/>
           </a:p>
         </p:txBody>
       </p:sp>
@@ -3020,7 +3060,6 @@
           <a:p>
             <a:fld id="{63A1C593-65D0-4073-BCC9-577B9352EA97}" type="datetimeFigureOut">
               <a:rPr lang="en-US" smtClean="0"/>
-              <a:t>10/3/2020</a:t>
             </a:fld>
             <a:endParaRPr lang="en-US"/>
           </a:p>
@@ -3152,7 +3191,6 @@
           <a:p>
             <a:fld id="{9B618960-8005-486C-9A75-10CB2AAC16F9}" type="slidenum">
               <a:rPr lang="en-US" smtClean="0"/>
-              <a:t>‹#›</a:t>
             </a:fld>
             <a:endParaRPr lang="en-US"/>
           </a:p>
@@ -3608,6 +3646,7 @@
               <a:rPr lang="en-US" dirty="0"/>
               <a:t>IDEAS FOR PROBLEM STATEMENT</a:t>
             </a:r>
+            <a:endParaRPr lang="en-US" dirty="0"/>
           </a:p>
         </p:txBody>
       </p:sp>
@@ -3663,6 +3702,7 @@
               <a:rPr lang="en-US" sz="2000" b="1" dirty="0"/>
               <a:t> Autocomplete Feature</a:t>
             </a:r>
+            <a:endParaRPr lang="en-US" sz="2000" b="1" dirty="0"/>
           </a:p>
           <a:p>
             <a:pPr marL="457200" lvl="1" indent="0">
@@ -3674,6 +3714,9 @@
               </a:rPr>
               <a:t>   Incomplete terms entered by the user are compared to a dictionary to suggest possible options of words</a:t>
             </a:r>
+            <a:endParaRPr lang="en-US" sz="1090" dirty="0">
+              <a:sym typeface="+mn-ea"/>
+            </a:endParaRPr>
           </a:p>
           <a:p>
             <a:pPr marL="914400" lvl="2" indent="0">
@@ -3701,6 +3744,19 @@
               </a:rPr>
               <a:t>https://www.upgrad.com/blog/natural-language-processing-nlp-projects-ideas-topics-for-beginners/</a:t>
             </a:r>
+            <a:endParaRPr lang="en-US" sz="1050" b="1" dirty="0">
+              <a:solidFill>
+                <a:schemeClr val="accent1"/>
+              </a:solidFill>
+              <a:effectLst>
+                <a:outerShdw blurRad="38100" dist="25400" dir="5400000" algn="ctr" rotWithShape="0">
+                  <a:srgbClr val="6E747A">
+                    <a:alpha val="43000"/>
+                  </a:srgbClr>
+                </a:outerShdw>
+              </a:effectLst>
+              <a:sym typeface="+mn-ea"/>
+            </a:endParaRPr>
           </a:p>
           <a:p>
             <a:pPr marL="457200" indent="-457200">
@@ -3710,6 +3766,7 @@
               <a:rPr lang="en-US" sz="1750" b="1" dirty="0"/>
               <a:t> Music Genre Classification with Deep Learning</a:t>
             </a:r>
+            <a:endParaRPr lang="en-US" sz="1750" b="1" dirty="0"/>
           </a:p>
           <a:p>
             <a:pPr marL="0" indent="0">
@@ -3727,6 +3784,7 @@
               <a:rPr lang="en-US" sz="1200" dirty="0"/>
               <a:t> of music frames and analyzes the image using a Convolutional </a:t>
             </a:r>
+            <a:endParaRPr lang="en-US" sz="1200" dirty="0"/>
           </a:p>
           <a:p>
             <a:pPr marL="0" indent="0">
@@ -3736,6 +3794,7 @@
               <a:rPr lang="en-US" sz="1200" dirty="0"/>
               <a:t>             Neural Network (CNN) plus a Recurrent Neural Network (RNN). </a:t>
             </a:r>
+            <a:endParaRPr lang="en-US" sz="1200" dirty="0"/>
           </a:p>
           <a:p>
             <a:pPr marL="0" indent="0">
@@ -3756,6 +3815,18 @@
               </a:rPr>
               <a:t>		https://github.com/jsalbert/Music-Genre-Classification-with-Deep-Learning</a:t>
             </a:r>
+            <a:endParaRPr lang="en-US" sz="1200" dirty="0">
+              <a:solidFill>
+                <a:schemeClr val="accent1"/>
+              </a:solidFill>
+              <a:effectLst>
+                <a:outerShdw blurRad="38100" dist="25400" dir="5400000" algn="ctr" rotWithShape="0">
+                  <a:srgbClr val="6E747A">
+                    <a:alpha val="43000"/>
+                  </a:srgbClr>
+                </a:outerShdw>
+              </a:effectLst>
+            </a:endParaRPr>
           </a:p>
           <a:p>
             <a:pPr marL="0" indent="0">
@@ -3765,6 +3836,7 @@
               <a:rPr lang="en-US" sz="1800" b="1" dirty="0"/>
               <a:t>3.      Richter's Predictor: Modeling Earthquake Damage</a:t>
             </a:r>
+            <a:endParaRPr lang="en-US" sz="1800" b="1" dirty="0"/>
           </a:p>
           <a:p>
             <a:pPr marL="0" indent="0">
@@ -3774,6 +3846,7 @@
               <a:rPr lang="en-US" sz="1200" dirty="0"/>
               <a:t>              Based on aspects of building location and construction, your goal is to predict the level of damage to buildings </a:t>
             </a:r>
+            <a:endParaRPr lang="en-US" sz="1200" dirty="0"/>
           </a:p>
           <a:p>
             <a:pPr marL="0" indent="0">
@@ -3783,6 +3856,7 @@
               <a:rPr lang="en-US" sz="1200" dirty="0"/>
               <a:t>              caused by the 2015 Gorkha earthquake in Nepal.</a:t>
             </a:r>
+            <a:endParaRPr lang="en-US" sz="1200" dirty="0"/>
           </a:p>
           <a:p>
             <a:pPr marL="0" indent="0">
@@ -3807,6 +3881,18 @@
               </a:rPr>
               <a:t>https://www.drivendata.org/competitions/57/nepal-earthquake/page/134/</a:t>
             </a:r>
+            <a:endParaRPr lang="en-US" sz="1200" dirty="0">
+              <a:solidFill>
+                <a:schemeClr val="accent1"/>
+              </a:solidFill>
+              <a:effectLst>
+                <a:outerShdw blurRad="38100" dist="25400" dir="5400000" algn="ctr" rotWithShape="0">
+                  <a:srgbClr val="6E747A">
+                    <a:alpha val="43000"/>
+                  </a:srgbClr>
+                </a:outerShdw>
+              </a:effectLst>
+            </a:endParaRPr>
           </a:p>
           <a:p>
             <a:pPr marL="0" indent="0">
@@ -3817,7 +3903,6 @@
             </a:pPr>
             <a:r>
               <a:rPr lang="en-US" sz="1800" dirty="0">
-                <a:ln/>
                 <a:solidFill>
                   <a:schemeClr val="tx1"/>
                 </a:solidFill>
@@ -3833,7 +3918,6 @@
             </a:r>
             <a:r>
               <a:rPr lang="en-US" sz="1800" b="1" dirty="0">
-                <a:ln/>
                 <a:solidFill>
                   <a:schemeClr val="tx1"/>
                 </a:solidFill>
@@ -3848,7 +3932,6 @@
               <a:t>Build a model that can describe what a video is about.</a:t>
             </a:r>
             <a:endParaRPr lang="en-US" sz="1800" dirty="0">
-              <a:ln/>
               <a:solidFill>
                 <a:schemeClr val="tx1"/>
               </a:solidFill>
@@ -3870,7 +3953,6 @@
             </a:pPr>
             <a:r>
               <a:rPr lang="en-US" sz="1800" dirty="0">
-                <a:ln/>
                 <a:solidFill>
                   <a:schemeClr val="tx1"/>
                 </a:solidFill>
@@ -3886,7 +3968,6 @@
             </a:r>
             <a:r>
               <a:rPr lang="en-US" sz="1200" dirty="0">
-                <a:ln/>
                 <a:solidFill>
                   <a:schemeClr val="tx1"/>
                 </a:solidFill>
@@ -3901,7 +3982,6 @@
               <a:t>The model takes a series of inputs to classify in which category the video belongs.</a:t>
             </a:r>
             <a:endParaRPr lang="en-US" sz="1800" dirty="0">
-              <a:ln/>
               <a:solidFill>
                 <a:schemeClr val="tx1"/>
               </a:solidFill>
@@ -3923,7 +4003,6 @@
             </a:pPr>
             <a:r>
               <a:rPr lang="en-US" sz="1800" dirty="0">
-                <a:ln/>
                 <a:solidFill>
                   <a:schemeClr val="tx1"/>
                 </a:solidFill>
@@ -3939,7 +4018,6 @@
             </a:r>
             <a:r>
               <a:rPr lang="en-US" sz="1200" dirty="0">
-                <a:ln/>
                 <a:solidFill>
                   <a:schemeClr val="accent1"/>
                 </a:solidFill>
@@ -3953,6 +4031,18 @@
               </a:rPr>
               <a:t>https://research.google.com/youtube8m/</a:t>
             </a:r>
+            <a:endParaRPr lang="en-US" sz="1200" dirty="0">
+              <a:solidFill>
+                <a:schemeClr val="accent1"/>
+              </a:solidFill>
+              <a:effectLst>
+                <a:outerShdw blurRad="38100" dist="25400" dir="5400000" algn="ctr" rotWithShape="0">
+                  <a:srgbClr val="6E747A">
+                    <a:alpha val="43000"/>
+                  </a:srgbClr>
+                </a:outerShdw>
+              </a:effectLst>
+            </a:endParaRPr>
           </a:p>
         </p:txBody>
       </p:sp>
@@ -3980,6 +4070,7 @@
               <a:rPr lang="en-US" b="1"/>
               <a:t>Varun Bohara</a:t>
             </a:r>
+            <a:endParaRPr lang="en-US" b="1"/>
           </a:p>
         </p:txBody>
       </p:sp>
@@ -4010,13 +4101,7 @@
       </p:grpSpPr>
       <p:sp>
         <p:nvSpPr>
-          <p:cNvPr id="3" name="Content Placeholder 2">
-            <a:extLst>
-              <a:ext uri="{FF2B5EF4-FFF2-40B4-BE49-F238E27FC236}">
-                <a16:creationId xmlns:a16="http://schemas.microsoft.com/office/drawing/2014/main" id="{89A0807A-EB17-47C7-AFFF-E81B8A86E38E}"/>
-              </a:ext>
-            </a:extLst>
-          </p:cNvPr>
+          <p:cNvPr id="3" name="Content Placeholder 2"/>
           <p:cNvSpPr>
             <a:spLocks noGrp="1"/>
           </p:cNvSpPr>
@@ -4050,6 +4135,7 @@
               <a:rPr lang="en-IN" sz="1400" dirty="0"/>
               <a:t>Sentence based description of the image will be given as an output.</a:t>
             </a:r>
+            <a:endParaRPr lang="en-IN" sz="1400" dirty="0"/>
           </a:p>
           <a:p>
             <a:pPr marL="0" indent="0">
@@ -4061,7 +4147,7 @@
             </a:r>
             <a:r>
               <a:rPr lang="en-IN" sz="1400" b="1" dirty="0">
-                <a:hlinkClick r:id="rId2"/>
+                <a:hlinkClick r:id="rId1"/>
               </a:rPr>
               <a:t>https://www.kaggle.com/hsankesara/flickr-image-dataset</a:t>
             </a:r>
@@ -4099,6 +4185,7 @@
               <a:rPr lang="en-IN" sz="1800" b="1" dirty="0"/>
               <a:t>Predict Github Issues </a:t>
             </a:r>
+            <a:endParaRPr lang="en-IN" sz="1800" b="1" dirty="0"/>
           </a:p>
           <a:p>
             <a:pPr marL="457200" lvl="1" indent="0">
@@ -4108,6 +4195,7 @@
               <a:rPr lang="en-IN" sz="1000" b="1" dirty="0"/>
               <a:t>            </a:t>
             </a:r>
+            <a:endParaRPr lang="en-IN" sz="1000" b="1" dirty="0"/>
           </a:p>
           <a:p>
             <a:pPr marL="457200" lvl="1" indent="0">
@@ -4158,6 +4246,7 @@
               <a:rPr lang="en-IN" sz="1000" b="1" dirty="0"/>
               <a:t>	</a:t>
             </a:r>
+            <a:endParaRPr lang="en-IN" sz="1000" b="1" dirty="0"/>
           </a:p>
           <a:p>
             <a:pPr marL="457200" lvl="1" indent="0">
@@ -4169,7 +4258,7 @@
             </a:r>
             <a:r>
               <a:rPr lang="en-IN" sz="1400" b="1" dirty="0">
-                <a:hlinkClick r:id="rId3"/>
+                <a:hlinkClick r:id="rId2"/>
               </a:rPr>
               <a:t>https://www.machinehack.com/hackathons/predict_github_issues_embold_sponsored_hackathon/overview</a:t>
             </a:r>
@@ -4183,12 +4272,310 @@
           </a:p>
         </p:txBody>
       </p:sp>
+      <p:sp>
+        <p:nvSpPr>
+          <p:cNvPr id="2" name="Text Box 1"/>
+          <p:cNvSpPr txBox="1"/>
+          <p:nvPr/>
+        </p:nvSpPr>
+        <p:spPr>
+          <a:xfrm>
+            <a:off x="9276080" y="6216015"/>
+            <a:ext cx="2306955" cy="337185"/>
+          </a:xfrm>
+          <a:prstGeom prst="rect">
+            <a:avLst/>
+          </a:prstGeom>
+          <a:noFill/>
+        </p:spPr>
+        <p:txBody>
+          <a:bodyPr wrap="square" rtlCol="0">
+            <a:spAutoFit/>
+          </a:bodyPr>
+          <a:p>
+            <a:r>
+              <a:rPr lang="en-IN" altLang="en-US" sz="1600" b="1"/>
+              <a:t>Abhishek Rao</a:t>
+            </a:r>
+            <a:endParaRPr lang="en-IN" altLang="en-US" sz="1600" b="1"/>
+          </a:p>
+        </p:txBody>
+      </p:sp>
     </p:spTree>
-    <p:extLst>
-      <p:ext uri="{BB962C8B-B14F-4D97-AF65-F5344CB8AC3E}">
-        <p14:creationId xmlns:p14="http://schemas.microsoft.com/office/powerpoint/2010/main" val="886093939"/>
-      </p:ext>
-    </p:extLst>
+  </p:cSld>
+  <p:clrMapOvr>
+    <a:masterClrMapping/>
+  </p:clrMapOvr>
+</p:sld>
+</file>
+
+<file path=ppt/slides/slide4.xml><?xml version="1.0" encoding="utf-8"?>
+<p:sld xmlns:a="http://schemas.openxmlformats.org/drawingml/2006/main" xmlns:r="http://schemas.openxmlformats.org/officeDocument/2006/relationships" xmlns:p="http://schemas.openxmlformats.org/presentationml/2006/main">
+  <p:cSld>
+    <p:spTree>
+      <p:nvGrpSpPr>
+        <p:cNvPr id="1" name=""/>
+        <p:cNvGrpSpPr/>
+        <p:nvPr/>
+      </p:nvGrpSpPr>
+      <p:grpSpPr/>
+      <p:sp>
+        <p:nvSpPr>
+          <p:cNvPr id="2" name="Title 1"/>
+          <p:cNvSpPr>
+            <a:spLocks noGrp="1"/>
+          </p:cNvSpPr>
+          <p:nvPr>
+            <p:ph type="title"/>
+          </p:nvPr>
+        </p:nvSpPr>
+        <p:spPr/>
+        <p:txBody>
+          <a:bodyPr/>
+          <a:p>
+            <a:endParaRPr lang="en-US"/>
+          </a:p>
+        </p:txBody>
+      </p:sp>
+      <p:sp>
+        <p:nvSpPr>
+          <p:cNvPr id="3" name="Content Placeholder 2"/>
+          <p:cNvSpPr>
+            <a:spLocks noGrp="1"/>
+          </p:cNvSpPr>
+          <p:nvPr>
+            <p:ph idx="1"/>
+          </p:nvPr>
+        </p:nvSpPr>
+        <p:spPr/>
+        <p:txBody>
+          <a:bodyPr/>
+          <a:p>
+            <a:endParaRPr lang="en-US"/>
+          </a:p>
+        </p:txBody>
+      </p:sp>
+    </p:spTree>
+  </p:cSld>
+  <p:clrMapOvr>
+    <a:masterClrMapping/>
+  </p:clrMapOvr>
+</p:sld>
+</file>
+
+<file path=ppt/slides/slide5.xml><?xml version="1.0" encoding="utf-8"?>
+<p:sld xmlns:a="http://schemas.openxmlformats.org/drawingml/2006/main" xmlns:r="http://schemas.openxmlformats.org/officeDocument/2006/relationships" xmlns:p="http://schemas.openxmlformats.org/presentationml/2006/main">
+  <p:cSld>
+    <p:spTree>
+      <p:nvGrpSpPr>
+        <p:cNvPr id="1" name=""/>
+        <p:cNvGrpSpPr/>
+        <p:nvPr/>
+      </p:nvGrpSpPr>
+      <p:grpSpPr/>
+      <p:sp>
+        <p:nvSpPr>
+          <p:cNvPr id="2" name="Title 1"/>
+          <p:cNvSpPr>
+            <a:spLocks noGrp="1"/>
+          </p:cNvSpPr>
+          <p:nvPr>
+            <p:ph type="title"/>
+          </p:nvPr>
+        </p:nvSpPr>
+        <p:spPr/>
+        <p:txBody>
+          <a:bodyPr/>
+          <a:p>
+            <a:r>
+              <a:rPr lang="en-IN" altLang="en-US" sz="500"/>
+              <a:t>.</a:t>
+            </a:r>
+            <a:endParaRPr lang="en-IN" altLang="en-US" sz="500"/>
+          </a:p>
+        </p:txBody>
+      </p:sp>
+      <p:sp>
+        <p:nvSpPr>
+          <p:cNvPr id="3" name="Content Placeholder 2"/>
+          <p:cNvSpPr>
+            <a:spLocks noGrp="1"/>
+          </p:cNvSpPr>
+          <p:nvPr>
+            <p:ph idx="1"/>
+          </p:nvPr>
+        </p:nvSpPr>
+        <p:spPr/>
+        <p:txBody>
+          <a:bodyPr/>
+          <a:p>
+            <a:pPr marL="514350" indent="-514350">
+              <a:buFont typeface="+mj-lt"/>
+              <a:buAutoNum type="arabicPeriod"/>
+            </a:pPr>
+            <a:r>
+              <a:rPr lang="en-US" sz="2000" b="1">
+                <a:cs typeface="+mn-lt"/>
+              </a:rPr>
+              <a:t>Judging COVID-19 Infection through Symptoms </a:t>
+            </a:r>
+            <a:endParaRPr lang="en-US" sz="2000" b="1">
+              <a:cs typeface="+mn-lt"/>
+            </a:endParaRPr>
+          </a:p>
+          <a:p>
+            <a:pPr marL="0" indent="0">
+              <a:buFont typeface="+mj-lt"/>
+              <a:buNone/>
+            </a:pPr>
+            <a:r>
+              <a:rPr lang="en-US" sz="2000">
+                <a:sym typeface="+mn-ea"/>
+              </a:rPr>
+              <a:t>             </a:t>
+            </a:r>
+            <a:r>
+              <a:rPr lang="en-IN" altLang="en-US" sz="1800">
+                <a:sym typeface="+mn-ea"/>
+              </a:rPr>
+              <a:t>Determine whether or not the symptoms are actually indicating the person has covid or           	common  cold or flu.</a:t>
+            </a:r>
+            <a:endParaRPr lang="en-IN" altLang="en-US" sz="2000"/>
+          </a:p>
+          <a:p>
+            <a:pPr marL="0" indent="0">
+              <a:buFont typeface="+mj-lt"/>
+              <a:buNone/>
+            </a:pPr>
+            <a:r>
+              <a:rPr lang="en-IN" altLang="en-US" sz="2000">
+                <a:sym typeface="+mn-ea"/>
+              </a:rPr>
+              <a:t>	 </a:t>
+            </a:r>
+            <a:r>
+              <a:rPr lang="en-IN" altLang="en-US" sz="1600">
+                <a:solidFill>
+                  <a:schemeClr val="accent1"/>
+                </a:solidFill>
+                <a:sym typeface="+mn-ea"/>
+              </a:rPr>
+              <a:t>https://medium.com/@tanvirhurra/judging-covid-19-infection-through-symptoms-a-random-forest-based-	 classification-model-  6f67f15da6dd</a:t>
+            </a:r>
+            <a:endParaRPr lang="en-IN" altLang="en-US" sz="1600">
+              <a:solidFill>
+                <a:schemeClr val="accent1"/>
+              </a:solidFill>
+              <a:sym typeface="+mn-ea"/>
+            </a:endParaRPr>
+          </a:p>
+          <a:p>
+            <a:pPr marL="0" indent="0">
+              <a:buFont typeface="+mj-lt"/>
+              <a:buNone/>
+            </a:pPr>
+            <a:endParaRPr lang="en-IN" altLang="en-US" sz="1600">
+              <a:solidFill>
+                <a:schemeClr val="accent1"/>
+              </a:solidFill>
+            </a:endParaRPr>
+          </a:p>
+          <a:p>
+            <a:pPr marL="0" indent="0">
+              <a:buFont typeface="+mj-lt"/>
+              <a:buNone/>
+            </a:pPr>
+            <a:endParaRPr lang="en-IN" altLang="en-US" sz="1400"/>
+          </a:p>
+          <a:p>
+            <a:pPr marL="514350" indent="-514350">
+              <a:buFont typeface="+mj-lt"/>
+              <a:buAutoNum type="arabicPeriod"/>
+            </a:pPr>
+            <a:r>
+              <a:rPr lang="en-US" sz="2000" b="1">
+                <a:cs typeface="+mn-lt"/>
+              </a:rPr>
+              <a:t>Infant Cry Language Analysis and Recognition:</a:t>
+            </a:r>
+            <a:endParaRPr lang="en-US" sz="2000" b="1">
+              <a:cs typeface="+mn-lt"/>
+            </a:endParaRPr>
+          </a:p>
+          <a:p>
+            <a:pPr marL="457200" lvl="1" indent="0">
+              <a:buFont typeface="+mj-lt"/>
+              <a:buNone/>
+            </a:pPr>
+            <a:r>
+              <a:rPr lang="en-IN" altLang="en-US"/>
+              <a:t>   </a:t>
+            </a:r>
+            <a:r>
+              <a:rPr lang="en-IN" altLang="en-US" sz="2000"/>
+              <a:t> </a:t>
+            </a:r>
+            <a:r>
+              <a:rPr lang="en-IN" altLang="en-US" sz="1800"/>
+              <a:t>Determine the reason for cry of the infants may be hunger,sleepy,pain </a:t>
+            </a:r>
+            <a:endParaRPr lang="en-IN" altLang="en-US" sz="1800"/>
+          </a:p>
+          <a:p>
+            <a:pPr marL="0" indent="0">
+              <a:buFont typeface="+mj-lt"/>
+              <a:buNone/>
+            </a:pPr>
+            <a:r>
+              <a:rPr lang="en-IN" altLang="en-US" sz="2000"/>
+              <a:t>	</a:t>
+            </a:r>
+            <a:r>
+              <a:rPr lang="en-IN" altLang="en-US" sz="1800">
+                <a:solidFill>
+                  <a:schemeClr val="accent1"/>
+                </a:solidFill>
+              </a:rPr>
+              <a:t>http://www.ieee-jas.org/fileZDHXBEN/journal/article/zdhxbywb/2019/3/PDF/jas-6-3-778.pdf</a:t>
+            </a:r>
+            <a:endParaRPr lang="en-IN" altLang="en-US" sz="1800">
+              <a:solidFill>
+                <a:schemeClr val="accent1"/>
+              </a:solidFill>
+            </a:endParaRPr>
+          </a:p>
+        </p:txBody>
+      </p:sp>
+      <p:sp>
+        <p:nvSpPr>
+          <p:cNvPr id="4" name="Text Box 3"/>
+          <p:cNvSpPr txBox="1"/>
+          <p:nvPr/>
+        </p:nvSpPr>
+        <p:spPr>
+          <a:xfrm>
+            <a:off x="9117330" y="5982970"/>
+            <a:ext cx="2872740" cy="337185"/>
+          </a:xfrm>
+          <a:prstGeom prst="rect">
+            <a:avLst/>
+          </a:prstGeom>
+          <a:noFill/>
+        </p:spPr>
+        <p:txBody>
+          <a:bodyPr wrap="square" rtlCol="0">
+            <a:spAutoFit/>
+          </a:bodyPr>
+          <a:p>
+            <a:r>
+              <a:rPr lang="en-IN" altLang="en-US" sz="1600" b="1"/>
+              <a:t>Madhurika Ganiger</a:t>
+            </a:r>
+            <a:endParaRPr lang="en-IN" altLang="en-US" sz="1600" b="1"/>
+          </a:p>
+        </p:txBody>
+      </p:sp>
+    </p:spTree>
   </p:cSld>
   <p:clrMapOvr>
     <a:masterClrMapping/>
@@ -5313,8 +5700,6 @@
       </a:bgFillStyleLst>
     </a:fmtScheme>
   </a:themeElements>
-  <a:objectDefaults/>
-  <a:extraClrSchemeLst/>
   <a:extLst>
     <a:ext uri="{05A4C25C-085E-4340-85A3-A5531E510DB2}">
       <thm15:themeFamily xmlns:thm15="http://schemas.microsoft.com/office/thememl/2012/main" name="Office Theme" id="{62F939B6-93AF-4DB8-9C6B-D6C7DFDC589F}" vid="{4A3C46E8-61CC-4603-A589-7422A47A8E4A}"/>

--- a/IDEAS FOR PROBLEM STATEMENT.2.pptx
+++ b/IDEAS FOR PROBLEM STATEMENT.2.pptx
@@ -5,14 +5,14 @@
     <p:sldMasterId id="2147483648" r:id="rId1"/>
   </p:sldMasterIdLst>
   <p:notesMasterIdLst>
-    <p:notesMasterId r:id="rId8"/>
+    <p:notesMasterId r:id="rId7"/>
   </p:notesMasterIdLst>
   <p:sldIdLst>
-    <p:sldId id="256" r:id="rId3"/>
-    <p:sldId id="257" r:id="rId4"/>
-    <p:sldId id="258" r:id="rId5"/>
-    <p:sldId id="260" r:id="rId6"/>
-    <p:sldId id="259" r:id="rId7"/>
+    <p:sldId id="256" r:id="rId2"/>
+    <p:sldId id="257" r:id="rId3"/>
+    <p:sldId id="258" r:id="rId4"/>
+    <p:sldId id="260" r:id="rId5"/>
+    <p:sldId id="259" r:id="rId6"/>
   </p:sldIdLst>
   <p:sldSz cx="12192000" cy="6858000"/>
   <p:notesSz cx="6858000" cy="9144000"/>
@@ -111,6 +111,11 @@
       </a:defRPr>
     </a:lvl9pPr>
   </p:defaultTextStyle>
+  <p:extLst>
+    <p:ext uri="{EFAFB233-063F-42B5-8137-9DF3F51BA10A}">
+      <p15:sldGuideLst xmlns:p15="http://schemas.microsoft.com/office/powerpoint/2012/main"/>
+    </p:ext>
+  </p:extLst>
 </p:presentation>
 </file>
 
@@ -196,6 +201,7 @@
           <a:p>
             <a:fld id="{3EFD42F7-718C-4B98-AAEC-167E6DDD60A7}" type="datetimeFigureOut">
               <a:rPr lang="en-US" smtClean="0"/>
+              <a:t>10/3/2020</a:t>
             </a:fld>
             <a:endParaRPr lang="en-US"/>
           </a:p>
@@ -262,7 +268,6 @@
               <a:rPr lang="en-US"/>
               <a:t>Click to edit Master text styles</a:t>
             </a:r>
-            <a:endParaRPr lang="en-US"/>
           </a:p>
           <a:p>
             <a:pPr lvl="1"/>
@@ -270,7 +275,6 @@
               <a:rPr lang="en-US"/>
               <a:t>Second level</a:t>
             </a:r>
-            <a:endParaRPr lang="en-US"/>
           </a:p>
           <a:p>
             <a:pPr lvl="2"/>
@@ -278,7 +282,6 @@
               <a:rPr lang="en-US"/>
               <a:t>Third level</a:t>
             </a:r>
-            <a:endParaRPr lang="en-US"/>
           </a:p>
           <a:p>
             <a:pPr lvl="3"/>
@@ -286,7 +289,6 @@
               <a:rPr lang="en-US"/>
               <a:t>Fourth level</a:t>
             </a:r>
-            <a:endParaRPr lang="en-US"/>
           </a:p>
           <a:p>
             <a:pPr lvl="4"/>
@@ -294,7 +296,6 @@
               <a:rPr lang="en-US"/>
               <a:t>Fifth level</a:t>
             </a:r>
-            <a:endParaRPr lang="en-US"/>
           </a:p>
         </p:txBody>
       </p:sp>
@@ -358,6 +359,7 @@
           <a:p>
             <a:fld id="{21B2AA4F-B828-4D7C-AFD3-893933DAFCB4}" type="slidenum">
               <a:rPr lang="en-US" smtClean="0"/>
+              <a:t>‹#›</a:t>
             </a:fld>
             <a:endParaRPr lang="en-US"/>
           </a:p>
@@ -462,7 +464,7 @@
 </file>
 
 <file path=ppt/slideLayouts/slideLayout1.xml><?xml version="1.0" encoding="utf-8"?>
-<p:sldLayout xmlns:a="http://schemas.openxmlformats.org/drawingml/2006/main" xmlns:r="http://schemas.openxmlformats.org/officeDocument/2006/relationships" xmlns:p="http://schemas.openxmlformats.org/presentationml/2006/main" type="title" preserve="1" showMasterSp="0">
+<p:sldLayout xmlns:a="http://schemas.openxmlformats.org/drawingml/2006/main" xmlns:r="http://schemas.openxmlformats.org/officeDocument/2006/relationships" xmlns:p="http://schemas.openxmlformats.org/presentationml/2006/main" showMasterSp="0" type="title" preserve="1">
   <p:cSld name="Title Slide">
     <p:bg>
       <p:bgPr>
@@ -543,7 +545,6 @@
               <a:rPr lang="en-US" altLang="zh-CN" noProof="0"/>
               <a:t>Click to edit Master title style</a:t>
             </a:r>
-            <a:endParaRPr lang="en-US" altLang="zh-CN" noProof="0"/>
           </a:p>
         </p:txBody>
       </p:sp>
@@ -582,7 +583,6 @@
               <a:rPr lang="en-US" altLang="zh-CN" noProof="0"/>
               <a:t>Click to edit Master subtitle style</a:t>
             </a:r>
-            <a:endParaRPr lang="en-US" altLang="zh-CN" noProof="0"/>
           </a:p>
         </p:txBody>
       </p:sp>
@@ -644,6 +644,7 @@
           <a:p>
             <a:fld id="{63A1C593-65D0-4073-BCC9-577B9352EA97}" type="datetimeFigureOut">
               <a:rPr lang="en-US" smtClean="0"/>
+              <a:t>10/3/2020</a:t>
             </a:fld>
             <a:endParaRPr lang="en-US"/>
           </a:p>
@@ -767,6 +768,7 @@
           <a:p>
             <a:fld id="{9B618960-8005-486C-9A75-10CB2AAC16F9}" type="slidenum">
               <a:rPr lang="en-US" smtClean="0"/>
+              <a:t>‹#›</a:t>
             </a:fld>
             <a:endParaRPr lang="en-US"/>
           </a:p>
@@ -817,7 +819,6 @@
               <a:rPr lang="en-US"/>
               <a:t>Click to edit Master title style</a:t>
             </a:r>
-            <a:endParaRPr lang="en-US"/>
           </a:p>
         </p:txBody>
       </p:sp>
@@ -841,7 +842,6 @@
               <a:rPr lang="en-US"/>
               <a:t>Click to edit Master text styles</a:t>
             </a:r>
-            <a:endParaRPr lang="en-US"/>
           </a:p>
           <a:p>
             <a:pPr lvl="1"/>
@@ -849,7 +849,6 @@
               <a:rPr lang="en-US"/>
               <a:t>Second level</a:t>
             </a:r>
-            <a:endParaRPr lang="en-US"/>
           </a:p>
           <a:p>
             <a:pPr lvl="2"/>
@@ -857,7 +856,6 @@
               <a:rPr lang="en-US"/>
               <a:t>Third level</a:t>
             </a:r>
-            <a:endParaRPr lang="en-US"/>
           </a:p>
           <a:p>
             <a:pPr lvl="3"/>
@@ -865,7 +863,6 @@
               <a:rPr lang="en-US"/>
               <a:t>Fourth level</a:t>
             </a:r>
-            <a:endParaRPr lang="en-US"/>
           </a:p>
           <a:p>
             <a:pPr lvl="4"/>
@@ -873,7 +870,6 @@
               <a:rPr lang="en-US"/>
               <a:t>Fifth level</a:t>
             </a:r>
-            <a:endParaRPr lang="en-US"/>
           </a:p>
         </p:txBody>
       </p:sp>
@@ -894,6 +890,7 @@
           <a:p>
             <a:fld id="{63A1C593-65D0-4073-BCC9-577B9352EA97}" type="datetimeFigureOut">
               <a:rPr lang="en-US" smtClean="0"/>
+              <a:t>10/3/2020</a:t>
             </a:fld>
             <a:endParaRPr lang="en-US"/>
           </a:p>
@@ -935,6 +932,7 @@
           <a:p>
             <a:fld id="{9B618960-8005-486C-9A75-10CB2AAC16F9}" type="slidenum">
               <a:rPr lang="en-US" smtClean="0"/>
+              <a:t>‹#›</a:t>
             </a:fld>
             <a:endParaRPr lang="en-US"/>
           </a:p>
@@ -990,7 +988,6 @@
               <a:rPr lang="en-US"/>
               <a:t>Click to edit Master title style</a:t>
             </a:r>
-            <a:endParaRPr lang="en-US"/>
           </a:p>
         </p:txBody>
       </p:sp>
@@ -1019,7 +1016,6 @@
               <a:rPr lang="en-US"/>
               <a:t>Click to edit Master text styles</a:t>
             </a:r>
-            <a:endParaRPr lang="en-US"/>
           </a:p>
           <a:p>
             <a:pPr lvl="1"/>
@@ -1027,7 +1023,6 @@
               <a:rPr lang="en-US"/>
               <a:t>Second level</a:t>
             </a:r>
-            <a:endParaRPr lang="en-US"/>
           </a:p>
           <a:p>
             <a:pPr lvl="2"/>
@@ -1035,7 +1030,6 @@
               <a:rPr lang="en-US"/>
               <a:t>Third level</a:t>
             </a:r>
-            <a:endParaRPr lang="en-US"/>
           </a:p>
           <a:p>
             <a:pPr lvl="3"/>
@@ -1043,7 +1037,6 @@
               <a:rPr lang="en-US"/>
               <a:t>Fourth level</a:t>
             </a:r>
-            <a:endParaRPr lang="en-US"/>
           </a:p>
           <a:p>
             <a:pPr lvl="4"/>
@@ -1051,7 +1044,6 @@
               <a:rPr lang="en-US"/>
               <a:t>Fifth level</a:t>
             </a:r>
-            <a:endParaRPr lang="en-US"/>
           </a:p>
         </p:txBody>
       </p:sp>
@@ -1072,6 +1064,7 @@
           <a:p>
             <a:fld id="{63A1C593-65D0-4073-BCC9-577B9352EA97}" type="datetimeFigureOut">
               <a:rPr lang="en-US" smtClean="0"/>
+              <a:t>10/3/2020</a:t>
             </a:fld>
             <a:endParaRPr lang="en-US"/>
           </a:p>
@@ -1113,6 +1106,7 @@
           <a:p>
             <a:fld id="{9B618960-8005-486C-9A75-10CB2AAC16F9}" type="slidenum">
               <a:rPr lang="en-US" smtClean="0"/>
+              <a:t>‹#›</a:t>
             </a:fld>
             <a:endParaRPr lang="en-US"/>
           </a:p>
@@ -1163,7 +1157,6 @@
               <a:rPr lang="en-US"/>
               <a:t>Click to edit Master title style</a:t>
             </a:r>
-            <a:endParaRPr lang="en-US"/>
           </a:p>
         </p:txBody>
       </p:sp>
@@ -1187,7 +1180,6 @@
               <a:rPr lang="en-US"/>
               <a:t>Click to edit Master text styles</a:t>
             </a:r>
-            <a:endParaRPr lang="en-US"/>
           </a:p>
           <a:p>
             <a:pPr lvl="1"/>
@@ -1195,7 +1187,6 @@
               <a:rPr lang="en-US"/>
               <a:t>Second level</a:t>
             </a:r>
-            <a:endParaRPr lang="en-US"/>
           </a:p>
           <a:p>
             <a:pPr lvl="2"/>
@@ -1203,7 +1194,6 @@
               <a:rPr lang="en-US"/>
               <a:t>Third level</a:t>
             </a:r>
-            <a:endParaRPr lang="en-US"/>
           </a:p>
           <a:p>
             <a:pPr lvl="3"/>
@@ -1211,7 +1201,6 @@
               <a:rPr lang="en-US"/>
               <a:t>Fourth level</a:t>
             </a:r>
-            <a:endParaRPr lang="en-US"/>
           </a:p>
           <a:p>
             <a:pPr lvl="4"/>
@@ -1219,7 +1208,6 @@
               <a:rPr lang="en-US"/>
               <a:t>Fifth level</a:t>
             </a:r>
-            <a:endParaRPr lang="en-US"/>
           </a:p>
         </p:txBody>
       </p:sp>
@@ -1240,6 +1228,7 @@
           <a:p>
             <a:fld id="{63A1C593-65D0-4073-BCC9-577B9352EA97}" type="datetimeFigureOut">
               <a:rPr lang="en-US" smtClean="0"/>
+              <a:t>10/3/2020</a:t>
             </a:fld>
             <a:endParaRPr lang="en-US"/>
           </a:p>
@@ -1281,6 +1270,7 @@
           <a:p>
             <a:fld id="{9B618960-8005-486C-9A75-10CB2AAC16F9}" type="slidenum">
               <a:rPr lang="en-US" smtClean="0"/>
+              <a:t>‹#›</a:t>
             </a:fld>
             <a:endParaRPr lang="en-US"/>
           </a:p>
@@ -1340,7 +1330,6 @@
               <a:rPr lang="en-US"/>
               <a:t>Click to edit Master title style</a:t>
             </a:r>
-            <a:endParaRPr lang="en-US"/>
           </a:p>
         </p:txBody>
       </p:sp>
@@ -1406,7 +1395,6 @@
               <a:rPr lang="en-US"/>
               <a:t>Click to edit Master text styles</a:t>
             </a:r>
-            <a:endParaRPr lang="en-US"/>
           </a:p>
         </p:txBody>
       </p:sp>
@@ -1427,6 +1415,7 @@
           <a:p>
             <a:fld id="{63A1C593-65D0-4073-BCC9-577B9352EA97}" type="datetimeFigureOut">
               <a:rPr lang="en-US" smtClean="0"/>
+              <a:t>10/3/2020</a:t>
             </a:fld>
             <a:endParaRPr lang="en-US"/>
           </a:p>
@@ -1468,6 +1457,7 @@
           <a:p>
             <a:fld id="{9B618960-8005-486C-9A75-10CB2AAC16F9}" type="slidenum">
               <a:rPr lang="en-US" smtClean="0"/>
+              <a:t>‹#›</a:t>
             </a:fld>
             <a:endParaRPr lang="en-US"/>
           </a:p>
@@ -1518,7 +1508,6 @@
               <a:rPr lang="en-US"/>
               <a:t>Click to edit Master title style</a:t>
             </a:r>
-            <a:endParaRPr lang="en-US"/>
           </a:p>
         </p:txBody>
       </p:sp>
@@ -1547,7 +1536,6 @@
               <a:rPr lang="en-US"/>
               <a:t>Click to edit Master text styles</a:t>
             </a:r>
-            <a:endParaRPr lang="en-US"/>
           </a:p>
           <a:p>
             <a:pPr lvl="1"/>
@@ -1555,7 +1543,6 @@
               <a:rPr lang="en-US"/>
               <a:t>Second level</a:t>
             </a:r>
-            <a:endParaRPr lang="en-US"/>
           </a:p>
           <a:p>
             <a:pPr lvl="2"/>
@@ -1563,7 +1550,6 @@
               <a:rPr lang="en-US"/>
               <a:t>Third level</a:t>
             </a:r>
-            <a:endParaRPr lang="en-US"/>
           </a:p>
           <a:p>
             <a:pPr lvl="3"/>
@@ -1571,7 +1557,6 @@
               <a:rPr lang="en-US"/>
               <a:t>Fourth level</a:t>
             </a:r>
-            <a:endParaRPr lang="en-US"/>
           </a:p>
           <a:p>
             <a:pPr lvl="4"/>
@@ -1579,7 +1564,6 @@
               <a:rPr lang="en-US"/>
               <a:t>Fifth level</a:t>
             </a:r>
-            <a:endParaRPr lang="en-US"/>
           </a:p>
         </p:txBody>
       </p:sp>
@@ -1608,7 +1592,6 @@
               <a:rPr lang="en-US"/>
               <a:t>Click to edit Master text styles</a:t>
             </a:r>
-            <a:endParaRPr lang="en-US"/>
           </a:p>
           <a:p>
             <a:pPr lvl="1"/>
@@ -1616,7 +1599,6 @@
               <a:rPr lang="en-US"/>
               <a:t>Second level</a:t>
             </a:r>
-            <a:endParaRPr lang="en-US"/>
           </a:p>
           <a:p>
             <a:pPr lvl="2"/>
@@ -1624,7 +1606,6 @@
               <a:rPr lang="en-US"/>
               <a:t>Third level</a:t>
             </a:r>
-            <a:endParaRPr lang="en-US"/>
           </a:p>
           <a:p>
             <a:pPr lvl="3"/>
@@ -1632,7 +1613,6 @@
               <a:rPr lang="en-US"/>
               <a:t>Fourth level</a:t>
             </a:r>
-            <a:endParaRPr lang="en-US"/>
           </a:p>
           <a:p>
             <a:pPr lvl="4"/>
@@ -1640,7 +1620,6 @@
               <a:rPr lang="en-US"/>
               <a:t>Fifth level</a:t>
             </a:r>
-            <a:endParaRPr lang="en-US"/>
           </a:p>
         </p:txBody>
       </p:sp>
@@ -1661,6 +1640,7 @@
           <a:p>
             <a:fld id="{63A1C593-65D0-4073-BCC9-577B9352EA97}" type="datetimeFigureOut">
               <a:rPr lang="en-US" smtClean="0"/>
+              <a:t>10/3/2020</a:t>
             </a:fld>
             <a:endParaRPr lang="en-US"/>
           </a:p>
@@ -1702,6 +1682,7 @@
           <a:p>
             <a:fld id="{9B618960-8005-486C-9A75-10CB2AAC16F9}" type="slidenum">
               <a:rPr lang="en-US" smtClean="0"/>
+              <a:t>‹#›</a:t>
             </a:fld>
             <a:endParaRPr lang="en-US"/>
           </a:p>
@@ -1757,7 +1738,6 @@
               <a:rPr lang="en-US"/>
               <a:t>Click to edit Master title style</a:t>
             </a:r>
-            <a:endParaRPr lang="en-US"/>
           </a:p>
         </p:txBody>
       </p:sp>
@@ -1823,7 +1803,6 @@
               <a:rPr lang="en-US"/>
               <a:t>Click to edit Master text styles</a:t>
             </a:r>
-            <a:endParaRPr lang="en-US"/>
           </a:p>
         </p:txBody>
       </p:sp>
@@ -1852,7 +1831,6 @@
               <a:rPr lang="en-US"/>
               <a:t>Click to edit Master text styles</a:t>
             </a:r>
-            <a:endParaRPr lang="en-US"/>
           </a:p>
           <a:p>
             <a:pPr lvl="1"/>
@@ -1860,7 +1838,6 @@
               <a:rPr lang="en-US"/>
               <a:t>Second level</a:t>
             </a:r>
-            <a:endParaRPr lang="en-US"/>
           </a:p>
           <a:p>
             <a:pPr lvl="2"/>
@@ -1868,7 +1845,6 @@
               <a:rPr lang="en-US"/>
               <a:t>Third level</a:t>
             </a:r>
-            <a:endParaRPr lang="en-US"/>
           </a:p>
           <a:p>
             <a:pPr lvl="3"/>
@@ -1876,7 +1852,6 @@
               <a:rPr lang="en-US"/>
               <a:t>Fourth level</a:t>
             </a:r>
-            <a:endParaRPr lang="en-US"/>
           </a:p>
           <a:p>
             <a:pPr lvl="4"/>
@@ -1884,7 +1859,6 @@
               <a:rPr lang="en-US"/>
               <a:t>Fifth level</a:t>
             </a:r>
-            <a:endParaRPr lang="en-US"/>
           </a:p>
         </p:txBody>
       </p:sp>
@@ -1950,7 +1924,6 @@
               <a:rPr lang="en-US"/>
               <a:t>Click to edit Master text styles</a:t>
             </a:r>
-            <a:endParaRPr lang="en-US"/>
           </a:p>
         </p:txBody>
       </p:sp>
@@ -1979,7 +1952,6 @@
               <a:rPr lang="en-US"/>
               <a:t>Click to edit Master text styles</a:t>
             </a:r>
-            <a:endParaRPr lang="en-US"/>
           </a:p>
           <a:p>
             <a:pPr lvl="1"/>
@@ -1987,7 +1959,6 @@
               <a:rPr lang="en-US"/>
               <a:t>Second level</a:t>
             </a:r>
-            <a:endParaRPr lang="en-US"/>
           </a:p>
           <a:p>
             <a:pPr lvl="2"/>
@@ -1995,7 +1966,6 @@
               <a:rPr lang="en-US"/>
               <a:t>Third level</a:t>
             </a:r>
-            <a:endParaRPr lang="en-US"/>
           </a:p>
           <a:p>
             <a:pPr lvl="3"/>
@@ -2003,7 +1973,6 @@
               <a:rPr lang="en-US"/>
               <a:t>Fourth level</a:t>
             </a:r>
-            <a:endParaRPr lang="en-US"/>
           </a:p>
           <a:p>
             <a:pPr lvl="4"/>
@@ -2011,7 +1980,6 @@
               <a:rPr lang="en-US"/>
               <a:t>Fifth level</a:t>
             </a:r>
-            <a:endParaRPr lang="en-US"/>
           </a:p>
         </p:txBody>
       </p:sp>
@@ -2032,6 +2000,7 @@
           <a:p>
             <a:fld id="{63A1C593-65D0-4073-BCC9-577B9352EA97}" type="datetimeFigureOut">
               <a:rPr lang="en-US" smtClean="0"/>
+              <a:t>10/3/2020</a:t>
             </a:fld>
             <a:endParaRPr lang="en-US"/>
           </a:p>
@@ -2073,6 +2042,7 @@
           <a:p>
             <a:fld id="{9B618960-8005-486C-9A75-10CB2AAC16F9}" type="slidenum">
               <a:rPr lang="en-US" smtClean="0"/>
+              <a:t>‹#›</a:t>
             </a:fld>
             <a:endParaRPr lang="en-US"/>
           </a:p>
@@ -2123,7 +2093,6 @@
               <a:rPr lang="en-US"/>
               <a:t>Click to edit Master title style</a:t>
             </a:r>
-            <a:endParaRPr lang="en-US"/>
           </a:p>
         </p:txBody>
       </p:sp>
@@ -2144,6 +2113,7 @@
           <a:p>
             <a:fld id="{63A1C593-65D0-4073-BCC9-577B9352EA97}" type="datetimeFigureOut">
               <a:rPr lang="en-US" smtClean="0"/>
+              <a:t>10/3/2020</a:t>
             </a:fld>
             <a:endParaRPr lang="en-US"/>
           </a:p>
@@ -2185,6 +2155,7 @@
           <a:p>
             <a:fld id="{9B618960-8005-486C-9A75-10CB2AAC16F9}" type="slidenum">
               <a:rPr lang="en-US" smtClean="0"/>
+              <a:t>‹#›</a:t>
             </a:fld>
             <a:endParaRPr lang="en-US"/>
           </a:p>
@@ -2233,6 +2204,7 @@
           <a:p>
             <a:fld id="{63A1C593-65D0-4073-BCC9-577B9352EA97}" type="datetimeFigureOut">
               <a:rPr lang="en-US" smtClean="0"/>
+              <a:t>10/3/2020</a:t>
             </a:fld>
             <a:endParaRPr lang="en-US"/>
           </a:p>
@@ -2274,6 +2246,7 @@
           <a:p>
             <a:fld id="{9B618960-8005-486C-9A75-10CB2AAC16F9}" type="slidenum">
               <a:rPr lang="en-US" smtClean="0"/>
+              <a:t>‹#›</a:t>
             </a:fld>
             <a:endParaRPr lang="en-US"/>
           </a:p>
@@ -2333,7 +2306,6 @@
               <a:rPr lang="en-US"/>
               <a:t>Click to edit Master title style</a:t>
             </a:r>
-            <a:endParaRPr lang="en-US"/>
           </a:p>
         </p:txBody>
       </p:sp>
@@ -2390,7 +2362,6 @@
               <a:rPr lang="en-US"/>
               <a:t>Click to edit Master text styles</a:t>
             </a:r>
-            <a:endParaRPr lang="en-US"/>
           </a:p>
           <a:p>
             <a:pPr lvl="1"/>
@@ -2398,7 +2369,6 @@
               <a:rPr lang="en-US"/>
               <a:t>Second level</a:t>
             </a:r>
-            <a:endParaRPr lang="en-US"/>
           </a:p>
           <a:p>
             <a:pPr lvl="2"/>
@@ -2406,7 +2376,6 @@
               <a:rPr lang="en-US"/>
               <a:t>Third level</a:t>
             </a:r>
-            <a:endParaRPr lang="en-US"/>
           </a:p>
           <a:p>
             <a:pPr lvl="3"/>
@@ -2414,7 +2383,6 @@
               <a:rPr lang="en-US"/>
               <a:t>Fourth level</a:t>
             </a:r>
-            <a:endParaRPr lang="en-US"/>
           </a:p>
           <a:p>
             <a:pPr lvl="4"/>
@@ -2422,7 +2390,6 @@
               <a:rPr lang="en-US"/>
               <a:t>Fifth level</a:t>
             </a:r>
-            <a:endParaRPr lang="en-US"/>
           </a:p>
         </p:txBody>
       </p:sp>
@@ -2488,7 +2455,6 @@
               <a:rPr lang="en-US"/>
               <a:t>Click to edit Master text styles</a:t>
             </a:r>
-            <a:endParaRPr lang="en-US"/>
           </a:p>
         </p:txBody>
       </p:sp>
@@ -2509,6 +2475,7 @@
           <a:p>
             <a:fld id="{63A1C593-65D0-4073-BCC9-577B9352EA97}" type="datetimeFigureOut">
               <a:rPr lang="en-US" smtClean="0"/>
+              <a:t>10/3/2020</a:t>
             </a:fld>
             <a:endParaRPr lang="en-US"/>
           </a:p>
@@ -2550,6 +2517,7 @@
           <a:p>
             <a:fld id="{9B618960-8005-486C-9A75-10CB2AAC16F9}" type="slidenum">
               <a:rPr lang="en-US" smtClean="0"/>
+              <a:t>‹#›</a:t>
             </a:fld>
             <a:endParaRPr lang="en-US"/>
           </a:p>
@@ -2609,7 +2577,6 @@
               <a:rPr lang="en-US"/>
               <a:t>Click to edit Master title style</a:t>
             </a:r>
-            <a:endParaRPr lang="en-US"/>
           </a:p>
         </p:txBody>
       </p:sp>
@@ -2765,7 +2732,6 @@
               <a:rPr lang="en-US"/>
               <a:t>Click to edit Master text styles</a:t>
             </a:r>
-            <a:endParaRPr lang="en-US"/>
           </a:p>
         </p:txBody>
       </p:sp>
@@ -2786,6 +2752,7 @@
           <a:p>
             <a:fld id="{63A1C593-65D0-4073-BCC9-577B9352EA97}" type="datetimeFigureOut">
               <a:rPr lang="en-US" smtClean="0"/>
+              <a:t>10/3/2020</a:t>
             </a:fld>
             <a:endParaRPr lang="en-US"/>
           </a:p>
@@ -2827,6 +2794,7 @@
           <a:p>
             <a:fld id="{9B618960-8005-486C-9A75-10CB2AAC16F9}" type="slidenum">
               <a:rPr lang="en-US" smtClean="0"/>
+              <a:t>‹#›</a:t>
             </a:fld>
             <a:endParaRPr lang="en-US"/>
           </a:p>
@@ -2875,7 +2843,7 @@
           <p:nvPr/>
         </p:nvPicPr>
         <p:blipFill>
-          <a:blip r:embed="rId12"/>
+          <a:blip r:embed="rId13"/>
           <a:stretch>
             <a:fillRect/>
           </a:stretch>
@@ -2926,7 +2894,6 @@
               <a:rPr lang="en-US" altLang="zh-CN" dirty="0"/>
               <a:t>Click to edit Master title style</a:t>
             </a:r>
-            <a:endParaRPr lang="en-US" altLang="zh-CN" dirty="0"/>
           </a:p>
         </p:txBody>
       </p:sp>
@@ -2962,7 +2929,6 @@
               <a:rPr lang="en-US" altLang="zh-CN" dirty="0"/>
               <a:t>Click to edit Master text styles</a:t>
             </a:r>
-            <a:endParaRPr lang="en-US" altLang="zh-CN" dirty="0"/>
           </a:p>
           <a:p>
             <a:pPr lvl="1"/>
@@ -2970,7 +2936,6 @@
               <a:rPr lang="en-US" altLang="zh-CN" dirty="0"/>
               <a:t>Second level</a:t>
             </a:r>
-            <a:endParaRPr lang="en-US" altLang="zh-CN" dirty="0"/>
           </a:p>
           <a:p>
             <a:pPr lvl="2"/>
@@ -2978,7 +2943,6 @@
               <a:rPr lang="en-US" altLang="zh-CN" dirty="0"/>
               <a:t>Third level</a:t>
             </a:r>
-            <a:endParaRPr lang="en-US" altLang="zh-CN" dirty="0"/>
           </a:p>
           <a:p>
             <a:pPr lvl="3"/>
@@ -2986,7 +2950,6 @@
               <a:rPr lang="en-US" altLang="zh-CN" dirty="0"/>
               <a:t>Fourth level</a:t>
             </a:r>
-            <a:endParaRPr lang="en-US" altLang="zh-CN" dirty="0"/>
           </a:p>
           <a:p>
             <a:pPr lvl="4"/>
@@ -2994,7 +2957,6 @@
               <a:rPr lang="en-US" altLang="zh-CN" dirty="0"/>
               <a:t>Fifth level</a:t>
             </a:r>
-            <a:endParaRPr lang="en-US" altLang="zh-CN" dirty="0"/>
           </a:p>
         </p:txBody>
       </p:sp>
@@ -3060,6 +3022,7 @@
           <a:p>
             <a:fld id="{63A1C593-65D0-4073-BCC9-577B9352EA97}" type="datetimeFigureOut">
               <a:rPr lang="en-US" smtClean="0"/>
+              <a:t>10/3/2020</a:t>
             </a:fld>
             <a:endParaRPr lang="en-US"/>
           </a:p>
@@ -3191,6 +3154,7 @@
           <a:p>
             <a:fld id="{9B618960-8005-486C-9A75-10CB2AAC16F9}" type="slidenum">
               <a:rPr lang="en-US" smtClean="0"/>
+              <a:t>‹#›</a:t>
             </a:fld>
             <a:endParaRPr lang="en-US"/>
           </a:p>
@@ -3646,7 +3610,6 @@
               <a:rPr lang="en-US" dirty="0"/>
               <a:t>IDEAS FOR PROBLEM STATEMENT</a:t>
             </a:r>
-            <a:endParaRPr lang="en-US" dirty="0"/>
           </a:p>
         </p:txBody>
       </p:sp>
@@ -3702,7 +3665,6 @@
               <a:rPr lang="en-US" sz="2000" b="1" dirty="0"/>
               <a:t> Autocomplete Feature</a:t>
             </a:r>
-            <a:endParaRPr lang="en-US" sz="2000" b="1" dirty="0"/>
           </a:p>
           <a:p>
             <a:pPr marL="457200" lvl="1" indent="0">
@@ -3714,9 +3676,6 @@
               </a:rPr>
               <a:t>   Incomplete terms entered by the user are compared to a dictionary to suggest possible options of words</a:t>
             </a:r>
-            <a:endParaRPr lang="en-US" sz="1090" dirty="0">
-              <a:sym typeface="+mn-ea"/>
-            </a:endParaRPr>
           </a:p>
           <a:p>
             <a:pPr marL="914400" lvl="2" indent="0">
@@ -3744,19 +3703,6 @@
               </a:rPr>
               <a:t>https://www.upgrad.com/blog/natural-language-processing-nlp-projects-ideas-topics-for-beginners/</a:t>
             </a:r>
-            <a:endParaRPr lang="en-US" sz="1050" b="1" dirty="0">
-              <a:solidFill>
-                <a:schemeClr val="accent1"/>
-              </a:solidFill>
-              <a:effectLst>
-                <a:outerShdw blurRad="38100" dist="25400" dir="5400000" algn="ctr" rotWithShape="0">
-                  <a:srgbClr val="6E747A">
-                    <a:alpha val="43000"/>
-                  </a:srgbClr>
-                </a:outerShdw>
-              </a:effectLst>
-              <a:sym typeface="+mn-ea"/>
-            </a:endParaRPr>
           </a:p>
           <a:p>
             <a:pPr marL="457200" indent="-457200">
@@ -3766,7 +3712,6 @@
               <a:rPr lang="en-US" sz="1750" b="1" dirty="0"/>
               <a:t> Music Genre Classification with Deep Learning</a:t>
             </a:r>
-            <a:endParaRPr lang="en-US" sz="1750" b="1" dirty="0"/>
           </a:p>
           <a:p>
             <a:pPr marL="0" indent="0">
@@ -3784,7 +3729,6 @@
               <a:rPr lang="en-US" sz="1200" dirty="0"/>
               <a:t> of music frames and analyzes the image using a Convolutional </a:t>
             </a:r>
-            <a:endParaRPr lang="en-US" sz="1200" dirty="0"/>
           </a:p>
           <a:p>
             <a:pPr marL="0" indent="0">
@@ -3794,7 +3738,6 @@
               <a:rPr lang="en-US" sz="1200" dirty="0"/>
               <a:t>             Neural Network (CNN) plus a Recurrent Neural Network (RNN). </a:t>
             </a:r>
-            <a:endParaRPr lang="en-US" sz="1200" dirty="0"/>
           </a:p>
           <a:p>
             <a:pPr marL="0" indent="0">
@@ -3815,18 +3758,6 @@
               </a:rPr>
               <a:t>		https://github.com/jsalbert/Music-Genre-Classification-with-Deep-Learning</a:t>
             </a:r>
-            <a:endParaRPr lang="en-US" sz="1200" dirty="0">
-              <a:solidFill>
-                <a:schemeClr val="accent1"/>
-              </a:solidFill>
-              <a:effectLst>
-                <a:outerShdw blurRad="38100" dist="25400" dir="5400000" algn="ctr" rotWithShape="0">
-                  <a:srgbClr val="6E747A">
-                    <a:alpha val="43000"/>
-                  </a:srgbClr>
-                </a:outerShdw>
-              </a:effectLst>
-            </a:endParaRPr>
           </a:p>
           <a:p>
             <a:pPr marL="0" indent="0">
@@ -3836,7 +3767,6 @@
               <a:rPr lang="en-US" sz="1800" b="1" dirty="0"/>
               <a:t>3.      Richter's Predictor: Modeling Earthquake Damage</a:t>
             </a:r>
-            <a:endParaRPr lang="en-US" sz="1800" b="1" dirty="0"/>
           </a:p>
           <a:p>
             <a:pPr marL="0" indent="0">
@@ -3846,7 +3776,6 @@
               <a:rPr lang="en-US" sz="1200" dirty="0"/>
               <a:t>              Based on aspects of building location and construction, your goal is to predict the level of damage to buildings </a:t>
             </a:r>
-            <a:endParaRPr lang="en-US" sz="1200" dirty="0"/>
           </a:p>
           <a:p>
             <a:pPr marL="0" indent="0">
@@ -3856,7 +3785,6 @@
               <a:rPr lang="en-US" sz="1200" dirty="0"/>
               <a:t>              caused by the 2015 Gorkha earthquake in Nepal.</a:t>
             </a:r>
-            <a:endParaRPr lang="en-US" sz="1200" dirty="0"/>
           </a:p>
           <a:p>
             <a:pPr marL="0" indent="0">
@@ -3881,18 +3809,6 @@
               </a:rPr>
               <a:t>https://www.drivendata.org/competitions/57/nepal-earthquake/page/134/</a:t>
             </a:r>
-            <a:endParaRPr lang="en-US" sz="1200" dirty="0">
-              <a:solidFill>
-                <a:schemeClr val="accent1"/>
-              </a:solidFill>
-              <a:effectLst>
-                <a:outerShdw blurRad="38100" dist="25400" dir="5400000" algn="ctr" rotWithShape="0">
-                  <a:srgbClr val="6E747A">
-                    <a:alpha val="43000"/>
-                  </a:srgbClr>
-                </a:outerShdw>
-              </a:effectLst>
-            </a:endParaRPr>
           </a:p>
           <a:p>
             <a:pPr marL="0" indent="0">
@@ -4031,18 +3947,6 @@
               </a:rPr>
               <a:t>https://research.google.com/youtube8m/</a:t>
             </a:r>
-            <a:endParaRPr lang="en-US" sz="1200" dirty="0">
-              <a:solidFill>
-                <a:schemeClr val="accent1"/>
-              </a:solidFill>
-              <a:effectLst>
-                <a:outerShdw blurRad="38100" dist="25400" dir="5400000" algn="ctr" rotWithShape="0">
-                  <a:srgbClr val="6E747A">
-                    <a:alpha val="43000"/>
-                  </a:srgbClr>
-                </a:outerShdw>
-              </a:effectLst>
-            </a:endParaRPr>
           </a:p>
         </p:txBody>
       </p:sp>
@@ -4070,7 +3974,6 @@
               <a:rPr lang="en-US" b="1"/>
               <a:t>Varun Bohara</a:t>
             </a:r>
-            <a:endParaRPr lang="en-US" b="1"/>
           </a:p>
         </p:txBody>
       </p:sp>
@@ -4128,14 +4031,9 @@
               <a:buNone/>
             </a:pPr>
             <a:r>
-              <a:rPr lang="en-IN" sz="2000" dirty="0"/>
-              <a:t>         </a:t>
-            </a:r>
-            <a:r>
-              <a:rPr lang="en-IN" sz="1400" dirty="0"/>
-              <a:t>Sentence based description of the image will be given as an output.</a:t>
-            </a:r>
-            <a:endParaRPr lang="en-IN" sz="1400" dirty="0"/>
+              <a:rPr lang="en-IN" sz="1800" dirty="0"/>
+              <a:t>         Sentence based description of the image will be given as an output.</a:t>
+            </a:r>
           </a:p>
           <a:p>
             <a:pPr marL="0" indent="0">
@@ -4146,12 +4044,12 @@
               <a:t>	</a:t>
             </a:r>
             <a:r>
-              <a:rPr lang="en-IN" sz="1400" b="1" dirty="0">
-                <a:hlinkClick r:id="rId1"/>
+              <a:rPr lang="en-IN" sz="1600" b="1" dirty="0">
+                <a:hlinkClick r:id="rId2"/>
               </a:rPr>
               <a:t>https://www.kaggle.com/hsankesara/flickr-image-dataset</a:t>
             </a:r>
-            <a:endParaRPr lang="en-IN" sz="1400" b="1" dirty="0"/>
+            <a:endParaRPr lang="en-IN" sz="1600" b="1" dirty="0"/>
           </a:p>
           <a:p>
             <a:pPr marL="0" indent="0">
@@ -4173,6 +4071,11 @@
               <a:rPr lang="en-IN" sz="1400" b="1" dirty="0"/>
               <a:t> </a:t>
             </a:r>
+          </a:p>
+          <a:p>
+            <a:pPr marL="0" indent="0">
+              <a:buNone/>
+            </a:pPr>
             <a:r>
               <a:rPr lang="en-IN" sz="1800" b="1" dirty="0"/>
               <a:t>2.</a:t>
@@ -4185,7 +4088,6 @@
               <a:rPr lang="en-IN" sz="1800" b="1" dirty="0"/>
               <a:t>Predict Github Issues </a:t>
             </a:r>
-            <a:endParaRPr lang="en-IN" sz="1800" b="1" dirty="0"/>
           </a:p>
           <a:p>
             <a:pPr marL="457200" lvl="1" indent="0">
@@ -4195,22 +4097,21 @@
               <a:rPr lang="en-IN" sz="1000" b="1" dirty="0"/>
               <a:t>            </a:t>
             </a:r>
-            <a:endParaRPr lang="en-IN" sz="1000" b="1" dirty="0"/>
           </a:p>
           <a:p>
             <a:pPr marL="457200" lvl="1" indent="0">
               <a:buNone/>
             </a:pPr>
             <a:r>
-              <a:rPr lang="en-US" sz="1400" dirty="0">
+              <a:rPr lang="en-US" sz="1800" dirty="0">
                 <a:solidFill>
                   <a:srgbClr val="3C4858"/>
                 </a:solidFill>
               </a:rPr>
-              <a:t>     T</a:t>
-            </a:r>
-            <a:r>
-              <a:rPr lang="en-US" sz="1400" i="0" dirty="0">
+              <a:t>T</a:t>
+            </a:r>
+            <a:r>
+              <a:rPr lang="en-US" sz="1800" i="0" dirty="0">
                 <a:solidFill>
                   <a:srgbClr val="3C4858"/>
                 </a:solidFill>
@@ -4219,24 +4120,15 @@
               <a:t>o</a:t>
             </a:r>
             <a:r>
-              <a:rPr lang="en-US" sz="1400" b="0" i="0" dirty="0">
+              <a:rPr lang="en-US" sz="1800" b="0" i="0" dirty="0">
                 <a:solidFill>
                   <a:srgbClr val="3C4858"/>
                 </a:solidFill>
                 <a:effectLst/>
               </a:rPr>
-              <a:t> come up with an algorithm that can predict the bugs, features, and questions based on GitHub titles and the text body</a:t>
-            </a:r>
-            <a:r>
-              <a:rPr lang="en-US" sz="800" b="0" i="0" dirty="0">
-                <a:solidFill>
-                  <a:srgbClr val="3C4858"/>
-                </a:solidFill>
-                <a:effectLst/>
-              </a:rPr>
-              <a:t>. </a:t>
-            </a:r>
-            <a:endParaRPr lang="en-IN" sz="1000" b="1" dirty="0"/>
+              <a:t> come up with an algorithm that can predict the bugs, features, and questions based on GitHub titles and the text body. </a:t>
+            </a:r>
+            <a:endParaRPr lang="en-IN" sz="1800" b="1" dirty="0"/>
           </a:p>
           <a:p>
             <a:pPr marL="457200" lvl="1" indent="0">
@@ -4246,7 +4138,6 @@
               <a:rPr lang="en-IN" sz="1000" b="1" dirty="0"/>
               <a:t>	</a:t>
             </a:r>
-            <a:endParaRPr lang="en-IN" sz="1000" b="1" dirty="0"/>
           </a:p>
           <a:p>
             <a:pPr marL="457200" lvl="1" indent="0">
@@ -4258,7 +4149,7 @@
             </a:r>
             <a:r>
               <a:rPr lang="en-IN" sz="1400" b="1" dirty="0">
-                <a:hlinkClick r:id="rId2"/>
+                <a:hlinkClick r:id="rId3"/>
               </a:rPr>
               <a:t>https://www.machinehack.com/hackathons/predict_github_issues_embold_sponsored_hackathon/overview</a:t>
             </a:r>
@@ -4292,12 +4183,12 @@
           <a:bodyPr wrap="square" rtlCol="0">
             <a:spAutoFit/>
           </a:bodyPr>
+          <a:lstStyle/>
           <a:p>
             <a:r>
               <a:rPr lang="en-IN" altLang="en-US" sz="1600" b="1"/>
               <a:t>Abhishek Rao</a:t>
             </a:r>
-            <a:endParaRPr lang="en-IN" altLang="en-US" sz="1600" b="1"/>
           </a:p>
         </p:txBody>
       </p:sp>
@@ -4318,7 +4209,14 @@
         <p:cNvGrpSpPr/>
         <p:nvPr/>
       </p:nvGrpSpPr>
-      <p:grpSpPr/>
+      <p:grpSpPr>
+        <a:xfrm>
+          <a:off x="0" y="0"/>
+          <a:ext cx="0" cy="0"/>
+          <a:chOff x="0" y="0"/>
+          <a:chExt cx="0" cy="0"/>
+        </a:xfrm>
+      </p:grpSpPr>
       <p:sp>
         <p:nvSpPr>
           <p:cNvPr id="2" name="Title 1"/>
@@ -4332,6 +4230,7 @@
         <p:spPr/>
         <p:txBody>
           <a:bodyPr/>
+          <a:lstStyle/>
           <a:p>
             <a:endParaRPr lang="en-US"/>
           </a:p>
@@ -4350,6 +4249,7 @@
         <p:spPr/>
         <p:txBody>
           <a:bodyPr/>
+          <a:lstStyle/>
           <a:p>
             <a:endParaRPr lang="en-US"/>
           </a:p>
@@ -4372,7 +4272,14 @@
         <p:cNvGrpSpPr/>
         <p:nvPr/>
       </p:nvGrpSpPr>
-      <p:grpSpPr/>
+      <p:grpSpPr>
+        <a:xfrm>
+          <a:off x="0" y="0"/>
+          <a:ext cx="0" cy="0"/>
+          <a:chOff x="0" y="0"/>
+          <a:chExt cx="0" cy="0"/>
+        </a:xfrm>
+      </p:grpSpPr>
       <p:sp>
         <p:nvSpPr>
           <p:cNvPr id="2" name="Title 1"/>
@@ -4386,12 +4293,12 @@
         <p:spPr/>
         <p:txBody>
           <a:bodyPr/>
+          <a:lstStyle/>
           <a:p>
             <a:r>
               <a:rPr lang="en-IN" altLang="en-US" sz="500"/>
               <a:t>.</a:t>
             </a:r>
-            <a:endParaRPr lang="en-IN" altLang="en-US" sz="500"/>
           </a:p>
         </p:txBody>
       </p:sp>
@@ -4408,20 +4315,18 @@
         <p:spPr/>
         <p:txBody>
           <a:bodyPr/>
+          <a:lstStyle/>
           <a:p>
             <a:pPr marL="514350" indent="-514350">
               <a:buFont typeface="+mj-lt"/>
               <a:buAutoNum type="arabicPeriod"/>
             </a:pPr>
             <a:r>
-              <a:rPr lang="en-US" sz="2000" b="1">
+              <a:rPr lang="en-US" sz="2000" b="1" dirty="0">
                 <a:cs typeface="+mn-lt"/>
               </a:rPr>
               <a:t>Judging COVID-19 Infection through Symptoms </a:t>
             </a:r>
-            <a:endParaRPr lang="en-US" sz="2000" b="1">
-              <a:cs typeface="+mn-lt"/>
-            </a:endParaRPr>
           </a:p>
           <a:p>
             <a:pPr marL="0" indent="0">
@@ -4429,18 +4334,30 @@
               <a:buNone/>
             </a:pPr>
             <a:r>
-              <a:rPr lang="en-US" sz="2000">
+              <a:rPr lang="en-US" sz="2000" dirty="0">
                 <a:sym typeface="+mn-ea"/>
               </a:rPr>
               <a:t>             </a:t>
             </a:r>
             <a:r>
-              <a:rPr lang="en-IN" altLang="en-US" sz="1800">
+              <a:rPr lang="en-IN" altLang="en-US" sz="1800" dirty="0">
                 <a:sym typeface="+mn-ea"/>
               </a:rPr>
-              <a:t>Determine whether or not the symptoms are actually indicating the person has covid or           	common  cold or flu.</a:t>
-            </a:r>
-            <a:endParaRPr lang="en-IN" altLang="en-US" sz="2000"/>
+              <a:t>Determine whether or not the symptoms are actually indicating the person has </a:t>
+            </a:r>
+            <a:r>
+              <a:rPr lang="en-IN" altLang="en-US" sz="1800" dirty="0" err="1">
+                <a:sym typeface="+mn-ea"/>
+              </a:rPr>
+              <a:t>covid</a:t>
+            </a:r>
+            <a:r>
+              <a:rPr lang="en-IN" altLang="en-US" sz="1800" dirty="0">
+                <a:sym typeface="+mn-ea"/>
+              </a:rPr>
+              <a:t> or           	common  cold or flu.</a:t>
+            </a:r>
+            <a:endParaRPr lang="en-IN" altLang="en-US" sz="2000" dirty="0"/>
           </a:p>
           <a:p>
             <a:pPr marL="0" indent="0">
@@ -4448,13 +4365,13 @@
               <a:buNone/>
             </a:pPr>
             <a:r>
-              <a:rPr lang="en-IN" altLang="en-US" sz="2000">
+              <a:rPr lang="en-IN" altLang="en-US" sz="2000" dirty="0">
                 <a:sym typeface="+mn-ea"/>
               </a:rPr>
               <a:t>	 </a:t>
             </a:r>
             <a:r>
-              <a:rPr lang="en-IN" altLang="en-US" sz="1600">
+              <a:rPr lang="en-IN" altLang="en-US" sz="1600" dirty="0">
                 <a:solidFill>
                   <a:schemeClr val="accent1"/>
                 </a:solidFill>
@@ -4462,19 +4379,13 @@
               </a:rPr>
               <a:t>https://medium.com/@tanvirhurra/judging-covid-19-infection-through-symptoms-a-random-forest-based-	 classification-model-  6f67f15da6dd</a:t>
             </a:r>
-            <a:endParaRPr lang="en-IN" altLang="en-US" sz="1600">
-              <a:solidFill>
-                <a:schemeClr val="accent1"/>
-              </a:solidFill>
-              <a:sym typeface="+mn-ea"/>
-            </a:endParaRPr>
           </a:p>
           <a:p>
             <a:pPr marL="0" indent="0">
               <a:buFont typeface="+mj-lt"/>
               <a:buNone/>
             </a:pPr>
-            <a:endParaRPr lang="en-IN" altLang="en-US" sz="1600">
+            <a:endParaRPr lang="en-IN" altLang="en-US" sz="1600" dirty="0">
               <a:solidFill>
                 <a:schemeClr val="accent1"/>
               </a:solidFill>
@@ -4485,7 +4396,7 @@
               <a:buFont typeface="+mj-lt"/>
               <a:buNone/>
             </a:pPr>
-            <a:endParaRPr lang="en-IN" altLang="en-US" sz="1400"/>
+            <a:endParaRPr lang="en-IN" altLang="en-US" sz="1400" dirty="0"/>
           </a:p>
           <a:p>
             <a:pPr marL="514350" indent="-514350">
@@ -4493,14 +4404,11 @@
               <a:buAutoNum type="arabicPeriod"/>
             </a:pPr>
             <a:r>
-              <a:rPr lang="en-US" sz="2000" b="1">
+              <a:rPr lang="en-US" sz="2000" b="1" dirty="0">
                 <a:cs typeface="+mn-lt"/>
               </a:rPr>
               <a:t>Infant Cry Language Analysis and Recognition:</a:t>
             </a:r>
-            <a:endParaRPr lang="en-US" sz="2000" b="1">
-              <a:cs typeface="+mn-lt"/>
-            </a:endParaRPr>
           </a:p>
           <a:p>
             <a:pPr marL="457200" lvl="1" indent="0">
@@ -4508,18 +4416,25 @@
               <a:buNone/>
             </a:pPr>
             <a:r>
-              <a:rPr lang="en-IN" altLang="en-US"/>
+              <a:rPr lang="en-IN" altLang="en-US" dirty="0"/>
               <a:t>   </a:t>
             </a:r>
             <a:r>
-              <a:rPr lang="en-IN" altLang="en-US" sz="2000"/>
+              <a:rPr lang="en-IN" altLang="en-US" sz="2000" dirty="0"/>
               <a:t> </a:t>
             </a:r>
             <a:r>
-              <a:rPr lang="en-IN" altLang="en-US" sz="1800"/>
-              <a:t>Determine the reason for cry of the infants may be hunger,sleepy,pain </a:t>
-            </a:r>
-            <a:endParaRPr lang="en-IN" altLang="en-US" sz="1800"/>
+              <a:rPr lang="en-IN" altLang="en-US" sz="1800" dirty="0"/>
+              <a:t>Determine the reason for cry of the infants may be </a:t>
+            </a:r>
+            <a:r>
+              <a:rPr lang="en-IN" altLang="en-US" sz="1800" dirty="0" err="1"/>
+              <a:t>hunger,sleepy,pain</a:t>
+            </a:r>
+            <a:r>
+              <a:rPr lang="en-IN" altLang="en-US" sz="1800" dirty="0"/>
+              <a:t> </a:t>
+            </a:r>
           </a:p>
           <a:p>
             <a:pPr marL="0" indent="0">
@@ -4527,22 +4442,17 @@
               <a:buNone/>
             </a:pPr>
             <a:r>
-              <a:rPr lang="en-IN" altLang="en-US" sz="2000"/>
+              <a:rPr lang="en-IN" altLang="en-US" sz="2000" dirty="0"/>
               <a:t>	</a:t>
             </a:r>
             <a:r>
-              <a:rPr lang="en-IN" altLang="en-US" sz="1800">
+              <a:rPr lang="en-IN" altLang="en-US" sz="1800" dirty="0">
                 <a:solidFill>
                   <a:schemeClr val="accent1"/>
                 </a:solidFill>
               </a:rPr>
               <a:t>http://www.ieee-jas.org/fileZDHXBEN/journal/article/zdhxbywb/2019/3/PDF/jas-6-3-778.pdf</a:t>
             </a:r>
-            <a:endParaRPr lang="en-IN" altLang="en-US" sz="1800">
-              <a:solidFill>
-                <a:schemeClr val="accent1"/>
-              </a:solidFill>
-            </a:endParaRPr>
           </a:p>
         </p:txBody>
       </p:sp>
@@ -4566,12 +4476,12 @@
           <a:bodyPr wrap="square" rtlCol="0">
             <a:spAutoFit/>
           </a:bodyPr>
+          <a:lstStyle/>
           <a:p>
             <a:r>
               <a:rPr lang="en-IN" altLang="en-US" sz="1600" b="1"/>
               <a:t>Madhurika Ganiger</a:t>
             </a:r>
-            <a:endParaRPr lang="en-IN" altLang="en-US" sz="1600" b="1"/>
           </a:p>
         </p:txBody>
       </p:sp>
@@ -5700,6 +5610,8 @@
       </a:bgFillStyleLst>
     </a:fmtScheme>
   </a:themeElements>
+  <a:objectDefaults/>
+  <a:extraClrSchemeLst/>
   <a:extLst>
     <a:ext uri="{05A4C25C-085E-4340-85A3-A5531E510DB2}">
       <thm15:themeFamily xmlns:thm15="http://schemas.microsoft.com/office/thememl/2012/main" name="Office Theme" id="{62F939B6-93AF-4DB8-9C6B-D6C7DFDC589F}" vid="{4A3C46E8-61CC-4603-A589-7422A47A8E4A}"/>

--- a/IDEAS FOR PROBLEM STATEMENT.2.pptx
+++ b/IDEAS FOR PROBLEM STATEMENT.2.pptx
@@ -5,14 +5,14 @@
     <p:sldMasterId id="2147483648" r:id="rId1"/>
   </p:sldMasterIdLst>
   <p:notesMasterIdLst>
-    <p:notesMasterId r:id="rId8"/>
+    <p:notesMasterId r:id="rId7"/>
   </p:notesMasterIdLst>
   <p:sldIdLst>
-    <p:sldId id="256" r:id="rId3"/>
-    <p:sldId id="257" r:id="rId4"/>
-    <p:sldId id="258" r:id="rId5"/>
-    <p:sldId id="260" r:id="rId6"/>
-    <p:sldId id="259" r:id="rId7"/>
+    <p:sldId id="256" r:id="rId2"/>
+    <p:sldId id="257" r:id="rId3"/>
+    <p:sldId id="258" r:id="rId4"/>
+    <p:sldId id="260" r:id="rId5"/>
+    <p:sldId id="259" r:id="rId6"/>
   </p:sldIdLst>
   <p:sldSz cx="12192000" cy="6858000"/>
   <p:notesSz cx="6858000" cy="9144000"/>
@@ -196,6 +196,8 @@
           <a:p>
             <a:fld id="{3EFD42F7-718C-4B98-AAEC-167E6DDD60A7}" type="datetimeFigureOut">
               <a:rPr lang="en-US" smtClean="0"/>
+              <a:pPr/>
+              <a:t>10/3/2020</a:t>
             </a:fld>
             <a:endParaRPr lang="en-US"/>
           </a:p>
@@ -262,7 +264,6 @@
               <a:rPr lang="en-US"/>
               <a:t>Click to edit Master text styles</a:t>
             </a:r>
-            <a:endParaRPr lang="en-US"/>
           </a:p>
           <a:p>
             <a:pPr lvl="1"/>
@@ -270,7 +271,6 @@
               <a:rPr lang="en-US"/>
               <a:t>Second level</a:t>
             </a:r>
-            <a:endParaRPr lang="en-US"/>
           </a:p>
           <a:p>
             <a:pPr lvl="2"/>
@@ -278,7 +278,6 @@
               <a:rPr lang="en-US"/>
               <a:t>Third level</a:t>
             </a:r>
-            <a:endParaRPr lang="en-US"/>
           </a:p>
           <a:p>
             <a:pPr lvl="3"/>
@@ -286,7 +285,6 @@
               <a:rPr lang="en-US"/>
               <a:t>Fourth level</a:t>
             </a:r>
-            <a:endParaRPr lang="en-US"/>
           </a:p>
           <a:p>
             <a:pPr lvl="4"/>
@@ -294,7 +292,6 @@
               <a:rPr lang="en-US"/>
               <a:t>Fifth level</a:t>
             </a:r>
-            <a:endParaRPr lang="en-US"/>
           </a:p>
         </p:txBody>
       </p:sp>
@@ -358,6 +355,8 @@
           <a:p>
             <a:fld id="{21B2AA4F-B828-4D7C-AFD3-893933DAFCB4}" type="slidenum">
               <a:rPr lang="en-US" smtClean="0"/>
+              <a:pPr/>
+              <a:t>‹#›</a:t>
             </a:fld>
             <a:endParaRPr lang="en-US"/>
           </a:p>
@@ -462,7 +461,7 @@
 </file>
 
 <file path=ppt/slideLayouts/slideLayout1.xml><?xml version="1.0" encoding="utf-8"?>
-<p:sldLayout xmlns:a="http://schemas.openxmlformats.org/drawingml/2006/main" xmlns:r="http://schemas.openxmlformats.org/officeDocument/2006/relationships" xmlns:p="http://schemas.openxmlformats.org/presentationml/2006/main" type="title" preserve="1" showMasterSp="0">
+<p:sldLayout xmlns:a="http://schemas.openxmlformats.org/drawingml/2006/main" xmlns:r="http://schemas.openxmlformats.org/officeDocument/2006/relationships" xmlns:p="http://schemas.openxmlformats.org/presentationml/2006/main" showMasterSp="0" type="title" preserve="1">
   <p:cSld name="Title Slide">
     <p:bg>
       <p:bgPr>
@@ -543,7 +542,6 @@
               <a:rPr lang="en-US" altLang="zh-CN" noProof="0"/>
               <a:t>Click to edit Master title style</a:t>
             </a:r>
-            <a:endParaRPr lang="en-US" altLang="zh-CN" noProof="0"/>
           </a:p>
         </p:txBody>
       </p:sp>
@@ -582,7 +580,6 @@
               <a:rPr lang="en-US" altLang="zh-CN" noProof="0"/>
               <a:t>Click to edit Master subtitle style</a:t>
             </a:r>
-            <a:endParaRPr lang="en-US" altLang="zh-CN" noProof="0"/>
           </a:p>
         </p:txBody>
       </p:sp>
@@ -607,14 +604,14 @@
           <a:noFill/>
           <a:extLst>
             <a:ext uri="{909E8E84-426E-40DD-AFC4-6F175D3DCCD1}">
-              <a14:hiddenFill xmlns:a14="http://schemas.microsoft.com/office/drawing/2010/main">
+              <a14:hiddenFill xmlns:a14="http://schemas.microsoft.com/office/drawing/2010/main" xmlns="">
                 <a:solidFill>
                   <a:schemeClr val="accent1"/>
                 </a:solidFill>
               </a14:hiddenFill>
             </a:ext>
             <a:ext uri="{91240B29-F687-4F45-9708-019B960494DF}">
-              <a14:hiddenLine xmlns:a14="http://schemas.microsoft.com/office/drawing/2010/main" w="9525">
+              <a14:hiddenLine xmlns:a14="http://schemas.microsoft.com/office/drawing/2010/main" xmlns="" w="9525">
                 <a:solidFill>
                   <a:srgbClr val="000000"/>
                 </a:solidFill>
@@ -624,7 +621,7 @@
               </a14:hiddenLine>
             </a:ext>
             <a:ext uri="{AF507438-7753-43E0-B8FC-AC1667EBCBE1}">
-              <a14:hiddenEffects xmlns:a14="http://schemas.microsoft.com/office/drawing/2010/main">
+              <a14:hiddenEffects xmlns:a14="http://schemas.microsoft.com/office/drawing/2010/main" xmlns="">
                 <a:effectLst>
                   <a:outerShdw dist="35921" dir="2700000" algn="ctr" rotWithShape="0">
                     <a:schemeClr val="bg2"/>
@@ -644,6 +641,8 @@
           <a:p>
             <a:fld id="{63A1C593-65D0-4073-BCC9-577B9352EA97}" type="datetimeFigureOut">
               <a:rPr lang="en-US" smtClean="0"/>
+              <a:pPr/>
+              <a:t>10/3/2020</a:t>
             </a:fld>
             <a:endParaRPr lang="en-US"/>
           </a:p>
@@ -670,14 +669,14 @@
           <a:noFill/>
           <a:extLst>
             <a:ext uri="{909E8E84-426E-40DD-AFC4-6F175D3DCCD1}">
-              <a14:hiddenFill xmlns:a14="http://schemas.microsoft.com/office/drawing/2010/main">
+              <a14:hiddenFill xmlns:a14="http://schemas.microsoft.com/office/drawing/2010/main" xmlns="">
                 <a:solidFill>
                   <a:schemeClr val="accent1"/>
                 </a:solidFill>
               </a14:hiddenFill>
             </a:ext>
             <a:ext uri="{91240B29-F687-4F45-9708-019B960494DF}">
-              <a14:hiddenLine xmlns:a14="http://schemas.microsoft.com/office/drawing/2010/main" w="9525">
+              <a14:hiddenLine xmlns:a14="http://schemas.microsoft.com/office/drawing/2010/main" xmlns="" w="9525">
                 <a:solidFill>
                   <a:srgbClr val="000000"/>
                 </a:solidFill>
@@ -687,7 +686,7 @@
               </a14:hiddenLine>
             </a:ext>
             <a:ext uri="{AF507438-7753-43E0-B8FC-AC1667EBCBE1}">
-              <a14:hiddenEffects xmlns:a14="http://schemas.microsoft.com/office/drawing/2010/main">
+              <a14:hiddenEffects xmlns:a14="http://schemas.microsoft.com/office/drawing/2010/main" xmlns="">
                 <a:effectLst>
                   <a:outerShdw dist="35921" dir="2700000" algn="ctr" rotWithShape="0">
                     <a:schemeClr val="bg2"/>
@@ -730,14 +729,14 @@
           <a:noFill/>
           <a:extLst>
             <a:ext uri="{909E8E84-426E-40DD-AFC4-6F175D3DCCD1}">
-              <a14:hiddenFill xmlns:a14="http://schemas.microsoft.com/office/drawing/2010/main">
+              <a14:hiddenFill xmlns:a14="http://schemas.microsoft.com/office/drawing/2010/main" xmlns="">
                 <a:solidFill>
                   <a:schemeClr val="accent1"/>
                 </a:solidFill>
               </a14:hiddenFill>
             </a:ext>
             <a:ext uri="{91240B29-F687-4F45-9708-019B960494DF}">
-              <a14:hiddenLine xmlns:a14="http://schemas.microsoft.com/office/drawing/2010/main" w="9525">
+              <a14:hiddenLine xmlns:a14="http://schemas.microsoft.com/office/drawing/2010/main" xmlns="" w="9525">
                 <a:solidFill>
                   <a:srgbClr val="000000"/>
                 </a:solidFill>
@@ -747,7 +746,7 @@
               </a14:hiddenLine>
             </a:ext>
             <a:ext uri="{AF507438-7753-43E0-B8FC-AC1667EBCBE1}">
-              <a14:hiddenEffects xmlns:a14="http://schemas.microsoft.com/office/drawing/2010/main">
+              <a14:hiddenEffects xmlns:a14="http://schemas.microsoft.com/office/drawing/2010/main" xmlns="">
                 <a:effectLst>
                   <a:outerShdw dist="35921" dir="2700000" algn="ctr" rotWithShape="0">
                     <a:schemeClr val="bg2"/>
@@ -767,6 +766,8 @@
           <a:p>
             <a:fld id="{9B618960-8005-486C-9A75-10CB2AAC16F9}" type="slidenum">
               <a:rPr lang="en-US" smtClean="0"/>
+              <a:pPr/>
+              <a:t>‹#›</a:t>
             </a:fld>
             <a:endParaRPr lang="en-US"/>
           </a:p>
@@ -817,7 +818,6 @@
               <a:rPr lang="en-US"/>
               <a:t>Click to edit Master title style</a:t>
             </a:r>
-            <a:endParaRPr lang="en-US"/>
           </a:p>
         </p:txBody>
       </p:sp>
@@ -841,7 +841,6 @@
               <a:rPr lang="en-US"/>
               <a:t>Click to edit Master text styles</a:t>
             </a:r>
-            <a:endParaRPr lang="en-US"/>
           </a:p>
           <a:p>
             <a:pPr lvl="1"/>
@@ -849,7 +848,6 @@
               <a:rPr lang="en-US"/>
               <a:t>Second level</a:t>
             </a:r>
-            <a:endParaRPr lang="en-US"/>
           </a:p>
           <a:p>
             <a:pPr lvl="2"/>
@@ -857,7 +855,6 @@
               <a:rPr lang="en-US"/>
               <a:t>Third level</a:t>
             </a:r>
-            <a:endParaRPr lang="en-US"/>
           </a:p>
           <a:p>
             <a:pPr lvl="3"/>
@@ -865,7 +862,6 @@
               <a:rPr lang="en-US"/>
               <a:t>Fourth level</a:t>
             </a:r>
-            <a:endParaRPr lang="en-US"/>
           </a:p>
           <a:p>
             <a:pPr lvl="4"/>
@@ -873,7 +869,6 @@
               <a:rPr lang="en-US"/>
               <a:t>Fifth level</a:t>
             </a:r>
-            <a:endParaRPr lang="en-US"/>
           </a:p>
         </p:txBody>
       </p:sp>
@@ -894,6 +889,8 @@
           <a:p>
             <a:fld id="{63A1C593-65D0-4073-BCC9-577B9352EA97}" type="datetimeFigureOut">
               <a:rPr lang="en-US" smtClean="0"/>
+              <a:pPr/>
+              <a:t>10/3/2020</a:t>
             </a:fld>
             <a:endParaRPr lang="en-US"/>
           </a:p>
@@ -935,6 +932,8 @@
           <a:p>
             <a:fld id="{9B618960-8005-486C-9A75-10CB2AAC16F9}" type="slidenum">
               <a:rPr lang="en-US" smtClean="0"/>
+              <a:pPr/>
+              <a:t>‹#›</a:t>
             </a:fld>
             <a:endParaRPr lang="en-US"/>
           </a:p>
@@ -990,7 +989,6 @@
               <a:rPr lang="en-US"/>
               <a:t>Click to edit Master title style</a:t>
             </a:r>
-            <a:endParaRPr lang="en-US"/>
           </a:p>
         </p:txBody>
       </p:sp>
@@ -1019,7 +1017,6 @@
               <a:rPr lang="en-US"/>
               <a:t>Click to edit Master text styles</a:t>
             </a:r>
-            <a:endParaRPr lang="en-US"/>
           </a:p>
           <a:p>
             <a:pPr lvl="1"/>
@@ -1027,7 +1024,6 @@
               <a:rPr lang="en-US"/>
               <a:t>Second level</a:t>
             </a:r>
-            <a:endParaRPr lang="en-US"/>
           </a:p>
           <a:p>
             <a:pPr lvl="2"/>
@@ -1035,7 +1031,6 @@
               <a:rPr lang="en-US"/>
               <a:t>Third level</a:t>
             </a:r>
-            <a:endParaRPr lang="en-US"/>
           </a:p>
           <a:p>
             <a:pPr lvl="3"/>
@@ -1043,7 +1038,6 @@
               <a:rPr lang="en-US"/>
               <a:t>Fourth level</a:t>
             </a:r>
-            <a:endParaRPr lang="en-US"/>
           </a:p>
           <a:p>
             <a:pPr lvl="4"/>
@@ -1051,7 +1045,6 @@
               <a:rPr lang="en-US"/>
               <a:t>Fifth level</a:t>
             </a:r>
-            <a:endParaRPr lang="en-US"/>
           </a:p>
         </p:txBody>
       </p:sp>
@@ -1072,6 +1065,8 @@
           <a:p>
             <a:fld id="{63A1C593-65D0-4073-BCC9-577B9352EA97}" type="datetimeFigureOut">
               <a:rPr lang="en-US" smtClean="0"/>
+              <a:pPr/>
+              <a:t>10/3/2020</a:t>
             </a:fld>
             <a:endParaRPr lang="en-US"/>
           </a:p>
@@ -1113,6 +1108,8 @@
           <a:p>
             <a:fld id="{9B618960-8005-486C-9A75-10CB2AAC16F9}" type="slidenum">
               <a:rPr lang="en-US" smtClean="0"/>
+              <a:pPr/>
+              <a:t>‹#›</a:t>
             </a:fld>
             <a:endParaRPr lang="en-US"/>
           </a:p>
@@ -1163,7 +1160,6 @@
               <a:rPr lang="en-US"/>
               <a:t>Click to edit Master title style</a:t>
             </a:r>
-            <a:endParaRPr lang="en-US"/>
           </a:p>
         </p:txBody>
       </p:sp>
@@ -1187,7 +1183,6 @@
               <a:rPr lang="en-US"/>
               <a:t>Click to edit Master text styles</a:t>
             </a:r>
-            <a:endParaRPr lang="en-US"/>
           </a:p>
           <a:p>
             <a:pPr lvl="1"/>
@@ -1195,7 +1190,6 @@
               <a:rPr lang="en-US"/>
               <a:t>Second level</a:t>
             </a:r>
-            <a:endParaRPr lang="en-US"/>
           </a:p>
           <a:p>
             <a:pPr lvl="2"/>
@@ -1203,7 +1197,6 @@
               <a:rPr lang="en-US"/>
               <a:t>Third level</a:t>
             </a:r>
-            <a:endParaRPr lang="en-US"/>
           </a:p>
           <a:p>
             <a:pPr lvl="3"/>
@@ -1211,7 +1204,6 @@
               <a:rPr lang="en-US"/>
               <a:t>Fourth level</a:t>
             </a:r>
-            <a:endParaRPr lang="en-US"/>
           </a:p>
           <a:p>
             <a:pPr lvl="4"/>
@@ -1219,7 +1211,6 @@
               <a:rPr lang="en-US"/>
               <a:t>Fifth level</a:t>
             </a:r>
-            <a:endParaRPr lang="en-US"/>
           </a:p>
         </p:txBody>
       </p:sp>
@@ -1240,6 +1231,8 @@
           <a:p>
             <a:fld id="{63A1C593-65D0-4073-BCC9-577B9352EA97}" type="datetimeFigureOut">
               <a:rPr lang="en-US" smtClean="0"/>
+              <a:pPr/>
+              <a:t>10/3/2020</a:t>
             </a:fld>
             <a:endParaRPr lang="en-US"/>
           </a:p>
@@ -1281,6 +1274,8 @@
           <a:p>
             <a:fld id="{9B618960-8005-486C-9A75-10CB2AAC16F9}" type="slidenum">
               <a:rPr lang="en-US" smtClean="0"/>
+              <a:pPr/>
+              <a:t>‹#›</a:t>
             </a:fld>
             <a:endParaRPr lang="en-US"/>
           </a:p>
@@ -1340,7 +1335,6 @@
               <a:rPr lang="en-US"/>
               <a:t>Click to edit Master title style</a:t>
             </a:r>
-            <a:endParaRPr lang="en-US"/>
           </a:p>
         </p:txBody>
       </p:sp>
@@ -1406,7 +1400,6 @@
               <a:rPr lang="en-US"/>
               <a:t>Click to edit Master text styles</a:t>
             </a:r>
-            <a:endParaRPr lang="en-US"/>
           </a:p>
         </p:txBody>
       </p:sp>
@@ -1427,6 +1420,8 @@
           <a:p>
             <a:fld id="{63A1C593-65D0-4073-BCC9-577B9352EA97}" type="datetimeFigureOut">
               <a:rPr lang="en-US" smtClean="0"/>
+              <a:pPr/>
+              <a:t>10/3/2020</a:t>
             </a:fld>
             <a:endParaRPr lang="en-US"/>
           </a:p>
@@ -1468,6 +1463,8 @@
           <a:p>
             <a:fld id="{9B618960-8005-486C-9A75-10CB2AAC16F9}" type="slidenum">
               <a:rPr lang="en-US" smtClean="0"/>
+              <a:pPr/>
+              <a:t>‹#›</a:t>
             </a:fld>
             <a:endParaRPr lang="en-US"/>
           </a:p>
@@ -1518,7 +1515,6 @@
               <a:rPr lang="en-US"/>
               <a:t>Click to edit Master title style</a:t>
             </a:r>
-            <a:endParaRPr lang="en-US"/>
           </a:p>
         </p:txBody>
       </p:sp>
@@ -1547,7 +1543,6 @@
               <a:rPr lang="en-US"/>
               <a:t>Click to edit Master text styles</a:t>
             </a:r>
-            <a:endParaRPr lang="en-US"/>
           </a:p>
           <a:p>
             <a:pPr lvl="1"/>
@@ -1555,7 +1550,6 @@
               <a:rPr lang="en-US"/>
               <a:t>Second level</a:t>
             </a:r>
-            <a:endParaRPr lang="en-US"/>
           </a:p>
           <a:p>
             <a:pPr lvl="2"/>
@@ -1563,7 +1557,6 @@
               <a:rPr lang="en-US"/>
               <a:t>Third level</a:t>
             </a:r>
-            <a:endParaRPr lang="en-US"/>
           </a:p>
           <a:p>
             <a:pPr lvl="3"/>
@@ -1571,7 +1564,6 @@
               <a:rPr lang="en-US"/>
               <a:t>Fourth level</a:t>
             </a:r>
-            <a:endParaRPr lang="en-US"/>
           </a:p>
           <a:p>
             <a:pPr lvl="4"/>
@@ -1579,7 +1571,6 @@
               <a:rPr lang="en-US"/>
               <a:t>Fifth level</a:t>
             </a:r>
-            <a:endParaRPr lang="en-US"/>
           </a:p>
         </p:txBody>
       </p:sp>
@@ -1608,7 +1599,6 @@
               <a:rPr lang="en-US"/>
               <a:t>Click to edit Master text styles</a:t>
             </a:r>
-            <a:endParaRPr lang="en-US"/>
           </a:p>
           <a:p>
             <a:pPr lvl="1"/>
@@ -1616,7 +1606,6 @@
               <a:rPr lang="en-US"/>
               <a:t>Second level</a:t>
             </a:r>
-            <a:endParaRPr lang="en-US"/>
           </a:p>
           <a:p>
             <a:pPr lvl="2"/>
@@ -1624,7 +1613,6 @@
               <a:rPr lang="en-US"/>
               <a:t>Third level</a:t>
             </a:r>
-            <a:endParaRPr lang="en-US"/>
           </a:p>
           <a:p>
             <a:pPr lvl="3"/>
@@ -1632,7 +1620,6 @@
               <a:rPr lang="en-US"/>
               <a:t>Fourth level</a:t>
             </a:r>
-            <a:endParaRPr lang="en-US"/>
           </a:p>
           <a:p>
             <a:pPr lvl="4"/>
@@ -1640,7 +1627,6 @@
               <a:rPr lang="en-US"/>
               <a:t>Fifth level</a:t>
             </a:r>
-            <a:endParaRPr lang="en-US"/>
           </a:p>
         </p:txBody>
       </p:sp>
@@ -1661,6 +1647,8 @@
           <a:p>
             <a:fld id="{63A1C593-65D0-4073-BCC9-577B9352EA97}" type="datetimeFigureOut">
               <a:rPr lang="en-US" smtClean="0"/>
+              <a:pPr/>
+              <a:t>10/3/2020</a:t>
             </a:fld>
             <a:endParaRPr lang="en-US"/>
           </a:p>
@@ -1702,6 +1690,8 @@
           <a:p>
             <a:fld id="{9B618960-8005-486C-9A75-10CB2AAC16F9}" type="slidenum">
               <a:rPr lang="en-US" smtClean="0"/>
+              <a:pPr/>
+              <a:t>‹#›</a:t>
             </a:fld>
             <a:endParaRPr lang="en-US"/>
           </a:p>
@@ -1757,7 +1747,6 @@
               <a:rPr lang="en-US"/>
               <a:t>Click to edit Master title style</a:t>
             </a:r>
-            <a:endParaRPr lang="en-US"/>
           </a:p>
         </p:txBody>
       </p:sp>
@@ -1823,7 +1812,6 @@
               <a:rPr lang="en-US"/>
               <a:t>Click to edit Master text styles</a:t>
             </a:r>
-            <a:endParaRPr lang="en-US"/>
           </a:p>
         </p:txBody>
       </p:sp>
@@ -1852,7 +1840,6 @@
               <a:rPr lang="en-US"/>
               <a:t>Click to edit Master text styles</a:t>
             </a:r>
-            <a:endParaRPr lang="en-US"/>
           </a:p>
           <a:p>
             <a:pPr lvl="1"/>
@@ -1860,7 +1847,6 @@
               <a:rPr lang="en-US"/>
               <a:t>Second level</a:t>
             </a:r>
-            <a:endParaRPr lang="en-US"/>
           </a:p>
           <a:p>
             <a:pPr lvl="2"/>
@@ -1868,7 +1854,6 @@
               <a:rPr lang="en-US"/>
               <a:t>Third level</a:t>
             </a:r>
-            <a:endParaRPr lang="en-US"/>
           </a:p>
           <a:p>
             <a:pPr lvl="3"/>
@@ -1876,7 +1861,6 @@
               <a:rPr lang="en-US"/>
               <a:t>Fourth level</a:t>
             </a:r>
-            <a:endParaRPr lang="en-US"/>
           </a:p>
           <a:p>
             <a:pPr lvl="4"/>
@@ -1884,7 +1868,6 @@
               <a:rPr lang="en-US"/>
               <a:t>Fifth level</a:t>
             </a:r>
-            <a:endParaRPr lang="en-US"/>
           </a:p>
         </p:txBody>
       </p:sp>
@@ -1950,7 +1933,6 @@
               <a:rPr lang="en-US"/>
               <a:t>Click to edit Master text styles</a:t>
             </a:r>
-            <a:endParaRPr lang="en-US"/>
           </a:p>
         </p:txBody>
       </p:sp>
@@ -1979,7 +1961,6 @@
               <a:rPr lang="en-US"/>
               <a:t>Click to edit Master text styles</a:t>
             </a:r>
-            <a:endParaRPr lang="en-US"/>
           </a:p>
           <a:p>
             <a:pPr lvl="1"/>
@@ -1987,7 +1968,6 @@
               <a:rPr lang="en-US"/>
               <a:t>Second level</a:t>
             </a:r>
-            <a:endParaRPr lang="en-US"/>
           </a:p>
           <a:p>
             <a:pPr lvl="2"/>
@@ -1995,7 +1975,6 @@
               <a:rPr lang="en-US"/>
               <a:t>Third level</a:t>
             </a:r>
-            <a:endParaRPr lang="en-US"/>
           </a:p>
           <a:p>
             <a:pPr lvl="3"/>
@@ -2003,7 +1982,6 @@
               <a:rPr lang="en-US"/>
               <a:t>Fourth level</a:t>
             </a:r>
-            <a:endParaRPr lang="en-US"/>
           </a:p>
           <a:p>
             <a:pPr lvl="4"/>
@@ -2011,7 +1989,6 @@
               <a:rPr lang="en-US"/>
               <a:t>Fifth level</a:t>
             </a:r>
-            <a:endParaRPr lang="en-US"/>
           </a:p>
         </p:txBody>
       </p:sp>
@@ -2032,6 +2009,8 @@
           <a:p>
             <a:fld id="{63A1C593-65D0-4073-BCC9-577B9352EA97}" type="datetimeFigureOut">
               <a:rPr lang="en-US" smtClean="0"/>
+              <a:pPr/>
+              <a:t>10/3/2020</a:t>
             </a:fld>
             <a:endParaRPr lang="en-US"/>
           </a:p>
@@ -2073,6 +2052,8 @@
           <a:p>
             <a:fld id="{9B618960-8005-486C-9A75-10CB2AAC16F9}" type="slidenum">
               <a:rPr lang="en-US" smtClean="0"/>
+              <a:pPr/>
+              <a:t>‹#›</a:t>
             </a:fld>
             <a:endParaRPr lang="en-US"/>
           </a:p>
@@ -2123,7 +2104,6 @@
               <a:rPr lang="en-US"/>
               <a:t>Click to edit Master title style</a:t>
             </a:r>
-            <a:endParaRPr lang="en-US"/>
           </a:p>
         </p:txBody>
       </p:sp>
@@ -2144,6 +2124,8 @@
           <a:p>
             <a:fld id="{63A1C593-65D0-4073-BCC9-577B9352EA97}" type="datetimeFigureOut">
               <a:rPr lang="en-US" smtClean="0"/>
+              <a:pPr/>
+              <a:t>10/3/2020</a:t>
             </a:fld>
             <a:endParaRPr lang="en-US"/>
           </a:p>
@@ -2185,6 +2167,8 @@
           <a:p>
             <a:fld id="{9B618960-8005-486C-9A75-10CB2AAC16F9}" type="slidenum">
               <a:rPr lang="en-US" smtClean="0"/>
+              <a:pPr/>
+              <a:t>‹#›</a:t>
             </a:fld>
             <a:endParaRPr lang="en-US"/>
           </a:p>
@@ -2233,6 +2217,8 @@
           <a:p>
             <a:fld id="{63A1C593-65D0-4073-BCC9-577B9352EA97}" type="datetimeFigureOut">
               <a:rPr lang="en-US" smtClean="0"/>
+              <a:pPr/>
+              <a:t>10/3/2020</a:t>
             </a:fld>
             <a:endParaRPr lang="en-US"/>
           </a:p>
@@ -2274,6 +2260,8 @@
           <a:p>
             <a:fld id="{9B618960-8005-486C-9A75-10CB2AAC16F9}" type="slidenum">
               <a:rPr lang="en-US" smtClean="0"/>
+              <a:pPr/>
+              <a:t>‹#›</a:t>
             </a:fld>
             <a:endParaRPr lang="en-US"/>
           </a:p>
@@ -2333,7 +2321,6 @@
               <a:rPr lang="en-US"/>
               <a:t>Click to edit Master title style</a:t>
             </a:r>
-            <a:endParaRPr lang="en-US"/>
           </a:p>
         </p:txBody>
       </p:sp>
@@ -2390,7 +2377,6 @@
               <a:rPr lang="en-US"/>
               <a:t>Click to edit Master text styles</a:t>
             </a:r>
-            <a:endParaRPr lang="en-US"/>
           </a:p>
           <a:p>
             <a:pPr lvl="1"/>
@@ -2398,7 +2384,6 @@
               <a:rPr lang="en-US"/>
               <a:t>Second level</a:t>
             </a:r>
-            <a:endParaRPr lang="en-US"/>
           </a:p>
           <a:p>
             <a:pPr lvl="2"/>
@@ -2406,7 +2391,6 @@
               <a:rPr lang="en-US"/>
               <a:t>Third level</a:t>
             </a:r>
-            <a:endParaRPr lang="en-US"/>
           </a:p>
           <a:p>
             <a:pPr lvl="3"/>
@@ -2414,7 +2398,6 @@
               <a:rPr lang="en-US"/>
               <a:t>Fourth level</a:t>
             </a:r>
-            <a:endParaRPr lang="en-US"/>
           </a:p>
           <a:p>
             <a:pPr lvl="4"/>
@@ -2422,7 +2405,6 @@
               <a:rPr lang="en-US"/>
               <a:t>Fifth level</a:t>
             </a:r>
-            <a:endParaRPr lang="en-US"/>
           </a:p>
         </p:txBody>
       </p:sp>
@@ -2488,7 +2470,6 @@
               <a:rPr lang="en-US"/>
               <a:t>Click to edit Master text styles</a:t>
             </a:r>
-            <a:endParaRPr lang="en-US"/>
           </a:p>
         </p:txBody>
       </p:sp>
@@ -2509,6 +2490,8 @@
           <a:p>
             <a:fld id="{63A1C593-65D0-4073-BCC9-577B9352EA97}" type="datetimeFigureOut">
               <a:rPr lang="en-US" smtClean="0"/>
+              <a:pPr/>
+              <a:t>10/3/2020</a:t>
             </a:fld>
             <a:endParaRPr lang="en-US"/>
           </a:p>
@@ -2550,6 +2533,8 @@
           <a:p>
             <a:fld id="{9B618960-8005-486C-9A75-10CB2AAC16F9}" type="slidenum">
               <a:rPr lang="en-US" smtClean="0"/>
+              <a:pPr/>
+              <a:t>‹#›</a:t>
             </a:fld>
             <a:endParaRPr lang="en-US"/>
           </a:p>
@@ -2609,7 +2594,6 @@
               <a:rPr lang="en-US"/>
               <a:t>Click to edit Master title style</a:t>
             </a:r>
-            <a:endParaRPr lang="en-US"/>
           </a:p>
         </p:txBody>
       </p:sp>
@@ -2765,7 +2749,6 @@
               <a:rPr lang="en-US"/>
               <a:t>Click to edit Master text styles</a:t>
             </a:r>
-            <a:endParaRPr lang="en-US"/>
           </a:p>
         </p:txBody>
       </p:sp>
@@ -2786,6 +2769,8 @@
           <a:p>
             <a:fld id="{63A1C593-65D0-4073-BCC9-577B9352EA97}" type="datetimeFigureOut">
               <a:rPr lang="en-US" smtClean="0"/>
+              <a:pPr/>
+              <a:t>10/3/2020</a:t>
             </a:fld>
             <a:endParaRPr lang="en-US"/>
           </a:p>
@@ -2827,6 +2812,8 @@
           <a:p>
             <a:fld id="{9B618960-8005-486C-9A75-10CB2AAC16F9}" type="slidenum">
               <a:rPr lang="en-US" smtClean="0"/>
+              <a:pPr/>
+              <a:t>‹#›</a:t>
             </a:fld>
             <a:endParaRPr lang="en-US"/>
           </a:p>
@@ -2875,7 +2862,7 @@
           <p:nvPr/>
         </p:nvPicPr>
         <p:blipFill>
-          <a:blip r:embed="rId12"/>
+          <a:blip r:embed="rId13"/>
           <a:stretch>
             <a:fillRect/>
           </a:stretch>
@@ -2926,7 +2913,6 @@
               <a:rPr lang="en-US" altLang="zh-CN" dirty="0"/>
               <a:t>Click to edit Master title style</a:t>
             </a:r>
-            <a:endParaRPr lang="en-US" altLang="zh-CN" dirty="0"/>
           </a:p>
         </p:txBody>
       </p:sp>
@@ -2962,7 +2948,6 @@
               <a:rPr lang="en-US" altLang="zh-CN" dirty="0"/>
               <a:t>Click to edit Master text styles</a:t>
             </a:r>
-            <a:endParaRPr lang="en-US" altLang="zh-CN" dirty="0"/>
           </a:p>
           <a:p>
             <a:pPr lvl="1"/>
@@ -2970,7 +2955,6 @@
               <a:rPr lang="en-US" altLang="zh-CN" dirty="0"/>
               <a:t>Second level</a:t>
             </a:r>
-            <a:endParaRPr lang="en-US" altLang="zh-CN" dirty="0"/>
           </a:p>
           <a:p>
             <a:pPr lvl="2"/>
@@ -2978,7 +2962,6 @@
               <a:rPr lang="en-US" altLang="zh-CN" dirty="0"/>
               <a:t>Third level</a:t>
             </a:r>
-            <a:endParaRPr lang="en-US" altLang="zh-CN" dirty="0"/>
           </a:p>
           <a:p>
             <a:pPr lvl="3"/>
@@ -2986,7 +2969,6 @@
               <a:rPr lang="en-US" altLang="zh-CN" dirty="0"/>
               <a:t>Fourth level</a:t>
             </a:r>
-            <a:endParaRPr lang="en-US" altLang="zh-CN" dirty="0"/>
           </a:p>
           <a:p>
             <a:pPr lvl="4"/>
@@ -2994,7 +2976,6 @@
               <a:rPr lang="en-US" altLang="zh-CN" dirty="0"/>
               <a:t>Fifth level</a:t>
             </a:r>
-            <a:endParaRPr lang="en-US" altLang="zh-CN" dirty="0"/>
           </a:p>
         </p:txBody>
       </p:sp>
@@ -3023,14 +3004,14 @@
           <a:effectLst/>
           <a:extLst>
             <a:ext uri="{909E8E84-426E-40DD-AFC4-6F175D3DCCD1}">
-              <a14:hiddenFill xmlns:a14="http://schemas.microsoft.com/office/drawing/2010/main">
+              <a14:hiddenFill xmlns:a14="http://schemas.microsoft.com/office/drawing/2010/main" xmlns="">
                 <a:solidFill>
                   <a:schemeClr val="accent1"/>
                 </a:solidFill>
               </a14:hiddenFill>
             </a:ext>
             <a:ext uri="{91240B29-F687-4F45-9708-019B960494DF}">
-              <a14:hiddenLine xmlns:a14="http://schemas.microsoft.com/office/drawing/2010/main" w="9525">
+              <a14:hiddenLine xmlns:a14="http://schemas.microsoft.com/office/drawing/2010/main" xmlns="" w="9525">
                 <a:solidFill>
                   <a:srgbClr val="000000"/>
                 </a:solidFill>
@@ -3040,7 +3021,7 @@
               </a14:hiddenLine>
             </a:ext>
             <a:ext uri="{AF507438-7753-43E0-B8FC-AC1667EBCBE1}">
-              <a14:hiddenEffects xmlns:a14="http://schemas.microsoft.com/office/drawing/2010/main">
+              <a14:hiddenEffects xmlns:a14="http://schemas.microsoft.com/office/drawing/2010/main" xmlns="">
                 <a:effectLst>
                   <a:outerShdw dist="35921" dir="2700000" algn="ctr" rotWithShape="0">
                     <a:schemeClr val="bg2"/>
@@ -3060,6 +3041,8 @@
           <a:p>
             <a:fld id="{63A1C593-65D0-4073-BCC9-577B9352EA97}" type="datetimeFigureOut">
               <a:rPr lang="en-US" smtClean="0"/>
+              <a:pPr/>
+              <a:t>10/3/2020</a:t>
             </a:fld>
             <a:endParaRPr lang="en-US"/>
           </a:p>
@@ -3090,14 +3073,14 @@
           <a:effectLst/>
           <a:extLst>
             <a:ext uri="{909E8E84-426E-40DD-AFC4-6F175D3DCCD1}">
-              <a14:hiddenFill xmlns:a14="http://schemas.microsoft.com/office/drawing/2010/main">
+              <a14:hiddenFill xmlns:a14="http://schemas.microsoft.com/office/drawing/2010/main" xmlns="">
                 <a:solidFill>
                   <a:schemeClr val="accent1"/>
                 </a:solidFill>
               </a14:hiddenFill>
             </a:ext>
             <a:ext uri="{91240B29-F687-4F45-9708-019B960494DF}">
-              <a14:hiddenLine xmlns:a14="http://schemas.microsoft.com/office/drawing/2010/main" w="9525">
+              <a14:hiddenLine xmlns:a14="http://schemas.microsoft.com/office/drawing/2010/main" xmlns="" w="9525">
                 <a:solidFill>
                   <a:srgbClr val="000000"/>
                 </a:solidFill>
@@ -3107,7 +3090,7 @@
               </a14:hiddenLine>
             </a:ext>
             <a:ext uri="{AF507438-7753-43E0-B8FC-AC1667EBCBE1}">
-              <a14:hiddenEffects xmlns:a14="http://schemas.microsoft.com/office/drawing/2010/main">
+              <a14:hiddenEffects xmlns:a14="http://schemas.microsoft.com/office/drawing/2010/main" xmlns="">
                 <a:effectLst>
                   <a:outerShdw dist="35921" dir="2700000" algn="ctr" rotWithShape="0">
                     <a:schemeClr val="bg2"/>
@@ -3154,14 +3137,14 @@
           <a:effectLst/>
           <a:extLst>
             <a:ext uri="{909E8E84-426E-40DD-AFC4-6F175D3DCCD1}">
-              <a14:hiddenFill xmlns:a14="http://schemas.microsoft.com/office/drawing/2010/main">
+              <a14:hiddenFill xmlns:a14="http://schemas.microsoft.com/office/drawing/2010/main" xmlns="">
                 <a:solidFill>
                   <a:schemeClr val="accent1"/>
                 </a:solidFill>
               </a14:hiddenFill>
             </a:ext>
             <a:ext uri="{91240B29-F687-4F45-9708-019B960494DF}">
-              <a14:hiddenLine xmlns:a14="http://schemas.microsoft.com/office/drawing/2010/main" w="9525">
+              <a14:hiddenLine xmlns:a14="http://schemas.microsoft.com/office/drawing/2010/main" xmlns="" w="9525">
                 <a:solidFill>
                   <a:srgbClr val="000000"/>
                 </a:solidFill>
@@ -3171,7 +3154,7 @@
               </a14:hiddenLine>
             </a:ext>
             <a:ext uri="{AF507438-7753-43E0-B8FC-AC1667EBCBE1}">
-              <a14:hiddenEffects xmlns:a14="http://schemas.microsoft.com/office/drawing/2010/main">
+              <a14:hiddenEffects xmlns:a14="http://schemas.microsoft.com/office/drawing/2010/main" xmlns="">
                 <a:effectLst>
                   <a:outerShdw dist="35921" dir="2700000" algn="ctr" rotWithShape="0">
                     <a:schemeClr val="bg2"/>
@@ -3191,6 +3174,8 @@
           <a:p>
             <a:fld id="{9B618960-8005-486C-9A75-10CB2AAC16F9}" type="slidenum">
               <a:rPr lang="en-US" smtClean="0"/>
+              <a:pPr/>
+              <a:t>‹#›</a:t>
             </a:fld>
             <a:endParaRPr lang="en-US"/>
           </a:p>
@@ -3646,7 +3631,6 @@
               <a:rPr lang="en-US" dirty="0"/>
               <a:t>IDEAS FOR PROBLEM STATEMENT</a:t>
             </a:r>
-            <a:endParaRPr lang="en-US" dirty="0"/>
           </a:p>
         </p:txBody>
       </p:sp>
@@ -3702,7 +3686,6 @@
               <a:rPr lang="en-US" sz="2000" b="1" dirty="0"/>
               <a:t> Autocomplete Feature</a:t>
             </a:r>
-            <a:endParaRPr lang="en-US" sz="2000" b="1" dirty="0"/>
           </a:p>
           <a:p>
             <a:pPr marL="457200" lvl="1" indent="0">
@@ -3714,9 +3697,6 @@
               </a:rPr>
               <a:t>   Incomplete terms entered by the user are compared to a dictionary to suggest possible options of words</a:t>
             </a:r>
-            <a:endParaRPr lang="en-US" sz="1090" dirty="0">
-              <a:sym typeface="+mn-ea"/>
-            </a:endParaRPr>
           </a:p>
           <a:p>
             <a:pPr marL="914400" lvl="2" indent="0">
@@ -3744,19 +3724,6 @@
               </a:rPr>
               <a:t>https://www.upgrad.com/blog/natural-language-processing-nlp-projects-ideas-topics-for-beginners/</a:t>
             </a:r>
-            <a:endParaRPr lang="en-US" sz="1050" b="1" dirty="0">
-              <a:solidFill>
-                <a:schemeClr val="accent1"/>
-              </a:solidFill>
-              <a:effectLst>
-                <a:outerShdw blurRad="38100" dist="25400" dir="5400000" algn="ctr" rotWithShape="0">
-                  <a:srgbClr val="6E747A">
-                    <a:alpha val="43000"/>
-                  </a:srgbClr>
-                </a:outerShdw>
-              </a:effectLst>
-              <a:sym typeface="+mn-ea"/>
-            </a:endParaRPr>
           </a:p>
           <a:p>
             <a:pPr marL="457200" indent="-457200">
@@ -3766,7 +3733,6 @@
               <a:rPr lang="en-US" sz="1750" b="1" dirty="0"/>
               <a:t> Music Genre Classification with Deep Learning</a:t>
             </a:r>
-            <a:endParaRPr lang="en-US" sz="1750" b="1" dirty="0"/>
           </a:p>
           <a:p>
             <a:pPr marL="0" indent="0">
@@ -3784,7 +3750,6 @@
               <a:rPr lang="en-US" sz="1200" dirty="0"/>
               <a:t> of music frames and analyzes the image using a Convolutional </a:t>
             </a:r>
-            <a:endParaRPr lang="en-US" sz="1200" dirty="0"/>
           </a:p>
           <a:p>
             <a:pPr marL="0" indent="0">
@@ -3794,7 +3759,6 @@
               <a:rPr lang="en-US" sz="1200" dirty="0"/>
               <a:t>             Neural Network (CNN) plus a Recurrent Neural Network (RNN). </a:t>
             </a:r>
-            <a:endParaRPr lang="en-US" sz="1200" dirty="0"/>
           </a:p>
           <a:p>
             <a:pPr marL="0" indent="0">
@@ -3815,18 +3779,6 @@
               </a:rPr>
               <a:t>		https://github.com/jsalbert/Music-Genre-Classification-with-Deep-Learning</a:t>
             </a:r>
-            <a:endParaRPr lang="en-US" sz="1200" dirty="0">
-              <a:solidFill>
-                <a:schemeClr val="accent1"/>
-              </a:solidFill>
-              <a:effectLst>
-                <a:outerShdw blurRad="38100" dist="25400" dir="5400000" algn="ctr" rotWithShape="0">
-                  <a:srgbClr val="6E747A">
-                    <a:alpha val="43000"/>
-                  </a:srgbClr>
-                </a:outerShdw>
-              </a:effectLst>
-            </a:endParaRPr>
           </a:p>
           <a:p>
             <a:pPr marL="0" indent="0">
@@ -3836,7 +3788,6 @@
               <a:rPr lang="en-US" sz="1800" b="1" dirty="0"/>
               <a:t>3.      Richter's Predictor: Modeling Earthquake Damage</a:t>
             </a:r>
-            <a:endParaRPr lang="en-US" sz="1800" b="1" dirty="0"/>
           </a:p>
           <a:p>
             <a:pPr marL="0" indent="0">
@@ -3846,7 +3797,6 @@
               <a:rPr lang="en-US" sz="1200" dirty="0"/>
               <a:t>              Based on aspects of building location and construction, your goal is to predict the level of damage to buildings </a:t>
             </a:r>
-            <a:endParaRPr lang="en-US" sz="1200" dirty="0"/>
           </a:p>
           <a:p>
             <a:pPr marL="0" indent="0">
@@ -3856,7 +3806,6 @@
               <a:rPr lang="en-US" sz="1200" dirty="0"/>
               <a:t>              caused by the 2015 Gorkha earthquake in Nepal.</a:t>
             </a:r>
-            <a:endParaRPr lang="en-US" sz="1200" dirty="0"/>
           </a:p>
           <a:p>
             <a:pPr marL="0" indent="0">
@@ -3881,18 +3830,6 @@
               </a:rPr>
               <a:t>https://www.drivendata.org/competitions/57/nepal-earthquake/page/134/</a:t>
             </a:r>
-            <a:endParaRPr lang="en-US" sz="1200" dirty="0">
-              <a:solidFill>
-                <a:schemeClr val="accent1"/>
-              </a:solidFill>
-              <a:effectLst>
-                <a:outerShdw blurRad="38100" dist="25400" dir="5400000" algn="ctr" rotWithShape="0">
-                  <a:srgbClr val="6E747A">
-                    <a:alpha val="43000"/>
-                  </a:srgbClr>
-                </a:outerShdw>
-              </a:effectLst>
-            </a:endParaRPr>
           </a:p>
           <a:p>
             <a:pPr marL="0" indent="0">
@@ -4031,18 +3968,6 @@
               </a:rPr>
               <a:t>https://research.google.com/youtube8m/</a:t>
             </a:r>
-            <a:endParaRPr lang="en-US" sz="1200" dirty="0">
-              <a:solidFill>
-                <a:schemeClr val="accent1"/>
-              </a:solidFill>
-              <a:effectLst>
-                <a:outerShdw blurRad="38100" dist="25400" dir="5400000" algn="ctr" rotWithShape="0">
-                  <a:srgbClr val="6E747A">
-                    <a:alpha val="43000"/>
-                  </a:srgbClr>
-                </a:outerShdw>
-              </a:effectLst>
-            </a:endParaRPr>
           </a:p>
         </p:txBody>
       </p:sp>
@@ -4070,7 +3995,6 @@
               <a:rPr lang="en-US" b="1"/>
               <a:t>Varun Bohara</a:t>
             </a:r>
-            <a:endParaRPr lang="en-US" b="1"/>
           </a:p>
         </p:txBody>
       </p:sp>
@@ -4135,7 +4059,6 @@
               <a:rPr lang="en-IN" sz="1400" dirty="0"/>
               <a:t>Sentence based description of the image will be given as an output.</a:t>
             </a:r>
-            <a:endParaRPr lang="en-IN" sz="1400" dirty="0"/>
           </a:p>
           <a:p>
             <a:pPr marL="0" indent="0">
@@ -4147,7 +4070,7 @@
             </a:r>
             <a:r>
               <a:rPr lang="en-IN" sz="1400" b="1" dirty="0">
-                <a:hlinkClick r:id="rId1"/>
+                <a:hlinkClick r:id="rId2"/>
               </a:rPr>
               <a:t>https://www.kaggle.com/hsankesara/flickr-image-dataset</a:t>
             </a:r>
@@ -4185,7 +4108,6 @@
               <a:rPr lang="en-IN" sz="1800" b="1" dirty="0"/>
               <a:t>Predict Github Issues </a:t>
             </a:r>
-            <a:endParaRPr lang="en-IN" sz="1800" b="1" dirty="0"/>
           </a:p>
           <a:p>
             <a:pPr marL="457200" lvl="1" indent="0">
@@ -4195,7 +4117,6 @@
               <a:rPr lang="en-IN" sz="1000" b="1" dirty="0"/>
               <a:t>            </a:t>
             </a:r>
-            <a:endParaRPr lang="en-IN" sz="1000" b="1" dirty="0"/>
           </a:p>
           <a:p>
             <a:pPr marL="457200" lvl="1" indent="0">
@@ -4246,7 +4167,6 @@
               <a:rPr lang="en-IN" sz="1000" b="1" dirty="0"/>
               <a:t>	</a:t>
             </a:r>
-            <a:endParaRPr lang="en-IN" sz="1000" b="1" dirty="0"/>
           </a:p>
           <a:p>
             <a:pPr marL="457200" lvl="1" indent="0">
@@ -4258,7 +4178,7 @@
             </a:r>
             <a:r>
               <a:rPr lang="en-IN" sz="1400" b="1" dirty="0">
-                <a:hlinkClick r:id="rId2"/>
+                <a:hlinkClick r:id="rId3"/>
               </a:rPr>
               <a:t>https://www.machinehack.com/hackathons/predict_github_issues_embold_sponsored_hackathon/overview</a:t>
             </a:r>
@@ -4292,12 +4212,12 @@
           <a:bodyPr wrap="square" rtlCol="0">
             <a:spAutoFit/>
           </a:bodyPr>
+          <a:lstStyle/>
           <a:p>
             <a:r>
               <a:rPr lang="en-IN" altLang="en-US" sz="1600" b="1"/>
               <a:t>Abhishek Rao</a:t>
             </a:r>
-            <a:endParaRPr lang="en-IN" altLang="en-US" sz="1600" b="1"/>
           </a:p>
         </p:txBody>
       </p:sp>
@@ -4318,7 +4238,14 @@
         <p:cNvGrpSpPr/>
         <p:nvPr/>
       </p:nvGrpSpPr>
-      <p:grpSpPr/>
+      <p:grpSpPr>
+        <a:xfrm>
+          <a:off x="0" y="0"/>
+          <a:ext cx="0" cy="0"/>
+          <a:chOff x="0" y="0"/>
+          <a:chExt cx="0" cy="0"/>
+        </a:xfrm>
+      </p:grpSpPr>
       <p:sp>
         <p:nvSpPr>
           <p:cNvPr id="2" name="Title 1"/>
@@ -4332,8 +4259,13 @@
         <p:spPr/>
         <p:txBody>
           <a:bodyPr/>
-          <a:p>
-            <a:endParaRPr lang="en-US"/>
+          <a:lstStyle/>
+          <a:p>
+            <a:r>
+              <a:rPr lang="en-US" dirty="0" smtClean="0"/>
+              <a:t> </a:t>
+            </a:r>
+            <a:endParaRPr lang="en-US" dirty="0"/>
           </a:p>
         </p:txBody>
       </p:sp>
@@ -4347,11 +4279,214 @@
             <p:ph idx="1"/>
           </p:nvPr>
         </p:nvSpPr>
-        <p:spPr/>
+        <p:spPr>
+          <a:xfrm>
+            <a:off x="609600" y="1174750"/>
+            <a:ext cx="11369040" cy="5382804"/>
+          </a:xfrm>
+        </p:spPr>
         <p:txBody>
           <a:bodyPr/>
-          <a:p>
-            <a:endParaRPr lang="en-US"/>
+          <a:lstStyle/>
+          <a:p>
+            <a:r>
+              <a:rPr lang="en-US" sz="2000" b="1" dirty="0" smtClean="0"/>
+              <a:t>Mood Detection</a:t>
+            </a:r>
+          </a:p>
+          <a:p>
+            <a:pPr>
+              <a:buNone/>
+            </a:pPr>
+            <a:r>
+              <a:rPr lang="en-US" sz="1800" dirty="0" smtClean="0"/>
+              <a:t>     - </a:t>
+            </a:r>
+            <a:r>
+              <a:rPr lang="en-US" sz="1800" dirty="0" smtClean="0"/>
+              <a:t>Neurophysical Testing</a:t>
+            </a:r>
+          </a:p>
+          <a:p>
+            <a:pPr>
+              <a:buNone/>
+            </a:pPr>
+            <a:r>
+              <a:rPr lang="en-US" sz="1800" dirty="0" smtClean="0"/>
+              <a:t>     - Physical Testing</a:t>
+            </a:r>
+          </a:p>
+          <a:p>
+            <a:pPr>
+              <a:buNone/>
+            </a:pPr>
+            <a:r>
+              <a:rPr lang="en-US" sz="1800" dirty="0" smtClean="0"/>
+              <a:t>     - </a:t>
+            </a:r>
+            <a:r>
+              <a:rPr lang="en-US" sz="1800" dirty="0" smtClean="0"/>
+              <a:t>Typing DNA</a:t>
+            </a:r>
+            <a:endParaRPr lang="en-US" sz="1800" dirty="0" smtClean="0"/>
+          </a:p>
+          <a:p>
+            <a:pPr>
+              <a:buNone/>
+            </a:pPr>
+            <a:r>
+              <a:rPr lang="en-US" sz="1800" dirty="0" smtClean="0"/>
+              <a:t>     - Key Press Delay and Key Stroke </a:t>
+            </a:r>
+            <a:r>
+              <a:rPr lang="en-US" sz="1800" dirty="0" smtClean="0"/>
+              <a:t>Delay</a:t>
+            </a:r>
+          </a:p>
+          <a:p>
+            <a:pPr>
+              <a:buNone/>
+            </a:pPr>
+            <a:r>
+              <a:rPr lang="en-US" sz="1800" dirty="0" smtClean="0"/>
+              <a:t> </a:t>
+            </a:r>
+            <a:r>
+              <a:rPr lang="en-US" sz="1800" dirty="0" smtClean="0"/>
+              <a:t> </a:t>
+            </a:r>
+            <a:r>
+              <a:rPr lang="en-US" sz="1800" dirty="0" smtClean="0">
+                <a:hlinkClick r:id="rId2"/>
+              </a:rPr>
+              <a:t>https://www.hindawi.com/journals/complexity/2019/6434578/</a:t>
+            </a:r>
+            <a:endParaRPr lang="en-US" sz="1800" dirty="0" smtClean="0"/>
+          </a:p>
+          <a:p>
+            <a:r>
+              <a:rPr lang="en-US" sz="2000" b="1" dirty="0" smtClean="0"/>
+              <a:t>Behavior Prediction on human to human interaction</a:t>
+            </a:r>
+          </a:p>
+          <a:p>
+            <a:pPr>
+              <a:buNone/>
+            </a:pPr>
+            <a:r>
+              <a:rPr lang="en-US" sz="2000" dirty="0" smtClean="0"/>
+              <a:t>     </a:t>
+            </a:r>
+            <a:r>
+              <a:rPr lang="en-US" sz="1800" dirty="0" smtClean="0"/>
+              <a:t>- Audio Visual Data</a:t>
+            </a:r>
+          </a:p>
+          <a:p>
+            <a:pPr>
+              <a:buNone/>
+            </a:pPr>
+            <a:r>
+              <a:rPr lang="en-US" sz="1800" dirty="0" smtClean="0"/>
+              <a:t> </a:t>
+            </a:r>
+            <a:r>
+              <a:rPr lang="en-US" sz="1800" dirty="0" smtClean="0"/>
+              <a:t>    - Speech and Gesture </a:t>
+            </a:r>
+          </a:p>
+          <a:p>
+            <a:pPr>
+              <a:buNone/>
+            </a:pPr>
+            <a:r>
+              <a:rPr lang="en-US" sz="1800" dirty="0" smtClean="0"/>
+              <a:t> </a:t>
+            </a:r>
+            <a:r>
+              <a:rPr lang="en-US" sz="1800" dirty="0" smtClean="0">
+                <a:hlinkClick r:id="rId3"/>
+              </a:rPr>
+              <a:t>https://www.researchgate.net/publication/269353812_An_audio-visual_dataset_of_human-human_interactions_in_stressful_situations</a:t>
+            </a:r>
+            <a:endParaRPr lang="en-US" sz="1800" dirty="0" smtClean="0"/>
+          </a:p>
+          <a:p>
+            <a:r>
+              <a:rPr lang="en-US" sz="2000" b="1" dirty="0" smtClean="0"/>
+              <a:t>Effect of Music and Lyrics on Personality</a:t>
+            </a:r>
+          </a:p>
+          <a:p>
+            <a:pPr>
+              <a:buNone/>
+            </a:pPr>
+            <a:r>
+              <a:rPr lang="en-US" sz="2000" dirty="0" smtClean="0"/>
+              <a:t> </a:t>
+            </a:r>
+            <a:r>
+              <a:rPr lang="en-US" sz="2000" dirty="0" smtClean="0"/>
+              <a:t>   </a:t>
+            </a:r>
+            <a:r>
+              <a:rPr lang="en-US" sz="1800" dirty="0" smtClean="0"/>
+              <a:t>- Listener’s personality, Music preferences, Level of music involvement and Uses of music.</a:t>
+            </a:r>
+          </a:p>
+          <a:p>
+            <a:pPr>
+              <a:buNone/>
+            </a:pPr>
+            <a:r>
+              <a:rPr lang="en-US" sz="1800" dirty="0" smtClean="0">
+                <a:hlinkClick r:id="rId4"/>
+              </a:rPr>
+              <a:t>https://www.researchgate.net/publication/232435072_The_Effect_of_Music_and_Lyrics_on_Personality</a:t>
+            </a:r>
+            <a:endParaRPr lang="en-US" sz="1800" dirty="0" smtClean="0"/>
+          </a:p>
+          <a:p>
+            <a:pPr>
+              <a:buNone/>
+            </a:pPr>
+            <a:r>
+              <a:rPr lang="en-US" sz="1600" dirty="0" smtClean="0"/>
+              <a:t> </a:t>
+            </a:r>
+            <a:r>
+              <a:rPr lang="en-US" sz="1600" dirty="0" smtClean="0"/>
+              <a:t>                                                                                                                                                                   </a:t>
+            </a:r>
+          </a:p>
+          <a:p>
+            <a:pPr>
+              <a:buNone/>
+            </a:pPr>
+            <a:r>
+              <a:rPr lang="en-US" sz="1600" b="1" dirty="0" smtClean="0"/>
+              <a:t> </a:t>
+            </a:r>
+            <a:r>
+              <a:rPr lang="en-US" sz="1600" b="1" dirty="0" smtClean="0"/>
+              <a:t>                                                                                                                                                                  Sakshi Tahlani</a:t>
+            </a:r>
+          </a:p>
+          <a:p>
+            <a:pPr>
+              <a:buNone/>
+            </a:pPr>
+            <a:endParaRPr lang="en-US" sz="2000" dirty="0" smtClean="0"/>
+          </a:p>
+          <a:p>
+            <a:pPr>
+              <a:buNone/>
+            </a:pPr>
+            <a:r>
+              <a:rPr lang="en-US" sz="2000" dirty="0" smtClean="0"/>
+              <a:t>      </a:t>
+            </a:r>
+            <a:endParaRPr lang="en-US" sz="2000" dirty="0"/>
           </a:p>
         </p:txBody>
       </p:sp>
@@ -4372,7 +4507,14 @@
         <p:cNvGrpSpPr/>
         <p:nvPr/>
       </p:nvGrpSpPr>
-      <p:grpSpPr/>
+      <p:grpSpPr>
+        <a:xfrm>
+          <a:off x="0" y="0"/>
+          <a:ext cx="0" cy="0"/>
+          <a:chOff x="0" y="0"/>
+          <a:chExt cx="0" cy="0"/>
+        </a:xfrm>
+      </p:grpSpPr>
       <p:sp>
         <p:nvSpPr>
           <p:cNvPr id="2" name="Title 1"/>
@@ -4386,12 +4528,12 @@
         <p:spPr/>
         <p:txBody>
           <a:bodyPr/>
+          <a:lstStyle/>
           <a:p>
             <a:r>
               <a:rPr lang="en-IN" altLang="en-US" sz="500"/>
               <a:t>.</a:t>
             </a:r>
-            <a:endParaRPr lang="en-IN" altLang="en-US" sz="500"/>
           </a:p>
         </p:txBody>
       </p:sp>
@@ -4408,6 +4550,7 @@
         <p:spPr/>
         <p:txBody>
           <a:bodyPr/>
+          <a:lstStyle/>
           <a:p>
             <a:pPr marL="514350" indent="-514350">
               <a:buFont typeface="+mj-lt"/>
@@ -4419,9 +4562,6 @@
               </a:rPr>
               <a:t>Judging COVID-19 Infection through Symptoms </a:t>
             </a:r>
-            <a:endParaRPr lang="en-US" sz="2000" b="1">
-              <a:cs typeface="+mn-lt"/>
-            </a:endParaRPr>
           </a:p>
           <a:p>
             <a:pPr marL="0" indent="0">
@@ -4462,12 +4602,6 @@
               </a:rPr>
               <a:t>https://medium.com/@tanvirhurra/judging-covid-19-infection-through-symptoms-a-random-forest-based-	 classification-model-  6f67f15da6dd</a:t>
             </a:r>
-            <a:endParaRPr lang="en-IN" altLang="en-US" sz="1600">
-              <a:solidFill>
-                <a:schemeClr val="accent1"/>
-              </a:solidFill>
-              <a:sym typeface="+mn-ea"/>
-            </a:endParaRPr>
           </a:p>
           <a:p>
             <a:pPr marL="0" indent="0">
@@ -4498,9 +4632,6 @@
               </a:rPr>
               <a:t>Infant Cry Language Analysis and Recognition:</a:t>
             </a:r>
-            <a:endParaRPr lang="en-US" sz="2000" b="1">
-              <a:cs typeface="+mn-lt"/>
-            </a:endParaRPr>
           </a:p>
           <a:p>
             <a:pPr marL="457200" lvl="1" indent="0">
@@ -4519,7 +4650,6 @@
               <a:rPr lang="en-IN" altLang="en-US" sz="1800"/>
               <a:t>Determine the reason for cry of the infants may be hunger,sleepy,pain </a:t>
             </a:r>
-            <a:endParaRPr lang="en-IN" altLang="en-US" sz="1800"/>
           </a:p>
           <a:p>
             <a:pPr marL="0" indent="0">
@@ -4538,11 +4668,6 @@
               </a:rPr>
               <a:t>http://www.ieee-jas.org/fileZDHXBEN/journal/article/zdhxbywb/2019/3/PDF/jas-6-3-778.pdf</a:t>
             </a:r>
-            <a:endParaRPr lang="en-IN" altLang="en-US" sz="1800">
-              <a:solidFill>
-                <a:schemeClr val="accent1"/>
-              </a:solidFill>
-            </a:endParaRPr>
           </a:p>
         </p:txBody>
       </p:sp>
@@ -4566,12 +4691,12 @@
           <a:bodyPr wrap="square" rtlCol="0">
             <a:spAutoFit/>
           </a:bodyPr>
+          <a:lstStyle/>
           <a:p>
             <a:r>
               <a:rPr lang="en-IN" altLang="en-US" sz="1600" b="1"/>
               <a:t>Madhurika Ganiger</a:t>
             </a:r>
-            <a:endParaRPr lang="en-IN" altLang="en-US" sz="1600" b="1"/>
           </a:p>
         </p:txBody>
       </p:sp>
@@ -5443,7 +5568,7 @@
   </a:extraClrSchemeLst>
   <a:extLst>
     <a:ext uri="{05A4C25C-085E-4340-85A3-A5531E510DB2}">
-      <thm15:themeFamily xmlns:thm15="http://schemas.microsoft.com/office/thememl/2012/main" name="Office Theme" id="{62F939B6-93AF-4DB8-9C6B-D6C7DFDC589F}" vid="{4A3C46E8-61CC-4603-A589-7422A47A8E4A}"/>
+      <thm15:themeFamily xmlns:thm15="http://schemas.microsoft.com/office/thememl/2012/main" xmlns="" name="Office Theme" id="{62F939B6-93AF-4DB8-9C6B-D6C7DFDC589F}" vid="{4A3C46E8-61CC-4603-A589-7422A47A8E4A}"/>
     </a:ext>
   </a:extLst>
 </a:theme>
@@ -5700,9 +5825,11 @@
       </a:bgFillStyleLst>
     </a:fmtScheme>
   </a:themeElements>
+  <a:objectDefaults/>
+  <a:extraClrSchemeLst/>
   <a:extLst>
     <a:ext uri="{05A4C25C-085E-4340-85A3-A5531E510DB2}">
-      <thm15:themeFamily xmlns:thm15="http://schemas.microsoft.com/office/thememl/2012/main" name="Office Theme" id="{62F939B6-93AF-4DB8-9C6B-D6C7DFDC589F}" vid="{4A3C46E8-61CC-4603-A589-7422A47A8E4A}"/>
+      <thm15:themeFamily xmlns:thm15="http://schemas.microsoft.com/office/thememl/2012/main" xmlns="" name="Office Theme" id="{62F939B6-93AF-4DB8-9C6B-D6C7DFDC589F}" vid="{4A3C46E8-61CC-4603-A589-7422A47A8E4A}"/>
     </a:ext>
   </a:extLst>
 </a:theme>

--- a/IDEAS FOR PROBLEM STATEMENT.2.pptx
+++ b/IDEAS FOR PROBLEM STATEMENT.2.pptx
@@ -5,14 +5,14 @@
     <p:sldMasterId id="2147483648" r:id="rId1"/>
   </p:sldMasterIdLst>
   <p:notesMasterIdLst>
-    <p:notesMasterId r:id="rId7"/>
+    <p:notesMasterId r:id="rId8"/>
   </p:notesMasterIdLst>
   <p:sldIdLst>
-    <p:sldId id="256" r:id="rId2"/>
-    <p:sldId id="257" r:id="rId3"/>
-    <p:sldId id="258" r:id="rId4"/>
-    <p:sldId id="260" r:id="rId5"/>
-    <p:sldId id="259" r:id="rId6"/>
+    <p:sldId id="256" r:id="rId3"/>
+    <p:sldId id="257" r:id="rId4"/>
+    <p:sldId id="258" r:id="rId5"/>
+    <p:sldId id="260" r:id="rId6"/>
+    <p:sldId id="259" r:id="rId7"/>
   </p:sldIdLst>
   <p:sldSz cx="12192000" cy="6858000"/>
   <p:notesSz cx="6858000" cy="9144000"/>
@@ -196,8 +196,6 @@
           <a:p>
             <a:fld id="{3EFD42F7-718C-4B98-AAEC-167E6DDD60A7}" type="datetimeFigureOut">
               <a:rPr lang="en-US" smtClean="0"/>
-              <a:pPr/>
-              <a:t>10/3/2020</a:t>
             </a:fld>
             <a:endParaRPr lang="en-US"/>
           </a:p>
@@ -264,6 +262,7 @@
               <a:rPr lang="en-US"/>
               <a:t>Click to edit Master text styles</a:t>
             </a:r>
+            <a:endParaRPr lang="en-US"/>
           </a:p>
           <a:p>
             <a:pPr lvl="1"/>
@@ -271,6 +270,7 @@
               <a:rPr lang="en-US"/>
               <a:t>Second level</a:t>
             </a:r>
+            <a:endParaRPr lang="en-US"/>
           </a:p>
           <a:p>
             <a:pPr lvl="2"/>
@@ -278,6 +278,7 @@
               <a:rPr lang="en-US"/>
               <a:t>Third level</a:t>
             </a:r>
+            <a:endParaRPr lang="en-US"/>
           </a:p>
           <a:p>
             <a:pPr lvl="3"/>
@@ -285,6 +286,7 @@
               <a:rPr lang="en-US"/>
               <a:t>Fourth level</a:t>
             </a:r>
+            <a:endParaRPr lang="en-US"/>
           </a:p>
           <a:p>
             <a:pPr lvl="4"/>
@@ -292,6 +294,7 @@
               <a:rPr lang="en-US"/>
               <a:t>Fifth level</a:t>
             </a:r>
+            <a:endParaRPr lang="en-US"/>
           </a:p>
         </p:txBody>
       </p:sp>
@@ -355,8 +358,6 @@
           <a:p>
             <a:fld id="{21B2AA4F-B828-4D7C-AFD3-893933DAFCB4}" type="slidenum">
               <a:rPr lang="en-US" smtClean="0"/>
-              <a:pPr/>
-              <a:t>‹#›</a:t>
             </a:fld>
             <a:endParaRPr lang="en-US"/>
           </a:p>
@@ -461,7 +462,7 @@
 </file>
 
 <file path=ppt/slideLayouts/slideLayout1.xml><?xml version="1.0" encoding="utf-8"?>
-<p:sldLayout xmlns:a="http://schemas.openxmlformats.org/drawingml/2006/main" xmlns:r="http://schemas.openxmlformats.org/officeDocument/2006/relationships" xmlns:p="http://schemas.openxmlformats.org/presentationml/2006/main" showMasterSp="0" type="title" preserve="1">
+<p:sldLayout xmlns:a="http://schemas.openxmlformats.org/drawingml/2006/main" xmlns:r="http://schemas.openxmlformats.org/officeDocument/2006/relationships" xmlns:p="http://schemas.openxmlformats.org/presentationml/2006/main" type="title" preserve="1" showMasterSp="0">
   <p:cSld name="Title Slide">
     <p:bg>
       <p:bgPr>
@@ -542,6 +543,7 @@
               <a:rPr lang="en-US" altLang="zh-CN" noProof="0"/>
               <a:t>Click to edit Master title style</a:t>
             </a:r>
+            <a:endParaRPr lang="en-US" altLang="zh-CN" noProof="0"/>
           </a:p>
         </p:txBody>
       </p:sp>
@@ -580,6 +582,7 @@
               <a:rPr lang="en-US" altLang="zh-CN" noProof="0"/>
               <a:t>Click to edit Master subtitle style</a:t>
             </a:r>
+            <a:endParaRPr lang="en-US" altLang="zh-CN" noProof="0"/>
           </a:p>
         </p:txBody>
       </p:sp>
@@ -604,14 +607,14 @@
           <a:noFill/>
           <a:extLst>
             <a:ext uri="{909E8E84-426E-40DD-AFC4-6F175D3DCCD1}">
-              <a14:hiddenFill xmlns:a14="http://schemas.microsoft.com/office/drawing/2010/main" xmlns="">
+              <a14:hiddenFill xmlns:a14="http://schemas.microsoft.com/office/drawing/2010/main">
                 <a:solidFill>
                   <a:schemeClr val="accent1"/>
                 </a:solidFill>
               </a14:hiddenFill>
             </a:ext>
             <a:ext uri="{91240B29-F687-4F45-9708-019B960494DF}">
-              <a14:hiddenLine xmlns:a14="http://schemas.microsoft.com/office/drawing/2010/main" xmlns="" w="9525">
+              <a14:hiddenLine xmlns:a14="http://schemas.microsoft.com/office/drawing/2010/main" w="9525">
                 <a:solidFill>
                   <a:srgbClr val="000000"/>
                 </a:solidFill>
@@ -621,7 +624,7 @@
               </a14:hiddenLine>
             </a:ext>
             <a:ext uri="{AF507438-7753-43E0-B8FC-AC1667EBCBE1}">
-              <a14:hiddenEffects xmlns:a14="http://schemas.microsoft.com/office/drawing/2010/main" xmlns="">
+              <a14:hiddenEffects xmlns:a14="http://schemas.microsoft.com/office/drawing/2010/main">
                 <a:effectLst>
                   <a:outerShdw dist="35921" dir="2700000" algn="ctr" rotWithShape="0">
                     <a:schemeClr val="bg2"/>
@@ -641,8 +644,6 @@
           <a:p>
             <a:fld id="{63A1C593-65D0-4073-BCC9-577B9352EA97}" type="datetimeFigureOut">
               <a:rPr lang="en-US" smtClean="0"/>
-              <a:pPr/>
-              <a:t>10/3/2020</a:t>
             </a:fld>
             <a:endParaRPr lang="en-US"/>
           </a:p>
@@ -669,14 +670,14 @@
           <a:noFill/>
           <a:extLst>
             <a:ext uri="{909E8E84-426E-40DD-AFC4-6F175D3DCCD1}">
-              <a14:hiddenFill xmlns:a14="http://schemas.microsoft.com/office/drawing/2010/main" xmlns="">
+              <a14:hiddenFill xmlns:a14="http://schemas.microsoft.com/office/drawing/2010/main">
                 <a:solidFill>
                   <a:schemeClr val="accent1"/>
                 </a:solidFill>
               </a14:hiddenFill>
             </a:ext>
             <a:ext uri="{91240B29-F687-4F45-9708-019B960494DF}">
-              <a14:hiddenLine xmlns:a14="http://schemas.microsoft.com/office/drawing/2010/main" xmlns="" w="9525">
+              <a14:hiddenLine xmlns:a14="http://schemas.microsoft.com/office/drawing/2010/main" w="9525">
                 <a:solidFill>
                   <a:srgbClr val="000000"/>
                 </a:solidFill>
@@ -686,7 +687,7 @@
               </a14:hiddenLine>
             </a:ext>
             <a:ext uri="{AF507438-7753-43E0-B8FC-AC1667EBCBE1}">
-              <a14:hiddenEffects xmlns:a14="http://schemas.microsoft.com/office/drawing/2010/main" xmlns="">
+              <a14:hiddenEffects xmlns:a14="http://schemas.microsoft.com/office/drawing/2010/main">
                 <a:effectLst>
                   <a:outerShdw dist="35921" dir="2700000" algn="ctr" rotWithShape="0">
                     <a:schemeClr val="bg2"/>
@@ -729,14 +730,14 @@
           <a:noFill/>
           <a:extLst>
             <a:ext uri="{909E8E84-426E-40DD-AFC4-6F175D3DCCD1}">
-              <a14:hiddenFill xmlns:a14="http://schemas.microsoft.com/office/drawing/2010/main" xmlns="">
+              <a14:hiddenFill xmlns:a14="http://schemas.microsoft.com/office/drawing/2010/main">
                 <a:solidFill>
                   <a:schemeClr val="accent1"/>
                 </a:solidFill>
               </a14:hiddenFill>
             </a:ext>
             <a:ext uri="{91240B29-F687-4F45-9708-019B960494DF}">
-              <a14:hiddenLine xmlns:a14="http://schemas.microsoft.com/office/drawing/2010/main" xmlns="" w="9525">
+              <a14:hiddenLine xmlns:a14="http://schemas.microsoft.com/office/drawing/2010/main" w="9525">
                 <a:solidFill>
                   <a:srgbClr val="000000"/>
                 </a:solidFill>
@@ -746,7 +747,7 @@
               </a14:hiddenLine>
             </a:ext>
             <a:ext uri="{AF507438-7753-43E0-B8FC-AC1667EBCBE1}">
-              <a14:hiddenEffects xmlns:a14="http://schemas.microsoft.com/office/drawing/2010/main" xmlns="">
+              <a14:hiddenEffects xmlns:a14="http://schemas.microsoft.com/office/drawing/2010/main">
                 <a:effectLst>
                   <a:outerShdw dist="35921" dir="2700000" algn="ctr" rotWithShape="0">
                     <a:schemeClr val="bg2"/>
@@ -766,8 +767,6 @@
           <a:p>
             <a:fld id="{9B618960-8005-486C-9A75-10CB2AAC16F9}" type="slidenum">
               <a:rPr lang="en-US" smtClean="0"/>
-              <a:pPr/>
-              <a:t>‹#›</a:t>
             </a:fld>
             <a:endParaRPr lang="en-US"/>
           </a:p>
@@ -818,6 +817,7 @@
               <a:rPr lang="en-US"/>
               <a:t>Click to edit Master title style</a:t>
             </a:r>
+            <a:endParaRPr lang="en-US"/>
           </a:p>
         </p:txBody>
       </p:sp>
@@ -841,6 +841,7 @@
               <a:rPr lang="en-US"/>
               <a:t>Click to edit Master text styles</a:t>
             </a:r>
+            <a:endParaRPr lang="en-US"/>
           </a:p>
           <a:p>
             <a:pPr lvl="1"/>
@@ -848,6 +849,7 @@
               <a:rPr lang="en-US"/>
               <a:t>Second level</a:t>
             </a:r>
+            <a:endParaRPr lang="en-US"/>
           </a:p>
           <a:p>
             <a:pPr lvl="2"/>
@@ -855,6 +857,7 @@
               <a:rPr lang="en-US"/>
               <a:t>Third level</a:t>
             </a:r>
+            <a:endParaRPr lang="en-US"/>
           </a:p>
           <a:p>
             <a:pPr lvl="3"/>
@@ -862,6 +865,7 @@
               <a:rPr lang="en-US"/>
               <a:t>Fourth level</a:t>
             </a:r>
+            <a:endParaRPr lang="en-US"/>
           </a:p>
           <a:p>
             <a:pPr lvl="4"/>
@@ -869,6 +873,7 @@
               <a:rPr lang="en-US"/>
               <a:t>Fifth level</a:t>
             </a:r>
+            <a:endParaRPr lang="en-US"/>
           </a:p>
         </p:txBody>
       </p:sp>
@@ -889,8 +894,6 @@
           <a:p>
             <a:fld id="{63A1C593-65D0-4073-BCC9-577B9352EA97}" type="datetimeFigureOut">
               <a:rPr lang="en-US" smtClean="0"/>
-              <a:pPr/>
-              <a:t>10/3/2020</a:t>
             </a:fld>
             <a:endParaRPr lang="en-US"/>
           </a:p>
@@ -932,8 +935,6 @@
           <a:p>
             <a:fld id="{9B618960-8005-486C-9A75-10CB2AAC16F9}" type="slidenum">
               <a:rPr lang="en-US" smtClean="0"/>
-              <a:pPr/>
-              <a:t>‹#›</a:t>
             </a:fld>
             <a:endParaRPr lang="en-US"/>
           </a:p>
@@ -989,6 +990,7 @@
               <a:rPr lang="en-US"/>
               <a:t>Click to edit Master title style</a:t>
             </a:r>
+            <a:endParaRPr lang="en-US"/>
           </a:p>
         </p:txBody>
       </p:sp>
@@ -1017,6 +1019,7 @@
               <a:rPr lang="en-US"/>
               <a:t>Click to edit Master text styles</a:t>
             </a:r>
+            <a:endParaRPr lang="en-US"/>
           </a:p>
           <a:p>
             <a:pPr lvl="1"/>
@@ -1024,6 +1027,7 @@
               <a:rPr lang="en-US"/>
               <a:t>Second level</a:t>
             </a:r>
+            <a:endParaRPr lang="en-US"/>
           </a:p>
           <a:p>
             <a:pPr lvl="2"/>
@@ -1031,6 +1035,7 @@
               <a:rPr lang="en-US"/>
               <a:t>Third level</a:t>
             </a:r>
+            <a:endParaRPr lang="en-US"/>
           </a:p>
           <a:p>
             <a:pPr lvl="3"/>
@@ -1038,6 +1043,7 @@
               <a:rPr lang="en-US"/>
               <a:t>Fourth level</a:t>
             </a:r>
+            <a:endParaRPr lang="en-US"/>
           </a:p>
           <a:p>
             <a:pPr lvl="4"/>
@@ -1045,6 +1051,7 @@
               <a:rPr lang="en-US"/>
               <a:t>Fifth level</a:t>
             </a:r>
+            <a:endParaRPr lang="en-US"/>
           </a:p>
         </p:txBody>
       </p:sp>
@@ -1065,8 +1072,6 @@
           <a:p>
             <a:fld id="{63A1C593-65D0-4073-BCC9-577B9352EA97}" type="datetimeFigureOut">
               <a:rPr lang="en-US" smtClean="0"/>
-              <a:pPr/>
-              <a:t>10/3/2020</a:t>
             </a:fld>
             <a:endParaRPr lang="en-US"/>
           </a:p>
@@ -1108,8 +1113,6 @@
           <a:p>
             <a:fld id="{9B618960-8005-486C-9A75-10CB2AAC16F9}" type="slidenum">
               <a:rPr lang="en-US" smtClean="0"/>
-              <a:pPr/>
-              <a:t>‹#›</a:t>
             </a:fld>
             <a:endParaRPr lang="en-US"/>
           </a:p>
@@ -1160,6 +1163,7 @@
               <a:rPr lang="en-US"/>
               <a:t>Click to edit Master title style</a:t>
             </a:r>
+            <a:endParaRPr lang="en-US"/>
           </a:p>
         </p:txBody>
       </p:sp>
@@ -1183,6 +1187,7 @@
               <a:rPr lang="en-US"/>
               <a:t>Click to edit Master text styles</a:t>
             </a:r>
+            <a:endParaRPr lang="en-US"/>
           </a:p>
           <a:p>
             <a:pPr lvl="1"/>
@@ -1190,6 +1195,7 @@
               <a:rPr lang="en-US"/>
               <a:t>Second level</a:t>
             </a:r>
+            <a:endParaRPr lang="en-US"/>
           </a:p>
           <a:p>
             <a:pPr lvl="2"/>
@@ -1197,6 +1203,7 @@
               <a:rPr lang="en-US"/>
               <a:t>Third level</a:t>
             </a:r>
+            <a:endParaRPr lang="en-US"/>
           </a:p>
           <a:p>
             <a:pPr lvl="3"/>
@@ -1204,6 +1211,7 @@
               <a:rPr lang="en-US"/>
               <a:t>Fourth level</a:t>
             </a:r>
+            <a:endParaRPr lang="en-US"/>
           </a:p>
           <a:p>
             <a:pPr lvl="4"/>
@@ -1211,6 +1219,7 @@
               <a:rPr lang="en-US"/>
               <a:t>Fifth level</a:t>
             </a:r>
+            <a:endParaRPr lang="en-US"/>
           </a:p>
         </p:txBody>
       </p:sp>
@@ -1231,8 +1240,6 @@
           <a:p>
             <a:fld id="{63A1C593-65D0-4073-BCC9-577B9352EA97}" type="datetimeFigureOut">
               <a:rPr lang="en-US" smtClean="0"/>
-              <a:pPr/>
-              <a:t>10/3/2020</a:t>
             </a:fld>
             <a:endParaRPr lang="en-US"/>
           </a:p>
@@ -1274,8 +1281,6 @@
           <a:p>
             <a:fld id="{9B618960-8005-486C-9A75-10CB2AAC16F9}" type="slidenum">
               <a:rPr lang="en-US" smtClean="0"/>
-              <a:pPr/>
-              <a:t>‹#›</a:t>
             </a:fld>
             <a:endParaRPr lang="en-US"/>
           </a:p>
@@ -1335,6 +1340,7 @@
               <a:rPr lang="en-US"/>
               <a:t>Click to edit Master title style</a:t>
             </a:r>
+            <a:endParaRPr lang="en-US"/>
           </a:p>
         </p:txBody>
       </p:sp>
@@ -1400,6 +1406,7 @@
               <a:rPr lang="en-US"/>
               <a:t>Click to edit Master text styles</a:t>
             </a:r>
+            <a:endParaRPr lang="en-US"/>
           </a:p>
         </p:txBody>
       </p:sp>
@@ -1420,8 +1427,6 @@
           <a:p>
             <a:fld id="{63A1C593-65D0-4073-BCC9-577B9352EA97}" type="datetimeFigureOut">
               <a:rPr lang="en-US" smtClean="0"/>
-              <a:pPr/>
-              <a:t>10/3/2020</a:t>
             </a:fld>
             <a:endParaRPr lang="en-US"/>
           </a:p>
@@ -1463,8 +1468,6 @@
           <a:p>
             <a:fld id="{9B618960-8005-486C-9A75-10CB2AAC16F9}" type="slidenum">
               <a:rPr lang="en-US" smtClean="0"/>
-              <a:pPr/>
-              <a:t>‹#›</a:t>
             </a:fld>
             <a:endParaRPr lang="en-US"/>
           </a:p>
@@ -1515,6 +1518,7 @@
               <a:rPr lang="en-US"/>
               <a:t>Click to edit Master title style</a:t>
             </a:r>
+            <a:endParaRPr lang="en-US"/>
           </a:p>
         </p:txBody>
       </p:sp>
@@ -1543,6 +1547,7 @@
               <a:rPr lang="en-US"/>
               <a:t>Click to edit Master text styles</a:t>
             </a:r>
+            <a:endParaRPr lang="en-US"/>
           </a:p>
           <a:p>
             <a:pPr lvl="1"/>
@@ -1550,6 +1555,7 @@
               <a:rPr lang="en-US"/>
               <a:t>Second level</a:t>
             </a:r>
+            <a:endParaRPr lang="en-US"/>
           </a:p>
           <a:p>
             <a:pPr lvl="2"/>
@@ -1557,6 +1563,7 @@
               <a:rPr lang="en-US"/>
               <a:t>Third level</a:t>
             </a:r>
+            <a:endParaRPr lang="en-US"/>
           </a:p>
           <a:p>
             <a:pPr lvl="3"/>
@@ -1564,6 +1571,7 @@
               <a:rPr lang="en-US"/>
               <a:t>Fourth level</a:t>
             </a:r>
+            <a:endParaRPr lang="en-US"/>
           </a:p>
           <a:p>
             <a:pPr lvl="4"/>
@@ -1571,6 +1579,7 @@
               <a:rPr lang="en-US"/>
               <a:t>Fifth level</a:t>
             </a:r>
+            <a:endParaRPr lang="en-US"/>
           </a:p>
         </p:txBody>
       </p:sp>
@@ -1599,6 +1608,7 @@
               <a:rPr lang="en-US"/>
               <a:t>Click to edit Master text styles</a:t>
             </a:r>
+            <a:endParaRPr lang="en-US"/>
           </a:p>
           <a:p>
             <a:pPr lvl="1"/>
@@ -1606,6 +1616,7 @@
               <a:rPr lang="en-US"/>
               <a:t>Second level</a:t>
             </a:r>
+            <a:endParaRPr lang="en-US"/>
           </a:p>
           <a:p>
             <a:pPr lvl="2"/>
@@ -1613,6 +1624,7 @@
               <a:rPr lang="en-US"/>
               <a:t>Third level</a:t>
             </a:r>
+            <a:endParaRPr lang="en-US"/>
           </a:p>
           <a:p>
             <a:pPr lvl="3"/>
@@ -1620,6 +1632,7 @@
               <a:rPr lang="en-US"/>
               <a:t>Fourth level</a:t>
             </a:r>
+            <a:endParaRPr lang="en-US"/>
           </a:p>
           <a:p>
             <a:pPr lvl="4"/>
@@ -1627,6 +1640,7 @@
               <a:rPr lang="en-US"/>
               <a:t>Fifth level</a:t>
             </a:r>
+            <a:endParaRPr lang="en-US"/>
           </a:p>
         </p:txBody>
       </p:sp>
@@ -1647,8 +1661,6 @@
           <a:p>
             <a:fld id="{63A1C593-65D0-4073-BCC9-577B9352EA97}" type="datetimeFigureOut">
               <a:rPr lang="en-US" smtClean="0"/>
-              <a:pPr/>
-              <a:t>10/3/2020</a:t>
             </a:fld>
             <a:endParaRPr lang="en-US"/>
           </a:p>
@@ -1690,8 +1702,6 @@
           <a:p>
             <a:fld id="{9B618960-8005-486C-9A75-10CB2AAC16F9}" type="slidenum">
               <a:rPr lang="en-US" smtClean="0"/>
-              <a:pPr/>
-              <a:t>‹#›</a:t>
             </a:fld>
             <a:endParaRPr lang="en-US"/>
           </a:p>
@@ -1747,6 +1757,7 @@
               <a:rPr lang="en-US"/>
               <a:t>Click to edit Master title style</a:t>
             </a:r>
+            <a:endParaRPr lang="en-US"/>
           </a:p>
         </p:txBody>
       </p:sp>
@@ -1812,6 +1823,7 @@
               <a:rPr lang="en-US"/>
               <a:t>Click to edit Master text styles</a:t>
             </a:r>
+            <a:endParaRPr lang="en-US"/>
           </a:p>
         </p:txBody>
       </p:sp>
@@ -1840,6 +1852,7 @@
               <a:rPr lang="en-US"/>
               <a:t>Click to edit Master text styles</a:t>
             </a:r>
+            <a:endParaRPr lang="en-US"/>
           </a:p>
           <a:p>
             <a:pPr lvl="1"/>
@@ -1847,6 +1860,7 @@
               <a:rPr lang="en-US"/>
               <a:t>Second level</a:t>
             </a:r>
+            <a:endParaRPr lang="en-US"/>
           </a:p>
           <a:p>
             <a:pPr lvl="2"/>
@@ -1854,6 +1868,7 @@
               <a:rPr lang="en-US"/>
               <a:t>Third level</a:t>
             </a:r>
+            <a:endParaRPr lang="en-US"/>
           </a:p>
           <a:p>
             <a:pPr lvl="3"/>
@@ -1861,6 +1876,7 @@
               <a:rPr lang="en-US"/>
               <a:t>Fourth level</a:t>
             </a:r>
+            <a:endParaRPr lang="en-US"/>
           </a:p>
           <a:p>
             <a:pPr lvl="4"/>
@@ -1868,6 +1884,7 @@
               <a:rPr lang="en-US"/>
               <a:t>Fifth level</a:t>
             </a:r>
+            <a:endParaRPr lang="en-US"/>
           </a:p>
         </p:txBody>
       </p:sp>
@@ -1933,6 +1950,7 @@
               <a:rPr lang="en-US"/>
               <a:t>Click to edit Master text styles</a:t>
             </a:r>
+            <a:endParaRPr lang="en-US"/>
           </a:p>
         </p:txBody>
       </p:sp>
@@ -1961,6 +1979,7 @@
               <a:rPr lang="en-US"/>
               <a:t>Click to edit Master text styles</a:t>
             </a:r>
+            <a:endParaRPr lang="en-US"/>
           </a:p>
           <a:p>
             <a:pPr lvl="1"/>
@@ -1968,6 +1987,7 @@
               <a:rPr lang="en-US"/>
               <a:t>Second level</a:t>
             </a:r>
+            <a:endParaRPr lang="en-US"/>
           </a:p>
           <a:p>
             <a:pPr lvl="2"/>
@@ -1975,6 +1995,7 @@
               <a:rPr lang="en-US"/>
               <a:t>Third level</a:t>
             </a:r>
+            <a:endParaRPr lang="en-US"/>
           </a:p>
           <a:p>
             <a:pPr lvl="3"/>
@@ -1982,6 +2003,7 @@
               <a:rPr lang="en-US"/>
               <a:t>Fourth level</a:t>
             </a:r>
+            <a:endParaRPr lang="en-US"/>
           </a:p>
           <a:p>
             <a:pPr lvl="4"/>
@@ -1989,6 +2011,7 @@
               <a:rPr lang="en-US"/>
               <a:t>Fifth level</a:t>
             </a:r>
+            <a:endParaRPr lang="en-US"/>
           </a:p>
         </p:txBody>
       </p:sp>
@@ -2009,8 +2032,6 @@
           <a:p>
             <a:fld id="{63A1C593-65D0-4073-BCC9-577B9352EA97}" type="datetimeFigureOut">
               <a:rPr lang="en-US" smtClean="0"/>
-              <a:pPr/>
-              <a:t>10/3/2020</a:t>
             </a:fld>
             <a:endParaRPr lang="en-US"/>
           </a:p>
@@ -2052,8 +2073,6 @@
           <a:p>
             <a:fld id="{9B618960-8005-486C-9A75-10CB2AAC16F9}" type="slidenum">
               <a:rPr lang="en-US" smtClean="0"/>
-              <a:pPr/>
-              <a:t>‹#›</a:t>
             </a:fld>
             <a:endParaRPr lang="en-US"/>
           </a:p>
@@ -2104,6 +2123,7 @@
               <a:rPr lang="en-US"/>
               <a:t>Click to edit Master title style</a:t>
             </a:r>
+            <a:endParaRPr lang="en-US"/>
           </a:p>
         </p:txBody>
       </p:sp>
@@ -2124,8 +2144,6 @@
           <a:p>
             <a:fld id="{63A1C593-65D0-4073-BCC9-577B9352EA97}" type="datetimeFigureOut">
               <a:rPr lang="en-US" smtClean="0"/>
-              <a:pPr/>
-              <a:t>10/3/2020</a:t>
             </a:fld>
             <a:endParaRPr lang="en-US"/>
           </a:p>
@@ -2167,8 +2185,6 @@
           <a:p>
             <a:fld id="{9B618960-8005-486C-9A75-10CB2AAC16F9}" type="slidenum">
               <a:rPr lang="en-US" smtClean="0"/>
-              <a:pPr/>
-              <a:t>‹#›</a:t>
             </a:fld>
             <a:endParaRPr lang="en-US"/>
           </a:p>
@@ -2217,8 +2233,6 @@
           <a:p>
             <a:fld id="{63A1C593-65D0-4073-BCC9-577B9352EA97}" type="datetimeFigureOut">
               <a:rPr lang="en-US" smtClean="0"/>
-              <a:pPr/>
-              <a:t>10/3/2020</a:t>
             </a:fld>
             <a:endParaRPr lang="en-US"/>
           </a:p>
@@ -2260,8 +2274,6 @@
           <a:p>
             <a:fld id="{9B618960-8005-486C-9A75-10CB2AAC16F9}" type="slidenum">
               <a:rPr lang="en-US" smtClean="0"/>
-              <a:pPr/>
-              <a:t>‹#›</a:t>
             </a:fld>
             <a:endParaRPr lang="en-US"/>
           </a:p>
@@ -2321,6 +2333,7 @@
               <a:rPr lang="en-US"/>
               <a:t>Click to edit Master title style</a:t>
             </a:r>
+            <a:endParaRPr lang="en-US"/>
           </a:p>
         </p:txBody>
       </p:sp>
@@ -2377,6 +2390,7 @@
               <a:rPr lang="en-US"/>
               <a:t>Click to edit Master text styles</a:t>
             </a:r>
+            <a:endParaRPr lang="en-US"/>
           </a:p>
           <a:p>
             <a:pPr lvl="1"/>
@@ -2384,6 +2398,7 @@
               <a:rPr lang="en-US"/>
               <a:t>Second level</a:t>
             </a:r>
+            <a:endParaRPr lang="en-US"/>
           </a:p>
           <a:p>
             <a:pPr lvl="2"/>
@@ -2391,6 +2406,7 @@
               <a:rPr lang="en-US"/>
               <a:t>Third level</a:t>
             </a:r>
+            <a:endParaRPr lang="en-US"/>
           </a:p>
           <a:p>
             <a:pPr lvl="3"/>
@@ -2398,6 +2414,7 @@
               <a:rPr lang="en-US"/>
               <a:t>Fourth level</a:t>
             </a:r>
+            <a:endParaRPr lang="en-US"/>
           </a:p>
           <a:p>
             <a:pPr lvl="4"/>
@@ -2405,6 +2422,7 @@
               <a:rPr lang="en-US"/>
               <a:t>Fifth level</a:t>
             </a:r>
+            <a:endParaRPr lang="en-US"/>
           </a:p>
         </p:txBody>
       </p:sp>
@@ -2470,6 +2488,7 @@
               <a:rPr lang="en-US"/>
               <a:t>Click to edit Master text styles</a:t>
             </a:r>
+            <a:endParaRPr lang="en-US"/>
           </a:p>
         </p:txBody>
       </p:sp>
@@ -2490,8 +2509,6 @@
           <a:p>
             <a:fld id="{63A1C593-65D0-4073-BCC9-577B9352EA97}" type="datetimeFigureOut">
               <a:rPr lang="en-US" smtClean="0"/>
-              <a:pPr/>
-              <a:t>10/3/2020</a:t>
             </a:fld>
             <a:endParaRPr lang="en-US"/>
           </a:p>
@@ -2533,8 +2550,6 @@
           <a:p>
             <a:fld id="{9B618960-8005-486C-9A75-10CB2AAC16F9}" type="slidenum">
               <a:rPr lang="en-US" smtClean="0"/>
-              <a:pPr/>
-              <a:t>‹#›</a:t>
             </a:fld>
             <a:endParaRPr lang="en-US"/>
           </a:p>
@@ -2594,6 +2609,7 @@
               <a:rPr lang="en-US"/>
               <a:t>Click to edit Master title style</a:t>
             </a:r>
+            <a:endParaRPr lang="en-US"/>
           </a:p>
         </p:txBody>
       </p:sp>
@@ -2749,6 +2765,7 @@
               <a:rPr lang="en-US"/>
               <a:t>Click to edit Master text styles</a:t>
             </a:r>
+            <a:endParaRPr lang="en-US"/>
           </a:p>
         </p:txBody>
       </p:sp>
@@ -2769,8 +2786,6 @@
           <a:p>
             <a:fld id="{63A1C593-65D0-4073-BCC9-577B9352EA97}" type="datetimeFigureOut">
               <a:rPr lang="en-US" smtClean="0"/>
-              <a:pPr/>
-              <a:t>10/3/2020</a:t>
             </a:fld>
             <a:endParaRPr lang="en-US"/>
           </a:p>
@@ -2812,8 +2827,6 @@
           <a:p>
             <a:fld id="{9B618960-8005-486C-9A75-10CB2AAC16F9}" type="slidenum">
               <a:rPr lang="en-US" smtClean="0"/>
-              <a:pPr/>
-              <a:t>‹#›</a:t>
             </a:fld>
             <a:endParaRPr lang="en-US"/>
           </a:p>
@@ -2862,7 +2875,7 @@
           <p:nvPr/>
         </p:nvPicPr>
         <p:blipFill>
-          <a:blip r:embed="rId13"/>
+          <a:blip r:embed="rId12"/>
           <a:stretch>
             <a:fillRect/>
           </a:stretch>
@@ -2913,6 +2926,7 @@
               <a:rPr lang="en-US" altLang="zh-CN" dirty="0"/>
               <a:t>Click to edit Master title style</a:t>
             </a:r>
+            <a:endParaRPr lang="en-US" altLang="zh-CN" dirty="0"/>
           </a:p>
         </p:txBody>
       </p:sp>
@@ -2948,6 +2962,7 @@
               <a:rPr lang="en-US" altLang="zh-CN" dirty="0"/>
               <a:t>Click to edit Master text styles</a:t>
             </a:r>
+            <a:endParaRPr lang="en-US" altLang="zh-CN" dirty="0"/>
           </a:p>
           <a:p>
             <a:pPr lvl="1"/>
@@ -2955,6 +2970,7 @@
               <a:rPr lang="en-US" altLang="zh-CN" dirty="0"/>
               <a:t>Second level</a:t>
             </a:r>
+            <a:endParaRPr lang="en-US" altLang="zh-CN" dirty="0"/>
           </a:p>
           <a:p>
             <a:pPr lvl="2"/>
@@ -2962,6 +2978,7 @@
               <a:rPr lang="en-US" altLang="zh-CN" dirty="0"/>
               <a:t>Third level</a:t>
             </a:r>
+            <a:endParaRPr lang="en-US" altLang="zh-CN" dirty="0"/>
           </a:p>
           <a:p>
             <a:pPr lvl="3"/>
@@ -2969,6 +2986,7 @@
               <a:rPr lang="en-US" altLang="zh-CN" dirty="0"/>
               <a:t>Fourth level</a:t>
             </a:r>
+            <a:endParaRPr lang="en-US" altLang="zh-CN" dirty="0"/>
           </a:p>
           <a:p>
             <a:pPr lvl="4"/>
@@ -2976,6 +2994,7 @@
               <a:rPr lang="en-US" altLang="zh-CN" dirty="0"/>
               <a:t>Fifth level</a:t>
             </a:r>
+            <a:endParaRPr lang="en-US" altLang="zh-CN" dirty="0"/>
           </a:p>
         </p:txBody>
       </p:sp>
@@ -3004,14 +3023,14 @@
           <a:effectLst/>
           <a:extLst>
             <a:ext uri="{909E8E84-426E-40DD-AFC4-6F175D3DCCD1}">
-              <a14:hiddenFill xmlns:a14="http://schemas.microsoft.com/office/drawing/2010/main" xmlns="">
+              <a14:hiddenFill xmlns:a14="http://schemas.microsoft.com/office/drawing/2010/main">
                 <a:solidFill>
                   <a:schemeClr val="accent1"/>
                 </a:solidFill>
               </a14:hiddenFill>
             </a:ext>
             <a:ext uri="{91240B29-F687-4F45-9708-019B960494DF}">
-              <a14:hiddenLine xmlns:a14="http://schemas.microsoft.com/office/drawing/2010/main" xmlns="" w="9525">
+              <a14:hiddenLine xmlns:a14="http://schemas.microsoft.com/office/drawing/2010/main" w="9525">
                 <a:solidFill>
                   <a:srgbClr val="000000"/>
                 </a:solidFill>
@@ -3021,7 +3040,7 @@
               </a14:hiddenLine>
             </a:ext>
             <a:ext uri="{AF507438-7753-43E0-B8FC-AC1667EBCBE1}">
-              <a14:hiddenEffects xmlns:a14="http://schemas.microsoft.com/office/drawing/2010/main" xmlns="">
+              <a14:hiddenEffects xmlns:a14="http://schemas.microsoft.com/office/drawing/2010/main">
                 <a:effectLst>
                   <a:outerShdw dist="35921" dir="2700000" algn="ctr" rotWithShape="0">
                     <a:schemeClr val="bg2"/>
@@ -3041,8 +3060,6 @@
           <a:p>
             <a:fld id="{63A1C593-65D0-4073-BCC9-577B9352EA97}" type="datetimeFigureOut">
               <a:rPr lang="en-US" smtClean="0"/>
-              <a:pPr/>
-              <a:t>10/3/2020</a:t>
             </a:fld>
             <a:endParaRPr lang="en-US"/>
           </a:p>
@@ -3073,14 +3090,14 @@
           <a:effectLst/>
           <a:extLst>
             <a:ext uri="{909E8E84-426E-40DD-AFC4-6F175D3DCCD1}">
-              <a14:hiddenFill xmlns:a14="http://schemas.microsoft.com/office/drawing/2010/main" xmlns="">
+              <a14:hiddenFill xmlns:a14="http://schemas.microsoft.com/office/drawing/2010/main">
                 <a:solidFill>
                   <a:schemeClr val="accent1"/>
                 </a:solidFill>
               </a14:hiddenFill>
             </a:ext>
             <a:ext uri="{91240B29-F687-4F45-9708-019B960494DF}">
-              <a14:hiddenLine xmlns:a14="http://schemas.microsoft.com/office/drawing/2010/main" xmlns="" w="9525">
+              <a14:hiddenLine xmlns:a14="http://schemas.microsoft.com/office/drawing/2010/main" w="9525">
                 <a:solidFill>
                   <a:srgbClr val="000000"/>
                 </a:solidFill>
@@ -3090,7 +3107,7 @@
               </a14:hiddenLine>
             </a:ext>
             <a:ext uri="{AF507438-7753-43E0-B8FC-AC1667EBCBE1}">
-              <a14:hiddenEffects xmlns:a14="http://schemas.microsoft.com/office/drawing/2010/main" xmlns="">
+              <a14:hiddenEffects xmlns:a14="http://schemas.microsoft.com/office/drawing/2010/main">
                 <a:effectLst>
                   <a:outerShdw dist="35921" dir="2700000" algn="ctr" rotWithShape="0">
                     <a:schemeClr val="bg2"/>
@@ -3137,14 +3154,14 @@
           <a:effectLst/>
           <a:extLst>
             <a:ext uri="{909E8E84-426E-40DD-AFC4-6F175D3DCCD1}">
-              <a14:hiddenFill xmlns:a14="http://schemas.microsoft.com/office/drawing/2010/main" xmlns="">
+              <a14:hiddenFill xmlns:a14="http://schemas.microsoft.com/office/drawing/2010/main">
                 <a:solidFill>
                   <a:schemeClr val="accent1"/>
                 </a:solidFill>
               </a14:hiddenFill>
             </a:ext>
             <a:ext uri="{91240B29-F687-4F45-9708-019B960494DF}">
-              <a14:hiddenLine xmlns:a14="http://schemas.microsoft.com/office/drawing/2010/main" xmlns="" w="9525">
+              <a14:hiddenLine xmlns:a14="http://schemas.microsoft.com/office/drawing/2010/main" w="9525">
                 <a:solidFill>
                   <a:srgbClr val="000000"/>
                 </a:solidFill>
@@ -3154,7 +3171,7 @@
               </a14:hiddenLine>
             </a:ext>
             <a:ext uri="{AF507438-7753-43E0-B8FC-AC1667EBCBE1}">
-              <a14:hiddenEffects xmlns:a14="http://schemas.microsoft.com/office/drawing/2010/main" xmlns="">
+              <a14:hiddenEffects xmlns:a14="http://schemas.microsoft.com/office/drawing/2010/main">
                 <a:effectLst>
                   <a:outerShdw dist="35921" dir="2700000" algn="ctr" rotWithShape="0">
                     <a:schemeClr val="bg2"/>
@@ -3174,8 +3191,6 @@
           <a:p>
             <a:fld id="{9B618960-8005-486C-9A75-10CB2AAC16F9}" type="slidenum">
               <a:rPr lang="en-US" smtClean="0"/>
-              <a:pPr/>
-              <a:t>‹#›</a:t>
             </a:fld>
             <a:endParaRPr lang="en-US"/>
           </a:p>
@@ -3631,6 +3646,7 @@
               <a:rPr lang="en-US" dirty="0"/>
               <a:t>IDEAS FOR PROBLEM STATEMENT</a:t>
             </a:r>
+            <a:endParaRPr lang="en-US" dirty="0"/>
           </a:p>
         </p:txBody>
       </p:sp>
@@ -3686,6 +3702,7 @@
               <a:rPr lang="en-US" sz="2000" b="1" dirty="0"/>
               <a:t> Autocomplete Feature</a:t>
             </a:r>
+            <a:endParaRPr lang="en-US" sz="2000" b="1" dirty="0"/>
           </a:p>
           <a:p>
             <a:pPr marL="457200" lvl="1" indent="0">
@@ -3697,6 +3714,9 @@
               </a:rPr>
               <a:t>   Incomplete terms entered by the user are compared to a dictionary to suggest possible options of words</a:t>
             </a:r>
+            <a:endParaRPr lang="en-US" sz="1090" dirty="0">
+              <a:sym typeface="+mn-ea"/>
+            </a:endParaRPr>
           </a:p>
           <a:p>
             <a:pPr marL="914400" lvl="2" indent="0">
@@ -3709,7 +3729,8 @@
               <a:t>	</a:t>
             </a:r>
             <a:r>
-              <a:rPr lang="en-US" sz="1050" b="1" dirty="0">
+              <a:rPr lang="en-US" sz="1050" dirty="0">
+                <a:ln/>
                 <a:solidFill>
                   <a:schemeClr val="accent1"/>
                 </a:solidFill>
@@ -3724,6 +3745,20 @@
               </a:rPr>
               <a:t>https://www.upgrad.com/blog/natural-language-processing-nlp-projects-ideas-topics-for-beginners/</a:t>
             </a:r>
+            <a:endParaRPr lang="en-US" sz="1050" dirty="0">
+              <a:ln/>
+              <a:solidFill>
+                <a:schemeClr val="accent1"/>
+              </a:solidFill>
+              <a:effectLst>
+                <a:outerShdw blurRad="38100" dist="25400" dir="5400000" algn="ctr" rotWithShape="0">
+                  <a:srgbClr val="6E747A">
+                    <a:alpha val="43000"/>
+                  </a:srgbClr>
+                </a:outerShdw>
+              </a:effectLst>
+              <a:sym typeface="+mn-ea"/>
+            </a:endParaRPr>
           </a:p>
           <a:p>
             <a:pPr marL="457200" indent="-457200">
@@ -3733,6 +3768,7 @@
               <a:rPr lang="en-US" sz="1750" b="1" dirty="0"/>
               <a:t> Music Genre Classification with Deep Learning</a:t>
             </a:r>
+            <a:endParaRPr lang="en-US" sz="1750" b="1" dirty="0"/>
           </a:p>
           <a:p>
             <a:pPr marL="0" indent="0">
@@ -3750,6 +3786,7 @@
               <a:rPr lang="en-US" sz="1200" dirty="0"/>
               <a:t> of music frames and analyzes the image using a Convolutional </a:t>
             </a:r>
+            <a:endParaRPr lang="en-US" sz="1200" dirty="0"/>
           </a:p>
           <a:p>
             <a:pPr marL="0" indent="0">
@@ -3759,6 +3796,7 @@
               <a:rPr lang="en-US" sz="1200" dirty="0"/>
               <a:t>             Neural Network (CNN) plus a Recurrent Neural Network (RNN). </a:t>
             </a:r>
+            <a:endParaRPr lang="en-US" sz="1200" dirty="0"/>
           </a:p>
           <a:p>
             <a:pPr marL="0" indent="0">
@@ -3779,57 +3817,18 @@
               </a:rPr>
               <a:t>		https://github.com/jsalbert/Music-Genre-Classification-with-Deep-Learning</a:t>
             </a:r>
-          </a:p>
-          <a:p>
-            <a:pPr marL="0" indent="0">
-              <a:buNone/>
-            </a:pPr>
-            <a:r>
-              <a:rPr lang="en-US" sz="1800" b="1" dirty="0"/>
-              <a:t>3.      Richter's Predictor: Modeling Earthquake Damage</a:t>
-            </a:r>
-          </a:p>
-          <a:p>
-            <a:pPr marL="0" indent="0">
-              <a:buNone/>
-            </a:pPr>
-            <a:r>
-              <a:rPr lang="en-US" sz="1200" dirty="0"/>
-              <a:t>              Based on aspects of building location and construction, your goal is to predict the level of damage to buildings </a:t>
-            </a:r>
-          </a:p>
-          <a:p>
-            <a:pPr marL="0" indent="0">
-              <a:buNone/>
-            </a:pPr>
-            <a:r>
-              <a:rPr lang="en-US" sz="1200" dirty="0"/>
-              <a:t>              caused by the 2015 Gorkha earthquake in Nepal.</a:t>
-            </a:r>
-          </a:p>
-          <a:p>
-            <a:pPr marL="0" indent="0">
-              <a:buNone/>
-            </a:pPr>
-            <a:r>
-              <a:rPr lang="en-US" sz="1200" dirty="0"/>
-              <a:t>		</a:t>
-            </a:r>
-            <a:r>
-              <a:rPr lang="en-US" sz="1200" dirty="0">
-                <a:solidFill>
-                  <a:schemeClr val="accent1"/>
-                </a:solidFill>
-                <a:effectLst>
-                  <a:outerShdw blurRad="38100" dist="25400" dir="5400000" algn="ctr" rotWithShape="0">
-                    <a:srgbClr val="6E747A">
-                      <a:alpha val="43000"/>
-                    </a:srgbClr>
-                  </a:outerShdw>
-                </a:effectLst>
-              </a:rPr>
-              <a:t>https://www.drivendata.org/competitions/57/nepal-earthquake/page/134/</a:t>
-            </a:r>
+            <a:endParaRPr lang="en-US" sz="1200" dirty="0">
+              <a:solidFill>
+                <a:schemeClr val="accent1"/>
+              </a:solidFill>
+              <a:effectLst>
+                <a:outerShdw blurRad="38100" dist="25400" dir="5400000" algn="ctr" rotWithShape="0">
+                  <a:srgbClr val="6E747A">
+                    <a:alpha val="43000"/>
+                  </a:srgbClr>
+                </a:outerShdw>
+              </a:effectLst>
+            </a:endParaRPr>
           </a:p>
           <a:p>
             <a:pPr marL="0" indent="0">
@@ -3851,7 +3850,7 @@
                   </a:outerShdw>
                 </a:effectLst>
               </a:rPr>
-              <a:t>4.      </a:t>
+              <a:t>3.      </a:t>
             </a:r>
             <a:r>
               <a:rPr lang="en-US" sz="1800" b="1" dirty="0">
@@ -3968,6 +3967,155 @@
               </a:rPr>
               <a:t>https://research.google.com/youtube8m/</a:t>
             </a:r>
+            <a:endParaRPr lang="en-US" sz="1200" dirty="0">
+              <a:solidFill>
+                <a:schemeClr val="accent1"/>
+              </a:solidFill>
+              <a:effectLst>
+                <a:outerShdw blurRad="38100" dist="25400" dir="5400000" algn="ctr" rotWithShape="0">
+                  <a:srgbClr val="6E747A">
+                    <a:alpha val="43000"/>
+                  </a:srgbClr>
+                </a:outerShdw>
+              </a:effectLst>
+            </a:endParaRPr>
+          </a:p>
+          <a:p>
+            <a:pPr marL="0" indent="0">
+              <a:lnSpc>
+                <a:spcPct val="80000"/>
+              </a:lnSpc>
+              <a:buNone/>
+            </a:pPr>
+            <a:r>
+              <a:rPr lang="en-US" sz="2000" b="1" dirty="0">
+                <a:ln/>
+                <a:solidFill>
+                  <a:schemeClr val="tx1"/>
+                </a:solidFill>
+                <a:effectLst>
+                  <a:outerShdw blurRad="38100" dist="19050" dir="2700000" algn="tl" rotWithShape="0">
+                    <a:schemeClr val="dk1">
+                      <a:alpha val="40000"/>
+                    </a:schemeClr>
+                  </a:outerShdw>
+                </a:effectLst>
+              </a:rPr>
+              <a:t>4.     Human Activity Recognition – Using Deep Learning Mode	</a:t>
+            </a:r>
+            <a:br>
+              <a:rPr lang="en-US" sz="2000" b="1" dirty="0">
+                <a:ln/>
+                <a:solidFill>
+                  <a:schemeClr val="tx1"/>
+                </a:solidFill>
+                <a:effectLst>
+                  <a:outerShdw blurRad="38100" dist="19050" dir="2700000" algn="tl" rotWithShape="0">
+                    <a:schemeClr val="dk1">
+                      <a:alpha val="40000"/>
+                    </a:schemeClr>
+                  </a:outerShdw>
+                </a:effectLst>
+              </a:rPr>
+            </a:br>
+            <a:r>
+              <a:rPr lang="en-US" sz="2000" b="1" dirty="0">
+                <a:ln/>
+                <a:solidFill>
+                  <a:schemeClr val="tx1"/>
+                </a:solidFill>
+                <a:effectLst>
+                  <a:outerShdw blurRad="38100" dist="19050" dir="2700000" algn="tl" rotWithShape="0">
+                    <a:schemeClr val="dk1">
+                      <a:alpha val="40000"/>
+                    </a:schemeClr>
+                  </a:outerShdw>
+                </a:effectLst>
+              </a:rPr>
+              <a:t>        </a:t>
+            </a:r>
+            <a:r>
+              <a:rPr lang="en-US" sz="1200" dirty="0">
+                <a:ln/>
+                <a:solidFill>
+                  <a:schemeClr val="tx1"/>
+                </a:solidFill>
+                <a:effectLst>
+                  <a:outerShdw blurRad="38100" dist="19050" dir="2700000" algn="tl" rotWithShape="0">
+                    <a:schemeClr val="dk1">
+                      <a:alpha val="40000"/>
+                    </a:schemeClr>
+                  </a:outerShdw>
+                </a:effectLst>
+              </a:rPr>
+              <a:t>To identify postures ranging from simple stand and sit to yoga assans.</a:t>
+            </a:r>
+            <a:endParaRPr lang="en-US" sz="1200" dirty="0">
+              <a:ln/>
+              <a:solidFill>
+                <a:schemeClr val="tx1"/>
+              </a:solidFill>
+              <a:effectLst>
+                <a:outerShdw blurRad="38100" dist="19050" dir="2700000" algn="tl" rotWithShape="0">
+                  <a:schemeClr val="dk1">
+                    <a:alpha val="40000"/>
+                  </a:schemeClr>
+                </a:outerShdw>
+              </a:effectLst>
+            </a:endParaRPr>
+          </a:p>
+          <a:p>
+            <a:pPr marL="0" indent="0">
+              <a:lnSpc>
+                <a:spcPct val="80000"/>
+              </a:lnSpc>
+              <a:buNone/>
+            </a:pPr>
+            <a:r>
+              <a:rPr lang="en-US" sz="1200" dirty="0">
+                <a:ln/>
+                <a:solidFill>
+                  <a:schemeClr val="tx1"/>
+                </a:solidFill>
+                <a:effectLst>
+                  <a:outerShdw blurRad="38100" dist="19050" dir="2700000" algn="tl" rotWithShape="0">
+                    <a:schemeClr val="dk1">
+                      <a:alpha val="40000"/>
+                    </a:schemeClr>
+                  </a:outerShdw>
+                </a:effectLst>
+              </a:rPr>
+              <a:t>		</a:t>
+            </a:r>
+            <a:r>
+              <a:rPr lang="en-US" sz="1200" dirty="0">
+                <a:ln/>
+                <a:solidFill>
+                  <a:schemeClr val="accent1"/>
+                </a:solidFill>
+                <a:effectLst>
+                  <a:outerShdw blurRad="38100" dist="25400" dir="5400000" algn="ctr" rotWithShape="0">
+                    <a:srgbClr val="6E747A">
+                      <a:alpha val="43000"/>
+                    </a:srgbClr>
+                  </a:outerShdw>
+                </a:effectLst>
+              </a:rPr>
+              <a:t>https://www.geeksforgeeks.org/human-activity-recognition-using-deep-learning-model/</a:t>
+            </a:r>
+            <a:endParaRPr lang="en-US" sz="1200" dirty="0">
+              <a:ln/>
+              <a:solidFill>
+                <a:schemeClr val="accent1"/>
+              </a:solidFill>
+              <a:effectLst>
+                <a:outerShdw blurRad="38100" dist="25400" dir="5400000" algn="ctr" rotWithShape="0">
+                  <a:srgbClr val="6E747A">
+                    <a:alpha val="43000"/>
+                  </a:srgbClr>
+                </a:outerShdw>
+              </a:effectLst>
+            </a:endParaRPr>
           </a:p>
         </p:txBody>
       </p:sp>
@@ -3995,6 +4143,7 @@
               <a:rPr lang="en-US" b="1"/>
               <a:t>Varun Bohara</a:t>
             </a:r>
+            <a:endParaRPr lang="en-US" b="1"/>
           </a:p>
         </p:txBody>
       </p:sp>
@@ -4059,6 +4208,7 @@
               <a:rPr lang="en-IN" sz="1400" dirty="0"/>
               <a:t>Sentence based description of the image will be given as an output.</a:t>
             </a:r>
+            <a:endParaRPr lang="en-IN" sz="1400" dirty="0"/>
           </a:p>
           <a:p>
             <a:pPr marL="0" indent="0">
@@ -4070,7 +4220,7 @@
             </a:r>
             <a:r>
               <a:rPr lang="en-IN" sz="1400" b="1" dirty="0">
-                <a:hlinkClick r:id="rId2"/>
+                <a:hlinkClick r:id="rId1"/>
               </a:rPr>
               <a:t>https://www.kaggle.com/hsankesara/flickr-image-dataset</a:t>
             </a:r>
@@ -4108,6 +4258,7 @@
               <a:rPr lang="en-IN" sz="1800" b="1" dirty="0"/>
               <a:t>Predict Github Issues </a:t>
             </a:r>
+            <a:endParaRPr lang="en-IN" sz="1800" b="1" dirty="0"/>
           </a:p>
           <a:p>
             <a:pPr marL="457200" lvl="1" indent="0">
@@ -4117,6 +4268,7 @@
               <a:rPr lang="en-IN" sz="1000" b="1" dirty="0"/>
               <a:t>            </a:t>
             </a:r>
+            <a:endParaRPr lang="en-IN" sz="1000" b="1" dirty="0"/>
           </a:p>
           <a:p>
             <a:pPr marL="457200" lvl="1" indent="0">
@@ -4167,6 +4319,7 @@
               <a:rPr lang="en-IN" sz="1000" b="1" dirty="0"/>
               <a:t>	</a:t>
             </a:r>
+            <a:endParaRPr lang="en-IN" sz="1000" b="1" dirty="0"/>
           </a:p>
           <a:p>
             <a:pPr marL="457200" lvl="1" indent="0">
@@ -4178,7 +4331,7 @@
             </a:r>
             <a:r>
               <a:rPr lang="en-IN" sz="1400" b="1" dirty="0">
-                <a:hlinkClick r:id="rId3"/>
+                <a:hlinkClick r:id="rId2"/>
               </a:rPr>
               <a:t>https://www.machinehack.com/hackathons/predict_github_issues_embold_sponsored_hackathon/overview</a:t>
             </a:r>
@@ -4218,6 +4371,7 @@
               <a:rPr lang="en-IN" altLang="en-US" sz="1600" b="1"/>
               <a:t>Abhishek Rao</a:t>
             </a:r>
+            <a:endParaRPr lang="en-IN" altLang="en-US" sz="1600" b="1"/>
           </a:p>
         </p:txBody>
       </p:sp>
@@ -4293,6 +4447,7 @@
               <a:rPr lang="en-US" sz="2000" b="1" dirty="0" smtClean="0"/>
               <a:t>Mood Detection</a:t>
             </a:r>
+            <a:endParaRPr lang="en-US" sz="2000" b="1" dirty="0" smtClean="0"/>
           </a:p>
           <a:p>
             <a:pPr>
@@ -4306,6 +4461,7 @@
               <a:rPr lang="en-US" sz="1800" dirty="0" smtClean="0"/>
               <a:t>Neurophysical Testing</a:t>
             </a:r>
+            <a:endParaRPr lang="en-US" sz="1800" dirty="0" smtClean="0"/>
           </a:p>
           <a:p>
             <a:pPr>
@@ -4315,6 +4471,7 @@
               <a:rPr lang="en-US" sz="1800" dirty="0" smtClean="0"/>
               <a:t>     - Physical Testing</a:t>
             </a:r>
+            <a:endParaRPr lang="en-US" sz="1800" dirty="0" smtClean="0"/>
           </a:p>
           <a:p>
             <a:pPr>
@@ -4342,6 +4499,7 @@
               <a:rPr lang="en-US" sz="1800" dirty="0" smtClean="0"/>
               <a:t>Delay</a:t>
             </a:r>
+            <a:endParaRPr lang="en-US" sz="1800" dirty="0" smtClean="0"/>
           </a:p>
           <a:p>
             <a:pPr>
@@ -4351,6 +4509,57 @@
               <a:rPr lang="en-US" sz="1800" dirty="0" smtClean="0"/>
               <a:t> </a:t>
             </a:r>
+            <a:r>
+              <a:rPr lang="en-US" sz="1800" dirty="0" smtClean="0"/>
+              <a:t> </a:t>
+            </a:r>
+            <a:r>
+              <a:rPr lang="en-US" sz="1800" dirty="0" smtClean="0">
+                <a:hlinkClick r:id="rId1"/>
+              </a:rPr>
+              <a:t>https://www.hindawi.com/journals/complexity/2019/6434578/</a:t>
+            </a:r>
+            <a:endParaRPr lang="en-US" sz="1800" dirty="0" smtClean="0"/>
+          </a:p>
+          <a:p>
+            <a:r>
+              <a:rPr lang="en-US" sz="2000" b="1" dirty="0" smtClean="0"/>
+              <a:t>Behavior Prediction on human to human interaction</a:t>
+            </a:r>
+            <a:endParaRPr lang="en-US" sz="2000" b="1" dirty="0" smtClean="0"/>
+          </a:p>
+          <a:p>
+            <a:pPr>
+              <a:buNone/>
+            </a:pPr>
+            <a:r>
+              <a:rPr lang="en-US" sz="2000" dirty="0" smtClean="0"/>
+              <a:t>     </a:t>
+            </a:r>
+            <a:r>
+              <a:rPr lang="en-US" sz="1800" dirty="0" smtClean="0"/>
+              <a:t>- Audio Visual Data</a:t>
+            </a:r>
+            <a:endParaRPr lang="en-US" sz="1800" dirty="0" smtClean="0"/>
+          </a:p>
+          <a:p>
+            <a:pPr>
+              <a:buNone/>
+            </a:pPr>
+            <a:r>
+              <a:rPr lang="en-US" sz="1800" dirty="0" smtClean="0"/>
+              <a:t> </a:t>
+            </a:r>
+            <a:r>
+              <a:rPr lang="en-US" sz="1800" dirty="0" smtClean="0"/>
+              <a:t>    - Speech and Gesture </a:t>
+            </a:r>
+            <a:endParaRPr lang="en-US" sz="1800" dirty="0" smtClean="0"/>
+          </a:p>
+          <a:p>
+            <a:pPr>
+              <a:buNone/>
+            </a:pPr>
             <a:r>
               <a:rPr lang="en-US" sz="1800" dirty="0" smtClean="0"/>
               <a:t> </a:t>
@@ -4359,15 +4568,16 @@
               <a:rPr lang="en-US" sz="1800" dirty="0" smtClean="0">
                 <a:hlinkClick r:id="rId2"/>
               </a:rPr>
-              <a:t>https://www.hindawi.com/journals/complexity/2019/6434578/</a:t>
+              <a:t>https://www.researchgate.net/publication/269353812_An_audio-visual_dataset_of_human-human_interactions_in_stressful_situations</a:t>
             </a:r>
             <a:endParaRPr lang="en-US" sz="1800" dirty="0" smtClean="0"/>
           </a:p>
           <a:p>
             <a:r>
               <a:rPr lang="en-US" sz="2000" b="1" dirty="0" smtClean="0"/>
-              <a:t>Behavior Prediction on human to human interaction</a:t>
-            </a:r>
+              <a:t>Effect of Music and Lyrics on Personality</a:t>
+            </a:r>
+            <a:endParaRPr lang="en-US" sz="2000" b="1" dirty="0" smtClean="0"/>
           </a:p>
           <a:p>
             <a:pPr>
@@ -4375,73 +4585,26 @@
             </a:pPr>
             <a:r>
               <a:rPr lang="en-US" sz="2000" dirty="0" smtClean="0"/>
-              <a:t>     </a:t>
+              <a:t> </a:t>
+            </a:r>
+            <a:r>
+              <a:rPr lang="en-US" sz="2000" dirty="0" smtClean="0"/>
+              <a:t>   </a:t>
             </a:r>
             <a:r>
               <a:rPr lang="en-US" sz="1800" dirty="0" smtClean="0"/>
-              <a:t>- Audio Visual Data</a:t>
-            </a:r>
+              <a:t>- Listener’s personality, Music preferences, Level of music involvement and Uses of music.</a:t>
+            </a:r>
+            <a:endParaRPr lang="en-US" sz="1800" dirty="0" smtClean="0"/>
           </a:p>
           <a:p>
             <a:pPr>
               <a:buNone/>
             </a:pPr>
-            <a:r>
-              <a:rPr lang="en-US" sz="1800" dirty="0" smtClean="0"/>
-              <a:t> </a:t>
-            </a:r>
-            <a:r>
-              <a:rPr lang="en-US" sz="1800" dirty="0" smtClean="0"/>
-              <a:t>    - Speech and Gesture </a:t>
-            </a:r>
-          </a:p>
-          <a:p>
-            <a:pPr>
-              <a:buNone/>
-            </a:pPr>
-            <a:r>
-              <a:rPr lang="en-US" sz="1800" dirty="0" smtClean="0"/>
-              <a:t> </a:t>
-            </a:r>
             <a:r>
               <a:rPr lang="en-US" sz="1800" dirty="0" smtClean="0">
                 <a:hlinkClick r:id="rId3"/>
               </a:rPr>
-              <a:t>https://www.researchgate.net/publication/269353812_An_audio-visual_dataset_of_human-human_interactions_in_stressful_situations</a:t>
-            </a:r>
-            <a:endParaRPr lang="en-US" sz="1800" dirty="0" smtClean="0"/>
-          </a:p>
-          <a:p>
-            <a:r>
-              <a:rPr lang="en-US" sz="2000" b="1" dirty="0" smtClean="0"/>
-              <a:t>Effect of Music and Lyrics on Personality</a:t>
-            </a:r>
-          </a:p>
-          <a:p>
-            <a:pPr>
-              <a:buNone/>
-            </a:pPr>
-            <a:r>
-              <a:rPr lang="en-US" sz="2000" dirty="0" smtClean="0"/>
-              <a:t> </a:t>
-            </a:r>
-            <a:r>
-              <a:rPr lang="en-US" sz="2000" dirty="0" smtClean="0"/>
-              <a:t>   </a:t>
-            </a:r>
-            <a:r>
-              <a:rPr lang="en-US" sz="1800" dirty="0" smtClean="0"/>
-              <a:t>- Listener’s personality, Music preferences, Level of music involvement and Uses of music.</a:t>
-            </a:r>
-          </a:p>
-          <a:p>
-            <a:pPr>
-              <a:buNone/>
-            </a:pPr>
-            <a:r>
-              <a:rPr lang="en-US" sz="1800" dirty="0" smtClean="0">
-                <a:hlinkClick r:id="rId4"/>
-              </a:rPr>
               <a:t>https://www.researchgate.net/publication/232435072_The_Effect_of_Music_and_Lyrics_on_Personality</a:t>
             </a:r>
             <a:endParaRPr lang="en-US" sz="1800" dirty="0" smtClean="0"/>
@@ -4458,6 +4621,7 @@
               <a:rPr lang="en-US" sz="1600" dirty="0" smtClean="0"/>
               <a:t>                                                                                                                                                                   </a:t>
             </a:r>
+            <a:endParaRPr lang="en-US" sz="1600" dirty="0" smtClean="0"/>
           </a:p>
           <a:p>
             <a:pPr>
@@ -4471,6 +4635,7 @@
               <a:rPr lang="en-US" sz="1600" b="1" dirty="0" smtClean="0"/>
               <a:t>                                                                                                                                                                  Sakshi Tahlani</a:t>
             </a:r>
+            <a:endParaRPr lang="en-US" sz="1600" b="1" dirty="0" smtClean="0"/>
           </a:p>
           <a:p>
             <a:pPr>
@@ -4534,6 +4699,7 @@
               <a:rPr lang="en-IN" altLang="en-US" sz="500"/>
               <a:t>.</a:t>
             </a:r>
+            <a:endParaRPr lang="en-IN" altLang="en-US" sz="500"/>
           </a:p>
         </p:txBody>
       </p:sp>
@@ -4562,6 +4728,9 @@
               </a:rPr>
               <a:t>Judging COVID-19 Infection through Symptoms </a:t>
             </a:r>
+            <a:endParaRPr lang="en-US" sz="2000" b="1">
+              <a:cs typeface="+mn-lt"/>
+            </a:endParaRPr>
           </a:p>
           <a:p>
             <a:pPr marL="0" indent="0">
@@ -4602,6 +4771,12 @@
               </a:rPr>
               <a:t>https://medium.com/@tanvirhurra/judging-covid-19-infection-through-symptoms-a-random-forest-based-	 classification-model-  6f67f15da6dd</a:t>
             </a:r>
+            <a:endParaRPr lang="en-IN" altLang="en-US" sz="1600">
+              <a:solidFill>
+                <a:schemeClr val="accent1"/>
+              </a:solidFill>
+              <a:sym typeface="+mn-ea"/>
+            </a:endParaRPr>
           </a:p>
           <a:p>
             <a:pPr marL="0" indent="0">
@@ -4632,6 +4807,9 @@
               </a:rPr>
               <a:t>Infant Cry Language Analysis and Recognition:</a:t>
             </a:r>
+            <a:endParaRPr lang="en-US" sz="2000" b="1">
+              <a:cs typeface="+mn-lt"/>
+            </a:endParaRPr>
           </a:p>
           <a:p>
             <a:pPr marL="457200" lvl="1" indent="0">
@@ -4650,6 +4828,7 @@
               <a:rPr lang="en-IN" altLang="en-US" sz="1800"/>
               <a:t>Determine the reason for cry of the infants may be hunger,sleepy,pain </a:t>
             </a:r>
+            <a:endParaRPr lang="en-IN" altLang="en-US" sz="1800"/>
           </a:p>
           <a:p>
             <a:pPr marL="0" indent="0">
@@ -4668,6 +4847,11 @@
               </a:rPr>
               <a:t>http://www.ieee-jas.org/fileZDHXBEN/journal/article/zdhxbywb/2019/3/PDF/jas-6-3-778.pdf</a:t>
             </a:r>
+            <a:endParaRPr lang="en-IN" altLang="en-US" sz="1800">
+              <a:solidFill>
+                <a:schemeClr val="accent1"/>
+              </a:solidFill>
+            </a:endParaRPr>
           </a:p>
         </p:txBody>
       </p:sp>
@@ -4697,6 +4881,7 @@
               <a:rPr lang="en-IN" altLang="en-US" sz="1600" b="1"/>
               <a:t>Madhurika Ganiger</a:t>
             </a:r>
+            <a:endParaRPr lang="en-IN" altLang="en-US" sz="1600" b="1"/>
           </a:p>
         </p:txBody>
       </p:sp>
@@ -5568,7 +5753,7 @@
   </a:extraClrSchemeLst>
   <a:extLst>
     <a:ext uri="{05A4C25C-085E-4340-85A3-A5531E510DB2}">
-      <thm15:themeFamily xmlns:thm15="http://schemas.microsoft.com/office/thememl/2012/main" xmlns="" name="Office Theme" id="{62F939B6-93AF-4DB8-9C6B-D6C7DFDC589F}" vid="{4A3C46E8-61CC-4603-A589-7422A47A8E4A}"/>
+      <thm15:themeFamily xmlns:thm15="http://schemas.microsoft.com/office/thememl/2012/main" name="Office Theme" id="{62F939B6-93AF-4DB8-9C6B-D6C7DFDC589F}" vid="{4A3C46E8-61CC-4603-A589-7422A47A8E4A}"/>
     </a:ext>
   </a:extLst>
 </a:theme>
@@ -5825,11 +6010,9 @@
       </a:bgFillStyleLst>
     </a:fmtScheme>
   </a:themeElements>
-  <a:objectDefaults/>
-  <a:extraClrSchemeLst/>
   <a:extLst>
     <a:ext uri="{05A4C25C-085E-4340-85A3-A5531E510DB2}">
-      <thm15:themeFamily xmlns:thm15="http://schemas.microsoft.com/office/thememl/2012/main" xmlns="" name="Office Theme" id="{62F939B6-93AF-4DB8-9C6B-D6C7DFDC589F}" vid="{4A3C46E8-61CC-4603-A589-7422A47A8E4A}"/>
+      <thm15:themeFamily xmlns:thm15="http://schemas.microsoft.com/office/thememl/2012/main" name="Office Theme" id="{62F939B6-93AF-4DB8-9C6B-D6C7DFDC589F}" vid="{4A3C46E8-61CC-4603-A589-7422A47A8E4A}"/>
     </a:ext>
   </a:extLst>
 </a:theme>

--- a/IDEAS FOR PROBLEM STATEMENT.2.pptx
+++ b/IDEAS FOR PROBLEM STATEMENT.2.pptx
@@ -3643,10 +3643,10 @@
           <a:lstStyle/>
           <a:p>
             <a:r>
-              <a:rPr lang="en-US" dirty="0"/>
-              <a:t>IDEAS FOR PROBLEM STATEMENT</a:t>
-            </a:r>
-            <a:endParaRPr lang="en-US" dirty="0"/>
+              <a:rPr lang="en-US" b="1" dirty="0"/>
+              <a:t>IDEAS FOR PROBLEM STATEMENT.</a:t>
+            </a:r>
+            <a:endParaRPr lang="en-US" b="1" dirty="0"/>
           </a:p>
         </p:txBody>
       </p:sp>
@@ -3730,7 +3730,6 @@
             </a:r>
             <a:r>
               <a:rPr lang="en-US" sz="1050" dirty="0">
-                <a:ln/>
                 <a:solidFill>
                   <a:schemeClr val="accent1"/>
                 </a:solidFill>
@@ -3746,7 +3745,6 @@
               <a:t>https://www.upgrad.com/blog/natural-language-processing-nlp-projects-ideas-topics-for-beginners/</a:t>
             </a:r>
             <a:endParaRPr lang="en-US" sz="1050" dirty="0">
-              <a:ln/>
               <a:solidFill>
                 <a:schemeClr val="accent1"/>
               </a:solidFill>
@@ -3989,7 +3987,6 @@
             </a:pPr>
             <a:r>
               <a:rPr lang="en-US" sz="2000" b="1" dirty="0">
-                <a:ln/>
                 <a:solidFill>
                   <a:schemeClr val="tx1"/>
                 </a:solidFill>
@@ -4005,7 +4002,6 @@
             </a:r>
             <a:br>
               <a:rPr lang="en-US" sz="2000" b="1" dirty="0">
-                <a:ln/>
                 <a:solidFill>
                   <a:schemeClr val="tx1"/>
                 </a:solidFill>
@@ -4020,7 +4016,6 @@
             </a:br>
             <a:r>
               <a:rPr lang="en-US" sz="2000" b="1" dirty="0">
-                <a:ln/>
                 <a:solidFill>
                   <a:schemeClr val="tx1"/>
                 </a:solidFill>
@@ -4036,7 +4031,6 @@
             </a:r>
             <a:r>
               <a:rPr lang="en-US" sz="1200" dirty="0">
-                <a:ln/>
                 <a:solidFill>
                   <a:schemeClr val="tx1"/>
                 </a:solidFill>
@@ -4051,7 +4045,6 @@
               <a:t>To identify postures ranging from simple stand and sit to yoga assans.</a:t>
             </a:r>
             <a:endParaRPr lang="en-US" sz="1200" dirty="0">
-              <a:ln/>
               <a:solidFill>
                 <a:schemeClr val="tx1"/>
               </a:solidFill>
@@ -4073,7 +4066,6 @@
             </a:pPr>
             <a:r>
               <a:rPr lang="en-US" sz="1200" dirty="0">
-                <a:ln/>
                 <a:solidFill>
                   <a:schemeClr val="tx1"/>
                 </a:solidFill>
@@ -4089,7 +4081,6 @@
             </a:r>
             <a:r>
               <a:rPr lang="en-US" sz="1200" dirty="0">
-                <a:ln/>
                 <a:solidFill>
                   <a:schemeClr val="accent1"/>
                 </a:solidFill>
@@ -4104,7 +4095,6 @@
               <a:t>https://www.geeksforgeeks.org/human-activity-recognition-using-deep-learning-model/</a:t>
             </a:r>
             <a:endParaRPr lang="en-US" sz="1200" dirty="0">
-              <a:ln/>
               <a:solidFill>
                 <a:schemeClr val="accent1"/>
               </a:solidFill>

--- a/IDEAS FOR PROBLEM STATEMENT.2.pptx
+++ b/IDEAS FOR PROBLEM STATEMENT.2.pptx
@@ -5,14 +5,14 @@
     <p:sldMasterId id="2147483648" r:id="rId1"/>
   </p:sldMasterIdLst>
   <p:notesMasterIdLst>
-    <p:notesMasterId r:id="rId8"/>
+    <p:notesMasterId r:id="rId7"/>
   </p:notesMasterIdLst>
   <p:sldIdLst>
-    <p:sldId id="256" r:id="rId3"/>
-    <p:sldId id="257" r:id="rId4"/>
-    <p:sldId id="258" r:id="rId5"/>
-    <p:sldId id="260" r:id="rId6"/>
-    <p:sldId id="259" r:id="rId7"/>
+    <p:sldId id="256" r:id="rId2"/>
+    <p:sldId id="257" r:id="rId3"/>
+    <p:sldId id="258" r:id="rId4"/>
+    <p:sldId id="260" r:id="rId5"/>
+    <p:sldId id="259" r:id="rId6"/>
   </p:sldIdLst>
   <p:sldSz cx="12192000" cy="6858000"/>
   <p:notesSz cx="6858000" cy="9144000"/>
@@ -111,6 +111,22 @@
       </a:defRPr>
     </a:lvl9pPr>
   </p:defaultTextStyle>
+  <p:extLst>
+    <p:ext uri="{EFAFB233-063F-42B5-8137-9DF3F51BA10A}">
+      <p15:sldGuideLst xmlns:p15="http://schemas.microsoft.com/office/powerpoint/2012/main">
+        <p15:guide id="1" orient="horz" pos="2160">
+          <p15:clr>
+            <a:srgbClr val="A4A3A4"/>
+          </p15:clr>
+        </p15:guide>
+        <p15:guide id="2" pos="3840">
+          <p15:clr>
+            <a:srgbClr val="A4A3A4"/>
+          </p15:clr>
+        </p15:guide>
+      </p15:sldGuideLst>
+    </p:ext>
+  </p:extLst>
 </p:presentation>
 </file>
 
@@ -196,6 +212,7 @@
           <a:p>
             <a:fld id="{3EFD42F7-718C-4B98-AAEC-167E6DDD60A7}" type="datetimeFigureOut">
               <a:rPr lang="en-US" smtClean="0"/>
+              <a:t>10/3/2020</a:t>
             </a:fld>
             <a:endParaRPr lang="en-US"/>
           </a:p>
@@ -262,7 +279,6 @@
               <a:rPr lang="en-US"/>
               <a:t>Click to edit Master text styles</a:t>
             </a:r>
-            <a:endParaRPr lang="en-US"/>
           </a:p>
           <a:p>
             <a:pPr lvl="1"/>
@@ -270,7 +286,6 @@
               <a:rPr lang="en-US"/>
               <a:t>Second level</a:t>
             </a:r>
-            <a:endParaRPr lang="en-US"/>
           </a:p>
           <a:p>
             <a:pPr lvl="2"/>
@@ -278,7 +293,6 @@
               <a:rPr lang="en-US"/>
               <a:t>Third level</a:t>
             </a:r>
-            <a:endParaRPr lang="en-US"/>
           </a:p>
           <a:p>
             <a:pPr lvl="3"/>
@@ -286,7 +300,6 @@
               <a:rPr lang="en-US"/>
               <a:t>Fourth level</a:t>
             </a:r>
-            <a:endParaRPr lang="en-US"/>
           </a:p>
           <a:p>
             <a:pPr lvl="4"/>
@@ -294,7 +307,6 @@
               <a:rPr lang="en-US"/>
               <a:t>Fifth level</a:t>
             </a:r>
-            <a:endParaRPr lang="en-US"/>
           </a:p>
         </p:txBody>
       </p:sp>
@@ -358,6 +370,7 @@
           <a:p>
             <a:fld id="{21B2AA4F-B828-4D7C-AFD3-893933DAFCB4}" type="slidenum">
               <a:rPr lang="en-US" smtClean="0"/>
+              <a:t>‹#›</a:t>
             </a:fld>
             <a:endParaRPr lang="en-US"/>
           </a:p>
@@ -462,7 +475,7 @@
 </file>
 
 <file path=ppt/slideLayouts/slideLayout1.xml><?xml version="1.0" encoding="utf-8"?>
-<p:sldLayout xmlns:a="http://schemas.openxmlformats.org/drawingml/2006/main" xmlns:r="http://schemas.openxmlformats.org/officeDocument/2006/relationships" xmlns:p="http://schemas.openxmlformats.org/presentationml/2006/main" type="title" preserve="1" showMasterSp="0">
+<p:sldLayout xmlns:a="http://schemas.openxmlformats.org/drawingml/2006/main" xmlns:r="http://schemas.openxmlformats.org/officeDocument/2006/relationships" xmlns:p="http://schemas.openxmlformats.org/presentationml/2006/main" showMasterSp="0" type="title" preserve="1">
   <p:cSld name="Title Slide">
     <p:bg>
       <p:bgPr>
@@ -543,7 +556,6 @@
               <a:rPr lang="en-US" altLang="zh-CN" noProof="0"/>
               <a:t>Click to edit Master title style</a:t>
             </a:r>
-            <a:endParaRPr lang="en-US" altLang="zh-CN" noProof="0"/>
           </a:p>
         </p:txBody>
       </p:sp>
@@ -582,7 +594,6 @@
               <a:rPr lang="en-US" altLang="zh-CN" noProof="0"/>
               <a:t>Click to edit Master subtitle style</a:t>
             </a:r>
-            <a:endParaRPr lang="en-US" altLang="zh-CN" noProof="0"/>
           </a:p>
         </p:txBody>
       </p:sp>
@@ -644,6 +655,7 @@
           <a:p>
             <a:fld id="{63A1C593-65D0-4073-BCC9-577B9352EA97}" type="datetimeFigureOut">
               <a:rPr lang="en-US" smtClean="0"/>
+              <a:t>10/3/2020</a:t>
             </a:fld>
             <a:endParaRPr lang="en-US"/>
           </a:p>
@@ -767,6 +779,7 @@
           <a:p>
             <a:fld id="{9B618960-8005-486C-9A75-10CB2AAC16F9}" type="slidenum">
               <a:rPr lang="en-US" smtClean="0"/>
+              <a:t>‹#›</a:t>
             </a:fld>
             <a:endParaRPr lang="en-US"/>
           </a:p>
@@ -817,7 +830,6 @@
               <a:rPr lang="en-US"/>
               <a:t>Click to edit Master title style</a:t>
             </a:r>
-            <a:endParaRPr lang="en-US"/>
           </a:p>
         </p:txBody>
       </p:sp>
@@ -841,7 +853,6 @@
               <a:rPr lang="en-US"/>
               <a:t>Click to edit Master text styles</a:t>
             </a:r>
-            <a:endParaRPr lang="en-US"/>
           </a:p>
           <a:p>
             <a:pPr lvl="1"/>
@@ -849,7 +860,6 @@
               <a:rPr lang="en-US"/>
               <a:t>Second level</a:t>
             </a:r>
-            <a:endParaRPr lang="en-US"/>
           </a:p>
           <a:p>
             <a:pPr lvl="2"/>
@@ -857,7 +867,6 @@
               <a:rPr lang="en-US"/>
               <a:t>Third level</a:t>
             </a:r>
-            <a:endParaRPr lang="en-US"/>
           </a:p>
           <a:p>
             <a:pPr lvl="3"/>
@@ -865,7 +874,6 @@
               <a:rPr lang="en-US"/>
               <a:t>Fourth level</a:t>
             </a:r>
-            <a:endParaRPr lang="en-US"/>
           </a:p>
           <a:p>
             <a:pPr lvl="4"/>
@@ -873,7 +881,6 @@
               <a:rPr lang="en-US"/>
               <a:t>Fifth level</a:t>
             </a:r>
-            <a:endParaRPr lang="en-US"/>
           </a:p>
         </p:txBody>
       </p:sp>
@@ -894,6 +901,7 @@
           <a:p>
             <a:fld id="{63A1C593-65D0-4073-BCC9-577B9352EA97}" type="datetimeFigureOut">
               <a:rPr lang="en-US" smtClean="0"/>
+              <a:t>10/3/2020</a:t>
             </a:fld>
             <a:endParaRPr lang="en-US"/>
           </a:p>
@@ -935,6 +943,7 @@
           <a:p>
             <a:fld id="{9B618960-8005-486C-9A75-10CB2AAC16F9}" type="slidenum">
               <a:rPr lang="en-US" smtClean="0"/>
+              <a:t>‹#›</a:t>
             </a:fld>
             <a:endParaRPr lang="en-US"/>
           </a:p>
@@ -990,7 +999,6 @@
               <a:rPr lang="en-US"/>
               <a:t>Click to edit Master title style</a:t>
             </a:r>
-            <a:endParaRPr lang="en-US"/>
           </a:p>
         </p:txBody>
       </p:sp>
@@ -1019,7 +1027,6 @@
               <a:rPr lang="en-US"/>
               <a:t>Click to edit Master text styles</a:t>
             </a:r>
-            <a:endParaRPr lang="en-US"/>
           </a:p>
           <a:p>
             <a:pPr lvl="1"/>
@@ -1027,7 +1034,6 @@
               <a:rPr lang="en-US"/>
               <a:t>Second level</a:t>
             </a:r>
-            <a:endParaRPr lang="en-US"/>
           </a:p>
           <a:p>
             <a:pPr lvl="2"/>
@@ -1035,7 +1041,6 @@
               <a:rPr lang="en-US"/>
               <a:t>Third level</a:t>
             </a:r>
-            <a:endParaRPr lang="en-US"/>
           </a:p>
           <a:p>
             <a:pPr lvl="3"/>
@@ -1043,7 +1048,6 @@
               <a:rPr lang="en-US"/>
               <a:t>Fourth level</a:t>
             </a:r>
-            <a:endParaRPr lang="en-US"/>
           </a:p>
           <a:p>
             <a:pPr lvl="4"/>
@@ -1051,7 +1055,6 @@
               <a:rPr lang="en-US"/>
               <a:t>Fifth level</a:t>
             </a:r>
-            <a:endParaRPr lang="en-US"/>
           </a:p>
         </p:txBody>
       </p:sp>
@@ -1072,6 +1075,7 @@
           <a:p>
             <a:fld id="{63A1C593-65D0-4073-BCC9-577B9352EA97}" type="datetimeFigureOut">
               <a:rPr lang="en-US" smtClean="0"/>
+              <a:t>10/3/2020</a:t>
             </a:fld>
             <a:endParaRPr lang="en-US"/>
           </a:p>
@@ -1113,6 +1117,7 @@
           <a:p>
             <a:fld id="{9B618960-8005-486C-9A75-10CB2AAC16F9}" type="slidenum">
               <a:rPr lang="en-US" smtClean="0"/>
+              <a:t>‹#›</a:t>
             </a:fld>
             <a:endParaRPr lang="en-US"/>
           </a:p>
@@ -1163,7 +1168,6 @@
               <a:rPr lang="en-US"/>
               <a:t>Click to edit Master title style</a:t>
             </a:r>
-            <a:endParaRPr lang="en-US"/>
           </a:p>
         </p:txBody>
       </p:sp>
@@ -1187,7 +1191,6 @@
               <a:rPr lang="en-US"/>
               <a:t>Click to edit Master text styles</a:t>
             </a:r>
-            <a:endParaRPr lang="en-US"/>
           </a:p>
           <a:p>
             <a:pPr lvl="1"/>
@@ -1195,7 +1198,6 @@
               <a:rPr lang="en-US"/>
               <a:t>Second level</a:t>
             </a:r>
-            <a:endParaRPr lang="en-US"/>
           </a:p>
           <a:p>
             <a:pPr lvl="2"/>
@@ -1203,7 +1205,6 @@
               <a:rPr lang="en-US"/>
               <a:t>Third level</a:t>
             </a:r>
-            <a:endParaRPr lang="en-US"/>
           </a:p>
           <a:p>
             <a:pPr lvl="3"/>
@@ -1211,7 +1212,6 @@
               <a:rPr lang="en-US"/>
               <a:t>Fourth level</a:t>
             </a:r>
-            <a:endParaRPr lang="en-US"/>
           </a:p>
           <a:p>
             <a:pPr lvl="4"/>
@@ -1219,7 +1219,6 @@
               <a:rPr lang="en-US"/>
               <a:t>Fifth level</a:t>
             </a:r>
-            <a:endParaRPr lang="en-US"/>
           </a:p>
         </p:txBody>
       </p:sp>
@@ -1240,6 +1239,7 @@
           <a:p>
             <a:fld id="{63A1C593-65D0-4073-BCC9-577B9352EA97}" type="datetimeFigureOut">
               <a:rPr lang="en-US" smtClean="0"/>
+              <a:t>10/3/2020</a:t>
             </a:fld>
             <a:endParaRPr lang="en-US"/>
           </a:p>
@@ -1281,6 +1281,7 @@
           <a:p>
             <a:fld id="{9B618960-8005-486C-9A75-10CB2AAC16F9}" type="slidenum">
               <a:rPr lang="en-US" smtClean="0"/>
+              <a:t>‹#›</a:t>
             </a:fld>
             <a:endParaRPr lang="en-US"/>
           </a:p>
@@ -1340,7 +1341,6 @@
               <a:rPr lang="en-US"/>
               <a:t>Click to edit Master title style</a:t>
             </a:r>
-            <a:endParaRPr lang="en-US"/>
           </a:p>
         </p:txBody>
       </p:sp>
@@ -1406,7 +1406,6 @@
               <a:rPr lang="en-US"/>
               <a:t>Click to edit Master text styles</a:t>
             </a:r>
-            <a:endParaRPr lang="en-US"/>
           </a:p>
         </p:txBody>
       </p:sp>
@@ -1427,6 +1426,7 @@
           <a:p>
             <a:fld id="{63A1C593-65D0-4073-BCC9-577B9352EA97}" type="datetimeFigureOut">
               <a:rPr lang="en-US" smtClean="0"/>
+              <a:t>10/3/2020</a:t>
             </a:fld>
             <a:endParaRPr lang="en-US"/>
           </a:p>
@@ -1468,6 +1468,7 @@
           <a:p>
             <a:fld id="{9B618960-8005-486C-9A75-10CB2AAC16F9}" type="slidenum">
               <a:rPr lang="en-US" smtClean="0"/>
+              <a:t>‹#›</a:t>
             </a:fld>
             <a:endParaRPr lang="en-US"/>
           </a:p>
@@ -1518,7 +1519,6 @@
               <a:rPr lang="en-US"/>
               <a:t>Click to edit Master title style</a:t>
             </a:r>
-            <a:endParaRPr lang="en-US"/>
           </a:p>
         </p:txBody>
       </p:sp>
@@ -1547,7 +1547,6 @@
               <a:rPr lang="en-US"/>
               <a:t>Click to edit Master text styles</a:t>
             </a:r>
-            <a:endParaRPr lang="en-US"/>
           </a:p>
           <a:p>
             <a:pPr lvl="1"/>
@@ -1555,7 +1554,6 @@
               <a:rPr lang="en-US"/>
               <a:t>Second level</a:t>
             </a:r>
-            <a:endParaRPr lang="en-US"/>
           </a:p>
           <a:p>
             <a:pPr lvl="2"/>
@@ -1563,7 +1561,6 @@
               <a:rPr lang="en-US"/>
               <a:t>Third level</a:t>
             </a:r>
-            <a:endParaRPr lang="en-US"/>
           </a:p>
           <a:p>
             <a:pPr lvl="3"/>
@@ -1571,7 +1568,6 @@
               <a:rPr lang="en-US"/>
               <a:t>Fourth level</a:t>
             </a:r>
-            <a:endParaRPr lang="en-US"/>
           </a:p>
           <a:p>
             <a:pPr lvl="4"/>
@@ -1579,7 +1575,6 @@
               <a:rPr lang="en-US"/>
               <a:t>Fifth level</a:t>
             </a:r>
-            <a:endParaRPr lang="en-US"/>
           </a:p>
         </p:txBody>
       </p:sp>
@@ -1608,7 +1603,6 @@
               <a:rPr lang="en-US"/>
               <a:t>Click to edit Master text styles</a:t>
             </a:r>
-            <a:endParaRPr lang="en-US"/>
           </a:p>
           <a:p>
             <a:pPr lvl="1"/>
@@ -1616,7 +1610,6 @@
               <a:rPr lang="en-US"/>
               <a:t>Second level</a:t>
             </a:r>
-            <a:endParaRPr lang="en-US"/>
           </a:p>
           <a:p>
             <a:pPr lvl="2"/>
@@ -1624,7 +1617,6 @@
               <a:rPr lang="en-US"/>
               <a:t>Third level</a:t>
             </a:r>
-            <a:endParaRPr lang="en-US"/>
           </a:p>
           <a:p>
             <a:pPr lvl="3"/>
@@ -1632,7 +1624,6 @@
               <a:rPr lang="en-US"/>
               <a:t>Fourth level</a:t>
             </a:r>
-            <a:endParaRPr lang="en-US"/>
           </a:p>
           <a:p>
             <a:pPr lvl="4"/>
@@ -1640,7 +1631,6 @@
               <a:rPr lang="en-US"/>
               <a:t>Fifth level</a:t>
             </a:r>
-            <a:endParaRPr lang="en-US"/>
           </a:p>
         </p:txBody>
       </p:sp>
@@ -1661,6 +1651,7 @@
           <a:p>
             <a:fld id="{63A1C593-65D0-4073-BCC9-577B9352EA97}" type="datetimeFigureOut">
               <a:rPr lang="en-US" smtClean="0"/>
+              <a:t>10/3/2020</a:t>
             </a:fld>
             <a:endParaRPr lang="en-US"/>
           </a:p>
@@ -1702,6 +1693,7 @@
           <a:p>
             <a:fld id="{9B618960-8005-486C-9A75-10CB2AAC16F9}" type="slidenum">
               <a:rPr lang="en-US" smtClean="0"/>
+              <a:t>‹#›</a:t>
             </a:fld>
             <a:endParaRPr lang="en-US"/>
           </a:p>
@@ -1757,7 +1749,6 @@
               <a:rPr lang="en-US"/>
               <a:t>Click to edit Master title style</a:t>
             </a:r>
-            <a:endParaRPr lang="en-US"/>
           </a:p>
         </p:txBody>
       </p:sp>
@@ -1823,7 +1814,6 @@
               <a:rPr lang="en-US"/>
               <a:t>Click to edit Master text styles</a:t>
             </a:r>
-            <a:endParaRPr lang="en-US"/>
           </a:p>
         </p:txBody>
       </p:sp>
@@ -1852,7 +1842,6 @@
               <a:rPr lang="en-US"/>
               <a:t>Click to edit Master text styles</a:t>
             </a:r>
-            <a:endParaRPr lang="en-US"/>
           </a:p>
           <a:p>
             <a:pPr lvl="1"/>
@@ -1860,7 +1849,6 @@
               <a:rPr lang="en-US"/>
               <a:t>Second level</a:t>
             </a:r>
-            <a:endParaRPr lang="en-US"/>
           </a:p>
           <a:p>
             <a:pPr lvl="2"/>
@@ -1868,7 +1856,6 @@
               <a:rPr lang="en-US"/>
               <a:t>Third level</a:t>
             </a:r>
-            <a:endParaRPr lang="en-US"/>
           </a:p>
           <a:p>
             <a:pPr lvl="3"/>
@@ -1876,7 +1863,6 @@
               <a:rPr lang="en-US"/>
               <a:t>Fourth level</a:t>
             </a:r>
-            <a:endParaRPr lang="en-US"/>
           </a:p>
           <a:p>
             <a:pPr lvl="4"/>
@@ -1884,7 +1870,6 @@
               <a:rPr lang="en-US"/>
               <a:t>Fifth level</a:t>
             </a:r>
-            <a:endParaRPr lang="en-US"/>
           </a:p>
         </p:txBody>
       </p:sp>
@@ -1950,7 +1935,6 @@
               <a:rPr lang="en-US"/>
               <a:t>Click to edit Master text styles</a:t>
             </a:r>
-            <a:endParaRPr lang="en-US"/>
           </a:p>
         </p:txBody>
       </p:sp>
@@ -1979,7 +1963,6 @@
               <a:rPr lang="en-US"/>
               <a:t>Click to edit Master text styles</a:t>
             </a:r>
-            <a:endParaRPr lang="en-US"/>
           </a:p>
           <a:p>
             <a:pPr lvl="1"/>
@@ -1987,7 +1970,6 @@
               <a:rPr lang="en-US"/>
               <a:t>Second level</a:t>
             </a:r>
-            <a:endParaRPr lang="en-US"/>
           </a:p>
           <a:p>
             <a:pPr lvl="2"/>
@@ -1995,7 +1977,6 @@
               <a:rPr lang="en-US"/>
               <a:t>Third level</a:t>
             </a:r>
-            <a:endParaRPr lang="en-US"/>
           </a:p>
           <a:p>
             <a:pPr lvl="3"/>
@@ -2003,7 +1984,6 @@
               <a:rPr lang="en-US"/>
               <a:t>Fourth level</a:t>
             </a:r>
-            <a:endParaRPr lang="en-US"/>
           </a:p>
           <a:p>
             <a:pPr lvl="4"/>
@@ -2011,7 +1991,6 @@
               <a:rPr lang="en-US"/>
               <a:t>Fifth level</a:t>
             </a:r>
-            <a:endParaRPr lang="en-US"/>
           </a:p>
         </p:txBody>
       </p:sp>
@@ -2032,6 +2011,7 @@
           <a:p>
             <a:fld id="{63A1C593-65D0-4073-BCC9-577B9352EA97}" type="datetimeFigureOut">
               <a:rPr lang="en-US" smtClean="0"/>
+              <a:t>10/3/2020</a:t>
             </a:fld>
             <a:endParaRPr lang="en-US"/>
           </a:p>
@@ -2073,6 +2053,7 @@
           <a:p>
             <a:fld id="{9B618960-8005-486C-9A75-10CB2AAC16F9}" type="slidenum">
               <a:rPr lang="en-US" smtClean="0"/>
+              <a:t>‹#›</a:t>
             </a:fld>
             <a:endParaRPr lang="en-US"/>
           </a:p>
@@ -2123,7 +2104,6 @@
               <a:rPr lang="en-US"/>
               <a:t>Click to edit Master title style</a:t>
             </a:r>
-            <a:endParaRPr lang="en-US"/>
           </a:p>
         </p:txBody>
       </p:sp>
@@ -2144,6 +2124,7 @@
           <a:p>
             <a:fld id="{63A1C593-65D0-4073-BCC9-577B9352EA97}" type="datetimeFigureOut">
               <a:rPr lang="en-US" smtClean="0"/>
+              <a:t>10/3/2020</a:t>
             </a:fld>
             <a:endParaRPr lang="en-US"/>
           </a:p>
@@ -2185,6 +2166,7 @@
           <a:p>
             <a:fld id="{9B618960-8005-486C-9A75-10CB2AAC16F9}" type="slidenum">
               <a:rPr lang="en-US" smtClean="0"/>
+              <a:t>‹#›</a:t>
             </a:fld>
             <a:endParaRPr lang="en-US"/>
           </a:p>
@@ -2233,6 +2215,7 @@
           <a:p>
             <a:fld id="{63A1C593-65D0-4073-BCC9-577B9352EA97}" type="datetimeFigureOut">
               <a:rPr lang="en-US" smtClean="0"/>
+              <a:t>10/3/2020</a:t>
             </a:fld>
             <a:endParaRPr lang="en-US"/>
           </a:p>
@@ -2274,6 +2257,7 @@
           <a:p>
             <a:fld id="{9B618960-8005-486C-9A75-10CB2AAC16F9}" type="slidenum">
               <a:rPr lang="en-US" smtClean="0"/>
+              <a:t>‹#›</a:t>
             </a:fld>
             <a:endParaRPr lang="en-US"/>
           </a:p>
@@ -2333,7 +2317,6 @@
               <a:rPr lang="en-US"/>
               <a:t>Click to edit Master title style</a:t>
             </a:r>
-            <a:endParaRPr lang="en-US"/>
           </a:p>
         </p:txBody>
       </p:sp>
@@ -2390,7 +2373,6 @@
               <a:rPr lang="en-US"/>
               <a:t>Click to edit Master text styles</a:t>
             </a:r>
-            <a:endParaRPr lang="en-US"/>
           </a:p>
           <a:p>
             <a:pPr lvl="1"/>
@@ -2398,7 +2380,6 @@
               <a:rPr lang="en-US"/>
               <a:t>Second level</a:t>
             </a:r>
-            <a:endParaRPr lang="en-US"/>
           </a:p>
           <a:p>
             <a:pPr lvl="2"/>
@@ -2406,7 +2387,6 @@
               <a:rPr lang="en-US"/>
               <a:t>Third level</a:t>
             </a:r>
-            <a:endParaRPr lang="en-US"/>
           </a:p>
           <a:p>
             <a:pPr lvl="3"/>
@@ -2414,7 +2394,6 @@
               <a:rPr lang="en-US"/>
               <a:t>Fourth level</a:t>
             </a:r>
-            <a:endParaRPr lang="en-US"/>
           </a:p>
           <a:p>
             <a:pPr lvl="4"/>
@@ -2422,7 +2401,6 @@
               <a:rPr lang="en-US"/>
               <a:t>Fifth level</a:t>
             </a:r>
-            <a:endParaRPr lang="en-US"/>
           </a:p>
         </p:txBody>
       </p:sp>
@@ -2488,7 +2466,6 @@
               <a:rPr lang="en-US"/>
               <a:t>Click to edit Master text styles</a:t>
             </a:r>
-            <a:endParaRPr lang="en-US"/>
           </a:p>
         </p:txBody>
       </p:sp>
@@ -2509,6 +2486,7 @@
           <a:p>
             <a:fld id="{63A1C593-65D0-4073-BCC9-577B9352EA97}" type="datetimeFigureOut">
               <a:rPr lang="en-US" smtClean="0"/>
+              <a:t>10/3/2020</a:t>
             </a:fld>
             <a:endParaRPr lang="en-US"/>
           </a:p>
@@ -2550,6 +2528,7 @@
           <a:p>
             <a:fld id="{9B618960-8005-486C-9A75-10CB2AAC16F9}" type="slidenum">
               <a:rPr lang="en-US" smtClean="0"/>
+              <a:t>‹#›</a:t>
             </a:fld>
             <a:endParaRPr lang="en-US"/>
           </a:p>
@@ -2609,7 +2588,6 @@
               <a:rPr lang="en-US"/>
               <a:t>Click to edit Master title style</a:t>
             </a:r>
-            <a:endParaRPr lang="en-US"/>
           </a:p>
         </p:txBody>
       </p:sp>
@@ -2765,7 +2743,6 @@
               <a:rPr lang="en-US"/>
               <a:t>Click to edit Master text styles</a:t>
             </a:r>
-            <a:endParaRPr lang="en-US"/>
           </a:p>
         </p:txBody>
       </p:sp>
@@ -2786,6 +2763,7 @@
           <a:p>
             <a:fld id="{63A1C593-65D0-4073-BCC9-577B9352EA97}" type="datetimeFigureOut">
               <a:rPr lang="en-US" smtClean="0"/>
+              <a:t>10/3/2020</a:t>
             </a:fld>
             <a:endParaRPr lang="en-US"/>
           </a:p>
@@ -2827,6 +2805,7 @@
           <a:p>
             <a:fld id="{9B618960-8005-486C-9A75-10CB2AAC16F9}" type="slidenum">
               <a:rPr lang="en-US" smtClean="0"/>
+              <a:t>‹#›</a:t>
             </a:fld>
             <a:endParaRPr lang="en-US"/>
           </a:p>
@@ -2875,7 +2854,7 @@
           <p:nvPr/>
         </p:nvPicPr>
         <p:blipFill>
-          <a:blip r:embed="rId12"/>
+          <a:blip r:embed="rId13"/>
           <a:stretch>
             <a:fillRect/>
           </a:stretch>
@@ -2926,7 +2905,6 @@
               <a:rPr lang="en-US" altLang="zh-CN" dirty="0"/>
               <a:t>Click to edit Master title style</a:t>
             </a:r>
-            <a:endParaRPr lang="en-US" altLang="zh-CN" dirty="0"/>
           </a:p>
         </p:txBody>
       </p:sp>
@@ -2962,7 +2940,6 @@
               <a:rPr lang="en-US" altLang="zh-CN" dirty="0"/>
               <a:t>Click to edit Master text styles</a:t>
             </a:r>
-            <a:endParaRPr lang="en-US" altLang="zh-CN" dirty="0"/>
           </a:p>
           <a:p>
             <a:pPr lvl="1"/>
@@ -2970,7 +2947,6 @@
               <a:rPr lang="en-US" altLang="zh-CN" dirty="0"/>
               <a:t>Second level</a:t>
             </a:r>
-            <a:endParaRPr lang="en-US" altLang="zh-CN" dirty="0"/>
           </a:p>
           <a:p>
             <a:pPr lvl="2"/>
@@ -2978,7 +2954,6 @@
               <a:rPr lang="en-US" altLang="zh-CN" dirty="0"/>
               <a:t>Third level</a:t>
             </a:r>
-            <a:endParaRPr lang="en-US" altLang="zh-CN" dirty="0"/>
           </a:p>
           <a:p>
             <a:pPr lvl="3"/>
@@ -2986,7 +2961,6 @@
               <a:rPr lang="en-US" altLang="zh-CN" dirty="0"/>
               <a:t>Fourth level</a:t>
             </a:r>
-            <a:endParaRPr lang="en-US" altLang="zh-CN" dirty="0"/>
           </a:p>
           <a:p>
             <a:pPr lvl="4"/>
@@ -2994,7 +2968,6 @@
               <a:rPr lang="en-US" altLang="zh-CN" dirty="0"/>
               <a:t>Fifth level</a:t>
             </a:r>
-            <a:endParaRPr lang="en-US" altLang="zh-CN" dirty="0"/>
           </a:p>
         </p:txBody>
       </p:sp>
@@ -3060,6 +3033,7 @@
           <a:p>
             <a:fld id="{63A1C593-65D0-4073-BCC9-577B9352EA97}" type="datetimeFigureOut">
               <a:rPr lang="en-US" smtClean="0"/>
+              <a:t>10/3/2020</a:t>
             </a:fld>
             <a:endParaRPr lang="en-US"/>
           </a:p>
@@ -3191,6 +3165,7 @@
           <a:p>
             <a:fld id="{9B618960-8005-486C-9A75-10CB2AAC16F9}" type="slidenum">
               <a:rPr lang="en-US" smtClean="0"/>
+              <a:t>‹#›</a:t>
             </a:fld>
             <a:endParaRPr lang="en-US"/>
           </a:p>
@@ -3646,7 +3621,6 @@
               <a:rPr lang="en-US" b="1" dirty="0"/>
               <a:t>IDEAS FOR PROBLEM STATEMENT.</a:t>
             </a:r>
-            <a:endParaRPr lang="en-US" b="1" dirty="0"/>
           </a:p>
         </p:txBody>
       </p:sp>
@@ -3702,7 +3676,6 @@
               <a:rPr lang="en-US" sz="2000" b="1" dirty="0"/>
               <a:t> Autocomplete Feature</a:t>
             </a:r>
-            <a:endParaRPr lang="en-US" sz="2000" b="1" dirty="0"/>
           </a:p>
           <a:p>
             <a:pPr marL="457200" lvl="1" indent="0">
@@ -3714,9 +3687,6 @@
               </a:rPr>
               <a:t>   Incomplete terms entered by the user are compared to a dictionary to suggest possible options of words</a:t>
             </a:r>
-            <a:endParaRPr lang="en-US" sz="1090" dirty="0">
-              <a:sym typeface="+mn-ea"/>
-            </a:endParaRPr>
           </a:p>
           <a:p>
             <a:pPr marL="914400" lvl="2" indent="0">
@@ -3744,19 +3714,6 @@
               </a:rPr>
               <a:t>https://www.upgrad.com/blog/natural-language-processing-nlp-projects-ideas-topics-for-beginners/</a:t>
             </a:r>
-            <a:endParaRPr lang="en-US" sz="1050" dirty="0">
-              <a:solidFill>
-                <a:schemeClr val="accent1"/>
-              </a:solidFill>
-              <a:effectLst>
-                <a:outerShdw blurRad="38100" dist="25400" dir="5400000" algn="ctr" rotWithShape="0">
-                  <a:srgbClr val="6E747A">
-                    <a:alpha val="43000"/>
-                  </a:srgbClr>
-                </a:outerShdw>
-              </a:effectLst>
-              <a:sym typeface="+mn-ea"/>
-            </a:endParaRPr>
           </a:p>
           <a:p>
             <a:pPr marL="457200" indent="-457200">
@@ -3766,7 +3723,6 @@
               <a:rPr lang="en-US" sz="1750" b="1" dirty="0"/>
               <a:t> Music Genre Classification with Deep Learning</a:t>
             </a:r>
-            <a:endParaRPr lang="en-US" sz="1750" b="1" dirty="0"/>
           </a:p>
           <a:p>
             <a:pPr marL="0" indent="0">
@@ -3784,7 +3740,6 @@
               <a:rPr lang="en-US" sz="1200" dirty="0"/>
               <a:t> of music frames and analyzes the image using a Convolutional </a:t>
             </a:r>
-            <a:endParaRPr lang="en-US" sz="1200" dirty="0"/>
           </a:p>
           <a:p>
             <a:pPr marL="0" indent="0">
@@ -3794,7 +3749,6 @@
               <a:rPr lang="en-US" sz="1200" dirty="0"/>
               <a:t>             Neural Network (CNN) plus a Recurrent Neural Network (RNN). </a:t>
             </a:r>
-            <a:endParaRPr lang="en-US" sz="1200" dirty="0"/>
           </a:p>
           <a:p>
             <a:pPr marL="0" indent="0">
@@ -3815,18 +3769,6 @@
               </a:rPr>
               <a:t>		https://github.com/jsalbert/Music-Genre-Classification-with-Deep-Learning</a:t>
             </a:r>
-            <a:endParaRPr lang="en-US" sz="1200" dirty="0">
-              <a:solidFill>
-                <a:schemeClr val="accent1"/>
-              </a:solidFill>
-              <a:effectLst>
-                <a:outerShdw blurRad="38100" dist="25400" dir="5400000" algn="ctr" rotWithShape="0">
-                  <a:srgbClr val="6E747A">
-                    <a:alpha val="43000"/>
-                  </a:srgbClr>
-                </a:outerShdw>
-              </a:effectLst>
-            </a:endParaRPr>
           </a:p>
           <a:p>
             <a:pPr marL="0" indent="0">
@@ -3965,18 +3907,6 @@
               </a:rPr>
               <a:t>https://research.google.com/youtube8m/</a:t>
             </a:r>
-            <a:endParaRPr lang="en-US" sz="1200" dirty="0">
-              <a:solidFill>
-                <a:schemeClr val="accent1"/>
-              </a:solidFill>
-              <a:effectLst>
-                <a:outerShdw blurRad="38100" dist="25400" dir="5400000" algn="ctr" rotWithShape="0">
-                  <a:srgbClr val="6E747A">
-                    <a:alpha val="43000"/>
-                  </a:srgbClr>
-                </a:outerShdw>
-              </a:effectLst>
-            </a:endParaRPr>
           </a:p>
           <a:p>
             <a:pPr marL="0" indent="0">
@@ -4044,18 +3974,6 @@
               </a:rPr>
               <a:t>To identify postures ranging from simple stand and sit to yoga assans.</a:t>
             </a:r>
-            <a:endParaRPr lang="en-US" sz="1200" dirty="0">
-              <a:solidFill>
-                <a:schemeClr val="tx1"/>
-              </a:solidFill>
-              <a:effectLst>
-                <a:outerShdw blurRad="38100" dist="19050" dir="2700000" algn="tl" rotWithShape="0">
-                  <a:schemeClr val="dk1">
-                    <a:alpha val="40000"/>
-                  </a:schemeClr>
-                </a:outerShdw>
-              </a:effectLst>
-            </a:endParaRPr>
           </a:p>
           <a:p>
             <a:pPr marL="0" indent="0">
@@ -4094,18 +4012,6 @@
               </a:rPr>
               <a:t>https://www.geeksforgeeks.org/human-activity-recognition-using-deep-learning-model/</a:t>
             </a:r>
-            <a:endParaRPr lang="en-US" sz="1200" dirty="0">
-              <a:solidFill>
-                <a:schemeClr val="accent1"/>
-              </a:solidFill>
-              <a:effectLst>
-                <a:outerShdw blurRad="38100" dist="25400" dir="5400000" algn="ctr" rotWithShape="0">
-                  <a:srgbClr val="6E747A">
-                    <a:alpha val="43000"/>
-                  </a:srgbClr>
-                </a:outerShdw>
-              </a:effectLst>
-            </a:endParaRPr>
           </a:p>
         </p:txBody>
       </p:sp>
@@ -4133,7 +4039,6 @@
               <a:rPr lang="en-US" b="1"/>
               <a:t>Varun Bohara</a:t>
             </a:r>
-            <a:endParaRPr lang="en-US" b="1"/>
           </a:p>
         </p:txBody>
       </p:sp>
@@ -4172,7 +4077,12 @@
             <p:ph idx="1"/>
           </p:nvPr>
         </p:nvSpPr>
-        <p:spPr/>
+        <p:spPr>
+          <a:xfrm>
+            <a:off x="546538" y="1431607"/>
+            <a:ext cx="10972800" cy="4953000"/>
+          </a:xfrm>
+        </p:spPr>
         <p:txBody>
           <a:bodyPr/>
           <a:lstStyle/>
@@ -4180,6 +4090,12 @@
             <a:pPr marL="0" indent="0">
               <a:buNone/>
             </a:pPr>
+            <a:endParaRPr lang="en-IN" sz="2000" b="1" dirty="0"/>
+          </a:p>
+          <a:p>
+            <a:pPr marL="0" indent="0">
+              <a:buNone/>
+            </a:pPr>
             <a:r>
               <a:rPr lang="en-IN" sz="2000" b="1" dirty="0"/>
               <a:t>1.    Image Captioning </a:t>
@@ -4192,13 +4108,16 @@
             </a:pPr>
             <a:r>
               <a:rPr lang="en-IN" sz="2000" dirty="0"/>
-              <a:t>         </a:t>
+              <a:t>          </a:t>
+            </a:r>
+            <a:r>
+              <a:rPr lang="en-IN" sz="1600" dirty="0"/>
+              <a:t>Sentence based description of the image will be given as an output</a:t>
             </a:r>
             <a:r>
               <a:rPr lang="en-IN" sz="1400" dirty="0"/>
-              <a:t>Sentence based description of the image will be given as an output.</a:t>
-            </a:r>
-            <a:endParaRPr lang="en-IN" sz="1400" dirty="0"/>
+              <a:t>.</a:t>
+            </a:r>
           </a:p>
           <a:p>
             <a:pPr marL="0" indent="0">
@@ -4208,9 +4127,18 @@
               <a:rPr lang="en-IN" sz="1400" dirty="0"/>
               <a:t>	</a:t>
             </a:r>
+          </a:p>
+          <a:p>
+            <a:pPr marL="0" indent="0">
+              <a:buNone/>
+            </a:pPr>
+            <a:r>
+              <a:rPr lang="en-IN" sz="1400" dirty="0"/>
+              <a:t>              </a:t>
+            </a:r>
             <a:r>
               <a:rPr lang="en-IN" sz="1400" b="1" dirty="0">
-                <a:hlinkClick r:id="rId1"/>
+                <a:hlinkClick r:id="rId2"/>
               </a:rPr>
               <a:t>https://www.kaggle.com/hsankesara/flickr-image-dataset</a:t>
             </a:r>
@@ -4236,6 +4164,17 @@
               <a:rPr lang="en-IN" sz="1400" b="1" dirty="0"/>
               <a:t> </a:t>
             </a:r>
+          </a:p>
+          <a:p>
+            <a:pPr marL="0" indent="0">
+              <a:buNone/>
+            </a:pPr>
+            <a:endParaRPr lang="en-IN" sz="1400" b="1" dirty="0"/>
+          </a:p>
+          <a:p>
+            <a:pPr marL="0" indent="0">
+              <a:buNone/>
+            </a:pPr>
             <a:r>
               <a:rPr lang="en-IN" sz="1800" b="1" dirty="0"/>
               <a:t>2.</a:t>
@@ -4248,7 +4187,6 @@
               <a:rPr lang="en-IN" sz="1800" b="1" dirty="0"/>
               <a:t>Predict Github Issues </a:t>
             </a:r>
-            <a:endParaRPr lang="en-IN" sz="1800" b="1" dirty="0"/>
           </a:p>
           <a:p>
             <a:pPr marL="457200" lvl="1" indent="0">
@@ -4258,22 +4196,21 @@
               <a:rPr lang="en-IN" sz="1000" b="1" dirty="0"/>
               <a:t>            </a:t>
             </a:r>
-            <a:endParaRPr lang="en-IN" sz="1000" b="1" dirty="0"/>
           </a:p>
           <a:p>
             <a:pPr marL="457200" lvl="1" indent="0">
               <a:buNone/>
             </a:pPr>
             <a:r>
-              <a:rPr lang="en-US" sz="1400" dirty="0">
+              <a:rPr lang="en-US" sz="1500" dirty="0">
                 <a:solidFill>
                   <a:srgbClr val="3C4858"/>
                 </a:solidFill>
               </a:rPr>
-              <a:t>     T</a:t>
-            </a:r>
-            <a:r>
-              <a:rPr lang="en-US" sz="1400" i="0" dirty="0">
+              <a:t>  T</a:t>
+            </a:r>
+            <a:r>
+              <a:rPr lang="en-US" sz="1500" i="0" dirty="0">
                 <a:solidFill>
                   <a:srgbClr val="3C4858"/>
                 </a:solidFill>
@@ -4282,7 +4219,7 @@
               <a:t>o</a:t>
             </a:r>
             <a:r>
-              <a:rPr lang="en-US" sz="1400" b="0" i="0" dirty="0">
+              <a:rPr lang="en-US" sz="1500" b="0" i="0" dirty="0">
                 <a:solidFill>
                   <a:srgbClr val="3C4858"/>
                 </a:solidFill>
@@ -4309,21 +4246,24 @@
               <a:rPr lang="en-IN" sz="1000" b="1" dirty="0"/>
               <a:t>	</a:t>
             </a:r>
-            <a:endParaRPr lang="en-IN" sz="1000" b="1" dirty="0"/>
           </a:p>
           <a:p>
             <a:pPr marL="457200" lvl="1" indent="0">
               <a:buNone/>
             </a:pPr>
+            <a:r>
+              <a:rPr lang="en-IN" sz="1400" b="1" dirty="0"/>
+              <a:t> </a:t>
+            </a:r>
+            <a:r>
+              <a:rPr lang="en-IN" sz="1400" b="1" dirty="0">
+                <a:hlinkClick r:id="rId3"/>
+              </a:rPr>
+              <a:t>https://www.machinehack.com/hackathons/predict_github_issues_embold_sponsored_hackathon/overview </a:t>
+            </a:r>
             <a:r>
               <a:rPr lang="en-IN" sz="1000" b="1" dirty="0"/>
               <a:t>	</a:t>
-            </a:r>
-            <a:r>
-              <a:rPr lang="en-IN" sz="1400" b="1" dirty="0">
-                <a:hlinkClick r:id="rId2"/>
-              </a:rPr>
-              <a:t>https://www.machinehack.com/hackathons/predict_github_issues_embold_sponsored_hackathon/overview</a:t>
             </a:r>
             <a:endParaRPr lang="en-IN" sz="1400" dirty="0"/>
           </a:p>
@@ -4361,7 +4301,6 @@
               <a:rPr lang="en-IN" altLang="en-US" sz="1600" b="1"/>
               <a:t>Abhishek Rao</a:t>
             </a:r>
-            <a:endParaRPr lang="en-IN" altLang="en-US" sz="1600" b="1"/>
           </a:p>
         </p:txBody>
       </p:sp>
@@ -4406,10 +4345,9 @@
           <a:lstStyle/>
           <a:p>
             <a:r>
-              <a:rPr lang="en-US" dirty="0" smtClean="0"/>
+              <a:rPr lang="en-US" dirty="0"/>
               <a:t> </a:t>
             </a:r>
-            <a:endParaRPr lang="en-US" dirty="0"/>
           </a:p>
         </p:txBody>
       </p:sp>
@@ -4434,214 +4372,169 @@
           <a:lstStyle/>
           <a:p>
             <a:r>
-              <a:rPr lang="en-US" sz="2000" b="1" dirty="0" smtClean="0"/>
+              <a:rPr lang="en-US" sz="2000" b="1" dirty="0"/>
               <a:t>Mood Detection</a:t>
             </a:r>
-            <a:endParaRPr lang="en-US" sz="2000" b="1" dirty="0" smtClean="0"/>
           </a:p>
           <a:p>
             <a:pPr>
               <a:buNone/>
             </a:pPr>
             <a:r>
-              <a:rPr lang="en-US" sz="1800" dirty="0" smtClean="0"/>
-              <a:t>     - </a:t>
-            </a:r>
-            <a:r>
-              <a:rPr lang="en-US" sz="1800" dirty="0" smtClean="0"/>
-              <a:t>Neurophysical Testing</a:t>
-            </a:r>
-            <a:endParaRPr lang="en-US" sz="1800" dirty="0" smtClean="0"/>
+              <a:rPr lang="en-US" sz="1800" dirty="0"/>
+              <a:t>     - Neurophysical Testing</a:t>
+            </a:r>
           </a:p>
           <a:p>
             <a:pPr>
               <a:buNone/>
             </a:pPr>
             <a:r>
-              <a:rPr lang="en-US" sz="1800" dirty="0" smtClean="0"/>
+              <a:rPr lang="en-US" sz="1800" dirty="0"/>
               <a:t>     - Physical Testing</a:t>
             </a:r>
-            <a:endParaRPr lang="en-US" sz="1800" dirty="0" smtClean="0"/>
           </a:p>
           <a:p>
             <a:pPr>
               <a:buNone/>
             </a:pPr>
             <a:r>
-              <a:rPr lang="en-US" sz="1800" dirty="0" smtClean="0"/>
-              <a:t>     - </a:t>
-            </a:r>
-            <a:r>
-              <a:rPr lang="en-US" sz="1800" dirty="0" smtClean="0"/>
-              <a:t>Typing DNA</a:t>
-            </a:r>
-            <a:endParaRPr lang="en-US" sz="1800" dirty="0" smtClean="0"/>
+              <a:rPr lang="en-US" sz="1800" dirty="0"/>
+              <a:t>     - Typing DNA</a:t>
+            </a:r>
           </a:p>
           <a:p>
             <a:pPr>
               <a:buNone/>
             </a:pPr>
             <a:r>
-              <a:rPr lang="en-US" sz="1800" dirty="0" smtClean="0"/>
-              <a:t>     - Key Press Delay and Key Stroke </a:t>
-            </a:r>
-            <a:r>
-              <a:rPr lang="en-US" sz="1800" dirty="0" smtClean="0"/>
-              <a:t>Delay</a:t>
-            </a:r>
-            <a:endParaRPr lang="en-US" sz="1800" dirty="0" smtClean="0"/>
+              <a:rPr lang="en-US" sz="1800" dirty="0"/>
+              <a:t>     - Key Press Delay and Key Stroke Delay</a:t>
+            </a:r>
           </a:p>
           <a:p>
             <a:pPr>
               <a:buNone/>
             </a:pPr>
             <a:r>
-              <a:rPr lang="en-US" sz="1800" dirty="0" smtClean="0"/>
-              <a:t> </a:t>
-            </a:r>
-            <a:r>
-              <a:rPr lang="en-US" sz="1800" dirty="0" smtClean="0"/>
-              <a:t> </a:t>
-            </a:r>
-            <a:r>
-              <a:rPr lang="en-US" sz="1800" dirty="0" smtClean="0">
-                <a:hlinkClick r:id="rId1"/>
+              <a:rPr lang="en-US" sz="1800" dirty="0"/>
+              <a:t>  </a:t>
+            </a:r>
+            <a:r>
+              <a:rPr lang="en-US" sz="1800" dirty="0">
+                <a:hlinkClick r:id="rId2"/>
               </a:rPr>
               <a:t>https://www.hindawi.com/journals/complexity/2019/6434578/</a:t>
             </a:r>
-            <a:endParaRPr lang="en-US" sz="1800" dirty="0" smtClean="0"/>
-          </a:p>
-          <a:p>
-            <a:r>
-              <a:rPr lang="en-US" sz="2000" b="1" dirty="0" smtClean="0"/>
+            <a:endParaRPr lang="en-US" sz="1800" dirty="0"/>
+          </a:p>
+          <a:p>
+            <a:r>
+              <a:rPr lang="en-US" sz="2000" b="1" dirty="0"/>
               <a:t>Behavior Prediction on human to human interaction</a:t>
             </a:r>
-            <a:endParaRPr lang="en-US" sz="2000" b="1" dirty="0" smtClean="0"/>
           </a:p>
           <a:p>
             <a:pPr>
               <a:buNone/>
             </a:pPr>
             <a:r>
-              <a:rPr lang="en-US" sz="2000" dirty="0" smtClean="0"/>
+              <a:rPr lang="en-US" sz="2000" dirty="0"/>
               <a:t>     </a:t>
             </a:r>
             <a:r>
-              <a:rPr lang="en-US" sz="1800" dirty="0" smtClean="0"/>
+              <a:rPr lang="en-US" sz="1800" dirty="0"/>
               <a:t>- Audio Visual Data</a:t>
             </a:r>
-            <a:endParaRPr lang="en-US" sz="1800" dirty="0" smtClean="0"/>
           </a:p>
           <a:p>
             <a:pPr>
               <a:buNone/>
             </a:pPr>
             <a:r>
-              <a:rPr lang="en-US" sz="1800" dirty="0" smtClean="0"/>
+              <a:rPr lang="en-US" sz="1800" dirty="0"/>
+              <a:t>     - Speech and Gesture </a:t>
+            </a:r>
+          </a:p>
+          <a:p>
+            <a:pPr>
+              <a:buNone/>
+            </a:pPr>
+            <a:r>
+              <a:rPr lang="en-US" sz="1800" dirty="0"/>
               <a:t> </a:t>
             </a:r>
             <a:r>
-              <a:rPr lang="en-US" sz="1800" dirty="0" smtClean="0"/>
-              <a:t>    - Speech and Gesture </a:t>
-            </a:r>
-            <a:endParaRPr lang="en-US" sz="1800" dirty="0" smtClean="0"/>
-          </a:p>
-          <a:p>
-            <a:pPr>
-              <a:buNone/>
-            </a:pPr>
-            <a:r>
-              <a:rPr lang="en-US" sz="1800" dirty="0" smtClean="0"/>
-              <a:t> </a:t>
-            </a:r>
-            <a:r>
-              <a:rPr lang="en-US" sz="1800" dirty="0" smtClean="0">
-                <a:hlinkClick r:id="rId2"/>
+              <a:rPr lang="en-US" sz="1800" dirty="0">
+                <a:hlinkClick r:id="rId3"/>
               </a:rPr>
               <a:t>https://www.researchgate.net/publication/269353812_An_audio-visual_dataset_of_human-human_interactions_in_stressful_situations</a:t>
             </a:r>
-            <a:endParaRPr lang="en-US" sz="1800" dirty="0" smtClean="0"/>
-          </a:p>
-          <a:p>
-            <a:r>
-              <a:rPr lang="en-US" sz="2000" b="1" dirty="0" smtClean="0"/>
+            <a:endParaRPr lang="en-US" sz="1800" dirty="0"/>
+          </a:p>
+          <a:p>
+            <a:r>
+              <a:rPr lang="en-US" sz="2000" b="1" dirty="0"/>
               <a:t>Effect of Music and Lyrics on Personality</a:t>
             </a:r>
-            <a:endParaRPr lang="en-US" sz="2000" b="1" dirty="0" smtClean="0"/>
           </a:p>
           <a:p>
             <a:pPr>
               <a:buNone/>
             </a:pPr>
             <a:r>
-              <a:rPr lang="en-US" sz="2000" dirty="0" smtClean="0"/>
-              <a:t> </a:t>
-            </a:r>
-            <a:r>
-              <a:rPr lang="en-US" sz="2000" dirty="0" smtClean="0"/>
-              <a:t>   </a:t>
-            </a:r>
-            <a:r>
-              <a:rPr lang="en-US" sz="1800" dirty="0" smtClean="0"/>
+              <a:rPr lang="en-US" sz="2000" dirty="0"/>
+              <a:t>    </a:t>
+            </a:r>
+            <a:r>
+              <a:rPr lang="en-US" sz="1800" dirty="0"/>
               <a:t>- Listener’s personality, Music preferences, Level of music involvement and Uses of music.</a:t>
             </a:r>
-            <a:endParaRPr lang="en-US" sz="1800" dirty="0" smtClean="0"/>
           </a:p>
           <a:p>
             <a:pPr>
               <a:buNone/>
             </a:pPr>
             <a:r>
-              <a:rPr lang="en-US" sz="1800" dirty="0" smtClean="0">
-                <a:hlinkClick r:id="rId3"/>
+              <a:rPr lang="en-US" sz="1800" dirty="0">
+                <a:hlinkClick r:id="rId4"/>
               </a:rPr>
               <a:t>https://www.researchgate.net/publication/232435072_The_Effect_of_Music_and_Lyrics_on_Personality</a:t>
             </a:r>
-            <a:endParaRPr lang="en-US" sz="1800" dirty="0" smtClean="0"/>
+            <a:endParaRPr lang="en-US" sz="1800" dirty="0"/>
           </a:p>
           <a:p>
             <a:pPr>
               <a:buNone/>
             </a:pPr>
             <a:r>
-              <a:rPr lang="en-US" sz="1600" dirty="0" smtClean="0"/>
-              <a:t> </a:t>
-            </a:r>
-            <a:r>
-              <a:rPr lang="en-US" sz="1600" dirty="0" smtClean="0"/>
-              <a:t>                                                                                                                                                                   </a:t>
-            </a:r>
-            <a:endParaRPr lang="en-US" sz="1600" dirty="0" smtClean="0"/>
+              <a:rPr lang="en-US" sz="1600" dirty="0"/>
+              <a:t>                                                                                                                                                                    </a:t>
+            </a:r>
           </a:p>
           <a:p>
             <a:pPr>
               <a:buNone/>
             </a:pPr>
             <a:r>
-              <a:rPr lang="en-US" sz="1600" b="1" dirty="0" smtClean="0"/>
-              <a:t> </a:t>
-            </a:r>
-            <a:r>
-              <a:rPr lang="en-US" sz="1600" b="1" dirty="0" smtClean="0"/>
-              <a:t>                                                                                                                                                                  Sakshi Tahlani</a:t>
-            </a:r>
-            <a:endParaRPr lang="en-US" sz="1600" b="1" dirty="0" smtClean="0"/>
+              <a:rPr lang="en-US" sz="1600" b="1" dirty="0"/>
+              <a:t>                                                                                                                                                                   Sakshi Tahlani</a:t>
+            </a:r>
           </a:p>
           <a:p>
             <a:pPr>
               <a:buNone/>
             </a:pPr>
-            <a:endParaRPr lang="en-US" sz="2000" dirty="0" smtClean="0"/>
+            <a:endParaRPr lang="en-US" sz="2000" dirty="0"/>
           </a:p>
           <a:p>
             <a:pPr>
               <a:buNone/>
             </a:pPr>
             <a:r>
-              <a:rPr lang="en-US" sz="2000" dirty="0" smtClean="0"/>
+              <a:rPr lang="en-US" sz="2000" dirty="0"/>
               <a:t>      </a:t>
             </a:r>
-            <a:endParaRPr lang="en-US" sz="2000" dirty="0"/>
           </a:p>
         </p:txBody>
       </p:sp>
@@ -4689,7 +4582,6 @@
               <a:rPr lang="en-IN" altLang="en-US" sz="500"/>
               <a:t>.</a:t>
             </a:r>
-            <a:endParaRPr lang="en-IN" altLang="en-US" sz="500"/>
           </a:p>
         </p:txBody>
       </p:sp>
@@ -4713,14 +4605,11 @@
               <a:buAutoNum type="arabicPeriod"/>
             </a:pPr>
             <a:r>
-              <a:rPr lang="en-US" sz="2000" b="1">
+              <a:rPr lang="en-US" sz="2000" b="1" dirty="0">
                 <a:cs typeface="+mn-lt"/>
               </a:rPr>
               <a:t>Judging COVID-19 Infection through Symptoms </a:t>
             </a:r>
-            <a:endParaRPr lang="en-US" sz="2000" b="1">
-              <a:cs typeface="+mn-lt"/>
-            </a:endParaRPr>
           </a:p>
           <a:p>
             <a:pPr marL="0" indent="0">
@@ -4728,18 +4617,30 @@
               <a:buNone/>
             </a:pPr>
             <a:r>
-              <a:rPr lang="en-US" sz="2000">
+              <a:rPr lang="en-US" sz="2000" dirty="0">
                 <a:sym typeface="+mn-ea"/>
               </a:rPr>
               <a:t>             </a:t>
             </a:r>
             <a:r>
-              <a:rPr lang="en-IN" altLang="en-US" sz="1800">
+              <a:rPr lang="en-IN" altLang="en-US" sz="1800" dirty="0">
                 <a:sym typeface="+mn-ea"/>
               </a:rPr>
-              <a:t>Determine whether or not the symptoms are actually indicating the person has covid or           	common  cold or flu.</a:t>
-            </a:r>
-            <a:endParaRPr lang="en-IN" altLang="en-US" sz="2000"/>
+              <a:t>Determine whether or not the symptoms are actually indicating the person has </a:t>
+            </a:r>
+            <a:r>
+              <a:rPr lang="en-IN" altLang="en-US" sz="1800" dirty="0" err="1">
+                <a:sym typeface="+mn-ea"/>
+              </a:rPr>
+              <a:t>covid</a:t>
+            </a:r>
+            <a:r>
+              <a:rPr lang="en-IN" altLang="en-US" sz="1800" dirty="0">
+                <a:sym typeface="+mn-ea"/>
+              </a:rPr>
+              <a:t> or           	common  cold or flu.</a:t>
+            </a:r>
+            <a:endParaRPr lang="en-IN" altLang="en-US" sz="2000" dirty="0"/>
           </a:p>
           <a:p>
             <a:pPr marL="0" indent="0">
@@ -4747,13 +4648,13 @@
               <a:buNone/>
             </a:pPr>
             <a:r>
-              <a:rPr lang="en-IN" altLang="en-US" sz="2000">
+              <a:rPr lang="en-IN" altLang="en-US" sz="2000" dirty="0">
                 <a:sym typeface="+mn-ea"/>
               </a:rPr>
               <a:t>	 </a:t>
             </a:r>
             <a:r>
-              <a:rPr lang="en-IN" altLang="en-US" sz="1600">
+              <a:rPr lang="en-IN" altLang="en-US" sz="1600" dirty="0">
                 <a:solidFill>
                   <a:schemeClr val="accent1"/>
                 </a:solidFill>
@@ -4761,19 +4662,13 @@
               </a:rPr>
               <a:t>https://medium.com/@tanvirhurra/judging-covid-19-infection-through-symptoms-a-random-forest-based-	 classification-model-  6f67f15da6dd</a:t>
             </a:r>
-            <a:endParaRPr lang="en-IN" altLang="en-US" sz="1600">
-              <a:solidFill>
-                <a:schemeClr val="accent1"/>
-              </a:solidFill>
-              <a:sym typeface="+mn-ea"/>
-            </a:endParaRPr>
           </a:p>
           <a:p>
             <a:pPr marL="0" indent="0">
               <a:buFont typeface="+mj-lt"/>
               <a:buNone/>
             </a:pPr>
-            <a:endParaRPr lang="en-IN" altLang="en-US" sz="1600">
+            <a:endParaRPr lang="en-IN" altLang="en-US" sz="1600" dirty="0">
               <a:solidFill>
                 <a:schemeClr val="accent1"/>
               </a:solidFill>
@@ -4784,22 +4679,18 @@
               <a:buFont typeface="+mj-lt"/>
               <a:buNone/>
             </a:pPr>
-            <a:endParaRPr lang="en-IN" altLang="en-US" sz="1400"/>
-          </a:p>
-          <a:p>
-            <a:pPr marL="514350" indent="-514350">
-              <a:buFont typeface="+mj-lt"/>
-              <a:buAutoNum type="arabicPeriod"/>
+            <a:endParaRPr lang="en-IN" altLang="en-US" sz="1400" dirty="0"/>
+          </a:p>
+          <a:p>
+            <a:pPr marL="0" indent="0">
+              <a:buNone/>
             </a:pPr>
             <a:r>
-              <a:rPr lang="en-US" sz="2000" b="1">
+              <a:rPr lang="en-US" sz="2000" b="1" dirty="0">
                 <a:cs typeface="+mn-lt"/>
               </a:rPr>
-              <a:t>Infant Cry Language Analysis and Recognition:</a:t>
-            </a:r>
-            <a:endParaRPr lang="en-US" sz="2000" b="1">
-              <a:cs typeface="+mn-lt"/>
-            </a:endParaRPr>
+              <a:t>2.      Infant Cry Language Analysis and Recognition:</a:t>
+            </a:r>
           </a:p>
           <a:p>
             <a:pPr marL="457200" lvl="1" indent="0">
@@ -4807,18 +4698,25 @@
               <a:buNone/>
             </a:pPr>
             <a:r>
-              <a:rPr lang="en-IN" altLang="en-US"/>
+              <a:rPr lang="en-IN" altLang="en-US" dirty="0"/>
               <a:t>   </a:t>
             </a:r>
             <a:r>
-              <a:rPr lang="en-IN" altLang="en-US" sz="2000"/>
+              <a:rPr lang="en-IN" altLang="en-US" sz="2000" dirty="0"/>
               <a:t> </a:t>
             </a:r>
             <a:r>
-              <a:rPr lang="en-IN" altLang="en-US" sz="1800"/>
-              <a:t>Determine the reason for cry of the infants may be hunger,sleepy,pain </a:t>
-            </a:r>
-            <a:endParaRPr lang="en-IN" altLang="en-US" sz="1800"/>
+              <a:rPr lang="en-IN" altLang="en-US" sz="1800" dirty="0"/>
+              <a:t>Determine the reason for cry of the infants may be </a:t>
+            </a:r>
+            <a:r>
+              <a:rPr lang="en-IN" altLang="en-US" sz="1800" dirty="0" err="1"/>
+              <a:t>hunger,sleepy,pain</a:t>
+            </a:r>
+            <a:r>
+              <a:rPr lang="en-IN" altLang="en-US" sz="1800" dirty="0"/>
+              <a:t> </a:t>
+            </a:r>
           </a:p>
           <a:p>
             <a:pPr marL="0" indent="0">
@@ -4826,22 +4724,17 @@
               <a:buNone/>
             </a:pPr>
             <a:r>
-              <a:rPr lang="en-IN" altLang="en-US" sz="2000"/>
+              <a:rPr lang="en-IN" altLang="en-US" sz="2000" dirty="0"/>
               <a:t>	</a:t>
             </a:r>
             <a:r>
-              <a:rPr lang="en-IN" altLang="en-US" sz="1800">
+              <a:rPr lang="en-IN" altLang="en-US" sz="1800" dirty="0">
                 <a:solidFill>
                   <a:schemeClr val="accent1"/>
                 </a:solidFill>
               </a:rPr>
               <a:t>http://www.ieee-jas.org/fileZDHXBEN/journal/article/zdhxbywb/2019/3/PDF/jas-6-3-778.pdf</a:t>
             </a:r>
-            <a:endParaRPr lang="en-IN" altLang="en-US" sz="1800">
-              <a:solidFill>
-                <a:schemeClr val="accent1"/>
-              </a:solidFill>
-            </a:endParaRPr>
           </a:p>
         </p:txBody>
       </p:sp>
@@ -4871,7 +4764,6 @@
               <a:rPr lang="en-IN" altLang="en-US" sz="1600" b="1"/>
               <a:t>Madhurika Ganiger</a:t>
             </a:r>
-            <a:endParaRPr lang="en-IN" altLang="en-US" sz="1600" b="1"/>
           </a:p>
         </p:txBody>
       </p:sp>
@@ -6000,6 +5892,8 @@
       </a:bgFillStyleLst>
     </a:fmtScheme>
   </a:themeElements>
+  <a:objectDefaults/>
+  <a:extraClrSchemeLst/>
   <a:extLst>
     <a:ext uri="{05A4C25C-085E-4340-85A3-A5531E510DB2}">
       <thm15:themeFamily xmlns:thm15="http://schemas.microsoft.com/office/thememl/2012/main" name="Office Theme" id="{62F939B6-93AF-4DB8-9C6B-D6C7DFDC589F}" vid="{4A3C46E8-61CC-4603-A589-7422A47A8E4A}"/>
